--- a/Presentation_olivier_MOREL.pptx
+++ b/Presentation_olivier_MOREL.pptx
@@ -5,15 +5,30 @@
     <p:sldMasterId id="2147483648" r:id="rId1"/>
   </p:sldMasterIdLst>
   <p:notesMasterIdLst>
-    <p:notesMasterId r:id="rId8"/>
+    <p:notesMasterId r:id="rId23"/>
   </p:notesMasterIdLst>
   <p:sldIdLst>
     <p:sldId id="256" r:id="rId2"/>
-    <p:sldId id="259" r:id="rId3"/>
-    <p:sldId id="257" r:id="rId4"/>
-    <p:sldId id="258" r:id="rId5"/>
-    <p:sldId id="260" r:id="rId6"/>
-    <p:sldId id="261" r:id="rId7"/>
+    <p:sldId id="257" r:id="rId3"/>
+    <p:sldId id="258" r:id="rId4"/>
+    <p:sldId id="260" r:id="rId5"/>
+    <p:sldId id="261" r:id="rId6"/>
+    <p:sldId id="263" r:id="rId7"/>
+    <p:sldId id="264" r:id="rId8"/>
+    <p:sldId id="265" r:id="rId9"/>
+    <p:sldId id="266" r:id="rId10"/>
+    <p:sldId id="269" r:id="rId11"/>
+    <p:sldId id="267" r:id="rId12"/>
+    <p:sldId id="268" r:id="rId13"/>
+    <p:sldId id="270" r:id="rId14"/>
+    <p:sldId id="271" r:id="rId15"/>
+    <p:sldId id="272" r:id="rId16"/>
+    <p:sldId id="274" r:id="rId17"/>
+    <p:sldId id="273" r:id="rId18"/>
+    <p:sldId id="275" r:id="rId19"/>
+    <p:sldId id="276" r:id="rId20"/>
+    <p:sldId id="278" r:id="rId21"/>
+    <p:sldId id="279" r:id="rId22"/>
   </p:sldIdLst>
   <p:sldSz cx="12192000" cy="6858000"/>
   <p:notesSz cx="6858000" cy="9144000"/>
@@ -202,7 +217,7 @@
           <a:p>
             <a:fld id="{E8FCC5B4-5461-4D35-B47E-4EAC3B164469}" type="datetimeFigureOut">
               <a:rPr lang="fr-FR" smtClean="0"/>
-              <a:t>23/08/2021</a:t>
+              <a:t>01/03/2022</a:t>
             </a:fld>
             <a:endParaRPr lang="fr-FR"/>
           </a:p>
@@ -616,7 +631,7 @@
           <a:p>
             <a:fld id="{09379764-3B01-489A-94E4-0B76841ABA47}" type="datetimeFigureOut">
               <a:rPr lang="fr-FR" smtClean="0"/>
-              <a:t>23/08/2021</a:t>
+              <a:t>01/03/2022</a:t>
             </a:fld>
             <a:endParaRPr lang="fr-FR"/>
           </a:p>
@@ -814,7 +829,7 @@
           <a:p>
             <a:fld id="{09379764-3B01-489A-94E4-0B76841ABA47}" type="datetimeFigureOut">
               <a:rPr lang="fr-FR" smtClean="0"/>
-              <a:t>23/08/2021</a:t>
+              <a:t>01/03/2022</a:t>
             </a:fld>
             <a:endParaRPr lang="fr-FR"/>
           </a:p>
@@ -1022,7 +1037,7 @@
           <a:p>
             <a:fld id="{09379764-3B01-489A-94E4-0B76841ABA47}" type="datetimeFigureOut">
               <a:rPr lang="fr-FR" smtClean="0"/>
-              <a:t>23/08/2021</a:t>
+              <a:t>01/03/2022</a:t>
             </a:fld>
             <a:endParaRPr lang="fr-FR"/>
           </a:p>
@@ -1220,7 +1235,7 @@
           <a:p>
             <a:fld id="{09379764-3B01-489A-94E4-0B76841ABA47}" type="datetimeFigureOut">
               <a:rPr lang="fr-FR" smtClean="0"/>
-              <a:t>23/08/2021</a:t>
+              <a:t>01/03/2022</a:t>
             </a:fld>
             <a:endParaRPr lang="fr-FR"/>
           </a:p>
@@ -1496,7 +1511,7 @@
           <a:p>
             <a:fld id="{09379764-3B01-489A-94E4-0B76841ABA47}" type="datetimeFigureOut">
               <a:rPr lang="fr-FR" smtClean="0"/>
-              <a:t>23/08/2021</a:t>
+              <a:t>01/03/2022</a:t>
             </a:fld>
             <a:endParaRPr lang="fr-FR"/>
           </a:p>
@@ -1761,7 +1776,7 @@
           <a:p>
             <a:fld id="{09379764-3B01-489A-94E4-0B76841ABA47}" type="datetimeFigureOut">
               <a:rPr lang="fr-FR" smtClean="0"/>
-              <a:t>23/08/2021</a:t>
+              <a:t>01/03/2022</a:t>
             </a:fld>
             <a:endParaRPr lang="fr-FR"/>
           </a:p>
@@ -2173,7 +2188,7 @@
           <a:p>
             <a:fld id="{09379764-3B01-489A-94E4-0B76841ABA47}" type="datetimeFigureOut">
               <a:rPr lang="fr-FR" smtClean="0"/>
-              <a:t>23/08/2021</a:t>
+              <a:t>01/03/2022</a:t>
             </a:fld>
             <a:endParaRPr lang="fr-FR"/>
           </a:p>
@@ -2314,7 +2329,7 @@
           <a:p>
             <a:fld id="{09379764-3B01-489A-94E4-0B76841ABA47}" type="datetimeFigureOut">
               <a:rPr lang="fr-FR" smtClean="0"/>
-              <a:t>23/08/2021</a:t>
+              <a:t>01/03/2022</a:t>
             </a:fld>
             <a:endParaRPr lang="fr-FR"/>
           </a:p>
@@ -2427,7 +2442,7 @@
           <a:p>
             <a:fld id="{09379764-3B01-489A-94E4-0B76841ABA47}" type="datetimeFigureOut">
               <a:rPr lang="fr-FR" smtClean="0"/>
-              <a:t>23/08/2021</a:t>
+              <a:t>01/03/2022</a:t>
             </a:fld>
             <a:endParaRPr lang="fr-FR"/>
           </a:p>
@@ -2738,7 +2753,7 @@
           <a:p>
             <a:fld id="{09379764-3B01-489A-94E4-0B76841ABA47}" type="datetimeFigureOut">
               <a:rPr lang="fr-FR" smtClean="0"/>
-              <a:t>23/08/2021</a:t>
+              <a:t>01/03/2022</a:t>
             </a:fld>
             <a:endParaRPr lang="fr-FR"/>
           </a:p>
@@ -3026,7 +3041,7 @@
           <a:p>
             <a:fld id="{09379764-3B01-489A-94E4-0B76841ABA47}" type="datetimeFigureOut">
               <a:rPr lang="fr-FR" smtClean="0"/>
-              <a:t>23/08/2021</a:t>
+              <a:t>01/03/2022</a:t>
             </a:fld>
             <a:endParaRPr lang="fr-FR"/>
           </a:p>
@@ -3267,7 +3282,7 @@
           <a:p>
             <a:fld id="{09379764-3B01-489A-94E4-0B76841ABA47}" type="datetimeFigureOut">
               <a:rPr lang="fr-FR" smtClean="0"/>
-              <a:t>23/08/2021</a:t>
+              <a:t>01/03/2022</a:t>
             </a:fld>
             <a:endParaRPr lang="fr-FR"/>
           </a:p>
@@ -3796,6 +3811,3356 @@
 </p:sld>
 </file>
 
+<file path=ppt/slides/slide10.xml><?xml version="1.0" encoding="utf-8"?>
+<p:sld xmlns:a="http://schemas.openxmlformats.org/drawingml/2006/main" xmlns:r="http://schemas.openxmlformats.org/officeDocument/2006/relationships" xmlns:p="http://schemas.openxmlformats.org/presentationml/2006/main">
+  <p:cSld>
+    <p:spTree>
+      <p:nvGrpSpPr>
+        <p:cNvPr id="1" name=""/>
+        <p:cNvGrpSpPr/>
+        <p:nvPr/>
+      </p:nvGrpSpPr>
+      <p:grpSpPr>
+        <a:xfrm>
+          <a:off x="0" y="0"/>
+          <a:ext cx="0" cy="0"/>
+          <a:chOff x="0" y="0"/>
+          <a:chExt cx="0" cy="0"/>
+        </a:xfrm>
+      </p:grpSpPr>
+      <p:sp>
+        <p:nvSpPr>
+          <p:cNvPr id="2" name="Titre 1">
+            <a:extLst>
+              <a:ext uri="{FF2B5EF4-FFF2-40B4-BE49-F238E27FC236}">
+                <a16:creationId xmlns:a16="http://schemas.microsoft.com/office/drawing/2014/main" id="{C802F121-8612-44AB-B0BC-C8164A3F0A0E}"/>
+              </a:ext>
+            </a:extLst>
+          </p:cNvPr>
+          <p:cNvSpPr>
+            <a:spLocks noGrp="1"/>
+          </p:cNvSpPr>
+          <p:nvPr>
+            <p:ph type="title"/>
+          </p:nvPr>
+        </p:nvSpPr>
+        <p:spPr/>
+        <p:txBody>
+          <a:bodyPr/>
+          <a:lstStyle/>
+          <a:p>
+            <a:r>
+              <a:rPr lang="fr-FR" dirty="0"/>
+              <a:t>Les </a:t>
+            </a:r>
+            <a:r>
+              <a:rPr lang="fr-FR" dirty="0" err="1"/>
+              <a:t>personnas</a:t>
+            </a:r>
+            <a:endParaRPr lang="fr-FR" dirty="0"/>
+          </a:p>
+        </p:txBody>
+      </p:sp>
+      <p:sp>
+        <p:nvSpPr>
+          <p:cNvPr id="3" name="Espace réservé du contenu 2">
+            <a:extLst>
+              <a:ext uri="{FF2B5EF4-FFF2-40B4-BE49-F238E27FC236}">
+                <a16:creationId xmlns:a16="http://schemas.microsoft.com/office/drawing/2014/main" id="{1F22CDB2-E427-4B35-A3DC-75C9FEB8C461}"/>
+              </a:ext>
+            </a:extLst>
+          </p:cNvPr>
+          <p:cNvSpPr>
+            <a:spLocks noGrp="1"/>
+          </p:cNvSpPr>
+          <p:nvPr>
+            <p:ph idx="1"/>
+          </p:nvPr>
+        </p:nvSpPr>
+        <p:spPr/>
+        <p:txBody>
+          <a:bodyPr/>
+          <a:lstStyle/>
+          <a:p>
+            <a:r>
+              <a:rPr lang="fr-FR" dirty="0"/>
+              <a:t>= acteurs nommés</a:t>
+            </a:r>
+          </a:p>
+          <a:p>
+            <a:r>
+              <a:rPr lang="fr-FR" dirty="0"/>
+              <a:t>ex :</a:t>
+            </a:r>
+          </a:p>
+          <a:p>
+            <a:pPr marL="0" indent="0">
+              <a:buNone/>
+            </a:pPr>
+            <a:endParaRPr lang="fr-FR" dirty="0"/>
+          </a:p>
+        </p:txBody>
+      </p:sp>
+      <p:sp>
+        <p:nvSpPr>
+          <p:cNvPr id="4" name="Espace réservé du numéro de diapositive 3">
+            <a:extLst>
+              <a:ext uri="{FF2B5EF4-FFF2-40B4-BE49-F238E27FC236}">
+                <a16:creationId xmlns:a16="http://schemas.microsoft.com/office/drawing/2014/main" id="{C44E2234-78CB-47F7-8E3D-47F9BD2C3AF7}"/>
+              </a:ext>
+            </a:extLst>
+          </p:cNvPr>
+          <p:cNvSpPr>
+            <a:spLocks noGrp="1"/>
+          </p:cNvSpPr>
+          <p:nvPr>
+            <p:ph type="sldNum" sz="quarter" idx="12"/>
+          </p:nvPr>
+        </p:nvSpPr>
+        <p:spPr/>
+        <p:txBody>
+          <a:bodyPr/>
+          <a:lstStyle/>
+          <a:p>
+            <a:fld id="{6C97E930-14A5-472D-AD2C-D42CAE897216}" type="slidenum">
+              <a:rPr lang="fr-FR" smtClean="0"/>
+              <a:t>10</a:t>
+            </a:fld>
+            <a:endParaRPr lang="fr-FR" dirty="0"/>
+          </a:p>
+        </p:txBody>
+      </p:sp>
+      <p:graphicFrame>
+        <p:nvGraphicFramePr>
+          <p:cNvPr id="8" name="Tableau 7">
+            <a:extLst>
+              <a:ext uri="{FF2B5EF4-FFF2-40B4-BE49-F238E27FC236}">
+                <a16:creationId xmlns:a16="http://schemas.microsoft.com/office/drawing/2014/main" id="{B0F75FB3-FB3E-416F-B1F5-B79A593369E7}"/>
+              </a:ext>
+            </a:extLst>
+          </p:cNvPr>
+          <p:cNvGraphicFramePr>
+            <a:graphicFrameLocks noGrp="1"/>
+          </p:cNvGraphicFramePr>
+          <p:nvPr>
+            <p:extLst>
+              <p:ext uri="{D42A27DB-BD31-4B8C-83A1-F6EECF244321}">
+                <p14:modId xmlns:p14="http://schemas.microsoft.com/office/powerpoint/2010/main" val="2348079535"/>
+              </p:ext>
+            </p:extLst>
+          </p:nvPr>
+        </p:nvGraphicFramePr>
+        <p:xfrm>
+          <a:off x="1973780" y="2558446"/>
+          <a:ext cx="8971588" cy="3753454"/>
+        </p:xfrm>
+        <a:graphic>
+          <a:graphicData uri="http://schemas.openxmlformats.org/drawingml/2006/table">
+            <a:tbl>
+              <a:tblPr firstRow="1" firstCol="1" bandRow="1"/>
+              <a:tblGrid>
+                <a:gridCol w="2258296">
+                  <a:extLst>
+                    <a:ext uri="{9D8B030D-6E8A-4147-A177-3AD203B41FA5}">
+                      <a16:colId xmlns:a16="http://schemas.microsoft.com/office/drawing/2014/main" val="3594091446"/>
+                    </a:ext>
+                  </a:extLst>
+                </a:gridCol>
+                <a:gridCol w="501979">
+                  <a:extLst>
+                    <a:ext uri="{9D8B030D-6E8A-4147-A177-3AD203B41FA5}">
+                      <a16:colId xmlns:a16="http://schemas.microsoft.com/office/drawing/2014/main" val="3939639897"/>
+                    </a:ext>
+                  </a:extLst>
+                </a:gridCol>
+                <a:gridCol w="6211313">
+                  <a:extLst>
+                    <a:ext uri="{9D8B030D-6E8A-4147-A177-3AD203B41FA5}">
+                      <a16:colId xmlns:a16="http://schemas.microsoft.com/office/drawing/2014/main" val="1225485377"/>
+                    </a:ext>
+                  </a:extLst>
+                </a:gridCol>
+              </a:tblGrid>
+              <a:tr h="1455105">
+                <a:tc>
+                  <a:txBody>
+                    <a:bodyPr/>
+                    <a:lstStyle/>
+                    <a:p>
+                      <a:pPr algn="ctr">
+                        <a:lnSpc>
+                          <a:spcPct val="115000"/>
+                        </a:lnSpc>
+                      </a:pPr>
+                      <a:endParaRPr lang="fr-FR" sz="1100">
+                        <a:effectLst/>
+                        <a:latin typeface="Cambria" panose="02040503050406030204" pitchFamily="18" charset="0"/>
+                        <a:ea typeface="Cambria" panose="02040503050406030204" pitchFamily="18" charset="0"/>
+                        <a:cs typeface="Arial" panose="020B0604020202020204" pitchFamily="34" charset="0"/>
+                      </a:endParaRPr>
+                    </a:p>
+                  </a:txBody>
+                  <a:tcPr marL="68580" marR="68580" marT="0" marB="0" anchor="ctr">
+                    <a:lnL w="12700" cap="flat" cmpd="sng" algn="ctr">
+                      <a:solidFill>
+                        <a:srgbClr val="000000"/>
+                      </a:solidFill>
+                      <a:prstDash val="solid"/>
+                      <a:round/>
+                      <a:headEnd type="none" w="med" len="med"/>
+                      <a:tailEnd type="none" w="med" len="med"/>
+                    </a:lnL>
+                    <a:lnR w="12700" cap="flat" cmpd="sng" algn="ctr">
+                      <a:solidFill>
+                        <a:srgbClr val="000000"/>
+                      </a:solidFill>
+                      <a:prstDash val="solid"/>
+                      <a:round/>
+                      <a:headEnd type="none" w="med" len="med"/>
+                      <a:tailEnd type="none" w="med" len="med"/>
+                    </a:lnR>
+                    <a:lnT w="12700" cap="flat" cmpd="sng" algn="ctr">
+                      <a:solidFill>
+                        <a:srgbClr val="000000"/>
+                      </a:solidFill>
+                      <a:prstDash val="solid"/>
+                      <a:round/>
+                      <a:headEnd type="none" w="med" len="med"/>
+                      <a:tailEnd type="none" w="med" len="med"/>
+                    </a:lnT>
+                    <a:lnB w="12700" cap="flat" cmpd="sng" algn="ctr">
+                      <a:solidFill>
+                        <a:srgbClr val="000000"/>
+                      </a:solidFill>
+                      <a:prstDash val="solid"/>
+                      <a:round/>
+                      <a:headEnd type="none" w="med" len="med"/>
+                      <a:tailEnd type="none" w="med" len="med"/>
+                    </a:lnB>
+                  </a:tcPr>
+                </a:tc>
+                <a:tc gridSpan="2">
+                  <a:txBody>
+                    <a:bodyPr/>
+                    <a:lstStyle/>
+                    <a:p>
+                      <a:pPr>
+                        <a:lnSpc>
+                          <a:spcPct val="115000"/>
+                        </a:lnSpc>
+                      </a:pPr>
+                      <a:r>
+                        <a:rPr lang="fr-FR" sz="1100" b="1" dirty="0">
+                          <a:effectLst/>
+                          <a:latin typeface="Cambria" panose="02040503050406030204" pitchFamily="18" charset="0"/>
+                          <a:ea typeface="Cambria" panose="02040503050406030204" pitchFamily="18" charset="0"/>
+                          <a:cs typeface="Arial" panose="020B0604020202020204" pitchFamily="34" charset="0"/>
+                        </a:rPr>
+                        <a:t>Nom : </a:t>
+                      </a:r>
+                      <a:endParaRPr lang="fr-FR" sz="1100" dirty="0">
+                        <a:effectLst/>
+                        <a:latin typeface="Roboto" panose="02000000000000000000" pitchFamily="2" charset="0"/>
+                        <a:ea typeface="Roboto" panose="02000000000000000000" pitchFamily="2" charset="0"/>
+                        <a:cs typeface="Roboto" panose="02000000000000000000" pitchFamily="2" charset="0"/>
+                      </a:endParaRPr>
+                    </a:p>
+                    <a:p>
+                      <a:pPr>
+                        <a:lnSpc>
+                          <a:spcPct val="115000"/>
+                        </a:lnSpc>
+                      </a:pPr>
+                      <a:r>
+                        <a:rPr lang="fr-FR" sz="1100" b="1" dirty="0">
+                          <a:effectLst/>
+                          <a:latin typeface="Cambria" panose="02040503050406030204" pitchFamily="18" charset="0"/>
+                          <a:ea typeface="Cambria" panose="02040503050406030204" pitchFamily="18" charset="0"/>
+                          <a:cs typeface="Arial" panose="020B0604020202020204" pitchFamily="34" charset="0"/>
+                        </a:rPr>
+                        <a:t>Prénom : </a:t>
+                      </a:r>
+                      <a:r>
+                        <a:rPr lang="fr-FR" sz="1100" b="0" dirty="0" err="1">
+                          <a:effectLst/>
+                          <a:latin typeface="Cambria" panose="02040503050406030204" pitchFamily="18" charset="0"/>
+                          <a:ea typeface="Cambria" panose="02040503050406030204" pitchFamily="18" charset="0"/>
+                          <a:cs typeface="Arial" panose="020B0604020202020204" pitchFamily="34" charset="0"/>
+                        </a:rPr>
+                        <a:t>Celine</a:t>
+                      </a:r>
+                      <a:endParaRPr lang="fr-FR" sz="1100" b="0" dirty="0">
+                        <a:effectLst/>
+                        <a:latin typeface="Roboto" panose="02000000000000000000" pitchFamily="2" charset="0"/>
+                        <a:ea typeface="Roboto" panose="02000000000000000000" pitchFamily="2" charset="0"/>
+                        <a:cs typeface="Roboto" panose="02000000000000000000" pitchFamily="2" charset="0"/>
+                      </a:endParaRPr>
+                    </a:p>
+                    <a:p>
+                      <a:pPr>
+                        <a:lnSpc>
+                          <a:spcPct val="115000"/>
+                        </a:lnSpc>
+                      </a:pPr>
+                      <a:r>
+                        <a:rPr lang="fr-FR" sz="1100" b="1" dirty="0">
+                          <a:effectLst/>
+                          <a:latin typeface="Cambria" panose="02040503050406030204" pitchFamily="18" charset="0"/>
+                          <a:ea typeface="Cambria" panose="02040503050406030204" pitchFamily="18" charset="0"/>
+                          <a:cs typeface="Arial" panose="020B0604020202020204" pitchFamily="34" charset="0"/>
+                        </a:rPr>
+                        <a:t>Âge : </a:t>
+                      </a:r>
+                      <a:endParaRPr lang="fr-FR" sz="1100" dirty="0">
+                        <a:effectLst/>
+                        <a:latin typeface="Roboto" panose="02000000000000000000" pitchFamily="2" charset="0"/>
+                        <a:ea typeface="Roboto" panose="02000000000000000000" pitchFamily="2" charset="0"/>
+                        <a:cs typeface="Roboto" panose="02000000000000000000" pitchFamily="2" charset="0"/>
+                      </a:endParaRPr>
+                    </a:p>
+                    <a:p>
+                      <a:pPr>
+                        <a:lnSpc>
+                          <a:spcPct val="115000"/>
+                        </a:lnSpc>
+                      </a:pPr>
+                      <a:r>
+                        <a:rPr lang="fr-FR" sz="1100" b="1" dirty="0">
+                          <a:effectLst/>
+                          <a:latin typeface="Cambria" panose="02040503050406030204" pitchFamily="18" charset="0"/>
+                          <a:ea typeface="Cambria" panose="02040503050406030204" pitchFamily="18" charset="0"/>
+                          <a:cs typeface="Arial" panose="020B0604020202020204" pitchFamily="34" charset="0"/>
+                        </a:rPr>
+                        <a:t>Situation sociale : </a:t>
+                      </a:r>
+                      <a:r>
+                        <a:rPr lang="fr-FR" sz="1100" b="0" dirty="0">
+                          <a:effectLst/>
+                          <a:latin typeface="Cambria" panose="02040503050406030204" pitchFamily="18" charset="0"/>
+                          <a:ea typeface="Cambria" panose="02040503050406030204" pitchFamily="18" charset="0"/>
+                          <a:cs typeface="Arial" panose="020B0604020202020204" pitchFamily="34" charset="0"/>
+                        </a:rPr>
+                        <a:t>CTO, Londres</a:t>
+                      </a:r>
+                      <a:endParaRPr lang="fr-FR" sz="1100" b="0" dirty="0">
+                        <a:effectLst/>
+                        <a:latin typeface="Roboto" panose="02000000000000000000" pitchFamily="2" charset="0"/>
+                        <a:ea typeface="Roboto" panose="02000000000000000000" pitchFamily="2" charset="0"/>
+                        <a:cs typeface="Roboto" panose="02000000000000000000" pitchFamily="2" charset="0"/>
+                      </a:endParaRPr>
+                    </a:p>
+                    <a:p>
+                      <a:pPr>
+                        <a:lnSpc>
+                          <a:spcPct val="115000"/>
+                        </a:lnSpc>
+                      </a:pPr>
+                      <a:r>
+                        <a:rPr lang="fr-FR" sz="1100" b="1" dirty="0">
+                          <a:effectLst/>
+                          <a:latin typeface="Cambria" panose="02040503050406030204" pitchFamily="18" charset="0"/>
+                          <a:ea typeface="Cambria" panose="02040503050406030204" pitchFamily="18" charset="0"/>
+                          <a:cs typeface="Arial" panose="020B0604020202020204" pitchFamily="34" charset="0"/>
+                        </a:rPr>
+                        <a:t>Adresse :</a:t>
+                      </a:r>
+                      <a:endParaRPr lang="fr-FR" sz="1100" dirty="0">
+                        <a:effectLst/>
+                        <a:latin typeface="Roboto" panose="02000000000000000000" pitchFamily="2" charset="0"/>
+                        <a:ea typeface="Roboto" panose="02000000000000000000" pitchFamily="2" charset="0"/>
+                        <a:cs typeface="Roboto" panose="02000000000000000000" pitchFamily="2" charset="0"/>
+                      </a:endParaRPr>
+                    </a:p>
+                  </a:txBody>
+                  <a:tcPr marL="68580" marR="68580" marT="0" marB="0">
+                    <a:lnL w="12700" cap="flat" cmpd="sng" algn="ctr">
+                      <a:solidFill>
+                        <a:srgbClr val="000000"/>
+                      </a:solidFill>
+                      <a:prstDash val="solid"/>
+                      <a:round/>
+                      <a:headEnd type="none" w="med" len="med"/>
+                      <a:tailEnd type="none" w="med" len="med"/>
+                    </a:lnL>
+                    <a:lnR w="12700" cap="flat" cmpd="sng" algn="ctr">
+                      <a:solidFill>
+                        <a:srgbClr val="000000"/>
+                      </a:solidFill>
+                      <a:prstDash val="solid"/>
+                      <a:round/>
+                      <a:headEnd type="none" w="med" len="med"/>
+                      <a:tailEnd type="none" w="med" len="med"/>
+                    </a:lnR>
+                    <a:lnT w="12700" cap="flat" cmpd="sng" algn="ctr">
+                      <a:solidFill>
+                        <a:srgbClr val="000000"/>
+                      </a:solidFill>
+                      <a:prstDash val="solid"/>
+                      <a:round/>
+                      <a:headEnd type="none" w="med" len="med"/>
+                      <a:tailEnd type="none" w="med" len="med"/>
+                    </a:lnT>
+                    <a:lnB w="12700" cap="flat" cmpd="sng" algn="ctr">
+                      <a:solidFill>
+                        <a:srgbClr val="000000"/>
+                      </a:solidFill>
+                      <a:prstDash val="solid"/>
+                      <a:round/>
+                      <a:headEnd type="none" w="med" len="med"/>
+                      <a:tailEnd type="none" w="med" len="med"/>
+                    </a:lnB>
+                  </a:tcPr>
+                </a:tc>
+                <a:tc hMerge="1">
+                  <a:txBody>
+                    <a:bodyPr/>
+                    <a:lstStyle/>
+                    <a:p>
+                      <a:endParaRPr lang="fr-FR"/>
+                    </a:p>
+                  </a:txBody>
+                  <a:tcPr/>
+                </a:tc>
+                <a:extLst>
+                  <a:ext uri="{0D108BD9-81ED-4DB2-BD59-A6C34878D82A}">
+                    <a16:rowId xmlns:a16="http://schemas.microsoft.com/office/drawing/2014/main" val="17983455"/>
+                  </a:ext>
+                </a:extLst>
+              </a:tr>
+              <a:tr h="864543">
+                <a:tc gridSpan="2">
+                  <a:txBody>
+                    <a:bodyPr/>
+                    <a:lstStyle/>
+                    <a:p>
+                      <a:pPr>
+                        <a:lnSpc>
+                          <a:spcPct val="115000"/>
+                        </a:lnSpc>
+                      </a:pPr>
+                      <a:r>
+                        <a:rPr lang="fr-FR" sz="1100" b="1" dirty="0">
+                          <a:effectLst/>
+                          <a:latin typeface="Cambria" panose="02040503050406030204" pitchFamily="18" charset="0"/>
+                          <a:ea typeface="Cambria" panose="02040503050406030204" pitchFamily="18" charset="0"/>
+                          <a:cs typeface="Arial" panose="020B0604020202020204" pitchFamily="34" charset="0"/>
+                        </a:rPr>
+                        <a:t>Personnalité : </a:t>
+                      </a:r>
+                      <a:r>
+                        <a:rPr lang="fr-FR" sz="1100" b="0" dirty="0">
+                          <a:effectLst/>
+                          <a:latin typeface="Cambria" panose="02040503050406030204" pitchFamily="18" charset="0"/>
+                          <a:ea typeface="Cambria" panose="02040503050406030204" pitchFamily="18" charset="0"/>
+                          <a:cs typeface="Arial" panose="020B0604020202020204" pitchFamily="34" charset="0"/>
+                        </a:rPr>
+                        <a:t>enthousiasmée par le projet </a:t>
+                      </a:r>
+                      <a:endParaRPr lang="fr-FR" sz="1100" b="0" dirty="0">
+                        <a:effectLst/>
+                        <a:latin typeface="Roboto" panose="02000000000000000000" pitchFamily="2" charset="0"/>
+                        <a:ea typeface="Roboto" panose="02000000000000000000" pitchFamily="2" charset="0"/>
+                        <a:cs typeface="Roboto" panose="02000000000000000000" pitchFamily="2" charset="0"/>
+                      </a:endParaRPr>
+                    </a:p>
+                  </a:txBody>
+                  <a:tcPr marL="68580" marR="68580" marT="0" marB="0">
+                    <a:lnL w="12700" cap="flat" cmpd="sng" algn="ctr">
+                      <a:solidFill>
+                        <a:srgbClr val="000000"/>
+                      </a:solidFill>
+                      <a:prstDash val="solid"/>
+                      <a:round/>
+                      <a:headEnd type="none" w="med" len="med"/>
+                      <a:tailEnd type="none" w="med" len="med"/>
+                    </a:lnL>
+                    <a:lnR w="12700" cap="flat" cmpd="sng" algn="ctr">
+                      <a:solidFill>
+                        <a:srgbClr val="000000"/>
+                      </a:solidFill>
+                      <a:prstDash val="solid"/>
+                      <a:round/>
+                      <a:headEnd type="none" w="med" len="med"/>
+                      <a:tailEnd type="none" w="med" len="med"/>
+                    </a:lnR>
+                    <a:lnT w="12700" cap="flat" cmpd="sng" algn="ctr">
+                      <a:solidFill>
+                        <a:srgbClr val="000000"/>
+                      </a:solidFill>
+                      <a:prstDash val="solid"/>
+                      <a:round/>
+                      <a:headEnd type="none" w="med" len="med"/>
+                      <a:tailEnd type="none" w="med" len="med"/>
+                    </a:lnT>
+                    <a:lnB w="12700" cap="flat" cmpd="sng" algn="ctr">
+                      <a:solidFill>
+                        <a:srgbClr val="000000"/>
+                      </a:solidFill>
+                      <a:prstDash val="solid"/>
+                      <a:round/>
+                      <a:headEnd type="none" w="med" len="med"/>
+                      <a:tailEnd type="none" w="med" len="med"/>
+                    </a:lnB>
+                  </a:tcPr>
+                </a:tc>
+                <a:tc hMerge="1">
+                  <a:txBody>
+                    <a:bodyPr/>
+                    <a:lstStyle/>
+                    <a:p>
+                      <a:endParaRPr lang="fr-FR"/>
+                    </a:p>
+                  </a:txBody>
+                  <a:tcPr/>
+                </a:tc>
+                <a:tc>
+                  <a:txBody>
+                    <a:bodyPr/>
+                    <a:lstStyle/>
+                    <a:p>
+                      <a:pPr>
+                        <a:lnSpc>
+                          <a:spcPct val="115000"/>
+                        </a:lnSpc>
+                      </a:pPr>
+                      <a:r>
+                        <a:rPr lang="fr-FR" sz="1100" b="1" dirty="0">
+                          <a:effectLst/>
+                          <a:latin typeface="Cambria" panose="02040503050406030204" pitchFamily="18" charset="0"/>
+                          <a:ea typeface="Cambria" panose="02040503050406030204" pitchFamily="18" charset="0"/>
+                          <a:cs typeface="Arial" panose="020B0604020202020204" pitchFamily="34" charset="0"/>
+                        </a:rPr>
+                        <a:t>Profil : </a:t>
+                      </a:r>
+                      <a:r>
+                        <a:rPr lang="fr-FR" sz="1100" b="0" dirty="0">
+                          <a:effectLst/>
+                          <a:latin typeface="Cambria" panose="02040503050406030204" pitchFamily="18" charset="0"/>
+                          <a:ea typeface="Cambria" panose="02040503050406030204" pitchFamily="18" charset="0"/>
+                          <a:cs typeface="Arial" panose="020B0604020202020204" pitchFamily="34" charset="0"/>
+                        </a:rPr>
+                        <a:t>Sera l’admin et le comptable</a:t>
+                      </a:r>
+                      <a:endParaRPr lang="fr-FR" sz="1100" b="0" dirty="0">
+                        <a:effectLst/>
+                        <a:latin typeface="Roboto" panose="02000000000000000000" pitchFamily="2" charset="0"/>
+                        <a:ea typeface="Roboto" panose="02000000000000000000" pitchFamily="2" charset="0"/>
+                        <a:cs typeface="Roboto" panose="02000000000000000000" pitchFamily="2" charset="0"/>
+                      </a:endParaRPr>
+                    </a:p>
+                  </a:txBody>
+                  <a:tcPr marL="68580" marR="68580" marT="0" marB="0">
+                    <a:lnL w="12700" cap="flat" cmpd="sng" algn="ctr">
+                      <a:solidFill>
+                        <a:srgbClr val="000000"/>
+                      </a:solidFill>
+                      <a:prstDash val="solid"/>
+                      <a:round/>
+                      <a:headEnd type="none" w="med" len="med"/>
+                      <a:tailEnd type="none" w="med" len="med"/>
+                    </a:lnL>
+                    <a:lnR w="12700" cap="flat" cmpd="sng" algn="ctr">
+                      <a:solidFill>
+                        <a:srgbClr val="000000"/>
+                      </a:solidFill>
+                      <a:prstDash val="solid"/>
+                      <a:round/>
+                      <a:headEnd type="none" w="med" len="med"/>
+                      <a:tailEnd type="none" w="med" len="med"/>
+                    </a:lnR>
+                    <a:lnT w="12700" cap="flat" cmpd="sng" algn="ctr">
+                      <a:solidFill>
+                        <a:srgbClr val="000000"/>
+                      </a:solidFill>
+                      <a:prstDash val="solid"/>
+                      <a:round/>
+                      <a:headEnd type="none" w="med" len="med"/>
+                      <a:tailEnd type="none" w="med" len="med"/>
+                    </a:lnT>
+                    <a:lnB w="12700" cap="flat" cmpd="sng" algn="ctr">
+                      <a:solidFill>
+                        <a:srgbClr val="000000"/>
+                      </a:solidFill>
+                      <a:prstDash val="solid"/>
+                      <a:round/>
+                      <a:headEnd type="none" w="med" len="med"/>
+                      <a:tailEnd type="none" w="med" len="med"/>
+                    </a:lnB>
+                  </a:tcPr>
+                </a:tc>
+                <a:extLst>
+                  <a:ext uri="{0D108BD9-81ED-4DB2-BD59-A6C34878D82A}">
+                    <a16:rowId xmlns:a16="http://schemas.microsoft.com/office/drawing/2014/main" val="4057897284"/>
+                  </a:ext>
+                </a:extLst>
+              </a:tr>
+              <a:tr h="273982">
+                <a:tc gridSpan="3">
+                  <a:txBody>
+                    <a:bodyPr/>
+                    <a:lstStyle/>
+                    <a:p>
+                      <a:pPr>
+                        <a:lnSpc>
+                          <a:spcPct val="115000"/>
+                        </a:lnSpc>
+                      </a:pPr>
+                      <a:r>
+                        <a:rPr lang="fr-FR" sz="1100" b="1" dirty="0">
+                          <a:effectLst/>
+                          <a:latin typeface="Cambria" panose="02040503050406030204" pitchFamily="18" charset="0"/>
+                          <a:ea typeface="Cambria" panose="02040503050406030204" pitchFamily="18" charset="0"/>
+                          <a:cs typeface="Arial" panose="020B0604020202020204" pitchFamily="34" charset="0"/>
+                        </a:rPr>
+                        <a:t>Utilisation du produit : </a:t>
+                      </a:r>
+                      <a:r>
+                        <a:rPr lang="fr-FR" sz="1100" b="0" dirty="0">
+                          <a:effectLst/>
+                          <a:latin typeface="Cambria" panose="02040503050406030204" pitchFamily="18" charset="0"/>
+                          <a:ea typeface="Cambria" panose="02040503050406030204" pitchFamily="18" charset="0"/>
+                          <a:cs typeface="Arial" panose="020B0604020202020204" pitchFamily="34" charset="0"/>
+                        </a:rPr>
+                        <a:t>Admin</a:t>
+                      </a:r>
+                      <a:endParaRPr lang="fr-FR" sz="1100" b="0" dirty="0">
+                        <a:effectLst/>
+                        <a:latin typeface="Roboto" panose="02000000000000000000" pitchFamily="2" charset="0"/>
+                        <a:ea typeface="Roboto" panose="02000000000000000000" pitchFamily="2" charset="0"/>
+                        <a:cs typeface="Roboto" panose="02000000000000000000" pitchFamily="2" charset="0"/>
+                      </a:endParaRPr>
+                    </a:p>
+                  </a:txBody>
+                  <a:tcPr marL="68580" marR="68580" marT="0" marB="0">
+                    <a:lnL w="12700" cap="flat" cmpd="sng" algn="ctr">
+                      <a:solidFill>
+                        <a:srgbClr val="000000"/>
+                      </a:solidFill>
+                      <a:prstDash val="solid"/>
+                      <a:round/>
+                      <a:headEnd type="none" w="med" len="med"/>
+                      <a:tailEnd type="none" w="med" len="med"/>
+                    </a:lnL>
+                    <a:lnR w="12700" cap="flat" cmpd="sng" algn="ctr">
+                      <a:solidFill>
+                        <a:srgbClr val="000000"/>
+                      </a:solidFill>
+                      <a:prstDash val="solid"/>
+                      <a:round/>
+                      <a:headEnd type="none" w="med" len="med"/>
+                      <a:tailEnd type="none" w="med" len="med"/>
+                    </a:lnR>
+                    <a:lnT w="12700" cap="flat" cmpd="sng" algn="ctr">
+                      <a:solidFill>
+                        <a:srgbClr val="000000"/>
+                      </a:solidFill>
+                      <a:prstDash val="solid"/>
+                      <a:round/>
+                      <a:headEnd type="none" w="med" len="med"/>
+                      <a:tailEnd type="none" w="med" len="med"/>
+                    </a:lnT>
+                    <a:lnB w="12700" cap="flat" cmpd="sng" algn="ctr">
+                      <a:solidFill>
+                        <a:srgbClr val="000000"/>
+                      </a:solidFill>
+                      <a:prstDash val="solid"/>
+                      <a:round/>
+                      <a:headEnd type="none" w="med" len="med"/>
+                      <a:tailEnd type="none" w="med" len="med"/>
+                    </a:lnB>
+                  </a:tcPr>
+                </a:tc>
+                <a:tc hMerge="1">
+                  <a:txBody>
+                    <a:bodyPr/>
+                    <a:lstStyle/>
+                    <a:p>
+                      <a:endParaRPr lang="fr-FR"/>
+                    </a:p>
+                  </a:txBody>
+                  <a:tcPr/>
+                </a:tc>
+                <a:tc hMerge="1">
+                  <a:txBody>
+                    <a:bodyPr/>
+                    <a:lstStyle/>
+                    <a:p>
+                      <a:endParaRPr lang="fr-FR"/>
+                    </a:p>
+                  </a:txBody>
+                  <a:tcPr/>
+                </a:tc>
+                <a:extLst>
+                  <a:ext uri="{0D108BD9-81ED-4DB2-BD59-A6C34878D82A}">
+                    <a16:rowId xmlns:a16="http://schemas.microsoft.com/office/drawing/2014/main" val="3774080081"/>
+                  </a:ext>
+                </a:extLst>
+              </a:tr>
+              <a:tr h="1159824">
+                <a:tc gridSpan="3">
+                  <a:txBody>
+                    <a:bodyPr/>
+                    <a:lstStyle/>
+                    <a:p>
+                      <a:pPr>
+                        <a:lnSpc>
+                          <a:spcPct val="115000"/>
+                        </a:lnSpc>
+                      </a:pPr>
+                      <a:r>
+                        <a:rPr lang="fr-FR" sz="1100" b="1" dirty="0">
+                          <a:effectLst/>
+                          <a:latin typeface="Cambria" panose="02040503050406030204" pitchFamily="18" charset="0"/>
+                          <a:ea typeface="Cambria" panose="02040503050406030204" pitchFamily="18" charset="0"/>
+                          <a:cs typeface="Arial" panose="020B0604020202020204" pitchFamily="34" charset="0"/>
+                        </a:rPr>
+                        <a:t>Objectifs / problèmes résolus par le produit : </a:t>
+                      </a:r>
+                      <a:r>
+                        <a:rPr lang="fr-FR" sz="1100" b="0" dirty="0">
+                          <a:effectLst/>
+                          <a:latin typeface="Cambria" panose="02040503050406030204" pitchFamily="18" charset="0"/>
+                          <a:ea typeface="Cambria" panose="02040503050406030204" pitchFamily="18" charset="0"/>
+                          <a:cs typeface="Arial" panose="020B0604020202020204" pitchFamily="34" charset="0"/>
+                        </a:rPr>
+                        <a:t>Elle veut consulter les métriques et les retombées positives du programme de mentora sur le personnel (meilleure confiance dans ses compétences, gain en efficacité de travail).</a:t>
+                      </a:r>
+                      <a:endParaRPr lang="fr-FR" sz="1100" b="0" dirty="0">
+                        <a:effectLst/>
+                        <a:latin typeface="Roboto" panose="02000000000000000000" pitchFamily="2" charset="0"/>
+                        <a:ea typeface="Roboto" panose="02000000000000000000" pitchFamily="2" charset="0"/>
+                        <a:cs typeface="Roboto" panose="02000000000000000000" pitchFamily="2" charset="0"/>
+                      </a:endParaRPr>
+                    </a:p>
+                  </a:txBody>
+                  <a:tcPr marL="68580" marR="68580" marT="0" marB="0">
+                    <a:lnL w="12700" cap="flat" cmpd="sng" algn="ctr">
+                      <a:solidFill>
+                        <a:srgbClr val="000000"/>
+                      </a:solidFill>
+                      <a:prstDash val="solid"/>
+                      <a:round/>
+                      <a:headEnd type="none" w="med" len="med"/>
+                      <a:tailEnd type="none" w="med" len="med"/>
+                    </a:lnL>
+                    <a:lnR w="12700" cap="flat" cmpd="sng" algn="ctr">
+                      <a:solidFill>
+                        <a:srgbClr val="000000"/>
+                      </a:solidFill>
+                      <a:prstDash val="solid"/>
+                      <a:round/>
+                      <a:headEnd type="none" w="med" len="med"/>
+                      <a:tailEnd type="none" w="med" len="med"/>
+                    </a:lnR>
+                    <a:lnT w="12700" cap="flat" cmpd="sng" algn="ctr">
+                      <a:solidFill>
+                        <a:srgbClr val="000000"/>
+                      </a:solidFill>
+                      <a:prstDash val="solid"/>
+                      <a:round/>
+                      <a:headEnd type="none" w="med" len="med"/>
+                      <a:tailEnd type="none" w="med" len="med"/>
+                    </a:lnT>
+                    <a:lnB w="12700" cap="flat" cmpd="sng" algn="ctr">
+                      <a:solidFill>
+                        <a:srgbClr val="000000"/>
+                      </a:solidFill>
+                      <a:prstDash val="solid"/>
+                      <a:round/>
+                      <a:headEnd type="none" w="med" len="med"/>
+                      <a:tailEnd type="none" w="med" len="med"/>
+                    </a:lnB>
+                  </a:tcPr>
+                </a:tc>
+                <a:tc hMerge="1">
+                  <a:txBody>
+                    <a:bodyPr/>
+                    <a:lstStyle/>
+                    <a:p>
+                      <a:endParaRPr lang="fr-FR"/>
+                    </a:p>
+                  </a:txBody>
+                  <a:tcPr/>
+                </a:tc>
+                <a:tc hMerge="1">
+                  <a:txBody>
+                    <a:bodyPr/>
+                    <a:lstStyle/>
+                    <a:p>
+                      <a:endParaRPr lang="fr-FR"/>
+                    </a:p>
+                  </a:txBody>
+                  <a:tcPr/>
+                </a:tc>
+                <a:extLst>
+                  <a:ext uri="{0D108BD9-81ED-4DB2-BD59-A6C34878D82A}">
+                    <a16:rowId xmlns:a16="http://schemas.microsoft.com/office/drawing/2014/main" val="3902822548"/>
+                  </a:ext>
+                </a:extLst>
+              </a:tr>
+            </a:tbl>
+          </a:graphicData>
+        </a:graphic>
+      </p:graphicFrame>
+      <p:pic>
+        <p:nvPicPr>
+          <p:cNvPr id="2050" name="Image 2">
+            <a:extLst>
+              <a:ext uri="{FF2B5EF4-FFF2-40B4-BE49-F238E27FC236}">
+                <a16:creationId xmlns:a16="http://schemas.microsoft.com/office/drawing/2014/main" id="{8E3D7E5D-1ACB-4AB6-A38B-B86D6FE95DE1}"/>
+              </a:ext>
+            </a:extLst>
+          </p:cNvPr>
+          <p:cNvPicPr>
+            <a:picLocks noChangeAspect="1" noChangeArrowheads="1"/>
+          </p:cNvPicPr>
+          <p:nvPr/>
+        </p:nvPicPr>
+        <p:blipFill>
+          <a:blip r:embed="rId3">
+            <a:extLst>
+              <a:ext uri="{28A0092B-C50C-407E-A947-70E740481C1C}">
+                <a14:useLocalDpi xmlns:a14="http://schemas.microsoft.com/office/drawing/2010/main" val="0"/>
+              </a:ext>
+            </a:extLst>
+          </a:blip>
+          <a:srcRect/>
+          <a:stretch>
+            <a:fillRect/>
+          </a:stretch>
+        </p:blipFill>
+        <p:spPr bwMode="auto">
+          <a:xfrm>
+            <a:off x="2403158" y="2558446"/>
+            <a:ext cx="1345881" cy="1415257"/>
+          </a:xfrm>
+          <a:prstGeom prst="rect">
+            <a:avLst/>
+          </a:prstGeom>
+          <a:noFill/>
+          <a:extLst>
+            <a:ext uri="{909E8E84-426E-40DD-AFC4-6F175D3DCCD1}">
+              <a14:hiddenFill xmlns:a14="http://schemas.microsoft.com/office/drawing/2010/main">
+                <a:solidFill>
+                  <a:srgbClr val="FFFFFF"/>
+                </a:solidFill>
+              </a14:hiddenFill>
+            </a:ext>
+          </a:extLst>
+        </p:spPr>
+      </p:pic>
+    </p:spTree>
+    <p:extLst>
+      <p:ext uri="{BB962C8B-B14F-4D97-AF65-F5344CB8AC3E}">
+        <p14:creationId xmlns:p14="http://schemas.microsoft.com/office/powerpoint/2010/main" val="1232016721"/>
+      </p:ext>
+    </p:extLst>
+  </p:cSld>
+  <p:clrMapOvr>
+    <a:masterClrMapping/>
+  </p:clrMapOvr>
+</p:sld>
+</file>
+
+<file path=ppt/slides/slide11.xml><?xml version="1.0" encoding="utf-8"?>
+<p:sld xmlns:a="http://schemas.openxmlformats.org/drawingml/2006/main" xmlns:r="http://schemas.openxmlformats.org/officeDocument/2006/relationships" xmlns:p="http://schemas.openxmlformats.org/presentationml/2006/main">
+  <p:cSld>
+    <p:spTree>
+      <p:nvGrpSpPr>
+        <p:cNvPr id="1" name=""/>
+        <p:cNvGrpSpPr/>
+        <p:nvPr/>
+      </p:nvGrpSpPr>
+      <p:grpSpPr>
+        <a:xfrm>
+          <a:off x="0" y="0"/>
+          <a:ext cx="0" cy="0"/>
+          <a:chOff x="0" y="0"/>
+          <a:chExt cx="0" cy="0"/>
+        </a:xfrm>
+      </p:grpSpPr>
+      <p:sp>
+        <p:nvSpPr>
+          <p:cNvPr id="2" name="Titre 1">
+            <a:extLst>
+              <a:ext uri="{FF2B5EF4-FFF2-40B4-BE49-F238E27FC236}">
+                <a16:creationId xmlns:a16="http://schemas.microsoft.com/office/drawing/2014/main" id="{829EB31C-1681-440B-A4EB-A3FEC391AB36}"/>
+              </a:ext>
+            </a:extLst>
+          </p:cNvPr>
+          <p:cNvSpPr>
+            <a:spLocks noGrp="1"/>
+          </p:cNvSpPr>
+          <p:nvPr>
+            <p:ph type="title"/>
+          </p:nvPr>
+        </p:nvSpPr>
+        <p:spPr/>
+        <p:txBody>
+          <a:bodyPr/>
+          <a:lstStyle/>
+          <a:p>
+            <a:r>
+              <a:rPr lang="fr-FR" dirty="0"/>
+              <a:t>Ecriture des User Stories (1/2)</a:t>
+            </a:r>
+          </a:p>
+        </p:txBody>
+      </p:sp>
+      <p:sp>
+        <p:nvSpPr>
+          <p:cNvPr id="3" name="Espace réservé du contenu 2">
+            <a:extLst>
+              <a:ext uri="{FF2B5EF4-FFF2-40B4-BE49-F238E27FC236}">
+                <a16:creationId xmlns:a16="http://schemas.microsoft.com/office/drawing/2014/main" id="{95221F84-088F-41DD-BB91-A9766FFCE020}"/>
+              </a:ext>
+            </a:extLst>
+          </p:cNvPr>
+          <p:cNvSpPr>
+            <a:spLocks noGrp="1"/>
+          </p:cNvSpPr>
+          <p:nvPr>
+            <p:ph idx="1"/>
+          </p:nvPr>
+        </p:nvSpPr>
+        <p:spPr/>
+        <p:txBody>
+          <a:bodyPr/>
+          <a:lstStyle/>
+          <a:p>
+            <a:r>
+              <a:rPr lang="fr-FR" dirty="0"/>
+              <a:t>Seulement les scénarios nominaux</a:t>
+            </a:r>
+          </a:p>
+          <a:p>
+            <a:r>
+              <a:rPr lang="fr-FR" dirty="0"/>
+              <a:t>= descriptions textuelles détaillées des interactions entre les acteurs et l’application pour atteindre les objectifs (= cas d’utilisation)</a:t>
+            </a:r>
+          </a:p>
+          <a:p>
+            <a:r>
+              <a:rPr lang="fr-FR" dirty="0"/>
+              <a:t>Avec les critères d’acceptation</a:t>
+            </a:r>
+          </a:p>
+          <a:p>
+            <a:r>
+              <a:rPr lang="fr-FR" dirty="0"/>
+              <a:t>Les parcours alternatifs et scénarios d’erreurs n’ont pas été décrits</a:t>
+            </a:r>
+          </a:p>
+          <a:p>
+            <a:r>
+              <a:rPr lang="fr-FR" dirty="0"/>
+              <a:t>Permet d’identifier les entités (= idées pérennes)</a:t>
+            </a:r>
+          </a:p>
+          <a:p>
+            <a:pPr marL="0" indent="0">
+              <a:buNone/>
+            </a:pPr>
+            <a:endParaRPr lang="fr-FR" dirty="0"/>
+          </a:p>
+          <a:p>
+            <a:pPr marL="0" indent="0">
+              <a:buNone/>
+            </a:pPr>
+            <a:endParaRPr lang="fr-FR" dirty="0"/>
+          </a:p>
+          <a:p>
+            <a:endParaRPr lang="fr-FR" dirty="0"/>
+          </a:p>
+        </p:txBody>
+      </p:sp>
+      <p:sp>
+        <p:nvSpPr>
+          <p:cNvPr id="4" name="Espace réservé du numéro de diapositive 3">
+            <a:extLst>
+              <a:ext uri="{FF2B5EF4-FFF2-40B4-BE49-F238E27FC236}">
+                <a16:creationId xmlns:a16="http://schemas.microsoft.com/office/drawing/2014/main" id="{250280D3-5E29-4E4F-AD4F-28CA384FFAF5}"/>
+              </a:ext>
+            </a:extLst>
+          </p:cNvPr>
+          <p:cNvSpPr>
+            <a:spLocks noGrp="1"/>
+          </p:cNvSpPr>
+          <p:nvPr>
+            <p:ph type="sldNum" sz="quarter" idx="12"/>
+          </p:nvPr>
+        </p:nvSpPr>
+        <p:spPr/>
+        <p:txBody>
+          <a:bodyPr/>
+          <a:lstStyle/>
+          <a:p>
+            <a:fld id="{6C97E930-14A5-472D-AD2C-D42CAE897216}" type="slidenum">
+              <a:rPr lang="fr-FR" smtClean="0"/>
+              <a:t>11</a:t>
+            </a:fld>
+            <a:endParaRPr lang="fr-FR" dirty="0"/>
+          </a:p>
+        </p:txBody>
+      </p:sp>
+    </p:spTree>
+    <p:extLst>
+      <p:ext uri="{BB962C8B-B14F-4D97-AF65-F5344CB8AC3E}">
+        <p14:creationId xmlns:p14="http://schemas.microsoft.com/office/powerpoint/2010/main" val="3698680605"/>
+      </p:ext>
+    </p:extLst>
+  </p:cSld>
+  <p:clrMapOvr>
+    <a:masterClrMapping/>
+  </p:clrMapOvr>
+</p:sld>
+</file>
+
+<file path=ppt/slides/slide12.xml><?xml version="1.0" encoding="utf-8"?>
+<p:sld xmlns:a="http://schemas.openxmlformats.org/drawingml/2006/main" xmlns:r="http://schemas.openxmlformats.org/officeDocument/2006/relationships" xmlns:p="http://schemas.openxmlformats.org/presentationml/2006/main">
+  <p:cSld>
+    <p:spTree>
+      <p:nvGrpSpPr>
+        <p:cNvPr id="1" name=""/>
+        <p:cNvGrpSpPr/>
+        <p:nvPr/>
+      </p:nvGrpSpPr>
+      <p:grpSpPr>
+        <a:xfrm>
+          <a:off x="0" y="0"/>
+          <a:ext cx="0" cy="0"/>
+          <a:chOff x="0" y="0"/>
+          <a:chExt cx="0" cy="0"/>
+        </a:xfrm>
+      </p:grpSpPr>
+      <p:sp>
+        <p:nvSpPr>
+          <p:cNvPr id="3" name="Espace réservé du contenu 2">
+            <a:extLst>
+              <a:ext uri="{FF2B5EF4-FFF2-40B4-BE49-F238E27FC236}">
+                <a16:creationId xmlns:a16="http://schemas.microsoft.com/office/drawing/2014/main" id="{95221F84-088F-41DD-BB91-A9766FFCE020}"/>
+              </a:ext>
+            </a:extLst>
+          </p:cNvPr>
+          <p:cNvSpPr>
+            <a:spLocks noGrp="1"/>
+          </p:cNvSpPr>
+          <p:nvPr>
+            <p:ph idx="1"/>
+          </p:nvPr>
+        </p:nvSpPr>
+        <p:spPr/>
+        <p:txBody>
+          <a:bodyPr/>
+          <a:lstStyle/>
+          <a:p>
+            <a:pPr marL="0" indent="0">
+              <a:buNone/>
+            </a:pPr>
+            <a:r>
+              <a:rPr lang="fr-FR" dirty="0"/>
+              <a:t>Ex :</a:t>
+            </a:r>
+          </a:p>
+          <a:p>
+            <a:pPr marL="0" indent="0">
+              <a:buNone/>
+            </a:pPr>
+            <a:endParaRPr lang="fr-FR" dirty="0"/>
+          </a:p>
+          <a:p>
+            <a:pPr marL="0" indent="0">
+              <a:buNone/>
+            </a:pPr>
+            <a:endParaRPr lang="fr-FR" dirty="0"/>
+          </a:p>
+          <a:p>
+            <a:endParaRPr lang="fr-FR" dirty="0"/>
+          </a:p>
+        </p:txBody>
+      </p:sp>
+      <p:sp>
+        <p:nvSpPr>
+          <p:cNvPr id="4" name="Espace réservé du numéro de diapositive 3">
+            <a:extLst>
+              <a:ext uri="{FF2B5EF4-FFF2-40B4-BE49-F238E27FC236}">
+                <a16:creationId xmlns:a16="http://schemas.microsoft.com/office/drawing/2014/main" id="{250280D3-5E29-4E4F-AD4F-28CA384FFAF5}"/>
+              </a:ext>
+            </a:extLst>
+          </p:cNvPr>
+          <p:cNvSpPr>
+            <a:spLocks noGrp="1"/>
+          </p:cNvSpPr>
+          <p:nvPr>
+            <p:ph type="sldNum" sz="quarter" idx="12"/>
+          </p:nvPr>
+        </p:nvSpPr>
+        <p:spPr/>
+        <p:txBody>
+          <a:bodyPr/>
+          <a:lstStyle/>
+          <a:p>
+            <a:fld id="{6C97E930-14A5-472D-AD2C-D42CAE897216}" type="slidenum">
+              <a:rPr lang="fr-FR" smtClean="0"/>
+              <a:t>12</a:t>
+            </a:fld>
+            <a:endParaRPr lang="fr-FR" dirty="0"/>
+          </a:p>
+        </p:txBody>
+      </p:sp>
+      <p:sp>
+        <p:nvSpPr>
+          <p:cNvPr id="2" name="Titre 1">
+            <a:extLst>
+              <a:ext uri="{FF2B5EF4-FFF2-40B4-BE49-F238E27FC236}">
+                <a16:creationId xmlns:a16="http://schemas.microsoft.com/office/drawing/2014/main" id="{829EB31C-1681-440B-A4EB-A3FEC391AB36}"/>
+              </a:ext>
+            </a:extLst>
+          </p:cNvPr>
+          <p:cNvSpPr>
+            <a:spLocks noGrp="1"/>
+          </p:cNvSpPr>
+          <p:nvPr>
+            <p:ph type="title"/>
+          </p:nvPr>
+        </p:nvSpPr>
+        <p:spPr/>
+        <p:txBody>
+          <a:bodyPr/>
+          <a:lstStyle/>
+          <a:p>
+            <a:r>
+              <a:rPr lang="fr-FR" dirty="0"/>
+              <a:t>Ecriture des User Stories (2/2)</a:t>
+            </a:r>
+          </a:p>
+        </p:txBody>
+      </p:sp>
+      <p:graphicFrame>
+        <p:nvGraphicFramePr>
+          <p:cNvPr id="15" name="Tableau 14">
+            <a:extLst>
+              <a:ext uri="{FF2B5EF4-FFF2-40B4-BE49-F238E27FC236}">
+                <a16:creationId xmlns:a16="http://schemas.microsoft.com/office/drawing/2014/main" id="{941E843B-6BF0-49EF-B691-9F36E4150B7B}"/>
+              </a:ext>
+            </a:extLst>
+          </p:cNvPr>
+          <p:cNvGraphicFramePr>
+            <a:graphicFrameLocks noGrp="1"/>
+          </p:cNvGraphicFramePr>
+          <p:nvPr>
+            <p:extLst>
+              <p:ext uri="{D42A27DB-BD31-4B8C-83A1-F6EECF244321}">
+                <p14:modId xmlns:p14="http://schemas.microsoft.com/office/powerpoint/2010/main" val="1081939460"/>
+              </p:ext>
+            </p:extLst>
+          </p:nvPr>
+        </p:nvGraphicFramePr>
+        <p:xfrm>
+          <a:off x="1576070" y="1463101"/>
+          <a:ext cx="9863075" cy="5149598"/>
+        </p:xfrm>
+        <a:graphic>
+          <a:graphicData uri="http://schemas.openxmlformats.org/drawingml/2006/table">
+            <a:tbl>
+              <a:tblPr firstRow="1" firstCol="1" bandRow="1"/>
+              <a:tblGrid>
+                <a:gridCol w="3410698">
+                  <a:extLst>
+                    <a:ext uri="{9D8B030D-6E8A-4147-A177-3AD203B41FA5}">
+                      <a16:colId xmlns:a16="http://schemas.microsoft.com/office/drawing/2014/main" val="3021682929"/>
+                    </a:ext>
+                  </a:extLst>
+                </a:gridCol>
+                <a:gridCol w="3111305">
+                  <a:extLst>
+                    <a:ext uri="{9D8B030D-6E8A-4147-A177-3AD203B41FA5}">
+                      <a16:colId xmlns:a16="http://schemas.microsoft.com/office/drawing/2014/main" val="696591118"/>
+                    </a:ext>
+                  </a:extLst>
+                </a:gridCol>
+                <a:gridCol w="3341072">
+                  <a:extLst>
+                    <a:ext uri="{9D8B030D-6E8A-4147-A177-3AD203B41FA5}">
+                      <a16:colId xmlns:a16="http://schemas.microsoft.com/office/drawing/2014/main" val="1378660440"/>
+                    </a:ext>
+                  </a:extLst>
+                </a:gridCol>
+              </a:tblGrid>
+              <a:tr h="0">
+                <a:tc gridSpan="3">
+                  <a:txBody>
+                    <a:bodyPr/>
+                    <a:lstStyle/>
+                    <a:p>
+                      <a:pPr>
+                        <a:lnSpc>
+                          <a:spcPct val="115000"/>
+                        </a:lnSpc>
+                      </a:pPr>
+                      <a:r>
+                        <a:rPr lang="fr-FR" sz="1100" b="1">
+                          <a:effectLst/>
+                          <a:latin typeface="Cambria" panose="02040503050406030204" pitchFamily="18" charset="0"/>
+                          <a:ea typeface="Cambria" panose="02040503050406030204" pitchFamily="18" charset="0"/>
+                          <a:cs typeface="Arial" panose="020B0604020202020204" pitchFamily="34" charset="0"/>
+                        </a:rPr>
+                        <a:t>Référence de l’us :</a:t>
+                      </a:r>
+                      <a:r>
+                        <a:rPr lang="fr-FR" sz="1100">
+                          <a:effectLst/>
+                          <a:latin typeface="Cambria" panose="02040503050406030204" pitchFamily="18" charset="0"/>
+                          <a:ea typeface="Cambria" panose="02040503050406030204" pitchFamily="18" charset="0"/>
+                          <a:cs typeface="Arial" panose="020B0604020202020204" pitchFamily="34" charset="0"/>
+                        </a:rPr>
+                        <a:t> n° 13</a:t>
+                      </a:r>
+                      <a:endParaRPr lang="fr-FR" sz="1100">
+                        <a:effectLst/>
+                        <a:latin typeface="Roboto" panose="02000000000000000000" pitchFamily="2" charset="0"/>
+                        <a:ea typeface="Roboto" panose="02000000000000000000" pitchFamily="2" charset="0"/>
+                        <a:cs typeface="Roboto" panose="02000000000000000000" pitchFamily="2" charset="0"/>
+                      </a:endParaRPr>
+                    </a:p>
+                  </a:txBody>
+                  <a:tcPr marL="68580" marR="68580" marT="0" marB="0">
+                    <a:lnL w="12700" cap="flat" cmpd="sng" algn="ctr">
+                      <a:solidFill>
+                        <a:srgbClr val="000000"/>
+                      </a:solidFill>
+                      <a:prstDash val="solid"/>
+                      <a:round/>
+                      <a:headEnd type="none" w="med" len="med"/>
+                      <a:tailEnd type="none" w="med" len="med"/>
+                    </a:lnL>
+                    <a:lnR w="12700" cap="flat" cmpd="sng" algn="ctr">
+                      <a:solidFill>
+                        <a:srgbClr val="000000"/>
+                      </a:solidFill>
+                      <a:prstDash val="solid"/>
+                      <a:round/>
+                      <a:headEnd type="none" w="med" len="med"/>
+                      <a:tailEnd type="none" w="med" len="med"/>
+                    </a:lnR>
+                    <a:lnT w="12700" cap="flat" cmpd="sng" algn="ctr">
+                      <a:solidFill>
+                        <a:srgbClr val="000000"/>
+                      </a:solidFill>
+                      <a:prstDash val="solid"/>
+                      <a:round/>
+                      <a:headEnd type="none" w="med" len="med"/>
+                      <a:tailEnd type="none" w="med" len="med"/>
+                    </a:lnT>
+                    <a:lnB w="12700" cap="flat" cmpd="sng" algn="ctr">
+                      <a:solidFill>
+                        <a:srgbClr val="000000"/>
+                      </a:solidFill>
+                      <a:prstDash val="solid"/>
+                      <a:round/>
+                      <a:headEnd type="none" w="med" len="med"/>
+                      <a:tailEnd type="none" w="med" len="med"/>
+                    </a:lnB>
+                  </a:tcPr>
+                </a:tc>
+                <a:tc hMerge="1">
+                  <a:txBody>
+                    <a:bodyPr/>
+                    <a:lstStyle/>
+                    <a:p>
+                      <a:endParaRPr lang="fr-FR"/>
+                    </a:p>
+                  </a:txBody>
+                  <a:tcPr/>
+                </a:tc>
+                <a:tc hMerge="1">
+                  <a:txBody>
+                    <a:bodyPr/>
+                    <a:lstStyle/>
+                    <a:p>
+                      <a:endParaRPr lang="fr-FR"/>
+                    </a:p>
+                  </a:txBody>
+                  <a:tcPr/>
+                </a:tc>
+                <a:extLst>
+                  <a:ext uri="{0D108BD9-81ED-4DB2-BD59-A6C34878D82A}">
+                    <a16:rowId xmlns:a16="http://schemas.microsoft.com/office/drawing/2014/main" val="3083998369"/>
+                  </a:ext>
+                </a:extLst>
+              </a:tr>
+              <a:tr h="0">
+                <a:tc>
+                  <a:txBody>
+                    <a:bodyPr/>
+                    <a:lstStyle/>
+                    <a:p>
+                      <a:pPr>
+                        <a:lnSpc>
+                          <a:spcPct val="115000"/>
+                        </a:lnSpc>
+                      </a:pPr>
+                      <a:r>
+                        <a:rPr lang="fr-FR" sz="1100" b="1">
+                          <a:effectLst/>
+                          <a:latin typeface="Cambria" panose="02040503050406030204" pitchFamily="18" charset="0"/>
+                          <a:ea typeface="Cambria" panose="02040503050406030204" pitchFamily="18" charset="0"/>
+                          <a:cs typeface="Arial" panose="020B0604020202020204" pitchFamily="34" charset="0"/>
+                        </a:rPr>
+                        <a:t>Titre de l’us : </a:t>
+                      </a:r>
+                      <a:r>
+                        <a:rPr lang="fr-FR" sz="1100">
+                          <a:effectLst/>
+                          <a:latin typeface="Cambria" panose="02040503050406030204" pitchFamily="18" charset="0"/>
+                          <a:ea typeface="Cambria" panose="02040503050406030204" pitchFamily="18" charset="0"/>
+                          <a:cs typeface="Arial" panose="020B0604020202020204" pitchFamily="34" charset="0"/>
+                        </a:rPr>
+                        <a:t>Remplir / Signer le contrat</a:t>
+                      </a:r>
+                      <a:endParaRPr lang="fr-FR" sz="1100">
+                        <a:effectLst/>
+                        <a:latin typeface="Roboto" panose="02000000000000000000" pitchFamily="2" charset="0"/>
+                        <a:ea typeface="Roboto" panose="02000000000000000000" pitchFamily="2" charset="0"/>
+                        <a:cs typeface="Roboto" panose="02000000000000000000" pitchFamily="2" charset="0"/>
+                      </a:endParaRPr>
+                    </a:p>
+                  </a:txBody>
+                  <a:tcPr marL="68580" marR="68580" marT="0" marB="0">
+                    <a:lnL w="12700" cap="flat" cmpd="sng" algn="ctr">
+                      <a:solidFill>
+                        <a:srgbClr val="000000"/>
+                      </a:solidFill>
+                      <a:prstDash val="solid"/>
+                      <a:round/>
+                      <a:headEnd type="none" w="med" len="med"/>
+                      <a:tailEnd type="none" w="med" len="med"/>
+                    </a:lnL>
+                    <a:lnR w="12700" cap="flat" cmpd="sng" algn="ctr">
+                      <a:solidFill>
+                        <a:srgbClr val="000000"/>
+                      </a:solidFill>
+                      <a:prstDash val="solid"/>
+                      <a:round/>
+                      <a:headEnd type="none" w="med" len="med"/>
+                      <a:tailEnd type="none" w="med" len="med"/>
+                    </a:lnR>
+                    <a:lnT w="12700" cap="flat" cmpd="sng" algn="ctr">
+                      <a:solidFill>
+                        <a:srgbClr val="000000"/>
+                      </a:solidFill>
+                      <a:prstDash val="solid"/>
+                      <a:round/>
+                      <a:headEnd type="none" w="med" len="med"/>
+                      <a:tailEnd type="none" w="med" len="med"/>
+                    </a:lnT>
+                    <a:lnB w="12700" cap="flat" cmpd="sng" algn="ctr">
+                      <a:solidFill>
+                        <a:srgbClr val="000000"/>
+                      </a:solidFill>
+                      <a:prstDash val="solid"/>
+                      <a:round/>
+                      <a:headEnd type="none" w="med" len="med"/>
+                      <a:tailEnd type="none" w="med" len="med"/>
+                    </a:lnB>
+                  </a:tcPr>
+                </a:tc>
+                <a:tc>
+                  <a:txBody>
+                    <a:bodyPr/>
+                    <a:lstStyle/>
+                    <a:p>
+                      <a:pPr>
+                        <a:lnSpc>
+                          <a:spcPct val="115000"/>
+                        </a:lnSpc>
+                      </a:pPr>
+                      <a:r>
+                        <a:rPr lang="fr-FR" sz="1100" b="1">
+                          <a:effectLst/>
+                          <a:latin typeface="Cambria" panose="02040503050406030204" pitchFamily="18" charset="0"/>
+                          <a:ea typeface="Cambria" panose="02040503050406030204" pitchFamily="18" charset="0"/>
+                          <a:cs typeface="Arial" panose="020B0604020202020204" pitchFamily="34" charset="0"/>
+                        </a:rPr>
+                        <a:t>Priorité :</a:t>
+                      </a:r>
+                      <a:r>
+                        <a:rPr lang="fr-FR" sz="1100">
+                          <a:effectLst/>
+                          <a:latin typeface="Cambria" panose="02040503050406030204" pitchFamily="18" charset="0"/>
+                          <a:ea typeface="Cambria" panose="02040503050406030204" pitchFamily="18" charset="0"/>
+                          <a:cs typeface="Arial" panose="020B0604020202020204" pitchFamily="34" charset="0"/>
+                        </a:rPr>
+                        <a:t> &lt;Très haute&gt;</a:t>
+                      </a:r>
+                      <a:endParaRPr lang="fr-FR" sz="1100">
+                        <a:effectLst/>
+                        <a:latin typeface="Roboto" panose="02000000000000000000" pitchFamily="2" charset="0"/>
+                        <a:ea typeface="Roboto" panose="02000000000000000000" pitchFamily="2" charset="0"/>
+                        <a:cs typeface="Roboto" panose="02000000000000000000" pitchFamily="2" charset="0"/>
+                      </a:endParaRPr>
+                    </a:p>
+                  </a:txBody>
+                  <a:tcPr marL="68580" marR="68580" marT="0" marB="0">
+                    <a:lnL w="12700" cap="flat" cmpd="sng" algn="ctr">
+                      <a:solidFill>
+                        <a:srgbClr val="000000"/>
+                      </a:solidFill>
+                      <a:prstDash val="solid"/>
+                      <a:round/>
+                      <a:headEnd type="none" w="med" len="med"/>
+                      <a:tailEnd type="none" w="med" len="med"/>
+                    </a:lnL>
+                    <a:lnR w="12700" cap="flat" cmpd="sng" algn="ctr">
+                      <a:solidFill>
+                        <a:srgbClr val="000000"/>
+                      </a:solidFill>
+                      <a:prstDash val="solid"/>
+                      <a:round/>
+                      <a:headEnd type="none" w="med" len="med"/>
+                      <a:tailEnd type="none" w="med" len="med"/>
+                    </a:lnR>
+                    <a:lnT w="12700" cap="flat" cmpd="sng" algn="ctr">
+                      <a:solidFill>
+                        <a:srgbClr val="000000"/>
+                      </a:solidFill>
+                      <a:prstDash val="solid"/>
+                      <a:round/>
+                      <a:headEnd type="none" w="med" len="med"/>
+                      <a:tailEnd type="none" w="med" len="med"/>
+                    </a:lnT>
+                    <a:lnB w="12700" cap="flat" cmpd="sng" algn="ctr">
+                      <a:solidFill>
+                        <a:srgbClr val="000000"/>
+                      </a:solidFill>
+                      <a:prstDash val="solid"/>
+                      <a:round/>
+                      <a:headEnd type="none" w="med" len="med"/>
+                      <a:tailEnd type="none" w="med" len="med"/>
+                    </a:lnB>
+                  </a:tcPr>
+                </a:tc>
+                <a:tc>
+                  <a:txBody>
+                    <a:bodyPr/>
+                    <a:lstStyle/>
+                    <a:p>
+                      <a:pPr>
+                        <a:lnSpc>
+                          <a:spcPct val="115000"/>
+                        </a:lnSpc>
+                      </a:pPr>
+                      <a:r>
+                        <a:rPr lang="fr-FR" sz="1100" b="1">
+                          <a:effectLst/>
+                          <a:latin typeface="Cambria" panose="02040503050406030204" pitchFamily="18" charset="0"/>
+                          <a:ea typeface="Cambria" panose="02040503050406030204" pitchFamily="18" charset="0"/>
+                          <a:cs typeface="Arial" panose="020B0604020202020204" pitchFamily="34" charset="0"/>
+                        </a:rPr>
+                        <a:t>Estimation :</a:t>
+                      </a:r>
+                      <a:r>
+                        <a:rPr lang="fr-FR" sz="1100">
+                          <a:effectLst/>
+                          <a:latin typeface="Cambria" panose="02040503050406030204" pitchFamily="18" charset="0"/>
+                          <a:ea typeface="Cambria" panose="02040503050406030204" pitchFamily="18" charset="0"/>
+                          <a:cs typeface="Arial" panose="020B0604020202020204" pitchFamily="34" charset="0"/>
+                        </a:rPr>
+                        <a:t> &lt;Points&gt;</a:t>
+                      </a:r>
+                      <a:endParaRPr lang="fr-FR" sz="1100">
+                        <a:effectLst/>
+                        <a:latin typeface="Roboto" panose="02000000000000000000" pitchFamily="2" charset="0"/>
+                        <a:ea typeface="Roboto" panose="02000000000000000000" pitchFamily="2" charset="0"/>
+                        <a:cs typeface="Roboto" panose="02000000000000000000" pitchFamily="2" charset="0"/>
+                      </a:endParaRPr>
+                    </a:p>
+                  </a:txBody>
+                  <a:tcPr marL="68580" marR="68580" marT="0" marB="0">
+                    <a:lnL w="12700" cap="flat" cmpd="sng" algn="ctr">
+                      <a:solidFill>
+                        <a:srgbClr val="000000"/>
+                      </a:solidFill>
+                      <a:prstDash val="solid"/>
+                      <a:round/>
+                      <a:headEnd type="none" w="med" len="med"/>
+                      <a:tailEnd type="none" w="med" len="med"/>
+                    </a:lnL>
+                    <a:lnR w="12700" cap="flat" cmpd="sng" algn="ctr">
+                      <a:solidFill>
+                        <a:srgbClr val="000000"/>
+                      </a:solidFill>
+                      <a:prstDash val="solid"/>
+                      <a:round/>
+                      <a:headEnd type="none" w="med" len="med"/>
+                      <a:tailEnd type="none" w="med" len="med"/>
+                    </a:lnR>
+                    <a:lnT w="12700" cap="flat" cmpd="sng" algn="ctr">
+                      <a:solidFill>
+                        <a:srgbClr val="000000"/>
+                      </a:solidFill>
+                      <a:prstDash val="solid"/>
+                      <a:round/>
+                      <a:headEnd type="none" w="med" len="med"/>
+                      <a:tailEnd type="none" w="med" len="med"/>
+                    </a:lnT>
+                    <a:lnB w="12700" cap="flat" cmpd="sng" algn="ctr">
+                      <a:solidFill>
+                        <a:srgbClr val="000000"/>
+                      </a:solidFill>
+                      <a:prstDash val="solid"/>
+                      <a:round/>
+                      <a:headEnd type="none" w="med" len="med"/>
+                      <a:tailEnd type="none" w="med" len="med"/>
+                    </a:lnB>
+                  </a:tcPr>
+                </a:tc>
+                <a:extLst>
+                  <a:ext uri="{0D108BD9-81ED-4DB2-BD59-A6C34878D82A}">
+                    <a16:rowId xmlns:a16="http://schemas.microsoft.com/office/drawing/2014/main" val="2856015427"/>
+                  </a:ext>
+                </a:extLst>
+              </a:tr>
+              <a:tr h="0">
+                <a:tc gridSpan="3">
+                  <a:txBody>
+                    <a:bodyPr/>
+                    <a:lstStyle/>
+                    <a:p>
+                      <a:pPr>
+                        <a:lnSpc>
+                          <a:spcPct val="115000"/>
+                        </a:lnSpc>
+                      </a:pPr>
+                      <a:r>
+                        <a:rPr lang="fr-FR" sz="1100" b="1">
+                          <a:effectLst/>
+                          <a:latin typeface="Cambria" panose="02040503050406030204" pitchFamily="18" charset="0"/>
+                          <a:ea typeface="Cambria" panose="02040503050406030204" pitchFamily="18" charset="0"/>
+                          <a:cs typeface="Arial" panose="020B0604020202020204" pitchFamily="34" charset="0"/>
+                        </a:rPr>
+                        <a:t>En tant que</a:t>
+                      </a:r>
+                      <a:r>
+                        <a:rPr lang="fr-FR" sz="1100">
+                          <a:effectLst/>
+                          <a:latin typeface="Cambria" panose="02040503050406030204" pitchFamily="18" charset="0"/>
+                          <a:ea typeface="Cambria" panose="02040503050406030204" pitchFamily="18" charset="0"/>
+                          <a:cs typeface="Arial" panose="020B0604020202020204" pitchFamily="34" charset="0"/>
+                        </a:rPr>
+                        <a:t> Laeticia et Guillaume</a:t>
+                      </a:r>
+                      <a:endParaRPr lang="fr-FR" sz="1100">
+                        <a:effectLst/>
+                        <a:latin typeface="Roboto" panose="02000000000000000000" pitchFamily="2" charset="0"/>
+                        <a:ea typeface="Roboto" panose="02000000000000000000" pitchFamily="2" charset="0"/>
+                        <a:cs typeface="Roboto" panose="02000000000000000000" pitchFamily="2" charset="0"/>
+                      </a:endParaRPr>
+                    </a:p>
+                    <a:p>
+                      <a:pPr>
+                        <a:lnSpc>
+                          <a:spcPct val="115000"/>
+                        </a:lnSpc>
+                      </a:pPr>
+                      <a:r>
+                        <a:rPr lang="fr-FR" sz="1100" b="1">
+                          <a:effectLst/>
+                          <a:latin typeface="Cambria" panose="02040503050406030204" pitchFamily="18" charset="0"/>
+                          <a:ea typeface="Cambria" panose="02040503050406030204" pitchFamily="18" charset="0"/>
+                          <a:cs typeface="Arial" panose="020B0604020202020204" pitchFamily="34" charset="0"/>
+                        </a:rPr>
+                        <a:t>Nous souhaitons</a:t>
+                      </a:r>
+                      <a:r>
+                        <a:rPr lang="fr-FR" sz="1100">
+                          <a:effectLst/>
+                          <a:latin typeface="Cambria" panose="02040503050406030204" pitchFamily="18" charset="0"/>
+                          <a:ea typeface="Cambria" panose="02040503050406030204" pitchFamily="18" charset="0"/>
+                          <a:cs typeface="Arial" panose="020B0604020202020204" pitchFamily="34" charset="0"/>
+                        </a:rPr>
+                        <a:t> remplir le contrat</a:t>
+                      </a:r>
+                      <a:endParaRPr lang="fr-FR" sz="1100">
+                        <a:effectLst/>
+                        <a:latin typeface="Roboto" panose="02000000000000000000" pitchFamily="2" charset="0"/>
+                        <a:ea typeface="Roboto" panose="02000000000000000000" pitchFamily="2" charset="0"/>
+                        <a:cs typeface="Roboto" panose="02000000000000000000" pitchFamily="2" charset="0"/>
+                      </a:endParaRPr>
+                    </a:p>
+                    <a:p>
+                      <a:pPr>
+                        <a:lnSpc>
+                          <a:spcPct val="115000"/>
+                        </a:lnSpc>
+                      </a:pPr>
+                      <a:r>
+                        <a:rPr lang="fr-FR" sz="1100" b="1">
+                          <a:effectLst/>
+                          <a:latin typeface="Cambria" panose="02040503050406030204" pitchFamily="18" charset="0"/>
+                          <a:ea typeface="Cambria" panose="02040503050406030204" pitchFamily="18" charset="0"/>
+                          <a:cs typeface="Arial" panose="020B0604020202020204" pitchFamily="34" charset="0"/>
+                        </a:rPr>
+                        <a:t>Afin de </a:t>
+                      </a:r>
+                      <a:r>
+                        <a:rPr lang="fr-FR" sz="1100">
+                          <a:effectLst/>
+                          <a:latin typeface="Cambria" panose="02040503050406030204" pitchFamily="18" charset="0"/>
+                          <a:ea typeface="Cambria" panose="02040503050406030204" pitchFamily="18" charset="0"/>
+                          <a:cs typeface="Arial" panose="020B0604020202020204" pitchFamily="34" charset="0"/>
+                        </a:rPr>
+                        <a:t>le signer</a:t>
+                      </a:r>
+                      <a:endParaRPr lang="fr-FR" sz="1100">
+                        <a:effectLst/>
+                        <a:latin typeface="Roboto" panose="02000000000000000000" pitchFamily="2" charset="0"/>
+                        <a:ea typeface="Roboto" panose="02000000000000000000" pitchFamily="2" charset="0"/>
+                        <a:cs typeface="Roboto" panose="02000000000000000000" pitchFamily="2" charset="0"/>
+                      </a:endParaRPr>
+                    </a:p>
+                  </a:txBody>
+                  <a:tcPr marL="68580" marR="68580" marT="0" marB="0">
+                    <a:lnL w="12700" cap="flat" cmpd="sng" algn="ctr">
+                      <a:solidFill>
+                        <a:srgbClr val="000000"/>
+                      </a:solidFill>
+                      <a:prstDash val="solid"/>
+                      <a:round/>
+                      <a:headEnd type="none" w="med" len="med"/>
+                      <a:tailEnd type="none" w="med" len="med"/>
+                    </a:lnL>
+                    <a:lnR w="12700" cap="flat" cmpd="sng" algn="ctr">
+                      <a:solidFill>
+                        <a:srgbClr val="000000"/>
+                      </a:solidFill>
+                      <a:prstDash val="solid"/>
+                      <a:round/>
+                      <a:headEnd type="none" w="med" len="med"/>
+                      <a:tailEnd type="none" w="med" len="med"/>
+                    </a:lnR>
+                    <a:lnT w="12700" cap="flat" cmpd="sng" algn="ctr">
+                      <a:solidFill>
+                        <a:srgbClr val="000000"/>
+                      </a:solidFill>
+                      <a:prstDash val="solid"/>
+                      <a:round/>
+                      <a:headEnd type="none" w="med" len="med"/>
+                      <a:tailEnd type="none" w="med" len="med"/>
+                    </a:lnT>
+                    <a:lnB w="12700" cap="flat" cmpd="sng" algn="ctr">
+                      <a:solidFill>
+                        <a:srgbClr val="000000"/>
+                      </a:solidFill>
+                      <a:prstDash val="solid"/>
+                      <a:round/>
+                      <a:headEnd type="none" w="med" len="med"/>
+                      <a:tailEnd type="none" w="med" len="med"/>
+                    </a:lnB>
+                  </a:tcPr>
+                </a:tc>
+                <a:tc hMerge="1">
+                  <a:txBody>
+                    <a:bodyPr/>
+                    <a:lstStyle/>
+                    <a:p>
+                      <a:endParaRPr lang="fr-FR"/>
+                    </a:p>
+                  </a:txBody>
+                  <a:tcPr/>
+                </a:tc>
+                <a:tc hMerge="1">
+                  <a:txBody>
+                    <a:bodyPr/>
+                    <a:lstStyle/>
+                    <a:p>
+                      <a:endParaRPr lang="fr-FR"/>
+                    </a:p>
+                  </a:txBody>
+                  <a:tcPr/>
+                </a:tc>
+                <a:extLst>
+                  <a:ext uri="{0D108BD9-81ED-4DB2-BD59-A6C34878D82A}">
+                    <a16:rowId xmlns:a16="http://schemas.microsoft.com/office/drawing/2014/main" val="1407602723"/>
+                  </a:ext>
+                </a:extLst>
+              </a:tr>
+              <a:tr h="0">
+                <a:tc gridSpan="3">
+                  <a:txBody>
+                    <a:bodyPr/>
+                    <a:lstStyle/>
+                    <a:p>
+                      <a:pPr>
+                        <a:lnSpc>
+                          <a:spcPct val="115000"/>
+                        </a:lnSpc>
+                      </a:pPr>
+                      <a:r>
+                        <a:rPr lang="fr-FR" sz="1100" b="1" dirty="0">
+                          <a:effectLst/>
+                          <a:latin typeface="Cambria" panose="02040503050406030204" pitchFamily="18" charset="0"/>
+                          <a:ea typeface="Cambria" panose="02040503050406030204" pitchFamily="18" charset="0"/>
+                          <a:cs typeface="Arial" panose="020B0604020202020204" pitchFamily="34" charset="0"/>
+                        </a:rPr>
+                        <a:t>Critères d’acceptation</a:t>
+                      </a:r>
+                      <a:endParaRPr lang="fr-FR" sz="1100" dirty="0">
+                        <a:effectLst/>
+                        <a:latin typeface="Roboto" panose="02000000000000000000" pitchFamily="2" charset="0"/>
+                        <a:ea typeface="Roboto" panose="02000000000000000000" pitchFamily="2" charset="0"/>
+                        <a:cs typeface="Roboto" panose="02000000000000000000" pitchFamily="2" charset="0"/>
+                      </a:endParaRPr>
+                    </a:p>
+                    <a:p>
+                      <a:pPr>
+                        <a:lnSpc>
+                          <a:spcPct val="115000"/>
+                        </a:lnSpc>
+                      </a:pPr>
+                      <a:r>
+                        <a:rPr lang="fr-FR" sz="1100" b="1" dirty="0">
+                          <a:effectLst/>
+                          <a:latin typeface="Cambria" panose="02040503050406030204" pitchFamily="18" charset="0"/>
+                          <a:ea typeface="Cambria" panose="02040503050406030204" pitchFamily="18" charset="0"/>
+                          <a:cs typeface="Arial" panose="020B0604020202020204" pitchFamily="34" charset="0"/>
+                        </a:rPr>
+                        <a:t>Étant donné que </a:t>
+                      </a:r>
+                      <a:r>
+                        <a:rPr lang="fr-FR" sz="1100" dirty="0">
+                          <a:effectLst/>
+                          <a:latin typeface="Cambria" panose="02040503050406030204" pitchFamily="18" charset="0"/>
+                          <a:ea typeface="Cambria" panose="02040503050406030204" pitchFamily="18" charset="0"/>
+                          <a:cs typeface="Arial" panose="020B0604020202020204" pitchFamily="34" charset="0"/>
+                        </a:rPr>
+                        <a:t>Céline a défini un contrat nous associant :</a:t>
+                      </a:r>
+                    </a:p>
+                    <a:p>
+                      <a:pPr>
+                        <a:lnSpc>
+                          <a:spcPct val="115000"/>
+                        </a:lnSpc>
+                      </a:pPr>
+                      <a:r>
+                        <a:rPr lang="fr-FR" sz="1100" b="1" dirty="0">
+                          <a:effectLst/>
+                          <a:latin typeface="Cambria" panose="02040503050406030204" pitchFamily="18" charset="0"/>
+                          <a:ea typeface="Cambria" panose="02040503050406030204" pitchFamily="18" charset="0"/>
+                          <a:cs typeface="Arial" panose="020B0604020202020204" pitchFamily="34" charset="0"/>
+                        </a:rPr>
+                        <a:t>Lorsque : je</a:t>
+                      </a:r>
+                      <a:r>
+                        <a:rPr lang="fr-FR" sz="1100" b="0" dirty="0">
+                          <a:effectLst/>
+                          <a:latin typeface="Cambria" panose="02040503050406030204" pitchFamily="18" charset="0"/>
+                          <a:ea typeface="Cambria" panose="02040503050406030204" pitchFamily="18" charset="0"/>
+                          <a:cs typeface="Arial" panose="020B0604020202020204" pitchFamily="34" charset="0"/>
+                        </a:rPr>
+                        <a:t> me connecte</a:t>
+                      </a:r>
+                      <a:endParaRPr lang="fr-FR" sz="1100" b="1" dirty="0">
+                        <a:effectLst/>
+                        <a:latin typeface="Cambria" panose="02040503050406030204" pitchFamily="18" charset="0"/>
+                        <a:ea typeface="Cambria" panose="02040503050406030204" pitchFamily="18" charset="0"/>
+                        <a:cs typeface="Arial" panose="020B0604020202020204" pitchFamily="34" charset="0"/>
+                      </a:endParaRPr>
+                    </a:p>
+                    <a:p>
+                      <a:pPr>
+                        <a:lnSpc>
+                          <a:spcPct val="115000"/>
+                        </a:lnSpc>
+                      </a:pPr>
+                      <a:r>
+                        <a:rPr lang="fr-FR" sz="1100" b="1" dirty="0">
+                          <a:effectLst/>
+                          <a:latin typeface="Cambria" panose="02040503050406030204" pitchFamily="18" charset="0"/>
+                          <a:ea typeface="Cambria" panose="02040503050406030204" pitchFamily="18" charset="0"/>
+                          <a:cs typeface="Arial" panose="020B0604020202020204" pitchFamily="34" charset="0"/>
+                        </a:rPr>
+                        <a:t>Alors : </a:t>
+                      </a:r>
+                      <a:r>
+                        <a:rPr lang="fr-FR" sz="1100" b="0" dirty="0">
+                          <a:effectLst/>
+                          <a:latin typeface="Cambria" panose="02040503050406030204" pitchFamily="18" charset="0"/>
+                          <a:ea typeface="Cambria" panose="02040503050406030204" pitchFamily="18" charset="0"/>
+                          <a:cs typeface="Arial" panose="020B0604020202020204" pitchFamily="34" charset="0"/>
+                        </a:rPr>
+                        <a:t>mon espace me notifie d’un contrat à</a:t>
+                      </a:r>
+                    </a:p>
+                    <a:p>
+                      <a:pPr>
+                        <a:lnSpc>
+                          <a:spcPct val="115000"/>
+                        </a:lnSpc>
+                      </a:pPr>
+                      <a:r>
+                        <a:rPr lang="fr-FR" sz="1100" b="0" dirty="0">
+                          <a:effectLst/>
+                          <a:latin typeface="Cambria" panose="02040503050406030204" pitchFamily="18" charset="0"/>
+                          <a:ea typeface="Cambria" panose="02040503050406030204" pitchFamily="18" charset="0"/>
+                          <a:cs typeface="Arial" panose="020B0604020202020204" pitchFamily="34" charset="0"/>
+                        </a:rPr>
+                        <a:t>remplir </a:t>
+                      </a:r>
+                      <a:endParaRPr lang="fr-FR" sz="1100" b="1" dirty="0">
+                        <a:effectLst/>
+                        <a:latin typeface="Cambria" panose="02040503050406030204" pitchFamily="18" charset="0"/>
+                        <a:ea typeface="Cambria" panose="02040503050406030204" pitchFamily="18" charset="0"/>
+                        <a:cs typeface="Arial" panose="020B0604020202020204" pitchFamily="34" charset="0"/>
+                      </a:endParaRPr>
+                    </a:p>
+                    <a:p>
+                      <a:pPr>
+                        <a:lnSpc>
+                          <a:spcPct val="115000"/>
+                        </a:lnSpc>
+                      </a:pPr>
+                      <a:endParaRPr lang="fr-FR" sz="1100" dirty="0">
+                        <a:effectLst/>
+                        <a:latin typeface="Cambria" panose="02040503050406030204" pitchFamily="18" charset="0"/>
+                        <a:ea typeface="Cambria" panose="02040503050406030204" pitchFamily="18" charset="0"/>
+                        <a:cs typeface="Arial" panose="020B0604020202020204" pitchFamily="34" charset="0"/>
+                      </a:endParaRPr>
+                    </a:p>
+                    <a:p>
+                      <a:pPr>
+                        <a:lnSpc>
+                          <a:spcPct val="115000"/>
+                        </a:lnSpc>
+                      </a:pPr>
+                      <a:endParaRPr lang="fr-FR" sz="1100" dirty="0">
+                        <a:effectLst/>
+                        <a:latin typeface="Cambria" panose="02040503050406030204" pitchFamily="18" charset="0"/>
+                        <a:ea typeface="Cambria" panose="02040503050406030204" pitchFamily="18" charset="0"/>
+                        <a:cs typeface="Arial" panose="020B0604020202020204" pitchFamily="34" charset="0"/>
+                      </a:endParaRPr>
+                    </a:p>
+                    <a:p>
+                      <a:pPr>
+                        <a:lnSpc>
+                          <a:spcPct val="115000"/>
+                        </a:lnSpc>
+                      </a:pPr>
+                      <a:endParaRPr lang="fr-FR" sz="1100" dirty="0">
+                        <a:effectLst/>
+                        <a:latin typeface="Cambria" panose="02040503050406030204" pitchFamily="18" charset="0"/>
+                        <a:ea typeface="Cambria" panose="02040503050406030204" pitchFamily="18" charset="0"/>
+                        <a:cs typeface="Arial" panose="020B0604020202020204" pitchFamily="34" charset="0"/>
+                      </a:endParaRPr>
+                    </a:p>
+                    <a:p>
+                      <a:pPr>
+                        <a:lnSpc>
+                          <a:spcPct val="115000"/>
+                        </a:lnSpc>
+                      </a:pPr>
+                      <a:endParaRPr lang="fr-FR" sz="1100" dirty="0">
+                        <a:effectLst/>
+                        <a:latin typeface="Cambria" panose="02040503050406030204" pitchFamily="18" charset="0"/>
+                        <a:ea typeface="Cambria" panose="02040503050406030204" pitchFamily="18" charset="0"/>
+                        <a:cs typeface="Arial" panose="020B0604020202020204" pitchFamily="34" charset="0"/>
+                      </a:endParaRPr>
+                    </a:p>
+                    <a:p>
+                      <a:pPr>
+                        <a:lnSpc>
+                          <a:spcPct val="115000"/>
+                        </a:lnSpc>
+                      </a:pPr>
+                      <a:endParaRPr lang="fr-FR" sz="1100" dirty="0">
+                        <a:effectLst/>
+                        <a:latin typeface="Cambria" panose="02040503050406030204" pitchFamily="18" charset="0"/>
+                        <a:ea typeface="Cambria" panose="02040503050406030204" pitchFamily="18" charset="0"/>
+                        <a:cs typeface="Arial" panose="020B0604020202020204" pitchFamily="34" charset="0"/>
+                      </a:endParaRPr>
+                    </a:p>
+                    <a:p>
+                      <a:pPr>
+                        <a:lnSpc>
+                          <a:spcPct val="115000"/>
+                        </a:lnSpc>
+                      </a:pPr>
+                      <a:endParaRPr lang="fr-FR" sz="1100" dirty="0">
+                        <a:effectLst/>
+                        <a:latin typeface="Cambria" panose="02040503050406030204" pitchFamily="18" charset="0"/>
+                        <a:ea typeface="Cambria" panose="02040503050406030204" pitchFamily="18" charset="0"/>
+                        <a:cs typeface="Arial" panose="020B0604020202020204" pitchFamily="34" charset="0"/>
+                      </a:endParaRPr>
+                    </a:p>
+                    <a:p>
+                      <a:pPr>
+                        <a:lnSpc>
+                          <a:spcPct val="115000"/>
+                        </a:lnSpc>
+                      </a:pPr>
+                      <a:endParaRPr lang="fr-FR" sz="1100" dirty="0">
+                        <a:effectLst/>
+                        <a:latin typeface="Cambria" panose="02040503050406030204" pitchFamily="18" charset="0"/>
+                        <a:ea typeface="Cambria" panose="02040503050406030204" pitchFamily="18" charset="0"/>
+                        <a:cs typeface="Arial" panose="020B0604020202020204" pitchFamily="34" charset="0"/>
+                      </a:endParaRPr>
+                    </a:p>
+                    <a:p>
+                      <a:pPr>
+                        <a:lnSpc>
+                          <a:spcPct val="115000"/>
+                        </a:lnSpc>
+                      </a:pPr>
+                      <a:endParaRPr lang="fr-FR" sz="1100" dirty="0">
+                        <a:effectLst/>
+                        <a:latin typeface="Cambria" panose="02040503050406030204" pitchFamily="18" charset="0"/>
+                        <a:ea typeface="Cambria" panose="02040503050406030204" pitchFamily="18" charset="0"/>
+                        <a:cs typeface="Arial" panose="020B0604020202020204" pitchFamily="34" charset="0"/>
+                      </a:endParaRPr>
+                    </a:p>
+                    <a:p>
+                      <a:pPr>
+                        <a:lnSpc>
+                          <a:spcPct val="115000"/>
+                        </a:lnSpc>
+                      </a:pPr>
+                      <a:endParaRPr lang="fr-FR" sz="1100" dirty="0">
+                        <a:effectLst/>
+                        <a:latin typeface="Cambria" panose="02040503050406030204" pitchFamily="18" charset="0"/>
+                        <a:ea typeface="Cambria" panose="02040503050406030204" pitchFamily="18" charset="0"/>
+                        <a:cs typeface="Arial" panose="020B0604020202020204" pitchFamily="34" charset="0"/>
+                      </a:endParaRPr>
+                    </a:p>
+                    <a:p>
+                      <a:pPr>
+                        <a:lnSpc>
+                          <a:spcPct val="115000"/>
+                        </a:lnSpc>
+                      </a:pPr>
+                      <a:endParaRPr lang="fr-FR" sz="1100" dirty="0">
+                        <a:effectLst/>
+                        <a:latin typeface="Cambria" panose="02040503050406030204" pitchFamily="18" charset="0"/>
+                        <a:ea typeface="Cambria" panose="02040503050406030204" pitchFamily="18" charset="0"/>
+                        <a:cs typeface="Arial" panose="020B0604020202020204" pitchFamily="34" charset="0"/>
+                      </a:endParaRPr>
+                    </a:p>
+                    <a:p>
+                      <a:pPr>
+                        <a:lnSpc>
+                          <a:spcPct val="115000"/>
+                        </a:lnSpc>
+                      </a:pPr>
+                      <a:endParaRPr lang="fr-FR" sz="1100" dirty="0">
+                        <a:effectLst/>
+                        <a:latin typeface="Cambria" panose="02040503050406030204" pitchFamily="18" charset="0"/>
+                        <a:ea typeface="Cambria" panose="02040503050406030204" pitchFamily="18" charset="0"/>
+                        <a:cs typeface="Arial" panose="020B0604020202020204" pitchFamily="34" charset="0"/>
+                      </a:endParaRPr>
+                    </a:p>
+                    <a:p>
+                      <a:pPr>
+                        <a:lnSpc>
+                          <a:spcPct val="115000"/>
+                        </a:lnSpc>
+                      </a:pPr>
+                      <a:endParaRPr lang="fr-FR" sz="1100" dirty="0">
+                        <a:effectLst/>
+                        <a:latin typeface="Cambria" panose="02040503050406030204" pitchFamily="18" charset="0"/>
+                        <a:ea typeface="Cambria" panose="02040503050406030204" pitchFamily="18" charset="0"/>
+                        <a:cs typeface="Arial" panose="020B0604020202020204" pitchFamily="34" charset="0"/>
+                      </a:endParaRPr>
+                    </a:p>
+                    <a:p>
+                      <a:pPr>
+                        <a:lnSpc>
+                          <a:spcPct val="115000"/>
+                        </a:lnSpc>
+                      </a:pPr>
+                      <a:endParaRPr lang="fr-FR" sz="1100" dirty="0">
+                        <a:effectLst/>
+                        <a:latin typeface="Cambria" panose="02040503050406030204" pitchFamily="18" charset="0"/>
+                        <a:ea typeface="Cambria" panose="02040503050406030204" pitchFamily="18" charset="0"/>
+                        <a:cs typeface="Arial" panose="020B0604020202020204" pitchFamily="34" charset="0"/>
+                      </a:endParaRPr>
+                    </a:p>
+                    <a:p>
+                      <a:pPr>
+                        <a:lnSpc>
+                          <a:spcPct val="115000"/>
+                        </a:lnSpc>
+                      </a:pPr>
+                      <a:endParaRPr lang="fr-FR" sz="1100" dirty="0">
+                        <a:effectLst/>
+                        <a:latin typeface="Cambria" panose="02040503050406030204" pitchFamily="18" charset="0"/>
+                        <a:ea typeface="Cambria" panose="02040503050406030204" pitchFamily="18" charset="0"/>
+                        <a:cs typeface="Arial" panose="020B0604020202020204" pitchFamily="34" charset="0"/>
+                      </a:endParaRPr>
+                    </a:p>
+                    <a:p>
+                      <a:pPr>
+                        <a:lnSpc>
+                          <a:spcPct val="115000"/>
+                        </a:lnSpc>
+                      </a:pPr>
+                      <a:endParaRPr lang="fr-FR" sz="1100" dirty="0">
+                        <a:effectLst/>
+                        <a:latin typeface="Roboto" panose="02000000000000000000" pitchFamily="2" charset="0"/>
+                        <a:ea typeface="Roboto" panose="02000000000000000000" pitchFamily="2" charset="0"/>
+                        <a:cs typeface="Roboto" panose="02000000000000000000" pitchFamily="2" charset="0"/>
+                      </a:endParaRPr>
+                    </a:p>
+                    <a:p>
+                      <a:pPr>
+                        <a:lnSpc>
+                          <a:spcPct val="115000"/>
+                        </a:lnSpc>
+                      </a:pPr>
+                      <a:r>
+                        <a:rPr lang="fr-FR" sz="1100" dirty="0">
+                          <a:effectLst/>
+                          <a:latin typeface="Cambria" panose="02040503050406030204" pitchFamily="18" charset="0"/>
+                          <a:ea typeface="Cambria" panose="02040503050406030204" pitchFamily="18" charset="0"/>
+                          <a:cs typeface="Arial" panose="020B0604020202020204" pitchFamily="34" charset="0"/>
+                        </a:rPr>
+                        <a:t> </a:t>
+                      </a:r>
+                      <a:endParaRPr lang="fr-FR" sz="1100" dirty="0">
+                        <a:effectLst/>
+                        <a:latin typeface="Roboto" panose="02000000000000000000" pitchFamily="2" charset="0"/>
+                        <a:ea typeface="Roboto" panose="02000000000000000000" pitchFamily="2" charset="0"/>
+                        <a:cs typeface="Roboto" panose="02000000000000000000" pitchFamily="2" charset="0"/>
+                      </a:endParaRPr>
+                    </a:p>
+                    <a:p>
+                      <a:pPr>
+                        <a:lnSpc>
+                          <a:spcPct val="115000"/>
+                        </a:lnSpc>
+                      </a:pPr>
+                      <a:r>
+                        <a:rPr lang="fr-FR" sz="1100" dirty="0">
+                          <a:effectLst/>
+                          <a:latin typeface="Cambria" panose="02040503050406030204" pitchFamily="18" charset="0"/>
+                          <a:ea typeface="Cambria" panose="02040503050406030204" pitchFamily="18" charset="0"/>
+                          <a:cs typeface="Arial" panose="020B0604020202020204" pitchFamily="34" charset="0"/>
+                        </a:rPr>
+                        <a:t> </a:t>
+                      </a:r>
+                      <a:endParaRPr lang="fr-FR" sz="1100" dirty="0">
+                        <a:effectLst/>
+                        <a:latin typeface="Roboto" panose="02000000000000000000" pitchFamily="2" charset="0"/>
+                        <a:ea typeface="Roboto" panose="02000000000000000000" pitchFamily="2" charset="0"/>
+                        <a:cs typeface="Roboto" panose="02000000000000000000" pitchFamily="2" charset="0"/>
+                      </a:endParaRPr>
+                    </a:p>
+                  </a:txBody>
+                  <a:tcPr marL="68580" marR="68580" marT="0" marB="0">
+                    <a:lnL w="12700" cap="flat" cmpd="sng" algn="ctr">
+                      <a:solidFill>
+                        <a:srgbClr val="000000"/>
+                      </a:solidFill>
+                      <a:prstDash val="solid"/>
+                      <a:round/>
+                      <a:headEnd type="none" w="med" len="med"/>
+                      <a:tailEnd type="none" w="med" len="med"/>
+                    </a:lnL>
+                    <a:lnR w="12700" cap="flat" cmpd="sng" algn="ctr">
+                      <a:solidFill>
+                        <a:srgbClr val="000000"/>
+                      </a:solidFill>
+                      <a:prstDash val="solid"/>
+                      <a:round/>
+                      <a:headEnd type="none" w="med" len="med"/>
+                      <a:tailEnd type="none" w="med" len="med"/>
+                    </a:lnR>
+                    <a:lnT w="12700" cap="flat" cmpd="sng" algn="ctr">
+                      <a:solidFill>
+                        <a:srgbClr val="000000"/>
+                      </a:solidFill>
+                      <a:prstDash val="solid"/>
+                      <a:round/>
+                      <a:headEnd type="none" w="med" len="med"/>
+                      <a:tailEnd type="none" w="med" len="med"/>
+                    </a:lnT>
+                    <a:lnB w="12700" cap="flat" cmpd="sng" algn="ctr">
+                      <a:solidFill>
+                        <a:srgbClr val="000000"/>
+                      </a:solidFill>
+                      <a:prstDash val="solid"/>
+                      <a:round/>
+                      <a:headEnd type="none" w="med" len="med"/>
+                      <a:tailEnd type="none" w="med" len="med"/>
+                    </a:lnB>
+                  </a:tcPr>
+                </a:tc>
+                <a:tc hMerge="1">
+                  <a:txBody>
+                    <a:bodyPr/>
+                    <a:lstStyle/>
+                    <a:p>
+                      <a:endParaRPr lang="fr-FR"/>
+                    </a:p>
+                  </a:txBody>
+                  <a:tcPr/>
+                </a:tc>
+                <a:tc hMerge="1">
+                  <a:txBody>
+                    <a:bodyPr/>
+                    <a:lstStyle/>
+                    <a:p>
+                      <a:endParaRPr lang="fr-FR"/>
+                    </a:p>
+                  </a:txBody>
+                  <a:tcPr/>
+                </a:tc>
+                <a:extLst>
+                  <a:ext uri="{0D108BD9-81ED-4DB2-BD59-A6C34878D82A}">
+                    <a16:rowId xmlns:a16="http://schemas.microsoft.com/office/drawing/2014/main" val="2744184350"/>
+                  </a:ext>
+                </a:extLst>
+              </a:tr>
+            </a:tbl>
+          </a:graphicData>
+        </a:graphic>
+      </p:graphicFrame>
+      <p:pic>
+        <p:nvPicPr>
+          <p:cNvPr id="18" name="Image 17">
+            <a:extLst>
+              <a:ext uri="{FF2B5EF4-FFF2-40B4-BE49-F238E27FC236}">
+                <a16:creationId xmlns:a16="http://schemas.microsoft.com/office/drawing/2014/main" id="{E489B55B-E747-4006-85A2-F629D00BBB46}"/>
+              </a:ext>
+            </a:extLst>
+          </p:cNvPr>
+          <p:cNvPicPr>
+            <a:picLocks noChangeAspect="1"/>
+          </p:cNvPicPr>
+          <p:nvPr/>
+        </p:nvPicPr>
+        <p:blipFill>
+          <a:blip r:embed="rId3">
+            <a:extLst>
+              <a:ext uri="{28A0092B-C50C-407E-A947-70E740481C1C}">
+                <a14:useLocalDpi xmlns:a14="http://schemas.microsoft.com/office/drawing/2010/main" val="0"/>
+              </a:ext>
+            </a:extLst>
+          </a:blip>
+          <a:stretch>
+            <a:fillRect/>
+          </a:stretch>
+        </p:blipFill>
+        <p:spPr>
+          <a:xfrm>
+            <a:off x="4599432" y="2938025"/>
+            <a:ext cx="6523069" cy="3293876"/>
+          </a:xfrm>
+          <a:prstGeom prst="rect">
+            <a:avLst/>
+          </a:prstGeom>
+        </p:spPr>
+      </p:pic>
+    </p:spTree>
+    <p:extLst>
+      <p:ext uri="{BB962C8B-B14F-4D97-AF65-F5344CB8AC3E}">
+        <p14:creationId xmlns:p14="http://schemas.microsoft.com/office/powerpoint/2010/main" val="4265256902"/>
+      </p:ext>
+    </p:extLst>
+  </p:cSld>
+  <p:clrMapOvr>
+    <a:masterClrMapping/>
+  </p:clrMapOvr>
+</p:sld>
+</file>
+
+<file path=ppt/slides/slide13.xml><?xml version="1.0" encoding="utf-8"?>
+<p:sld xmlns:a="http://schemas.openxmlformats.org/drawingml/2006/main" xmlns:r="http://schemas.openxmlformats.org/officeDocument/2006/relationships" xmlns:p="http://schemas.openxmlformats.org/presentationml/2006/main">
+  <p:cSld>
+    <p:spTree>
+      <p:nvGrpSpPr>
+        <p:cNvPr id="1" name=""/>
+        <p:cNvGrpSpPr/>
+        <p:nvPr/>
+      </p:nvGrpSpPr>
+      <p:grpSpPr>
+        <a:xfrm>
+          <a:off x="0" y="0"/>
+          <a:ext cx="0" cy="0"/>
+          <a:chOff x="0" y="0"/>
+          <a:chExt cx="0" cy="0"/>
+        </a:xfrm>
+      </p:grpSpPr>
+      <p:sp>
+        <p:nvSpPr>
+          <p:cNvPr id="2" name="Titre 1">
+            <a:extLst>
+              <a:ext uri="{FF2B5EF4-FFF2-40B4-BE49-F238E27FC236}">
+                <a16:creationId xmlns:a16="http://schemas.microsoft.com/office/drawing/2014/main" id="{54EB4B87-E26F-454A-B17F-B291D8D83EAA}"/>
+              </a:ext>
+            </a:extLst>
+          </p:cNvPr>
+          <p:cNvSpPr>
+            <a:spLocks noGrp="1"/>
+          </p:cNvSpPr>
+          <p:nvPr>
+            <p:ph type="title"/>
+          </p:nvPr>
+        </p:nvSpPr>
+        <p:spPr/>
+        <p:txBody>
+          <a:bodyPr/>
+          <a:lstStyle/>
+          <a:p>
+            <a:r>
+              <a:rPr lang="fr-FR" dirty="0"/>
+              <a:t>Diagramme de classe</a:t>
+            </a:r>
+          </a:p>
+        </p:txBody>
+      </p:sp>
+      <p:pic>
+        <p:nvPicPr>
+          <p:cNvPr id="6" name="Espace réservé du contenu 5">
+            <a:extLst>
+              <a:ext uri="{FF2B5EF4-FFF2-40B4-BE49-F238E27FC236}">
+                <a16:creationId xmlns:a16="http://schemas.microsoft.com/office/drawing/2014/main" id="{92D99ADB-1102-4F77-9DE2-2E47D248818F}"/>
+              </a:ext>
+            </a:extLst>
+          </p:cNvPr>
+          <p:cNvPicPr>
+            <a:picLocks noGrp="1" noChangeAspect="1"/>
+          </p:cNvPicPr>
+          <p:nvPr>
+            <p:ph idx="1"/>
+          </p:nvPr>
+        </p:nvPicPr>
+        <p:blipFill>
+          <a:blip r:embed="rId2">
+            <a:extLst>
+              <a:ext uri="{28A0092B-C50C-407E-A947-70E740481C1C}">
+                <a14:useLocalDpi xmlns:a14="http://schemas.microsoft.com/office/drawing/2010/main" val="0"/>
+              </a:ext>
+            </a:extLst>
+          </a:blip>
+          <a:stretch>
+            <a:fillRect/>
+          </a:stretch>
+        </p:blipFill>
+        <p:spPr>
+          <a:xfrm>
+            <a:off x="2112264" y="1507808"/>
+            <a:ext cx="8055864" cy="4985067"/>
+          </a:xfrm>
+        </p:spPr>
+      </p:pic>
+      <p:sp>
+        <p:nvSpPr>
+          <p:cNvPr id="4" name="Espace réservé du numéro de diapositive 3">
+            <a:extLst>
+              <a:ext uri="{FF2B5EF4-FFF2-40B4-BE49-F238E27FC236}">
+                <a16:creationId xmlns:a16="http://schemas.microsoft.com/office/drawing/2014/main" id="{D7259164-A350-40CE-851D-7CCAFE2C6AA7}"/>
+              </a:ext>
+            </a:extLst>
+          </p:cNvPr>
+          <p:cNvSpPr>
+            <a:spLocks noGrp="1"/>
+          </p:cNvSpPr>
+          <p:nvPr>
+            <p:ph type="sldNum" sz="quarter" idx="12"/>
+          </p:nvPr>
+        </p:nvSpPr>
+        <p:spPr/>
+        <p:txBody>
+          <a:bodyPr/>
+          <a:lstStyle/>
+          <a:p>
+            <a:fld id="{6C97E930-14A5-472D-AD2C-D42CAE897216}" type="slidenum">
+              <a:rPr lang="fr-FR" smtClean="0"/>
+              <a:t>13</a:t>
+            </a:fld>
+            <a:endParaRPr lang="fr-FR" dirty="0"/>
+          </a:p>
+        </p:txBody>
+      </p:sp>
+    </p:spTree>
+    <p:extLst>
+      <p:ext uri="{BB962C8B-B14F-4D97-AF65-F5344CB8AC3E}">
+        <p14:creationId xmlns:p14="http://schemas.microsoft.com/office/powerpoint/2010/main" val="1185949033"/>
+      </p:ext>
+    </p:extLst>
+  </p:cSld>
+  <p:clrMapOvr>
+    <a:masterClrMapping/>
+  </p:clrMapOvr>
+</p:sld>
+</file>
+
+<file path=ppt/slides/slide14.xml><?xml version="1.0" encoding="utf-8"?>
+<p:sld xmlns:a="http://schemas.openxmlformats.org/drawingml/2006/main" xmlns:r="http://schemas.openxmlformats.org/officeDocument/2006/relationships" xmlns:p="http://schemas.openxmlformats.org/presentationml/2006/main">
+  <p:cSld>
+    <p:spTree>
+      <p:nvGrpSpPr>
+        <p:cNvPr id="1" name=""/>
+        <p:cNvGrpSpPr/>
+        <p:nvPr/>
+      </p:nvGrpSpPr>
+      <p:grpSpPr>
+        <a:xfrm>
+          <a:off x="0" y="0"/>
+          <a:ext cx="0" cy="0"/>
+          <a:chOff x="0" y="0"/>
+          <a:chExt cx="0" cy="0"/>
+        </a:xfrm>
+      </p:grpSpPr>
+      <p:sp>
+        <p:nvSpPr>
+          <p:cNvPr id="2" name="Titre 1">
+            <a:extLst>
+              <a:ext uri="{FF2B5EF4-FFF2-40B4-BE49-F238E27FC236}">
+                <a16:creationId xmlns:a16="http://schemas.microsoft.com/office/drawing/2014/main" id="{978C5A02-96E4-4281-95FF-A838C387F030}"/>
+              </a:ext>
+            </a:extLst>
+          </p:cNvPr>
+          <p:cNvSpPr>
+            <a:spLocks noGrp="1"/>
+          </p:cNvSpPr>
+          <p:nvPr>
+            <p:ph type="title"/>
+          </p:nvPr>
+        </p:nvSpPr>
+        <p:spPr/>
+        <p:txBody>
+          <a:bodyPr/>
+          <a:lstStyle/>
+          <a:p>
+            <a:r>
+              <a:rPr lang="fr-FR" dirty="0"/>
+              <a:t>Diagramme de conception technique (MPD)</a:t>
+            </a:r>
+          </a:p>
+        </p:txBody>
+      </p:sp>
+      <p:pic>
+        <p:nvPicPr>
+          <p:cNvPr id="6" name="Espace réservé du contenu 5">
+            <a:extLst>
+              <a:ext uri="{FF2B5EF4-FFF2-40B4-BE49-F238E27FC236}">
+                <a16:creationId xmlns:a16="http://schemas.microsoft.com/office/drawing/2014/main" id="{07A8CA1C-7B51-409B-BB4B-9BB6DA6AF1CA}"/>
+              </a:ext>
+            </a:extLst>
+          </p:cNvPr>
+          <p:cNvPicPr>
+            <a:picLocks noGrp="1" noChangeAspect="1"/>
+          </p:cNvPicPr>
+          <p:nvPr>
+            <p:ph idx="1"/>
+          </p:nvPr>
+        </p:nvPicPr>
+        <p:blipFill>
+          <a:blip r:embed="rId2">
+            <a:extLst>
+              <a:ext uri="{28A0092B-C50C-407E-A947-70E740481C1C}">
+                <a14:useLocalDpi xmlns:a14="http://schemas.microsoft.com/office/drawing/2010/main" val="0"/>
+              </a:ext>
+            </a:extLst>
+          </a:blip>
+          <a:stretch>
+            <a:fillRect/>
+          </a:stretch>
+        </p:blipFill>
+        <p:spPr>
+          <a:xfrm>
+            <a:off x="2231136" y="1404597"/>
+            <a:ext cx="7479792" cy="5384446"/>
+          </a:xfrm>
+        </p:spPr>
+      </p:pic>
+      <p:sp>
+        <p:nvSpPr>
+          <p:cNvPr id="4" name="Espace réservé du numéro de diapositive 3">
+            <a:extLst>
+              <a:ext uri="{FF2B5EF4-FFF2-40B4-BE49-F238E27FC236}">
+                <a16:creationId xmlns:a16="http://schemas.microsoft.com/office/drawing/2014/main" id="{24C262FB-A42B-4A48-A45F-03D31C6695FD}"/>
+              </a:ext>
+            </a:extLst>
+          </p:cNvPr>
+          <p:cNvSpPr>
+            <a:spLocks noGrp="1"/>
+          </p:cNvSpPr>
+          <p:nvPr>
+            <p:ph type="sldNum" sz="quarter" idx="12"/>
+          </p:nvPr>
+        </p:nvSpPr>
+        <p:spPr/>
+        <p:txBody>
+          <a:bodyPr/>
+          <a:lstStyle/>
+          <a:p>
+            <a:fld id="{6C97E930-14A5-472D-AD2C-D42CAE897216}" type="slidenum">
+              <a:rPr lang="fr-FR" smtClean="0"/>
+              <a:t>14</a:t>
+            </a:fld>
+            <a:endParaRPr lang="fr-FR" dirty="0"/>
+          </a:p>
+        </p:txBody>
+      </p:sp>
+    </p:spTree>
+    <p:extLst>
+      <p:ext uri="{BB962C8B-B14F-4D97-AF65-F5344CB8AC3E}">
+        <p14:creationId xmlns:p14="http://schemas.microsoft.com/office/powerpoint/2010/main" val="1610879653"/>
+      </p:ext>
+    </p:extLst>
+  </p:cSld>
+  <p:clrMapOvr>
+    <a:masterClrMapping/>
+  </p:clrMapOvr>
+</p:sld>
+</file>
+
+<file path=ppt/slides/slide15.xml><?xml version="1.0" encoding="utf-8"?>
+<p:sld xmlns:a="http://schemas.openxmlformats.org/drawingml/2006/main" xmlns:r="http://schemas.openxmlformats.org/officeDocument/2006/relationships" xmlns:p="http://schemas.openxmlformats.org/presentationml/2006/main">
+  <p:cSld>
+    <p:spTree>
+      <p:nvGrpSpPr>
+        <p:cNvPr id="1" name=""/>
+        <p:cNvGrpSpPr/>
+        <p:nvPr/>
+      </p:nvGrpSpPr>
+      <p:grpSpPr>
+        <a:xfrm>
+          <a:off x="0" y="0"/>
+          <a:ext cx="0" cy="0"/>
+          <a:chOff x="0" y="0"/>
+          <a:chExt cx="0" cy="0"/>
+        </a:xfrm>
+      </p:grpSpPr>
+      <p:sp>
+        <p:nvSpPr>
+          <p:cNvPr id="2" name="Titre 1">
+            <a:extLst>
+              <a:ext uri="{FF2B5EF4-FFF2-40B4-BE49-F238E27FC236}">
+                <a16:creationId xmlns:a16="http://schemas.microsoft.com/office/drawing/2014/main" id="{D862A29C-E707-4B6A-B558-5CA046DE435B}"/>
+              </a:ext>
+            </a:extLst>
+          </p:cNvPr>
+          <p:cNvSpPr>
+            <a:spLocks noGrp="1"/>
+          </p:cNvSpPr>
+          <p:nvPr>
+            <p:ph type="title"/>
+          </p:nvPr>
+        </p:nvSpPr>
+        <p:spPr/>
+        <p:txBody>
+          <a:bodyPr/>
+          <a:lstStyle/>
+          <a:p>
+            <a:r>
+              <a:rPr lang="fr-FR" dirty="0"/>
+              <a:t>Glossaire</a:t>
+            </a:r>
+          </a:p>
+        </p:txBody>
+      </p:sp>
+      <p:sp>
+        <p:nvSpPr>
+          <p:cNvPr id="3" name="Espace réservé du contenu 2">
+            <a:extLst>
+              <a:ext uri="{FF2B5EF4-FFF2-40B4-BE49-F238E27FC236}">
+                <a16:creationId xmlns:a16="http://schemas.microsoft.com/office/drawing/2014/main" id="{CBC7D355-1833-4BA7-B7E8-FA2326870CE6}"/>
+              </a:ext>
+            </a:extLst>
+          </p:cNvPr>
+          <p:cNvSpPr>
+            <a:spLocks noGrp="1"/>
+          </p:cNvSpPr>
+          <p:nvPr>
+            <p:ph idx="1"/>
+          </p:nvPr>
+        </p:nvSpPr>
+        <p:spPr/>
+        <p:txBody>
+          <a:bodyPr>
+            <a:normAutofit lnSpcReduction="10000"/>
+          </a:bodyPr>
+          <a:lstStyle/>
+          <a:p>
+            <a:r>
+              <a:rPr lang="fr-FR" dirty="0">
+                <a:latin typeface="Roboto" panose="02000000000000000000" pitchFamily="2" charset="0"/>
+                <a:ea typeface="Roboto" panose="02000000000000000000" pitchFamily="2" charset="0"/>
+              </a:rPr>
+              <a:t>Pour s’approprier le langage du domaine (</a:t>
+            </a:r>
+            <a:r>
+              <a:rPr lang="fr-FR" dirty="0" err="1">
+                <a:latin typeface="Roboto" panose="02000000000000000000" pitchFamily="2" charset="0"/>
+                <a:ea typeface="Roboto" panose="02000000000000000000" pitchFamily="2" charset="0"/>
+              </a:rPr>
+              <a:t>ubiquitous</a:t>
+            </a:r>
+            <a:r>
+              <a:rPr lang="fr-FR" dirty="0">
+                <a:latin typeface="Roboto" panose="02000000000000000000" pitchFamily="2" charset="0"/>
+                <a:ea typeface="Roboto" panose="02000000000000000000" pitchFamily="2" charset="0"/>
+              </a:rPr>
+              <a:t> </a:t>
+            </a:r>
+            <a:r>
+              <a:rPr lang="fr-FR" dirty="0" err="1">
+                <a:latin typeface="Roboto" panose="02000000000000000000" pitchFamily="2" charset="0"/>
+                <a:ea typeface="Roboto" panose="02000000000000000000" pitchFamily="2" charset="0"/>
+              </a:rPr>
+              <a:t>language</a:t>
+            </a:r>
+            <a:r>
+              <a:rPr lang="fr-FR" dirty="0">
+                <a:latin typeface="Roboto" panose="02000000000000000000" pitchFamily="2" charset="0"/>
+                <a:ea typeface="Roboto" panose="02000000000000000000" pitchFamily="2" charset="0"/>
+              </a:rPr>
+              <a:t> = langage omniprésent) et avoir la même signification des principaux termes pour tous.</a:t>
+            </a:r>
+          </a:p>
+          <a:p>
+            <a:pPr>
+              <a:lnSpc>
+                <a:spcPct val="115000"/>
+              </a:lnSpc>
+              <a:spcAft>
+                <a:spcPts val="300"/>
+              </a:spcAft>
+              <a:tabLst>
+                <a:tab pos="900430" algn="l"/>
+              </a:tabLst>
+            </a:pPr>
+            <a:r>
+              <a:rPr lang="fr-FR" sz="2800" b="1" dirty="0">
+                <a:effectLst/>
+                <a:latin typeface="Roboto" panose="02000000000000000000" pitchFamily="2" charset="0"/>
+                <a:ea typeface="Roboto" panose="02000000000000000000" pitchFamily="2" charset="0"/>
+                <a:cs typeface="Roboto" panose="02000000000000000000" pitchFamily="2" charset="0"/>
+              </a:rPr>
+              <a:t>Inscrit : </a:t>
+            </a:r>
+            <a:r>
+              <a:rPr lang="fr-FR" sz="2800" dirty="0">
+                <a:effectLst/>
+                <a:latin typeface="Roboto" panose="02000000000000000000" pitchFamily="2" charset="0"/>
+                <a:ea typeface="Roboto" panose="02000000000000000000" pitchFamily="2" charset="0"/>
+                <a:cs typeface="Roboto" panose="02000000000000000000" pitchFamily="2" charset="0"/>
+              </a:rPr>
+              <a:t>personne de l’entreprise qui s’est inscrite avec un rôle</a:t>
+            </a:r>
+          </a:p>
+          <a:p>
+            <a:pPr marL="0" indent="0">
+              <a:lnSpc>
+                <a:spcPct val="115000"/>
+              </a:lnSpc>
+            </a:pPr>
+            <a:r>
+              <a:rPr lang="fr-FR" sz="2800" b="1" dirty="0">
+                <a:effectLst/>
+                <a:latin typeface="Roboto" panose="02000000000000000000" pitchFamily="2" charset="0"/>
+                <a:ea typeface="Roboto" panose="02000000000000000000" pitchFamily="2" charset="0"/>
+                <a:cs typeface="Roboto" panose="02000000000000000000" pitchFamily="2" charset="0"/>
+              </a:rPr>
+              <a:t> S’inscrire :</a:t>
+            </a:r>
+            <a:r>
+              <a:rPr lang="fr-FR" b="1" dirty="0">
+                <a:latin typeface="Roboto" panose="02000000000000000000" pitchFamily="2" charset="0"/>
+                <a:ea typeface="Roboto" panose="02000000000000000000" pitchFamily="2" charset="0"/>
+                <a:cs typeface="Roboto" panose="02000000000000000000" pitchFamily="2" charset="0"/>
+              </a:rPr>
+              <a:t> </a:t>
+            </a:r>
+            <a:r>
+              <a:rPr lang="fr-FR" sz="2800" dirty="0">
+                <a:effectLst/>
+                <a:latin typeface="Roboto" panose="02000000000000000000" pitchFamily="2" charset="0"/>
+                <a:ea typeface="Roboto" panose="02000000000000000000" pitchFamily="2" charset="0"/>
+                <a:cs typeface="Roboto" panose="02000000000000000000" pitchFamily="2" charset="0"/>
+              </a:rPr>
+              <a:t>le salarié enregistre, valide ses identifiants et doit choisir un rôle (Mentor, Mentoré ou Admin).</a:t>
+            </a:r>
+          </a:p>
+          <a:p>
+            <a:pPr>
+              <a:lnSpc>
+                <a:spcPct val="115000"/>
+              </a:lnSpc>
+              <a:spcAft>
+                <a:spcPts val="300"/>
+              </a:spcAft>
+            </a:pPr>
+            <a:r>
+              <a:rPr lang="fr-FR" dirty="0"/>
+              <a:t> </a:t>
+            </a:r>
+            <a:r>
+              <a:rPr lang="fr-FR" sz="2800" b="1" dirty="0" err="1">
+                <a:effectLst/>
+                <a:latin typeface="Roboto" panose="02000000000000000000" pitchFamily="2" charset="0"/>
+                <a:ea typeface="Roboto" panose="02000000000000000000" pitchFamily="2" charset="0"/>
+                <a:cs typeface="Roboto" panose="02000000000000000000" pitchFamily="2" charset="0"/>
+              </a:rPr>
+              <a:t>Role</a:t>
+            </a:r>
+            <a:r>
+              <a:rPr lang="fr-FR" sz="2800" b="1" dirty="0">
+                <a:effectLst/>
+                <a:latin typeface="Roboto" panose="02000000000000000000" pitchFamily="2" charset="0"/>
+                <a:ea typeface="Roboto" panose="02000000000000000000" pitchFamily="2" charset="0"/>
+                <a:cs typeface="Roboto" panose="02000000000000000000" pitchFamily="2" charset="0"/>
+              </a:rPr>
+              <a:t> : </a:t>
+            </a:r>
+            <a:r>
+              <a:rPr lang="fr-FR" sz="2800" dirty="0">
+                <a:effectLst/>
+                <a:latin typeface="Roboto" panose="02000000000000000000" pitchFamily="2" charset="0"/>
+                <a:ea typeface="Roboto" panose="02000000000000000000" pitchFamily="2" charset="0"/>
+                <a:cs typeface="Roboto" panose="02000000000000000000" pitchFamily="2" charset="0"/>
+              </a:rPr>
+              <a:t>entité des rôles : toutes combinaisons avec au moins un des trois et au maximum trois rôles (Mentor, Mentoré, Admin/Comptable).</a:t>
+            </a:r>
+          </a:p>
+          <a:p>
+            <a:endParaRPr lang="fr-FR" dirty="0"/>
+          </a:p>
+        </p:txBody>
+      </p:sp>
+      <p:sp>
+        <p:nvSpPr>
+          <p:cNvPr id="4" name="Espace réservé du numéro de diapositive 3">
+            <a:extLst>
+              <a:ext uri="{FF2B5EF4-FFF2-40B4-BE49-F238E27FC236}">
+                <a16:creationId xmlns:a16="http://schemas.microsoft.com/office/drawing/2014/main" id="{BE6FBE1D-E9EA-4F8A-882B-4F7CEC399C9D}"/>
+              </a:ext>
+            </a:extLst>
+          </p:cNvPr>
+          <p:cNvSpPr>
+            <a:spLocks noGrp="1"/>
+          </p:cNvSpPr>
+          <p:nvPr>
+            <p:ph type="sldNum" sz="quarter" idx="12"/>
+          </p:nvPr>
+        </p:nvSpPr>
+        <p:spPr/>
+        <p:txBody>
+          <a:bodyPr/>
+          <a:lstStyle/>
+          <a:p>
+            <a:fld id="{6C97E930-14A5-472D-AD2C-D42CAE897216}" type="slidenum">
+              <a:rPr lang="fr-FR" smtClean="0"/>
+              <a:t>15</a:t>
+            </a:fld>
+            <a:endParaRPr lang="fr-FR" dirty="0"/>
+          </a:p>
+        </p:txBody>
+      </p:sp>
+    </p:spTree>
+    <p:extLst>
+      <p:ext uri="{BB962C8B-B14F-4D97-AF65-F5344CB8AC3E}">
+        <p14:creationId xmlns:p14="http://schemas.microsoft.com/office/powerpoint/2010/main" val="57337304"/>
+      </p:ext>
+    </p:extLst>
+  </p:cSld>
+  <p:clrMapOvr>
+    <a:masterClrMapping/>
+  </p:clrMapOvr>
+</p:sld>
+</file>
+
+<file path=ppt/slides/slide16.xml><?xml version="1.0" encoding="utf-8"?>
+<p:sld xmlns:a="http://schemas.openxmlformats.org/drawingml/2006/main" xmlns:r="http://schemas.openxmlformats.org/officeDocument/2006/relationships" xmlns:p="http://schemas.openxmlformats.org/presentationml/2006/main">
+  <p:cSld>
+    <p:spTree>
+      <p:nvGrpSpPr>
+        <p:cNvPr id="1" name=""/>
+        <p:cNvGrpSpPr/>
+        <p:nvPr/>
+      </p:nvGrpSpPr>
+      <p:grpSpPr>
+        <a:xfrm>
+          <a:off x="0" y="0"/>
+          <a:ext cx="0" cy="0"/>
+          <a:chOff x="0" y="0"/>
+          <a:chExt cx="0" cy="0"/>
+        </a:xfrm>
+      </p:grpSpPr>
+      <p:sp>
+        <p:nvSpPr>
+          <p:cNvPr id="2" name="Titre 1">
+            <a:extLst>
+              <a:ext uri="{FF2B5EF4-FFF2-40B4-BE49-F238E27FC236}">
+                <a16:creationId xmlns:a16="http://schemas.microsoft.com/office/drawing/2014/main" id="{34BDA870-3C37-46C3-BCA5-DD49AACD7179}"/>
+              </a:ext>
+            </a:extLst>
+          </p:cNvPr>
+          <p:cNvSpPr>
+            <a:spLocks noGrp="1"/>
+          </p:cNvSpPr>
+          <p:nvPr>
+            <p:ph type="title"/>
+          </p:nvPr>
+        </p:nvSpPr>
+        <p:spPr/>
+        <p:txBody>
+          <a:bodyPr/>
+          <a:lstStyle/>
+          <a:p>
+            <a:r>
+              <a:rPr lang="fr-FR" dirty="0"/>
+              <a:t>Spécifications techniques</a:t>
+            </a:r>
+          </a:p>
+        </p:txBody>
+      </p:sp>
+      <p:sp>
+        <p:nvSpPr>
+          <p:cNvPr id="3" name="Espace réservé du contenu 2">
+            <a:extLst>
+              <a:ext uri="{FF2B5EF4-FFF2-40B4-BE49-F238E27FC236}">
+                <a16:creationId xmlns:a16="http://schemas.microsoft.com/office/drawing/2014/main" id="{BEB39A2C-473D-42C3-ABD2-D2B88A79CA38}"/>
+              </a:ext>
+            </a:extLst>
+          </p:cNvPr>
+          <p:cNvSpPr>
+            <a:spLocks noGrp="1"/>
+          </p:cNvSpPr>
+          <p:nvPr>
+            <p:ph idx="1"/>
+          </p:nvPr>
+        </p:nvSpPr>
+        <p:spPr/>
+        <p:txBody>
+          <a:bodyPr/>
+          <a:lstStyle/>
+          <a:p>
+            <a:r>
+              <a:rPr lang="fr-FR" dirty="0"/>
+              <a:t>Un langage de programmation orienté objet permet l’abstraction des entités et tables d’association en objets.</a:t>
+            </a:r>
+          </a:p>
+          <a:p>
+            <a:r>
+              <a:rPr lang="fr-FR" dirty="0"/>
+              <a:t>Chaque objet porte ses propres propriétés et ses propres opérations</a:t>
+            </a:r>
+          </a:p>
+          <a:p>
+            <a:r>
+              <a:rPr lang="fr-FR" dirty="0"/>
+              <a:t> Ce qui permet une programmation factorisée et selon un modèle (MVC).</a:t>
+            </a:r>
+          </a:p>
+          <a:p>
+            <a:r>
+              <a:rPr lang="fr-FR" dirty="0"/>
+              <a:t>De plus l’utilisation d’un Framework (Spring) permet de simplifier la définition et la construction de l’infrastructure de l’application dont les ORM, les web services et les API.</a:t>
+            </a:r>
+          </a:p>
+        </p:txBody>
+      </p:sp>
+      <p:sp>
+        <p:nvSpPr>
+          <p:cNvPr id="4" name="Espace réservé du numéro de diapositive 3">
+            <a:extLst>
+              <a:ext uri="{FF2B5EF4-FFF2-40B4-BE49-F238E27FC236}">
+                <a16:creationId xmlns:a16="http://schemas.microsoft.com/office/drawing/2014/main" id="{77E1248B-D19D-47BB-9442-3B03717D81D6}"/>
+              </a:ext>
+            </a:extLst>
+          </p:cNvPr>
+          <p:cNvSpPr>
+            <a:spLocks noGrp="1"/>
+          </p:cNvSpPr>
+          <p:nvPr>
+            <p:ph type="sldNum" sz="quarter" idx="12"/>
+          </p:nvPr>
+        </p:nvSpPr>
+        <p:spPr/>
+        <p:txBody>
+          <a:bodyPr/>
+          <a:lstStyle/>
+          <a:p>
+            <a:fld id="{6C97E930-14A5-472D-AD2C-D42CAE897216}" type="slidenum">
+              <a:rPr lang="fr-FR" smtClean="0"/>
+              <a:t>16</a:t>
+            </a:fld>
+            <a:endParaRPr lang="fr-FR" dirty="0"/>
+          </a:p>
+        </p:txBody>
+      </p:sp>
+    </p:spTree>
+    <p:extLst>
+      <p:ext uri="{BB962C8B-B14F-4D97-AF65-F5344CB8AC3E}">
+        <p14:creationId xmlns:p14="http://schemas.microsoft.com/office/powerpoint/2010/main" val="1468148949"/>
+      </p:ext>
+    </p:extLst>
+  </p:cSld>
+  <p:clrMapOvr>
+    <a:masterClrMapping/>
+  </p:clrMapOvr>
+</p:sld>
+</file>
+
+<file path=ppt/slides/slide17.xml><?xml version="1.0" encoding="utf-8"?>
+<p:sld xmlns:a="http://schemas.openxmlformats.org/drawingml/2006/main" xmlns:r="http://schemas.openxmlformats.org/officeDocument/2006/relationships" xmlns:p="http://schemas.openxmlformats.org/presentationml/2006/main">
+  <p:cSld>
+    <p:spTree>
+      <p:nvGrpSpPr>
+        <p:cNvPr id="1" name=""/>
+        <p:cNvGrpSpPr/>
+        <p:nvPr/>
+      </p:nvGrpSpPr>
+      <p:grpSpPr>
+        <a:xfrm>
+          <a:off x="0" y="0"/>
+          <a:ext cx="0" cy="0"/>
+          <a:chOff x="0" y="0"/>
+          <a:chExt cx="0" cy="0"/>
+        </a:xfrm>
+      </p:grpSpPr>
+      <p:sp>
+        <p:nvSpPr>
+          <p:cNvPr id="2" name="Titre 1">
+            <a:extLst>
+              <a:ext uri="{FF2B5EF4-FFF2-40B4-BE49-F238E27FC236}">
+                <a16:creationId xmlns:a16="http://schemas.microsoft.com/office/drawing/2014/main" id="{21E31D0D-1B8C-4E39-852F-3549B5B84FF7}"/>
+              </a:ext>
+            </a:extLst>
+          </p:cNvPr>
+          <p:cNvSpPr>
+            <a:spLocks noGrp="1"/>
+          </p:cNvSpPr>
+          <p:nvPr>
+            <p:ph type="title"/>
+          </p:nvPr>
+        </p:nvSpPr>
+        <p:spPr/>
+        <p:txBody>
+          <a:bodyPr/>
+          <a:lstStyle/>
+          <a:p>
+            <a:r>
+              <a:rPr lang="fr-FR" dirty="0"/>
+              <a:t>Wireframes (1/4)</a:t>
+            </a:r>
+          </a:p>
+        </p:txBody>
+      </p:sp>
+      <p:sp>
+        <p:nvSpPr>
+          <p:cNvPr id="3" name="Espace réservé du contenu 2">
+            <a:extLst>
+              <a:ext uri="{FF2B5EF4-FFF2-40B4-BE49-F238E27FC236}">
+                <a16:creationId xmlns:a16="http://schemas.microsoft.com/office/drawing/2014/main" id="{8199638B-E082-4BCF-A80C-B0496F34AF4B}"/>
+              </a:ext>
+            </a:extLst>
+          </p:cNvPr>
+          <p:cNvSpPr>
+            <a:spLocks noGrp="1"/>
+          </p:cNvSpPr>
+          <p:nvPr>
+            <p:ph idx="1"/>
+          </p:nvPr>
+        </p:nvSpPr>
+        <p:spPr>
+          <a:xfrm>
+            <a:off x="838200" y="1825625"/>
+            <a:ext cx="4386943" cy="4351338"/>
+          </a:xfrm>
+        </p:spPr>
+        <p:txBody>
+          <a:bodyPr>
+            <a:normAutofit/>
+          </a:bodyPr>
+          <a:lstStyle/>
+          <a:p>
+            <a:pPr marL="0" indent="0">
+              <a:buNone/>
+            </a:pPr>
+            <a:r>
+              <a:rPr lang="fr-FR" sz="2600" b="1" dirty="0"/>
+              <a:t>S'authentifier</a:t>
+            </a:r>
+          </a:p>
+          <a:p>
+            <a:pPr marL="0" indent="0">
+              <a:buNone/>
+            </a:pPr>
+            <a:endParaRPr lang="fr-FR" dirty="0"/>
+          </a:p>
+          <a:p>
+            <a:endParaRPr lang="fr-FR" dirty="0"/>
+          </a:p>
+        </p:txBody>
+      </p:sp>
+      <p:sp>
+        <p:nvSpPr>
+          <p:cNvPr id="4" name="Espace réservé du numéro de diapositive 3">
+            <a:extLst>
+              <a:ext uri="{FF2B5EF4-FFF2-40B4-BE49-F238E27FC236}">
+                <a16:creationId xmlns:a16="http://schemas.microsoft.com/office/drawing/2014/main" id="{DEAA08C5-EED3-4EFD-9808-CD3F0B1C71B8}"/>
+              </a:ext>
+            </a:extLst>
+          </p:cNvPr>
+          <p:cNvSpPr>
+            <a:spLocks noGrp="1"/>
+          </p:cNvSpPr>
+          <p:nvPr>
+            <p:ph type="sldNum" sz="quarter" idx="12"/>
+          </p:nvPr>
+        </p:nvSpPr>
+        <p:spPr/>
+        <p:txBody>
+          <a:bodyPr/>
+          <a:lstStyle/>
+          <a:p>
+            <a:fld id="{6C97E930-14A5-472D-AD2C-D42CAE897216}" type="slidenum">
+              <a:rPr lang="fr-FR" smtClean="0"/>
+              <a:t>17</a:t>
+            </a:fld>
+            <a:endParaRPr lang="fr-FR" dirty="0"/>
+          </a:p>
+        </p:txBody>
+      </p:sp>
+      <p:pic>
+        <p:nvPicPr>
+          <p:cNvPr id="6" name="Image 5">
+            <a:extLst>
+              <a:ext uri="{FF2B5EF4-FFF2-40B4-BE49-F238E27FC236}">
+                <a16:creationId xmlns:a16="http://schemas.microsoft.com/office/drawing/2014/main" id="{EC48F2A6-65BF-4448-A5C2-A2D4134A96DB}"/>
+              </a:ext>
+            </a:extLst>
+          </p:cNvPr>
+          <p:cNvPicPr>
+            <a:picLocks noChangeAspect="1"/>
+          </p:cNvPicPr>
+          <p:nvPr/>
+        </p:nvPicPr>
+        <p:blipFill>
+          <a:blip r:embed="rId2"/>
+          <a:stretch>
+            <a:fillRect/>
+          </a:stretch>
+        </p:blipFill>
+        <p:spPr>
+          <a:xfrm>
+            <a:off x="6966859" y="0"/>
+            <a:ext cx="3822700" cy="6667500"/>
+          </a:xfrm>
+          <a:prstGeom prst="rect">
+            <a:avLst/>
+          </a:prstGeom>
+        </p:spPr>
+      </p:pic>
+    </p:spTree>
+    <p:extLst>
+      <p:ext uri="{BB962C8B-B14F-4D97-AF65-F5344CB8AC3E}">
+        <p14:creationId xmlns:p14="http://schemas.microsoft.com/office/powerpoint/2010/main" val="3898753044"/>
+      </p:ext>
+    </p:extLst>
+  </p:cSld>
+  <p:clrMapOvr>
+    <a:masterClrMapping/>
+  </p:clrMapOvr>
+</p:sld>
+</file>
+
+<file path=ppt/slides/slide18.xml><?xml version="1.0" encoding="utf-8"?>
+<p:sld xmlns:a="http://schemas.openxmlformats.org/drawingml/2006/main" xmlns:r="http://schemas.openxmlformats.org/officeDocument/2006/relationships" xmlns:p="http://schemas.openxmlformats.org/presentationml/2006/main">
+  <p:cSld>
+    <p:spTree>
+      <p:nvGrpSpPr>
+        <p:cNvPr id="1" name=""/>
+        <p:cNvGrpSpPr/>
+        <p:nvPr/>
+      </p:nvGrpSpPr>
+      <p:grpSpPr>
+        <a:xfrm>
+          <a:off x="0" y="0"/>
+          <a:ext cx="0" cy="0"/>
+          <a:chOff x="0" y="0"/>
+          <a:chExt cx="0" cy="0"/>
+        </a:xfrm>
+      </p:grpSpPr>
+      <p:sp>
+        <p:nvSpPr>
+          <p:cNvPr id="2" name="Titre 1">
+            <a:extLst>
+              <a:ext uri="{FF2B5EF4-FFF2-40B4-BE49-F238E27FC236}">
+                <a16:creationId xmlns:a16="http://schemas.microsoft.com/office/drawing/2014/main" id="{21E31D0D-1B8C-4E39-852F-3549B5B84FF7}"/>
+              </a:ext>
+            </a:extLst>
+          </p:cNvPr>
+          <p:cNvSpPr>
+            <a:spLocks noGrp="1"/>
+          </p:cNvSpPr>
+          <p:nvPr>
+            <p:ph type="title"/>
+          </p:nvPr>
+        </p:nvSpPr>
+        <p:spPr/>
+        <p:txBody>
+          <a:bodyPr/>
+          <a:lstStyle/>
+          <a:p>
+            <a:r>
+              <a:rPr lang="fr-FR" dirty="0"/>
+              <a:t>Wireframes (2/4)</a:t>
+            </a:r>
+          </a:p>
+        </p:txBody>
+      </p:sp>
+      <p:sp>
+        <p:nvSpPr>
+          <p:cNvPr id="3" name="Espace réservé du contenu 2">
+            <a:extLst>
+              <a:ext uri="{FF2B5EF4-FFF2-40B4-BE49-F238E27FC236}">
+                <a16:creationId xmlns:a16="http://schemas.microsoft.com/office/drawing/2014/main" id="{8199638B-E082-4BCF-A80C-B0496F34AF4B}"/>
+              </a:ext>
+            </a:extLst>
+          </p:cNvPr>
+          <p:cNvSpPr>
+            <a:spLocks noGrp="1"/>
+          </p:cNvSpPr>
+          <p:nvPr>
+            <p:ph idx="1"/>
+          </p:nvPr>
+        </p:nvSpPr>
+        <p:spPr>
+          <a:xfrm>
+            <a:off x="727788" y="1530220"/>
+            <a:ext cx="4653583" cy="4962655"/>
+          </a:xfrm>
+        </p:spPr>
+        <p:txBody>
+          <a:bodyPr>
+            <a:normAutofit fontScale="40000" lnSpcReduction="20000"/>
+          </a:bodyPr>
+          <a:lstStyle/>
+          <a:p>
+            <a:pPr marL="0" indent="0">
+              <a:buNone/>
+            </a:pPr>
+            <a:r>
+              <a:rPr lang="fr-FR" sz="6000" b="1" dirty="0"/>
+              <a:t>Gérer les utilisateurs</a:t>
+            </a:r>
+          </a:p>
+          <a:p>
+            <a:pPr marL="0" indent="0">
+              <a:buNone/>
+            </a:pPr>
+            <a:endParaRPr lang="fr-FR" sz="6000" b="1" dirty="0"/>
+          </a:p>
+          <a:p>
+            <a:pPr marL="0" indent="0">
+              <a:buNone/>
+            </a:pPr>
+            <a:r>
+              <a:rPr lang="fr-FR" sz="6000" dirty="0"/>
+              <a:t>A gauche : inscrit sans rôle  d’admin</a:t>
+            </a:r>
+          </a:p>
+          <a:p>
+            <a:pPr marL="0" indent="0">
+              <a:buNone/>
+            </a:pPr>
+            <a:r>
+              <a:rPr lang="fr-FR" sz="6000" dirty="0"/>
+              <a:t>A droite : inscrit avec un rôle admin</a:t>
+            </a:r>
+          </a:p>
+          <a:p>
+            <a:pPr marL="0" indent="0">
+              <a:buNone/>
+            </a:pPr>
+            <a:r>
+              <a:rPr lang="fr-FR" sz="6000" dirty="0"/>
+              <a:t>Les onglets et les boutons ne sont affichés que selon les droits définis dans chaque rôle : par exemple un administrateur sans autre rôle n’aura d’affiché que les onglets « Modifier » et « Admin ».</a:t>
+            </a:r>
+          </a:p>
+          <a:p>
+            <a:pPr marL="0" indent="0">
+              <a:buNone/>
+            </a:pPr>
+            <a:r>
+              <a:rPr lang="fr-FR" sz="6000" dirty="0"/>
+              <a:t>Le comptable n’aura que l’onglet admin et le bouton « Consulter les sessions »</a:t>
+            </a:r>
+          </a:p>
+          <a:p>
+            <a:pPr marL="0" indent="0">
+              <a:buNone/>
+            </a:pPr>
+            <a:endParaRPr lang="fr-FR" sz="6000" dirty="0"/>
+          </a:p>
+          <a:p>
+            <a:pPr marL="0" indent="0">
+              <a:buNone/>
+            </a:pPr>
+            <a:endParaRPr lang="fr-FR" dirty="0"/>
+          </a:p>
+        </p:txBody>
+      </p:sp>
+      <p:sp>
+        <p:nvSpPr>
+          <p:cNvPr id="4" name="Espace réservé du numéro de diapositive 3">
+            <a:extLst>
+              <a:ext uri="{FF2B5EF4-FFF2-40B4-BE49-F238E27FC236}">
+                <a16:creationId xmlns:a16="http://schemas.microsoft.com/office/drawing/2014/main" id="{DEAA08C5-EED3-4EFD-9808-CD3F0B1C71B8}"/>
+              </a:ext>
+            </a:extLst>
+          </p:cNvPr>
+          <p:cNvSpPr>
+            <a:spLocks noGrp="1"/>
+          </p:cNvSpPr>
+          <p:nvPr>
+            <p:ph type="sldNum" sz="quarter" idx="12"/>
+          </p:nvPr>
+        </p:nvSpPr>
+        <p:spPr/>
+        <p:txBody>
+          <a:bodyPr/>
+          <a:lstStyle/>
+          <a:p>
+            <a:fld id="{6C97E930-14A5-472D-AD2C-D42CAE897216}" type="slidenum">
+              <a:rPr lang="fr-FR" smtClean="0"/>
+              <a:t>18</a:t>
+            </a:fld>
+            <a:endParaRPr lang="fr-FR" dirty="0"/>
+          </a:p>
+        </p:txBody>
+      </p:sp>
+      <p:pic>
+        <p:nvPicPr>
+          <p:cNvPr id="5" name="Image 4">
+            <a:extLst>
+              <a:ext uri="{FF2B5EF4-FFF2-40B4-BE49-F238E27FC236}">
+                <a16:creationId xmlns:a16="http://schemas.microsoft.com/office/drawing/2014/main" id="{CCB67107-9EE0-44F6-988E-6D628DDA278E}"/>
+              </a:ext>
+            </a:extLst>
+          </p:cNvPr>
+          <p:cNvPicPr>
+            <a:picLocks noChangeAspect="1"/>
+          </p:cNvPicPr>
+          <p:nvPr/>
+        </p:nvPicPr>
+        <p:blipFill>
+          <a:blip r:embed="rId2"/>
+          <a:stretch>
+            <a:fillRect/>
+          </a:stretch>
+        </p:blipFill>
+        <p:spPr>
+          <a:xfrm>
+            <a:off x="5381371" y="735807"/>
+            <a:ext cx="6299835" cy="5530850"/>
+          </a:xfrm>
+          <a:prstGeom prst="rect">
+            <a:avLst/>
+          </a:prstGeom>
+        </p:spPr>
+      </p:pic>
+    </p:spTree>
+    <p:extLst>
+      <p:ext uri="{BB962C8B-B14F-4D97-AF65-F5344CB8AC3E}">
+        <p14:creationId xmlns:p14="http://schemas.microsoft.com/office/powerpoint/2010/main" val="12701885"/>
+      </p:ext>
+    </p:extLst>
+  </p:cSld>
+  <p:clrMapOvr>
+    <a:masterClrMapping/>
+  </p:clrMapOvr>
+</p:sld>
+</file>
+
+<file path=ppt/slides/slide19.xml><?xml version="1.0" encoding="utf-8"?>
+<p:sld xmlns:a="http://schemas.openxmlformats.org/drawingml/2006/main" xmlns:r="http://schemas.openxmlformats.org/officeDocument/2006/relationships" xmlns:p="http://schemas.openxmlformats.org/presentationml/2006/main">
+  <p:cSld>
+    <p:spTree>
+      <p:nvGrpSpPr>
+        <p:cNvPr id="1" name=""/>
+        <p:cNvGrpSpPr/>
+        <p:nvPr/>
+      </p:nvGrpSpPr>
+      <p:grpSpPr>
+        <a:xfrm>
+          <a:off x="0" y="0"/>
+          <a:ext cx="0" cy="0"/>
+          <a:chOff x="0" y="0"/>
+          <a:chExt cx="0" cy="0"/>
+        </a:xfrm>
+      </p:grpSpPr>
+      <p:sp>
+        <p:nvSpPr>
+          <p:cNvPr id="2" name="Titre 1">
+            <a:extLst>
+              <a:ext uri="{FF2B5EF4-FFF2-40B4-BE49-F238E27FC236}">
+                <a16:creationId xmlns:a16="http://schemas.microsoft.com/office/drawing/2014/main" id="{21E31D0D-1B8C-4E39-852F-3549B5B84FF7}"/>
+              </a:ext>
+            </a:extLst>
+          </p:cNvPr>
+          <p:cNvSpPr>
+            <a:spLocks noGrp="1"/>
+          </p:cNvSpPr>
+          <p:nvPr>
+            <p:ph type="title"/>
+          </p:nvPr>
+        </p:nvSpPr>
+        <p:spPr/>
+        <p:txBody>
+          <a:bodyPr/>
+          <a:lstStyle/>
+          <a:p>
+            <a:r>
+              <a:rPr lang="fr-FR" dirty="0"/>
+              <a:t>Wireframes (3/4)</a:t>
+            </a:r>
+          </a:p>
+        </p:txBody>
+      </p:sp>
+      <p:sp>
+        <p:nvSpPr>
+          <p:cNvPr id="3" name="Espace réservé du contenu 2">
+            <a:extLst>
+              <a:ext uri="{FF2B5EF4-FFF2-40B4-BE49-F238E27FC236}">
+                <a16:creationId xmlns:a16="http://schemas.microsoft.com/office/drawing/2014/main" id="{8199638B-E082-4BCF-A80C-B0496F34AF4B}"/>
+              </a:ext>
+            </a:extLst>
+          </p:cNvPr>
+          <p:cNvSpPr>
+            <a:spLocks noGrp="1"/>
+          </p:cNvSpPr>
+          <p:nvPr>
+            <p:ph idx="1"/>
+          </p:nvPr>
+        </p:nvSpPr>
+        <p:spPr>
+          <a:xfrm>
+            <a:off x="838200" y="1825625"/>
+            <a:ext cx="6122437" cy="4351338"/>
+          </a:xfrm>
+        </p:spPr>
+        <p:txBody>
+          <a:bodyPr>
+            <a:normAutofit fontScale="92500" lnSpcReduction="10000"/>
+          </a:bodyPr>
+          <a:lstStyle/>
+          <a:p>
+            <a:pPr marL="0" indent="0">
+              <a:buNone/>
+            </a:pPr>
+            <a:r>
+              <a:rPr lang="fr-FR" b="1" dirty="0"/>
+              <a:t>Gérer un contrat</a:t>
+            </a:r>
+          </a:p>
+          <a:p>
+            <a:pPr marL="0" indent="0">
+              <a:buNone/>
+            </a:pPr>
+            <a:r>
+              <a:rPr lang="fr-FR" dirty="0"/>
+              <a:t>Les listes déroulantes « Contrats à remplir » et « Contrats à signer » ne seront affichés que s’il y a lieu de compléter ou signer un contrat.</a:t>
+            </a:r>
+          </a:p>
+          <a:p>
+            <a:pPr marL="0" indent="0">
+              <a:buNone/>
+            </a:pPr>
+            <a:r>
+              <a:rPr lang="fr-FR" dirty="0"/>
+              <a:t>Le fait de choisir de remplir ou de signer un contrat affiche un formulaire proposant le cas d’usage de refuser le contrat.</a:t>
+            </a:r>
+          </a:p>
+          <a:p>
+            <a:pPr marL="0" indent="0">
+              <a:buNone/>
+            </a:pPr>
+            <a:r>
+              <a:rPr lang="fr-FR" dirty="0"/>
+              <a:t>Choisir un contrat en cours affiche un formulaire proposant les cas d’usage de demande de suspension ou d’annulation.</a:t>
+            </a:r>
+          </a:p>
+        </p:txBody>
+      </p:sp>
+      <p:sp>
+        <p:nvSpPr>
+          <p:cNvPr id="4" name="Espace réservé du numéro de diapositive 3">
+            <a:extLst>
+              <a:ext uri="{FF2B5EF4-FFF2-40B4-BE49-F238E27FC236}">
+                <a16:creationId xmlns:a16="http://schemas.microsoft.com/office/drawing/2014/main" id="{DEAA08C5-EED3-4EFD-9808-CD3F0B1C71B8}"/>
+              </a:ext>
+            </a:extLst>
+          </p:cNvPr>
+          <p:cNvSpPr>
+            <a:spLocks noGrp="1"/>
+          </p:cNvSpPr>
+          <p:nvPr>
+            <p:ph type="sldNum" sz="quarter" idx="12"/>
+          </p:nvPr>
+        </p:nvSpPr>
+        <p:spPr/>
+        <p:txBody>
+          <a:bodyPr/>
+          <a:lstStyle/>
+          <a:p>
+            <a:fld id="{6C97E930-14A5-472D-AD2C-D42CAE897216}" type="slidenum">
+              <a:rPr lang="fr-FR" smtClean="0"/>
+              <a:t>19</a:t>
+            </a:fld>
+            <a:endParaRPr lang="fr-FR" dirty="0"/>
+          </a:p>
+        </p:txBody>
+      </p:sp>
+      <p:pic>
+        <p:nvPicPr>
+          <p:cNvPr id="6" name="Image 5">
+            <a:extLst>
+              <a:ext uri="{FF2B5EF4-FFF2-40B4-BE49-F238E27FC236}">
+                <a16:creationId xmlns:a16="http://schemas.microsoft.com/office/drawing/2014/main" id="{596E9D5A-BD91-43A8-92A6-7811118B06B4}"/>
+              </a:ext>
+            </a:extLst>
+          </p:cNvPr>
+          <p:cNvPicPr>
+            <a:picLocks noChangeAspect="1"/>
+          </p:cNvPicPr>
+          <p:nvPr/>
+        </p:nvPicPr>
+        <p:blipFill>
+          <a:blip r:embed="rId2"/>
+          <a:stretch>
+            <a:fillRect/>
+          </a:stretch>
+        </p:blipFill>
+        <p:spPr>
+          <a:xfrm>
+            <a:off x="7046906" y="0"/>
+            <a:ext cx="3920490" cy="6838950"/>
+          </a:xfrm>
+          <a:prstGeom prst="rect">
+            <a:avLst/>
+          </a:prstGeom>
+        </p:spPr>
+      </p:pic>
+    </p:spTree>
+    <p:extLst>
+      <p:ext uri="{BB962C8B-B14F-4D97-AF65-F5344CB8AC3E}">
+        <p14:creationId xmlns:p14="http://schemas.microsoft.com/office/powerpoint/2010/main" val="3484842030"/>
+      </p:ext>
+    </p:extLst>
+  </p:cSld>
+  <p:clrMapOvr>
+    <a:masterClrMapping/>
+  </p:clrMapOvr>
+</p:sld>
+</file>
+
 <file path=ppt/slides/slide2.xml><?xml version="1.0" encoding="utf-8"?>
 <p:sld xmlns:a="http://schemas.openxmlformats.org/drawingml/2006/main" xmlns:r="http://schemas.openxmlformats.org/officeDocument/2006/relationships" xmlns:p="http://schemas.openxmlformats.org/presentationml/2006/main">
   <p:cSld>
@@ -3818,7 +7183,7 @@
           <p:cNvPr id="2" name="Titre 1">
             <a:extLst>
               <a:ext uri="{FF2B5EF4-FFF2-40B4-BE49-F238E27FC236}">
-                <a16:creationId xmlns:a16="http://schemas.microsoft.com/office/drawing/2014/main" id="{BDEC45C1-1E4A-4BAF-B2B6-4A88C4C90BE1}"/>
+                <a16:creationId xmlns:a16="http://schemas.microsoft.com/office/drawing/2014/main" id="{5AF98403-8FD9-43DD-9598-F00B37B903EC}"/>
               </a:ext>
             </a:extLst>
           </p:cNvPr>
@@ -3834,27 +7199,28 @@
           <a:bodyPr/>
           <a:lstStyle/>
           <a:p>
+            <a:pPr algn="ctr"/>
             <a:r>
               <a:rPr lang="fr-FR" dirty="0"/>
-              <a:t>Sommaire</a:t>
-            </a:r>
-          </a:p>
-        </p:txBody>
-      </p:sp>
-      <p:sp>
-        <p:nvSpPr>
-          <p:cNvPr id="3" name="Espace réservé du contenu 2">
-            <a:extLst>
-              <a:ext uri="{FF2B5EF4-FFF2-40B4-BE49-F238E27FC236}">
-                <a16:creationId xmlns:a16="http://schemas.microsoft.com/office/drawing/2014/main" id="{8479394F-EA41-4DEA-9A0F-10D2C99528EF}"/>
-              </a:ext>
-            </a:extLst>
-          </p:cNvPr>
-          <p:cNvSpPr>
-            <a:spLocks noGrp="1"/>
-          </p:cNvSpPr>
-          <p:nvPr>
-            <p:ph idx="1"/>
+              <a:t>Planning et itérations</a:t>
+            </a:r>
+          </a:p>
+        </p:txBody>
+      </p:sp>
+      <p:sp>
+        <p:nvSpPr>
+          <p:cNvPr id="4" name="Espace réservé du numéro de diapositive 3">
+            <a:extLst>
+              <a:ext uri="{FF2B5EF4-FFF2-40B4-BE49-F238E27FC236}">
+                <a16:creationId xmlns:a16="http://schemas.microsoft.com/office/drawing/2014/main" id="{59C6B470-1E60-4972-B06A-F0F65392E72F}"/>
+              </a:ext>
+            </a:extLst>
+          </p:cNvPr>
+          <p:cNvSpPr>
+            <a:spLocks noGrp="1"/>
+          </p:cNvSpPr>
+          <p:nvPr>
+            <p:ph type="sldNum" sz="quarter" idx="12"/>
           </p:nvPr>
         </p:nvSpPr>
         <p:spPr/>
@@ -3862,52 +7228,492 @@
           <a:bodyPr/>
           <a:lstStyle/>
           <a:p>
-            <a:r>
-              <a:rPr lang="fr-FR" dirty="0"/>
-              <a:t>Planning et itérations . . . . . . . . . . . . . . . . . . . . . . . . . . .2</a:t>
-            </a:r>
-          </a:p>
-          <a:p>
-            <a:r>
-              <a:rPr lang="fr-FR" dirty="0"/>
-              <a:t> </a:t>
-            </a:r>
-          </a:p>
-        </p:txBody>
-      </p:sp>
-      <p:sp>
-        <p:nvSpPr>
-          <p:cNvPr id="4" name="Espace réservé du numéro de diapositive 3">
-            <a:extLst>
-              <a:ext uri="{FF2B5EF4-FFF2-40B4-BE49-F238E27FC236}">
-                <a16:creationId xmlns:a16="http://schemas.microsoft.com/office/drawing/2014/main" id="{62AF73B6-8C18-4C63-AF97-A88D3E75ADD4}"/>
-              </a:ext>
-            </a:extLst>
-          </p:cNvPr>
-          <p:cNvSpPr>
-            <a:spLocks noGrp="1"/>
-          </p:cNvSpPr>
-          <p:nvPr>
-            <p:ph type="sldNum" sz="quarter" idx="12"/>
-          </p:nvPr>
-        </p:nvSpPr>
-        <p:spPr/>
-        <p:txBody>
-          <a:bodyPr/>
-          <a:lstStyle/>
-          <a:p>
             <a:fld id="{6C97E930-14A5-472D-AD2C-D42CAE897216}" type="slidenum">
-              <a:rPr lang="fr-FR" smtClean="0"/>
+              <a:rPr lang="fr-FR" smtClean="0">
+                <a:solidFill>
+                  <a:schemeClr val="tx1"/>
+                </a:solidFill>
+              </a:rPr>
               <a:t>2</a:t>
             </a:fld>
-            <a:endParaRPr lang="fr-FR" dirty="0"/>
-          </a:p>
-        </p:txBody>
-      </p:sp>
+            <a:endParaRPr lang="fr-FR" dirty="0">
+              <a:solidFill>
+                <a:schemeClr val="tx1"/>
+              </a:solidFill>
+            </a:endParaRPr>
+          </a:p>
+        </p:txBody>
+      </p:sp>
+      <p:pic>
+        <p:nvPicPr>
+          <p:cNvPr id="6" name="Image 5">
+            <a:extLst>
+              <a:ext uri="{FF2B5EF4-FFF2-40B4-BE49-F238E27FC236}">
+                <a16:creationId xmlns:a16="http://schemas.microsoft.com/office/drawing/2014/main" id="{DB127017-306F-4ED1-B5DF-71B500DC4E9C}"/>
+              </a:ext>
+            </a:extLst>
+          </p:cNvPr>
+          <p:cNvPicPr>
+            <a:picLocks noChangeAspect="1"/>
+          </p:cNvPicPr>
+          <p:nvPr/>
+        </p:nvPicPr>
+        <p:blipFill>
+          <a:blip r:embed="rId2">
+            <a:extLst>
+              <a:ext uri="{28A0092B-C50C-407E-A947-70E740481C1C}">
+                <a14:useLocalDpi xmlns:a14="http://schemas.microsoft.com/office/drawing/2010/main" val="0"/>
+              </a:ext>
+            </a:extLst>
+          </a:blip>
+          <a:srcRect/>
+          <a:stretch/>
+        </p:blipFill>
+        <p:spPr>
+          <a:xfrm>
+            <a:off x="339352" y="1756143"/>
+            <a:ext cx="11337536" cy="4502205"/>
+          </a:xfrm>
+          <a:prstGeom prst="rect">
+            <a:avLst/>
+          </a:prstGeom>
+        </p:spPr>
+      </p:pic>
     </p:spTree>
     <p:extLst>
       <p:ext uri="{BB962C8B-B14F-4D97-AF65-F5344CB8AC3E}">
-        <p14:creationId xmlns:p14="http://schemas.microsoft.com/office/powerpoint/2010/main" val="2130760336"/>
+        <p14:creationId xmlns:p14="http://schemas.microsoft.com/office/powerpoint/2010/main" val="1410245609"/>
+      </p:ext>
+    </p:extLst>
+  </p:cSld>
+  <p:clrMapOvr>
+    <a:masterClrMapping/>
+  </p:clrMapOvr>
+</p:sld>
+</file>
+
+<file path=ppt/slides/slide20.xml><?xml version="1.0" encoding="utf-8"?>
+<p:sld xmlns:a="http://schemas.openxmlformats.org/drawingml/2006/main" xmlns:r="http://schemas.openxmlformats.org/officeDocument/2006/relationships" xmlns:p="http://schemas.openxmlformats.org/presentationml/2006/main">
+  <p:cSld>
+    <p:spTree>
+      <p:nvGrpSpPr>
+        <p:cNvPr id="1" name=""/>
+        <p:cNvGrpSpPr/>
+        <p:nvPr/>
+      </p:nvGrpSpPr>
+      <p:grpSpPr>
+        <a:xfrm>
+          <a:off x="0" y="0"/>
+          <a:ext cx="0" cy="0"/>
+          <a:chOff x="0" y="0"/>
+          <a:chExt cx="0" cy="0"/>
+        </a:xfrm>
+      </p:grpSpPr>
+      <p:sp>
+        <p:nvSpPr>
+          <p:cNvPr id="2" name="Titre 1">
+            <a:extLst>
+              <a:ext uri="{FF2B5EF4-FFF2-40B4-BE49-F238E27FC236}">
+                <a16:creationId xmlns:a16="http://schemas.microsoft.com/office/drawing/2014/main" id="{21E31D0D-1B8C-4E39-852F-3549B5B84FF7}"/>
+              </a:ext>
+            </a:extLst>
+          </p:cNvPr>
+          <p:cNvSpPr>
+            <a:spLocks noGrp="1"/>
+          </p:cNvSpPr>
+          <p:nvPr>
+            <p:ph type="title"/>
+          </p:nvPr>
+        </p:nvSpPr>
+        <p:spPr/>
+        <p:txBody>
+          <a:bodyPr/>
+          <a:lstStyle/>
+          <a:p>
+            <a:r>
+              <a:rPr lang="fr-FR" dirty="0"/>
+              <a:t>Wireframes (4/4)</a:t>
+            </a:r>
+          </a:p>
+        </p:txBody>
+      </p:sp>
+      <p:sp>
+        <p:nvSpPr>
+          <p:cNvPr id="3" name="Espace réservé du contenu 2">
+            <a:extLst>
+              <a:ext uri="{FF2B5EF4-FFF2-40B4-BE49-F238E27FC236}">
+                <a16:creationId xmlns:a16="http://schemas.microsoft.com/office/drawing/2014/main" id="{8199638B-E082-4BCF-A80C-B0496F34AF4B}"/>
+              </a:ext>
+            </a:extLst>
+          </p:cNvPr>
+          <p:cNvSpPr>
+            <a:spLocks noGrp="1"/>
+          </p:cNvSpPr>
+          <p:nvPr>
+            <p:ph idx="1"/>
+          </p:nvPr>
+        </p:nvSpPr>
+        <p:spPr>
+          <a:xfrm>
+            <a:off x="307910" y="1825625"/>
+            <a:ext cx="5101221" cy="4351338"/>
+          </a:xfrm>
+        </p:spPr>
+        <p:txBody>
+          <a:bodyPr>
+            <a:normAutofit fontScale="85000" lnSpcReduction="10000"/>
+          </a:bodyPr>
+          <a:lstStyle/>
+          <a:p>
+            <a:pPr marL="0" indent="0">
+              <a:buNone/>
+            </a:pPr>
+            <a:r>
+              <a:rPr lang="fr-FR" sz="2800" dirty="0">
+                <a:effectLst/>
+                <a:latin typeface="Roboto" panose="02000000000000000000" pitchFamily="2" charset="0"/>
+                <a:ea typeface="Roboto" panose="02000000000000000000" pitchFamily="2" charset="0"/>
+                <a:cs typeface="Roboto" panose="02000000000000000000" pitchFamily="2" charset="0"/>
+              </a:rPr>
+              <a:t>Gérer une session</a:t>
+            </a:r>
+          </a:p>
+          <a:p>
+            <a:pPr marL="0" indent="0">
+              <a:buNone/>
+            </a:pPr>
+            <a:r>
+              <a:rPr lang="fr-FR" sz="2800" dirty="0"/>
+              <a:t>A gauche : Rôle de mentor (et mentoré)</a:t>
+            </a:r>
+          </a:p>
+          <a:p>
+            <a:pPr marL="0" indent="0">
+              <a:buNone/>
+            </a:pPr>
+            <a:r>
+              <a:rPr lang="fr-FR" sz="2800" dirty="0"/>
+              <a:t>A droite : Rôle de mentoré</a:t>
+            </a:r>
+          </a:p>
+          <a:p>
+            <a:pPr marL="0" indent="0">
+              <a:lnSpc>
+                <a:spcPct val="115000"/>
+              </a:lnSpc>
+              <a:buNone/>
+            </a:pPr>
+            <a:r>
+              <a:rPr lang="fr-FR" sz="1800" dirty="0">
+                <a:effectLst/>
+                <a:latin typeface="Roboto" panose="02000000000000000000" pitchFamily="2" charset="0"/>
+                <a:ea typeface="Roboto" panose="02000000000000000000" pitchFamily="2" charset="0"/>
+                <a:cs typeface="Roboto" panose="02000000000000000000" pitchFamily="2" charset="0"/>
+              </a:rPr>
+              <a:t>Lorsqu’une session est choisie sur l’agenda, un dialogue contextuel s’ouvre et affiche les cas d’usage selon le contexte :</a:t>
+            </a:r>
+          </a:p>
+          <a:p>
+            <a:pPr marL="342900" lvl="0" indent="-342900">
+              <a:lnSpc>
+                <a:spcPct val="115000"/>
+              </a:lnSpc>
+              <a:buFont typeface="Roboto" panose="02000000000000000000" pitchFamily="2" charset="0"/>
+              <a:buChar char="-"/>
+            </a:pPr>
+            <a:r>
+              <a:rPr lang="fr-FR" sz="1800" dirty="0">
+                <a:effectLst/>
+                <a:latin typeface="Roboto" panose="02000000000000000000" pitchFamily="2" charset="0"/>
+                <a:ea typeface="Roboto" panose="02000000000000000000" pitchFamily="2" charset="0"/>
+                <a:cs typeface="Roboto" panose="02000000000000000000" pitchFamily="2" charset="0"/>
+              </a:rPr>
+              <a:t>Toute session : « Evaluer mentor/mentoré », « Gérer journal de bord » et « Evaluer ses sentiments »</a:t>
+            </a:r>
+          </a:p>
+          <a:p>
+            <a:pPr marL="342900" lvl="0" indent="-342900">
+              <a:lnSpc>
+                <a:spcPct val="115000"/>
+              </a:lnSpc>
+              <a:buFont typeface="Roboto" panose="02000000000000000000" pitchFamily="2" charset="0"/>
+              <a:buChar char="-"/>
+            </a:pPr>
+            <a:r>
+              <a:rPr lang="fr-FR" sz="1800" dirty="0">
+                <a:effectLst/>
+                <a:latin typeface="Roboto" panose="02000000000000000000" pitchFamily="2" charset="0"/>
+                <a:ea typeface="Roboto" panose="02000000000000000000" pitchFamily="2" charset="0"/>
+                <a:cs typeface="Roboto" panose="02000000000000000000" pitchFamily="2" charset="0"/>
+              </a:rPr>
+              <a:t>En plus pour une session mentoré : « Demander modification » et « Demander annulation »</a:t>
+            </a:r>
+          </a:p>
+          <a:p>
+            <a:pPr marL="342900" lvl="0" indent="-342900">
+              <a:lnSpc>
+                <a:spcPct val="115000"/>
+              </a:lnSpc>
+              <a:buFont typeface="Roboto" panose="02000000000000000000" pitchFamily="2" charset="0"/>
+              <a:buChar char="-"/>
+            </a:pPr>
+            <a:r>
+              <a:rPr lang="fr-FR" sz="1800" dirty="0">
+                <a:effectLst/>
+                <a:latin typeface="Roboto" panose="02000000000000000000" pitchFamily="2" charset="0"/>
+                <a:ea typeface="Roboto" panose="02000000000000000000" pitchFamily="2" charset="0"/>
+                <a:cs typeface="Roboto" panose="02000000000000000000" pitchFamily="2" charset="0"/>
+              </a:rPr>
+              <a:t>En plus pour une session de mentor : « Modifier une session » et « Annuler une session »</a:t>
+            </a:r>
+          </a:p>
+          <a:p>
+            <a:pPr marL="0" indent="0">
+              <a:buNone/>
+            </a:pPr>
+            <a:endParaRPr lang="fr-FR" dirty="0"/>
+          </a:p>
+        </p:txBody>
+      </p:sp>
+      <p:sp>
+        <p:nvSpPr>
+          <p:cNvPr id="4" name="Espace réservé du numéro de diapositive 3">
+            <a:extLst>
+              <a:ext uri="{FF2B5EF4-FFF2-40B4-BE49-F238E27FC236}">
+                <a16:creationId xmlns:a16="http://schemas.microsoft.com/office/drawing/2014/main" id="{DEAA08C5-EED3-4EFD-9808-CD3F0B1C71B8}"/>
+              </a:ext>
+            </a:extLst>
+          </p:cNvPr>
+          <p:cNvSpPr>
+            <a:spLocks noGrp="1"/>
+          </p:cNvSpPr>
+          <p:nvPr>
+            <p:ph type="sldNum" sz="quarter" idx="12"/>
+          </p:nvPr>
+        </p:nvSpPr>
+        <p:spPr/>
+        <p:txBody>
+          <a:bodyPr/>
+          <a:lstStyle/>
+          <a:p>
+            <a:fld id="{6C97E930-14A5-472D-AD2C-D42CAE897216}" type="slidenum">
+              <a:rPr lang="fr-FR" smtClean="0"/>
+              <a:t>20</a:t>
+            </a:fld>
+            <a:endParaRPr lang="fr-FR" dirty="0"/>
+          </a:p>
+        </p:txBody>
+      </p:sp>
+      <p:pic>
+        <p:nvPicPr>
+          <p:cNvPr id="7" name="Image 6">
+            <a:extLst>
+              <a:ext uri="{FF2B5EF4-FFF2-40B4-BE49-F238E27FC236}">
+                <a16:creationId xmlns:a16="http://schemas.microsoft.com/office/drawing/2014/main" id="{2F5E3A6E-AC90-404E-897A-EC796AF939B0}"/>
+              </a:ext>
+            </a:extLst>
+          </p:cNvPr>
+          <p:cNvPicPr>
+            <a:picLocks noChangeAspect="1"/>
+          </p:cNvPicPr>
+          <p:nvPr/>
+        </p:nvPicPr>
+        <p:blipFill>
+          <a:blip r:embed="rId2"/>
+          <a:stretch>
+            <a:fillRect/>
+          </a:stretch>
+        </p:blipFill>
+        <p:spPr>
+          <a:xfrm>
+            <a:off x="5409131" y="136525"/>
+            <a:ext cx="6561325" cy="5760422"/>
+          </a:xfrm>
+          <a:prstGeom prst="rect">
+            <a:avLst/>
+          </a:prstGeom>
+        </p:spPr>
+      </p:pic>
+    </p:spTree>
+    <p:extLst>
+      <p:ext uri="{BB962C8B-B14F-4D97-AF65-F5344CB8AC3E}">
+        <p14:creationId xmlns:p14="http://schemas.microsoft.com/office/powerpoint/2010/main" val="3995447982"/>
+      </p:ext>
+    </p:extLst>
+  </p:cSld>
+  <p:clrMapOvr>
+    <a:masterClrMapping/>
+  </p:clrMapOvr>
+</p:sld>
+</file>
+
+<file path=ppt/slides/slide21.xml><?xml version="1.0" encoding="utf-8"?>
+<p:sld xmlns:a="http://schemas.openxmlformats.org/drawingml/2006/main" xmlns:r="http://schemas.openxmlformats.org/officeDocument/2006/relationships" xmlns:p="http://schemas.openxmlformats.org/presentationml/2006/main">
+  <p:cSld>
+    <p:spTree>
+      <p:nvGrpSpPr>
+        <p:cNvPr id="1" name=""/>
+        <p:cNvGrpSpPr/>
+        <p:nvPr/>
+      </p:nvGrpSpPr>
+      <p:grpSpPr>
+        <a:xfrm>
+          <a:off x="0" y="0"/>
+          <a:ext cx="0" cy="0"/>
+          <a:chOff x="0" y="0"/>
+          <a:chExt cx="0" cy="0"/>
+        </a:xfrm>
+      </p:grpSpPr>
+      <p:sp>
+        <p:nvSpPr>
+          <p:cNvPr id="2" name="Titre 1">
+            <a:extLst>
+              <a:ext uri="{FF2B5EF4-FFF2-40B4-BE49-F238E27FC236}">
+                <a16:creationId xmlns:a16="http://schemas.microsoft.com/office/drawing/2014/main" id="{F7E07617-6868-4FB9-878A-61E54E949DF3}"/>
+              </a:ext>
+            </a:extLst>
+          </p:cNvPr>
+          <p:cNvSpPr>
+            <a:spLocks noGrp="1"/>
+          </p:cNvSpPr>
+          <p:nvPr>
+            <p:ph type="title"/>
+          </p:nvPr>
+        </p:nvSpPr>
+        <p:spPr/>
+        <p:txBody>
+          <a:bodyPr/>
+          <a:lstStyle/>
+          <a:p>
+            <a:r>
+              <a:rPr lang="fr-FR" dirty="0"/>
+              <a:t>Conclusion</a:t>
+            </a:r>
+          </a:p>
+        </p:txBody>
+      </p:sp>
+      <p:sp>
+        <p:nvSpPr>
+          <p:cNvPr id="3" name="Espace réservé du contenu 2">
+            <a:extLst>
+              <a:ext uri="{FF2B5EF4-FFF2-40B4-BE49-F238E27FC236}">
+                <a16:creationId xmlns:a16="http://schemas.microsoft.com/office/drawing/2014/main" id="{F33664E9-C428-41A9-B553-4295E09D85CD}"/>
+              </a:ext>
+            </a:extLst>
+          </p:cNvPr>
+          <p:cNvSpPr>
+            <a:spLocks noGrp="1"/>
+          </p:cNvSpPr>
+          <p:nvPr>
+            <p:ph idx="1"/>
+          </p:nvPr>
+        </p:nvSpPr>
+        <p:spPr/>
+        <p:txBody>
+          <a:bodyPr/>
+          <a:lstStyle/>
+          <a:p>
+            <a:r>
+              <a:rPr lang="fr-FR" dirty="0"/>
+              <a:t>Le </a:t>
+            </a:r>
+            <a:r>
+              <a:rPr lang="fr-FR" dirty="0" err="1"/>
+              <a:t>product</a:t>
+            </a:r>
+            <a:r>
+              <a:rPr lang="fr-FR" dirty="0"/>
+              <a:t> </a:t>
+            </a:r>
+            <a:r>
+              <a:rPr lang="fr-FR" dirty="0" err="1"/>
+              <a:t>BackLog</a:t>
+            </a:r>
+            <a:r>
+              <a:rPr lang="fr-FR" dirty="0"/>
+              <a:t> doit être correctement défini avant le début de la gestion du projet.</a:t>
+            </a:r>
+          </a:p>
+          <a:p>
+            <a:r>
+              <a:rPr lang="fr-FR" dirty="0"/>
+              <a:t>Les 2 impératifs essentiels ont été remplis :</a:t>
+            </a:r>
+          </a:p>
+          <a:p>
+            <a:pPr lvl="1">
+              <a:buFont typeface="Courier New" panose="02070309020205020404" pitchFamily="49" charset="0"/>
+              <a:buChar char="o"/>
+            </a:pPr>
+            <a:r>
+              <a:rPr lang="fr-FR" dirty="0"/>
+              <a:t>La collecte et l’étude des besoins</a:t>
+            </a:r>
+          </a:p>
+          <a:p>
+            <a:pPr lvl="1">
+              <a:buFont typeface="Courier New" panose="02070309020205020404" pitchFamily="49" charset="0"/>
+              <a:buChar char="o"/>
+            </a:pPr>
+            <a:r>
+              <a:rPr lang="fr-FR" dirty="0"/>
+              <a:t>La définition d’un langage commun avec l’équipe</a:t>
+            </a:r>
+          </a:p>
+          <a:p>
+            <a:r>
+              <a:rPr lang="fr-FR" dirty="0"/>
+              <a:t> Sans perdre du temps à détailler toutes les User Stories pendant l’étape de préparation : en gestion de projet agile le Product </a:t>
+            </a:r>
+            <a:r>
+              <a:rPr lang="fr-FR" dirty="0" err="1"/>
+              <a:t>Backlog</a:t>
+            </a:r>
+            <a:r>
+              <a:rPr lang="fr-FR" dirty="0"/>
+              <a:t> n’est </a:t>
+            </a:r>
+            <a:r>
+              <a:rPr lang="fr-FR"/>
+              <a:t>jamais figé.</a:t>
+            </a:r>
+            <a:endParaRPr lang="fr-FR" dirty="0"/>
+          </a:p>
+        </p:txBody>
+      </p:sp>
+      <p:sp>
+        <p:nvSpPr>
+          <p:cNvPr id="4" name="Espace réservé du numéro de diapositive 3">
+            <a:extLst>
+              <a:ext uri="{FF2B5EF4-FFF2-40B4-BE49-F238E27FC236}">
+                <a16:creationId xmlns:a16="http://schemas.microsoft.com/office/drawing/2014/main" id="{89EAE290-0DDA-4BE8-8EA9-1A9FA0725780}"/>
+              </a:ext>
+            </a:extLst>
+          </p:cNvPr>
+          <p:cNvSpPr>
+            <a:spLocks noGrp="1"/>
+          </p:cNvSpPr>
+          <p:nvPr>
+            <p:ph type="sldNum" sz="quarter" idx="12"/>
+          </p:nvPr>
+        </p:nvSpPr>
+        <p:spPr/>
+        <p:txBody>
+          <a:bodyPr/>
+          <a:lstStyle/>
+          <a:p>
+            <a:fld id="{6C97E930-14A5-472D-AD2C-D42CAE897216}" type="slidenum">
+              <a:rPr lang="fr-FR" smtClean="0"/>
+              <a:t>21</a:t>
+            </a:fld>
+            <a:endParaRPr lang="fr-FR" dirty="0"/>
+          </a:p>
+        </p:txBody>
+      </p:sp>
+    </p:spTree>
+    <p:extLst>
+      <p:ext uri="{BB962C8B-B14F-4D97-AF65-F5344CB8AC3E}">
+        <p14:creationId xmlns:p14="http://schemas.microsoft.com/office/powerpoint/2010/main" val="3566815727"/>
       </p:ext>
     </p:extLst>
   </p:cSld>
@@ -3939,138 +7745,6 @@
           <p:cNvPr id="2" name="Titre 1">
             <a:extLst>
               <a:ext uri="{FF2B5EF4-FFF2-40B4-BE49-F238E27FC236}">
-                <a16:creationId xmlns:a16="http://schemas.microsoft.com/office/drawing/2014/main" id="{5AF98403-8FD9-43DD-9598-F00B37B903EC}"/>
-              </a:ext>
-            </a:extLst>
-          </p:cNvPr>
-          <p:cNvSpPr>
-            <a:spLocks noGrp="1"/>
-          </p:cNvSpPr>
-          <p:nvPr>
-            <p:ph type="title"/>
-          </p:nvPr>
-        </p:nvSpPr>
-        <p:spPr/>
-        <p:txBody>
-          <a:bodyPr/>
-          <a:lstStyle/>
-          <a:p>
-            <a:pPr algn="ctr"/>
-            <a:r>
-              <a:rPr lang="fr-FR" dirty="0"/>
-              <a:t>Planning et itérations</a:t>
-            </a:r>
-          </a:p>
-        </p:txBody>
-      </p:sp>
-      <p:sp>
-        <p:nvSpPr>
-          <p:cNvPr id="4" name="Espace réservé du numéro de diapositive 3">
-            <a:extLst>
-              <a:ext uri="{FF2B5EF4-FFF2-40B4-BE49-F238E27FC236}">
-                <a16:creationId xmlns:a16="http://schemas.microsoft.com/office/drawing/2014/main" id="{59C6B470-1E60-4972-B06A-F0F65392E72F}"/>
-              </a:ext>
-            </a:extLst>
-          </p:cNvPr>
-          <p:cNvSpPr>
-            <a:spLocks noGrp="1"/>
-          </p:cNvSpPr>
-          <p:nvPr>
-            <p:ph type="sldNum" sz="quarter" idx="12"/>
-          </p:nvPr>
-        </p:nvSpPr>
-        <p:spPr/>
-        <p:txBody>
-          <a:bodyPr/>
-          <a:lstStyle/>
-          <a:p>
-            <a:fld id="{6C97E930-14A5-472D-AD2C-D42CAE897216}" type="slidenum">
-              <a:rPr lang="fr-FR" smtClean="0">
-                <a:solidFill>
-                  <a:schemeClr val="tx1"/>
-                </a:solidFill>
-              </a:rPr>
-              <a:t>3</a:t>
-            </a:fld>
-            <a:endParaRPr lang="fr-FR" dirty="0">
-              <a:solidFill>
-                <a:schemeClr val="tx1"/>
-              </a:solidFill>
-            </a:endParaRPr>
-          </a:p>
-        </p:txBody>
-      </p:sp>
-      <p:pic>
-        <p:nvPicPr>
-          <p:cNvPr id="6" name="Image 5">
-            <a:extLst>
-              <a:ext uri="{FF2B5EF4-FFF2-40B4-BE49-F238E27FC236}">
-                <a16:creationId xmlns:a16="http://schemas.microsoft.com/office/drawing/2014/main" id="{DB127017-306F-4ED1-B5DF-71B500DC4E9C}"/>
-              </a:ext>
-            </a:extLst>
-          </p:cNvPr>
-          <p:cNvPicPr>
-            <a:picLocks noChangeAspect="1"/>
-          </p:cNvPicPr>
-          <p:nvPr/>
-        </p:nvPicPr>
-        <p:blipFill>
-          <a:blip r:embed="rId2">
-            <a:extLst>
-              <a:ext uri="{28A0092B-C50C-407E-A947-70E740481C1C}">
-                <a14:useLocalDpi xmlns:a14="http://schemas.microsoft.com/office/drawing/2010/main" val="0"/>
-              </a:ext>
-            </a:extLst>
-          </a:blip>
-          <a:stretch>
-            <a:fillRect/>
-          </a:stretch>
-        </p:blipFill>
-        <p:spPr>
-          <a:xfrm>
-            <a:off x="0" y="1756144"/>
-            <a:ext cx="12192000" cy="3345712"/>
-          </a:xfrm>
-          <a:prstGeom prst="rect">
-            <a:avLst/>
-          </a:prstGeom>
-        </p:spPr>
-      </p:pic>
-    </p:spTree>
-    <p:extLst>
-      <p:ext uri="{BB962C8B-B14F-4D97-AF65-F5344CB8AC3E}">
-        <p14:creationId xmlns:p14="http://schemas.microsoft.com/office/powerpoint/2010/main" val="1410245609"/>
-      </p:ext>
-    </p:extLst>
-  </p:cSld>
-  <p:clrMapOvr>
-    <a:masterClrMapping/>
-  </p:clrMapOvr>
-</p:sld>
-</file>
-
-<file path=ppt/slides/slide4.xml><?xml version="1.0" encoding="utf-8"?>
-<p:sld xmlns:a="http://schemas.openxmlformats.org/drawingml/2006/main" xmlns:r="http://schemas.openxmlformats.org/officeDocument/2006/relationships" xmlns:p="http://schemas.openxmlformats.org/presentationml/2006/main">
-  <p:cSld>
-    <p:spTree>
-      <p:nvGrpSpPr>
-        <p:cNvPr id="1" name=""/>
-        <p:cNvGrpSpPr/>
-        <p:nvPr/>
-      </p:nvGrpSpPr>
-      <p:grpSpPr>
-        <a:xfrm>
-          <a:off x="0" y="0"/>
-          <a:ext cx="0" cy="0"/>
-          <a:chOff x="0" y="0"/>
-          <a:chExt cx="0" cy="0"/>
-        </a:xfrm>
-      </p:grpSpPr>
-      <p:sp>
-        <p:nvSpPr>
-          <p:cNvPr id="2" name="Titre 1">
-            <a:extLst>
-              <a:ext uri="{FF2B5EF4-FFF2-40B4-BE49-F238E27FC236}">
                 <a16:creationId xmlns:a16="http://schemas.microsoft.com/office/drawing/2014/main" id="{829EB31C-1681-440B-A4EB-A3FEC391AB36}"/>
               </a:ext>
             </a:extLst>
@@ -4160,7 +7834,7 @@
           <a:p>
             <a:fld id="{6C97E930-14A5-472D-AD2C-D42CAE897216}" type="slidenum">
               <a:rPr lang="fr-FR" smtClean="0"/>
-              <a:t>4</a:t>
+              <a:t>3</a:t>
             </a:fld>
             <a:endParaRPr lang="fr-FR" dirty="0"/>
           </a:p>
@@ -4395,7 +8069,7 @@
 </p:sld>
 </file>
 
-<file path=ppt/slides/slide5.xml><?xml version="1.0" encoding="utf-8"?>
+<file path=ppt/slides/slide4.xml><?xml version="1.0" encoding="utf-8"?>
 <p:sld xmlns:a="http://schemas.openxmlformats.org/drawingml/2006/main" xmlns:r="http://schemas.openxmlformats.org/officeDocument/2006/relationships" xmlns:p="http://schemas.openxmlformats.org/presentationml/2006/main">
   <p:cSld>
     <p:spTree>
@@ -4478,7 +8152,7 @@
           <a:p>
             <a:fld id="{6C97E930-14A5-472D-AD2C-D42CAE897216}" type="slidenum">
               <a:rPr lang="fr-FR" smtClean="0"/>
-              <a:t>5</a:t>
+              <a:t>4</a:t>
             </a:fld>
             <a:endParaRPr lang="fr-FR" dirty="0"/>
           </a:p>
@@ -4533,6 +8207,137 @@
 </p:sld>
 </file>
 
+<file path=ppt/slides/slide5.xml><?xml version="1.0" encoding="utf-8"?>
+<p:sld xmlns:a="http://schemas.openxmlformats.org/drawingml/2006/main" xmlns:r="http://schemas.openxmlformats.org/officeDocument/2006/relationships" xmlns:p="http://schemas.openxmlformats.org/presentationml/2006/main">
+  <p:cSld>
+    <p:spTree>
+      <p:nvGrpSpPr>
+        <p:cNvPr id="1" name=""/>
+        <p:cNvGrpSpPr/>
+        <p:nvPr/>
+      </p:nvGrpSpPr>
+      <p:grpSpPr>
+        <a:xfrm>
+          <a:off x="0" y="0"/>
+          <a:ext cx="0" cy="0"/>
+          <a:chOff x="0" y="0"/>
+          <a:chExt cx="0" cy="0"/>
+        </a:xfrm>
+      </p:grpSpPr>
+      <p:sp>
+        <p:nvSpPr>
+          <p:cNvPr id="2" name="Titre 1">
+            <a:extLst>
+              <a:ext uri="{FF2B5EF4-FFF2-40B4-BE49-F238E27FC236}">
+                <a16:creationId xmlns:a16="http://schemas.microsoft.com/office/drawing/2014/main" id="{B9A3F10B-8919-47CE-AD73-FC939BEB0801}"/>
+              </a:ext>
+            </a:extLst>
+          </p:cNvPr>
+          <p:cNvSpPr>
+            <a:spLocks noGrp="1"/>
+          </p:cNvSpPr>
+          <p:nvPr>
+            <p:ph type="title"/>
+          </p:nvPr>
+        </p:nvSpPr>
+        <p:spPr>
+          <a:xfrm>
+            <a:off x="158931" y="399141"/>
+            <a:ext cx="4811391" cy="5991225"/>
+          </a:xfrm>
+        </p:spPr>
+        <p:txBody>
+          <a:bodyPr/>
+          <a:lstStyle/>
+          <a:p>
+            <a:r>
+              <a:rPr lang="fr-FR" dirty="0"/>
+              <a:t>Diagramme des cas d’utilisation à partir de l’Event </a:t>
+            </a:r>
+            <a:r>
+              <a:rPr lang="fr-FR" dirty="0" err="1"/>
+              <a:t>Storming</a:t>
+            </a:r>
+            <a:endParaRPr lang="fr-FR" dirty="0"/>
+          </a:p>
+        </p:txBody>
+      </p:sp>
+      <p:pic>
+        <p:nvPicPr>
+          <p:cNvPr id="8" name="Espace réservé du contenu 7">
+            <a:extLst>
+              <a:ext uri="{FF2B5EF4-FFF2-40B4-BE49-F238E27FC236}">
+                <a16:creationId xmlns:a16="http://schemas.microsoft.com/office/drawing/2014/main" id="{D1D2937F-CDB0-4CB5-98A6-DB690606149C}"/>
+              </a:ext>
+            </a:extLst>
+          </p:cNvPr>
+          <p:cNvPicPr>
+            <a:picLocks noGrp="1" noChangeAspect="1"/>
+          </p:cNvPicPr>
+          <p:nvPr>
+            <p:ph idx="1"/>
+          </p:nvPr>
+        </p:nvPicPr>
+        <p:blipFill>
+          <a:blip r:embed="rId2">
+            <a:extLst>
+              <a:ext uri="{28A0092B-C50C-407E-A947-70E740481C1C}">
+                <a14:useLocalDpi xmlns:a14="http://schemas.microsoft.com/office/drawing/2010/main" val="0"/>
+              </a:ext>
+            </a:extLst>
+          </a:blip>
+          <a:srcRect/>
+          <a:stretch/>
+        </p:blipFill>
+        <p:spPr>
+          <a:xfrm>
+            <a:off x="5964860" y="532401"/>
+            <a:ext cx="5021821" cy="5724707"/>
+          </a:xfrm>
+        </p:spPr>
+      </p:pic>
+      <p:sp>
+        <p:nvSpPr>
+          <p:cNvPr id="4" name="Espace réservé du numéro de diapositive 3">
+            <a:extLst>
+              <a:ext uri="{FF2B5EF4-FFF2-40B4-BE49-F238E27FC236}">
+                <a16:creationId xmlns:a16="http://schemas.microsoft.com/office/drawing/2014/main" id="{D5B05B50-AF86-4A81-86B6-60C269DF0BB3}"/>
+              </a:ext>
+            </a:extLst>
+          </p:cNvPr>
+          <p:cNvSpPr>
+            <a:spLocks noGrp="1"/>
+          </p:cNvSpPr>
+          <p:nvPr>
+            <p:ph type="sldNum" sz="quarter" idx="12"/>
+          </p:nvPr>
+        </p:nvSpPr>
+        <p:spPr/>
+        <p:txBody>
+          <a:bodyPr/>
+          <a:lstStyle/>
+          <a:p>
+            <a:fld id="{6C97E930-14A5-472D-AD2C-D42CAE897216}" type="slidenum">
+              <a:rPr lang="fr-FR" smtClean="0"/>
+              <a:t>5</a:t>
+            </a:fld>
+            <a:endParaRPr lang="fr-FR" dirty="0"/>
+          </a:p>
+        </p:txBody>
+      </p:sp>
+    </p:spTree>
+    <p:extLst>
+      <p:ext uri="{BB962C8B-B14F-4D97-AF65-F5344CB8AC3E}">
+        <p14:creationId xmlns:p14="http://schemas.microsoft.com/office/powerpoint/2010/main" val="2222453712"/>
+      </p:ext>
+    </p:extLst>
+  </p:cSld>
+  <p:clrMapOvr>
+    <a:masterClrMapping/>
+  </p:clrMapOvr>
+</p:sld>
+</file>
+
 <file path=ppt/slides/slide6.xml><?xml version="1.0" encoding="utf-8"?>
 <p:sld xmlns:a="http://schemas.openxmlformats.org/drawingml/2006/main" xmlns:r="http://schemas.openxmlformats.org/officeDocument/2006/relationships" xmlns:p="http://schemas.openxmlformats.org/presentationml/2006/main">
   <p:cSld>
@@ -4569,7 +8374,7 @@
         <p:spPr>
           <a:xfrm>
             <a:off x="158931" y="399141"/>
-            <a:ext cx="4811391" cy="5991225"/>
+            <a:ext cx="4906845" cy="5991225"/>
           </a:xfrm>
         </p:spPr>
         <p:txBody>
@@ -4578,8 +8383,36 @@
           <a:p>
             <a:r>
               <a:rPr lang="fr-FR" dirty="0"/>
-              <a:t>Diagramme des cas d’utilisation</a:t>
-            </a:r>
+              <a:t>Puis itération pour affiner les cas d’utilisations en contextes délimités (</a:t>
+            </a:r>
+            <a:r>
+              <a:rPr lang="fr-FR" dirty="0" err="1"/>
+              <a:t>Bounded</a:t>
+            </a:r>
+            <a:r>
+              <a:rPr lang="fr-FR" dirty="0"/>
+              <a:t> </a:t>
+            </a:r>
+            <a:r>
+              <a:rPr lang="fr-FR" dirty="0" err="1"/>
+              <a:t>Contexts</a:t>
+            </a:r>
+            <a:r>
+              <a:rPr lang="fr-FR" dirty="0"/>
+              <a:t>) : S’authentifier</a:t>
+            </a:r>
+            <a:br>
+              <a:rPr lang="fr-FR" sz="1800" b="1" dirty="0">
+                <a:solidFill>
+                  <a:srgbClr val="00B050"/>
+                </a:solidFill>
+                <a:effectLst/>
+                <a:latin typeface="Roboto" panose="02000000000000000000" pitchFamily="2" charset="0"/>
+                <a:ea typeface="Roboto" panose="02000000000000000000" pitchFamily="2" charset="0"/>
+                <a:cs typeface="Roboto" panose="02000000000000000000" pitchFamily="2" charset="0"/>
+              </a:rPr>
+            </a:br>
+            <a:endParaRPr lang="fr-FR" dirty="0"/>
           </a:p>
         </p:txBody>
       </p:sp>
@@ -4607,14 +8440,13 @@
               </a:ext>
             </a:extLst>
           </a:blip>
-          <a:stretch>
-            <a:fillRect/>
-          </a:stretch>
+          <a:srcRect/>
+          <a:stretch/>
         </p:blipFill>
         <p:spPr>
           <a:xfrm>
-            <a:off x="5310790" y="532401"/>
-            <a:ext cx="6329962" cy="5724707"/>
+            <a:off x="5166360" y="235986"/>
+            <a:ext cx="6364224" cy="6074529"/>
           </a:xfrm>
         </p:spPr>
       </p:pic>
@@ -4639,18 +8471,736 @@
           <a:bodyPr/>
           <a:lstStyle/>
           <a:p>
+            <a:pPr marL="0" marR="0" lvl="0" indent="0" algn="r" defTabSz="914400" rtl="0" eaLnBrk="1" fontAlgn="auto" latinLnBrk="0" hangingPunct="1">
+              <a:lnSpc>
+                <a:spcPct val="100000"/>
+              </a:lnSpc>
+              <a:spcBef>
+                <a:spcPts val="0"/>
+              </a:spcBef>
+              <a:spcAft>
+                <a:spcPts val="0"/>
+              </a:spcAft>
+              <a:buClrTx/>
+              <a:buSzTx/>
+              <a:buFontTx/>
+              <a:buNone/>
+              <a:tabLst/>
+              <a:defRPr/>
+            </a:pPr>
             <a:fld id="{6C97E930-14A5-472D-AD2C-D42CAE897216}" type="slidenum">
-              <a:rPr lang="fr-FR" smtClean="0"/>
+              <a:rPr kumimoji="0" lang="fr-FR" sz="1200" b="0" i="0" u="none" strike="noStrike" kern="1200" cap="none" spc="0" normalizeH="0" baseline="0" noProof="0" smtClean="0">
+                <a:ln>
+                  <a:noFill/>
+                </a:ln>
+                <a:solidFill>
+                  <a:prstClr val="black">
+                    <a:tint val="75000"/>
+                  </a:prstClr>
+                </a:solidFill>
+                <a:effectLst/>
+                <a:uLnTx/>
+                <a:uFillTx/>
+                <a:latin typeface="Calibri" panose="020F0502020204030204"/>
+                <a:ea typeface="+mn-ea"/>
+                <a:cs typeface="+mn-cs"/>
+              </a:rPr>
+              <a:pPr marL="0" marR="0" lvl="0" indent="0" algn="r" defTabSz="914400" rtl="0" eaLnBrk="1" fontAlgn="auto" latinLnBrk="0" hangingPunct="1">
+                <a:lnSpc>
+                  <a:spcPct val="100000"/>
+                </a:lnSpc>
+                <a:spcBef>
+                  <a:spcPts val="0"/>
+                </a:spcBef>
+                <a:spcAft>
+                  <a:spcPts val="0"/>
+                </a:spcAft>
+                <a:buClrTx/>
+                <a:buSzTx/>
+                <a:buFontTx/>
+                <a:buNone/>
+                <a:tabLst/>
+                <a:defRPr/>
+              </a:pPr>
               <a:t>6</a:t>
             </a:fld>
-            <a:endParaRPr lang="fr-FR" dirty="0"/>
+            <a:endParaRPr kumimoji="0" lang="fr-FR" sz="1200" b="0" i="0" u="none" strike="noStrike" kern="1200" cap="none" spc="0" normalizeH="0" baseline="0" noProof="0" dirty="0">
+              <a:ln>
+                <a:noFill/>
+              </a:ln>
+              <a:solidFill>
+                <a:prstClr val="black">
+                  <a:tint val="75000"/>
+                </a:prstClr>
+              </a:solidFill>
+              <a:effectLst/>
+              <a:uLnTx/>
+              <a:uFillTx/>
+              <a:latin typeface="Calibri" panose="020F0502020204030204"/>
+              <a:ea typeface="+mn-ea"/>
+              <a:cs typeface="+mn-cs"/>
+            </a:endParaRPr>
           </a:p>
         </p:txBody>
       </p:sp>
     </p:spTree>
     <p:extLst>
       <p:ext uri="{BB962C8B-B14F-4D97-AF65-F5344CB8AC3E}">
-        <p14:creationId xmlns:p14="http://schemas.microsoft.com/office/powerpoint/2010/main" val="2222453712"/>
+        <p14:creationId xmlns:p14="http://schemas.microsoft.com/office/powerpoint/2010/main" val="552484896"/>
+      </p:ext>
+    </p:extLst>
+  </p:cSld>
+  <p:clrMapOvr>
+    <a:masterClrMapping/>
+  </p:clrMapOvr>
+</p:sld>
+</file>
+
+<file path=ppt/slides/slide7.xml><?xml version="1.0" encoding="utf-8"?>
+<p:sld xmlns:a="http://schemas.openxmlformats.org/drawingml/2006/main" xmlns:r="http://schemas.openxmlformats.org/officeDocument/2006/relationships" xmlns:p="http://schemas.openxmlformats.org/presentationml/2006/main">
+  <p:cSld>
+    <p:spTree>
+      <p:nvGrpSpPr>
+        <p:cNvPr id="1" name=""/>
+        <p:cNvGrpSpPr/>
+        <p:nvPr/>
+      </p:nvGrpSpPr>
+      <p:grpSpPr>
+        <a:xfrm>
+          <a:off x="0" y="0"/>
+          <a:ext cx="0" cy="0"/>
+          <a:chOff x="0" y="0"/>
+          <a:chExt cx="0" cy="0"/>
+        </a:xfrm>
+      </p:grpSpPr>
+      <p:sp>
+        <p:nvSpPr>
+          <p:cNvPr id="2" name="Titre 1">
+            <a:extLst>
+              <a:ext uri="{FF2B5EF4-FFF2-40B4-BE49-F238E27FC236}">
+                <a16:creationId xmlns:a16="http://schemas.microsoft.com/office/drawing/2014/main" id="{B9A3F10B-8919-47CE-AD73-FC939BEB0801}"/>
+              </a:ext>
+            </a:extLst>
+          </p:cNvPr>
+          <p:cNvSpPr>
+            <a:spLocks noGrp="1"/>
+          </p:cNvSpPr>
+          <p:nvPr>
+            <p:ph type="title"/>
+          </p:nvPr>
+        </p:nvSpPr>
+        <p:spPr>
+          <a:xfrm>
+            <a:off x="158931" y="399141"/>
+            <a:ext cx="4906845" cy="5991225"/>
+          </a:xfrm>
+        </p:spPr>
+        <p:txBody>
+          <a:bodyPr/>
+          <a:lstStyle/>
+          <a:p>
+            <a:r>
+              <a:rPr lang="fr-FR" dirty="0"/>
+              <a:t>Puis itération pour affiner les cas d’utilisations en contextes délimités (</a:t>
+            </a:r>
+            <a:r>
+              <a:rPr lang="fr-FR" dirty="0" err="1"/>
+              <a:t>Bounded</a:t>
+            </a:r>
+            <a:r>
+              <a:rPr lang="fr-FR" dirty="0"/>
+              <a:t> </a:t>
+            </a:r>
+            <a:r>
+              <a:rPr lang="fr-FR" dirty="0" err="1"/>
+              <a:t>Contexts</a:t>
+            </a:r>
+            <a:r>
+              <a:rPr lang="fr-FR" dirty="0"/>
+              <a:t>) : Gérer utilisateurs</a:t>
+            </a:r>
+            <a:br>
+              <a:rPr lang="fr-FR" sz="1800" b="1" dirty="0">
+                <a:solidFill>
+                  <a:srgbClr val="00B050"/>
+                </a:solidFill>
+                <a:effectLst/>
+                <a:latin typeface="Roboto" panose="02000000000000000000" pitchFamily="2" charset="0"/>
+                <a:ea typeface="Roboto" panose="02000000000000000000" pitchFamily="2" charset="0"/>
+                <a:cs typeface="Roboto" panose="02000000000000000000" pitchFamily="2" charset="0"/>
+              </a:rPr>
+            </a:br>
+            <a:endParaRPr lang="fr-FR" dirty="0"/>
+          </a:p>
+        </p:txBody>
+      </p:sp>
+      <p:pic>
+        <p:nvPicPr>
+          <p:cNvPr id="8" name="Espace réservé du contenu 7">
+            <a:extLst>
+              <a:ext uri="{FF2B5EF4-FFF2-40B4-BE49-F238E27FC236}">
+                <a16:creationId xmlns:a16="http://schemas.microsoft.com/office/drawing/2014/main" id="{D1D2937F-CDB0-4CB5-98A6-DB690606149C}"/>
+              </a:ext>
+            </a:extLst>
+          </p:cNvPr>
+          <p:cNvPicPr>
+            <a:picLocks noGrp="1" noChangeAspect="1"/>
+          </p:cNvPicPr>
+          <p:nvPr>
+            <p:ph idx="1"/>
+          </p:nvPr>
+        </p:nvPicPr>
+        <p:blipFill>
+          <a:blip r:embed="rId2">
+            <a:extLst>
+              <a:ext uri="{28A0092B-C50C-407E-A947-70E740481C1C}">
+                <a14:useLocalDpi xmlns:a14="http://schemas.microsoft.com/office/drawing/2010/main" val="0"/>
+              </a:ext>
+            </a:extLst>
+          </a:blip>
+          <a:srcRect/>
+          <a:stretch/>
+        </p:blipFill>
+        <p:spPr>
+          <a:xfrm>
+            <a:off x="5486401" y="235987"/>
+            <a:ext cx="6409944" cy="6154380"/>
+          </a:xfrm>
+        </p:spPr>
+      </p:pic>
+      <p:sp>
+        <p:nvSpPr>
+          <p:cNvPr id="4" name="Espace réservé du numéro de diapositive 3">
+            <a:extLst>
+              <a:ext uri="{FF2B5EF4-FFF2-40B4-BE49-F238E27FC236}">
+                <a16:creationId xmlns:a16="http://schemas.microsoft.com/office/drawing/2014/main" id="{D5B05B50-AF86-4A81-86B6-60C269DF0BB3}"/>
+              </a:ext>
+            </a:extLst>
+          </p:cNvPr>
+          <p:cNvSpPr>
+            <a:spLocks noGrp="1"/>
+          </p:cNvSpPr>
+          <p:nvPr>
+            <p:ph type="sldNum" sz="quarter" idx="12"/>
+          </p:nvPr>
+        </p:nvSpPr>
+        <p:spPr/>
+        <p:txBody>
+          <a:bodyPr/>
+          <a:lstStyle/>
+          <a:p>
+            <a:pPr marL="0" marR="0" lvl="0" indent="0" algn="r" defTabSz="914400" rtl="0" eaLnBrk="1" fontAlgn="auto" latinLnBrk="0" hangingPunct="1">
+              <a:lnSpc>
+                <a:spcPct val="100000"/>
+              </a:lnSpc>
+              <a:spcBef>
+                <a:spcPts val="0"/>
+              </a:spcBef>
+              <a:spcAft>
+                <a:spcPts val="0"/>
+              </a:spcAft>
+              <a:buClrTx/>
+              <a:buSzTx/>
+              <a:buFontTx/>
+              <a:buNone/>
+              <a:tabLst/>
+              <a:defRPr/>
+            </a:pPr>
+            <a:fld id="{6C97E930-14A5-472D-AD2C-D42CAE897216}" type="slidenum">
+              <a:rPr kumimoji="0" lang="fr-FR" sz="1200" b="0" i="0" u="none" strike="noStrike" kern="1200" cap="none" spc="0" normalizeH="0" baseline="0" noProof="0" smtClean="0">
+                <a:ln>
+                  <a:noFill/>
+                </a:ln>
+                <a:solidFill>
+                  <a:prstClr val="black">
+                    <a:tint val="75000"/>
+                  </a:prstClr>
+                </a:solidFill>
+                <a:effectLst/>
+                <a:uLnTx/>
+                <a:uFillTx/>
+                <a:latin typeface="Calibri" panose="020F0502020204030204"/>
+                <a:ea typeface="+mn-ea"/>
+                <a:cs typeface="+mn-cs"/>
+              </a:rPr>
+              <a:pPr marL="0" marR="0" lvl="0" indent="0" algn="r" defTabSz="914400" rtl="0" eaLnBrk="1" fontAlgn="auto" latinLnBrk="0" hangingPunct="1">
+                <a:lnSpc>
+                  <a:spcPct val="100000"/>
+                </a:lnSpc>
+                <a:spcBef>
+                  <a:spcPts val="0"/>
+                </a:spcBef>
+                <a:spcAft>
+                  <a:spcPts val="0"/>
+                </a:spcAft>
+                <a:buClrTx/>
+                <a:buSzTx/>
+                <a:buFontTx/>
+                <a:buNone/>
+                <a:tabLst/>
+                <a:defRPr/>
+              </a:pPr>
+              <a:t>7</a:t>
+            </a:fld>
+            <a:endParaRPr kumimoji="0" lang="fr-FR" sz="1200" b="0" i="0" u="none" strike="noStrike" kern="1200" cap="none" spc="0" normalizeH="0" baseline="0" noProof="0" dirty="0">
+              <a:ln>
+                <a:noFill/>
+              </a:ln>
+              <a:solidFill>
+                <a:prstClr val="black">
+                  <a:tint val="75000"/>
+                </a:prstClr>
+              </a:solidFill>
+              <a:effectLst/>
+              <a:uLnTx/>
+              <a:uFillTx/>
+              <a:latin typeface="Calibri" panose="020F0502020204030204"/>
+              <a:ea typeface="+mn-ea"/>
+              <a:cs typeface="+mn-cs"/>
+            </a:endParaRPr>
+          </a:p>
+        </p:txBody>
+      </p:sp>
+    </p:spTree>
+    <p:extLst>
+      <p:ext uri="{BB962C8B-B14F-4D97-AF65-F5344CB8AC3E}">
+        <p14:creationId xmlns:p14="http://schemas.microsoft.com/office/powerpoint/2010/main" val="2740144960"/>
+      </p:ext>
+    </p:extLst>
+  </p:cSld>
+  <p:clrMapOvr>
+    <a:masterClrMapping/>
+  </p:clrMapOvr>
+</p:sld>
+</file>
+
+<file path=ppt/slides/slide8.xml><?xml version="1.0" encoding="utf-8"?>
+<p:sld xmlns:a="http://schemas.openxmlformats.org/drawingml/2006/main" xmlns:r="http://schemas.openxmlformats.org/officeDocument/2006/relationships" xmlns:p="http://schemas.openxmlformats.org/presentationml/2006/main">
+  <p:cSld>
+    <p:spTree>
+      <p:nvGrpSpPr>
+        <p:cNvPr id="1" name=""/>
+        <p:cNvGrpSpPr/>
+        <p:nvPr/>
+      </p:nvGrpSpPr>
+      <p:grpSpPr>
+        <a:xfrm>
+          <a:off x="0" y="0"/>
+          <a:ext cx="0" cy="0"/>
+          <a:chOff x="0" y="0"/>
+          <a:chExt cx="0" cy="0"/>
+        </a:xfrm>
+      </p:grpSpPr>
+      <p:sp>
+        <p:nvSpPr>
+          <p:cNvPr id="2" name="Titre 1">
+            <a:extLst>
+              <a:ext uri="{FF2B5EF4-FFF2-40B4-BE49-F238E27FC236}">
+                <a16:creationId xmlns:a16="http://schemas.microsoft.com/office/drawing/2014/main" id="{B9A3F10B-8919-47CE-AD73-FC939BEB0801}"/>
+              </a:ext>
+            </a:extLst>
+          </p:cNvPr>
+          <p:cNvSpPr>
+            <a:spLocks noGrp="1"/>
+          </p:cNvSpPr>
+          <p:nvPr>
+            <p:ph type="title"/>
+          </p:nvPr>
+        </p:nvSpPr>
+        <p:spPr>
+          <a:xfrm>
+            <a:off x="158931" y="399141"/>
+            <a:ext cx="4925133" cy="5991225"/>
+          </a:xfrm>
+        </p:spPr>
+        <p:txBody>
+          <a:bodyPr/>
+          <a:lstStyle/>
+          <a:p>
+            <a:r>
+              <a:rPr lang="fr-FR" dirty="0"/>
+              <a:t>Puis itération pour affiner les cas d’utilisations en contextes délimités (</a:t>
+            </a:r>
+            <a:r>
+              <a:rPr lang="fr-FR" dirty="0" err="1"/>
+              <a:t>Bounded</a:t>
+            </a:r>
+            <a:r>
+              <a:rPr lang="fr-FR" dirty="0"/>
+              <a:t> </a:t>
+            </a:r>
+            <a:r>
+              <a:rPr lang="fr-FR" dirty="0" err="1"/>
+              <a:t>Contexts</a:t>
+            </a:r>
+            <a:r>
+              <a:rPr lang="fr-FR" dirty="0"/>
+              <a:t>) : Gérer un contrat</a:t>
+            </a:r>
+            <a:br>
+              <a:rPr lang="fr-FR" sz="1800" b="1" dirty="0">
+                <a:solidFill>
+                  <a:srgbClr val="00B050"/>
+                </a:solidFill>
+                <a:effectLst/>
+                <a:latin typeface="Roboto" panose="02000000000000000000" pitchFamily="2" charset="0"/>
+                <a:ea typeface="Roboto" panose="02000000000000000000" pitchFamily="2" charset="0"/>
+                <a:cs typeface="Roboto" panose="02000000000000000000" pitchFamily="2" charset="0"/>
+              </a:rPr>
+            </a:br>
+            <a:endParaRPr lang="fr-FR" dirty="0"/>
+          </a:p>
+        </p:txBody>
+      </p:sp>
+      <p:pic>
+        <p:nvPicPr>
+          <p:cNvPr id="8" name="Espace réservé du contenu 7">
+            <a:extLst>
+              <a:ext uri="{FF2B5EF4-FFF2-40B4-BE49-F238E27FC236}">
+                <a16:creationId xmlns:a16="http://schemas.microsoft.com/office/drawing/2014/main" id="{D1D2937F-CDB0-4CB5-98A6-DB690606149C}"/>
+              </a:ext>
+            </a:extLst>
+          </p:cNvPr>
+          <p:cNvPicPr>
+            <a:picLocks noGrp="1" noChangeAspect="1"/>
+          </p:cNvPicPr>
+          <p:nvPr>
+            <p:ph idx="1"/>
+          </p:nvPr>
+        </p:nvPicPr>
+        <p:blipFill>
+          <a:blip r:embed="rId2">
+            <a:extLst>
+              <a:ext uri="{28A0092B-C50C-407E-A947-70E740481C1C}">
+                <a14:useLocalDpi xmlns:a14="http://schemas.microsoft.com/office/drawing/2010/main" val="0"/>
+              </a:ext>
+            </a:extLst>
+          </a:blip>
+          <a:srcRect/>
+          <a:stretch/>
+        </p:blipFill>
+        <p:spPr>
+          <a:xfrm>
+            <a:off x="5294377" y="328119"/>
+            <a:ext cx="6601968" cy="5970115"/>
+          </a:xfrm>
+        </p:spPr>
+      </p:pic>
+      <p:sp>
+        <p:nvSpPr>
+          <p:cNvPr id="4" name="Espace réservé du numéro de diapositive 3">
+            <a:extLst>
+              <a:ext uri="{FF2B5EF4-FFF2-40B4-BE49-F238E27FC236}">
+                <a16:creationId xmlns:a16="http://schemas.microsoft.com/office/drawing/2014/main" id="{D5B05B50-AF86-4A81-86B6-60C269DF0BB3}"/>
+              </a:ext>
+            </a:extLst>
+          </p:cNvPr>
+          <p:cNvSpPr>
+            <a:spLocks noGrp="1"/>
+          </p:cNvSpPr>
+          <p:nvPr>
+            <p:ph type="sldNum" sz="quarter" idx="12"/>
+          </p:nvPr>
+        </p:nvSpPr>
+        <p:spPr/>
+        <p:txBody>
+          <a:bodyPr/>
+          <a:lstStyle/>
+          <a:p>
+            <a:pPr marL="0" marR="0" lvl="0" indent="0" algn="r" defTabSz="914400" rtl="0" eaLnBrk="1" fontAlgn="auto" latinLnBrk="0" hangingPunct="1">
+              <a:lnSpc>
+                <a:spcPct val="100000"/>
+              </a:lnSpc>
+              <a:spcBef>
+                <a:spcPts val="0"/>
+              </a:spcBef>
+              <a:spcAft>
+                <a:spcPts val="0"/>
+              </a:spcAft>
+              <a:buClrTx/>
+              <a:buSzTx/>
+              <a:buFontTx/>
+              <a:buNone/>
+              <a:tabLst/>
+              <a:defRPr/>
+            </a:pPr>
+            <a:fld id="{6C97E930-14A5-472D-AD2C-D42CAE897216}" type="slidenum">
+              <a:rPr kumimoji="0" lang="fr-FR" sz="1200" b="0" i="0" u="none" strike="noStrike" kern="1200" cap="none" spc="0" normalizeH="0" baseline="0" noProof="0" smtClean="0">
+                <a:ln>
+                  <a:noFill/>
+                </a:ln>
+                <a:solidFill>
+                  <a:prstClr val="black">
+                    <a:tint val="75000"/>
+                  </a:prstClr>
+                </a:solidFill>
+                <a:effectLst/>
+                <a:uLnTx/>
+                <a:uFillTx/>
+                <a:latin typeface="Calibri" panose="020F0502020204030204"/>
+                <a:ea typeface="+mn-ea"/>
+                <a:cs typeface="+mn-cs"/>
+              </a:rPr>
+              <a:pPr marL="0" marR="0" lvl="0" indent="0" algn="r" defTabSz="914400" rtl="0" eaLnBrk="1" fontAlgn="auto" latinLnBrk="0" hangingPunct="1">
+                <a:lnSpc>
+                  <a:spcPct val="100000"/>
+                </a:lnSpc>
+                <a:spcBef>
+                  <a:spcPts val="0"/>
+                </a:spcBef>
+                <a:spcAft>
+                  <a:spcPts val="0"/>
+                </a:spcAft>
+                <a:buClrTx/>
+                <a:buSzTx/>
+                <a:buFontTx/>
+                <a:buNone/>
+                <a:tabLst/>
+                <a:defRPr/>
+              </a:pPr>
+              <a:t>8</a:t>
+            </a:fld>
+            <a:endParaRPr kumimoji="0" lang="fr-FR" sz="1200" b="0" i="0" u="none" strike="noStrike" kern="1200" cap="none" spc="0" normalizeH="0" baseline="0" noProof="0" dirty="0">
+              <a:ln>
+                <a:noFill/>
+              </a:ln>
+              <a:solidFill>
+                <a:prstClr val="black">
+                  <a:tint val="75000"/>
+                </a:prstClr>
+              </a:solidFill>
+              <a:effectLst/>
+              <a:uLnTx/>
+              <a:uFillTx/>
+              <a:latin typeface="Calibri" panose="020F0502020204030204"/>
+              <a:ea typeface="+mn-ea"/>
+              <a:cs typeface="+mn-cs"/>
+            </a:endParaRPr>
+          </a:p>
+        </p:txBody>
+      </p:sp>
+    </p:spTree>
+    <p:extLst>
+      <p:ext uri="{BB962C8B-B14F-4D97-AF65-F5344CB8AC3E}">
+        <p14:creationId xmlns:p14="http://schemas.microsoft.com/office/powerpoint/2010/main" val="2446936134"/>
+      </p:ext>
+    </p:extLst>
+  </p:cSld>
+  <p:clrMapOvr>
+    <a:masterClrMapping/>
+  </p:clrMapOvr>
+</p:sld>
+</file>
+
+<file path=ppt/slides/slide9.xml><?xml version="1.0" encoding="utf-8"?>
+<p:sld xmlns:a="http://schemas.openxmlformats.org/drawingml/2006/main" xmlns:r="http://schemas.openxmlformats.org/officeDocument/2006/relationships" xmlns:p="http://schemas.openxmlformats.org/presentationml/2006/main">
+  <p:cSld>
+    <p:spTree>
+      <p:nvGrpSpPr>
+        <p:cNvPr id="1" name=""/>
+        <p:cNvGrpSpPr/>
+        <p:nvPr/>
+      </p:nvGrpSpPr>
+      <p:grpSpPr>
+        <a:xfrm>
+          <a:off x="0" y="0"/>
+          <a:ext cx="0" cy="0"/>
+          <a:chOff x="0" y="0"/>
+          <a:chExt cx="0" cy="0"/>
+        </a:xfrm>
+      </p:grpSpPr>
+      <p:sp>
+        <p:nvSpPr>
+          <p:cNvPr id="2" name="Titre 1">
+            <a:extLst>
+              <a:ext uri="{FF2B5EF4-FFF2-40B4-BE49-F238E27FC236}">
+                <a16:creationId xmlns:a16="http://schemas.microsoft.com/office/drawing/2014/main" id="{B9A3F10B-8919-47CE-AD73-FC939BEB0801}"/>
+              </a:ext>
+            </a:extLst>
+          </p:cNvPr>
+          <p:cNvSpPr>
+            <a:spLocks noGrp="1"/>
+          </p:cNvSpPr>
+          <p:nvPr>
+            <p:ph type="title"/>
+          </p:nvPr>
+        </p:nvSpPr>
+        <p:spPr>
+          <a:xfrm>
+            <a:off x="158931" y="399141"/>
+            <a:ext cx="4934277" cy="5991225"/>
+          </a:xfrm>
+        </p:spPr>
+        <p:txBody>
+          <a:bodyPr/>
+          <a:lstStyle/>
+          <a:p>
+            <a:r>
+              <a:rPr lang="fr-FR" dirty="0"/>
+              <a:t>Puis itération pour affiner les cas d’utilisations en contextes délimités (</a:t>
+            </a:r>
+            <a:r>
+              <a:rPr lang="fr-FR" dirty="0" err="1"/>
+              <a:t>Bounded</a:t>
+            </a:r>
+            <a:r>
+              <a:rPr lang="fr-FR" dirty="0"/>
+              <a:t> </a:t>
+            </a:r>
+            <a:r>
+              <a:rPr lang="fr-FR" dirty="0" err="1"/>
+              <a:t>Contexts</a:t>
+            </a:r>
+            <a:r>
+              <a:rPr lang="fr-FR" dirty="0"/>
+              <a:t>) : Gérer une session</a:t>
+            </a:r>
+            <a:br>
+              <a:rPr lang="fr-FR" sz="1800" b="1" dirty="0">
+                <a:solidFill>
+                  <a:srgbClr val="00B050"/>
+                </a:solidFill>
+                <a:effectLst/>
+                <a:latin typeface="Roboto" panose="02000000000000000000" pitchFamily="2" charset="0"/>
+                <a:ea typeface="Roboto" panose="02000000000000000000" pitchFamily="2" charset="0"/>
+                <a:cs typeface="Roboto" panose="02000000000000000000" pitchFamily="2" charset="0"/>
+              </a:rPr>
+            </a:br>
+            <a:endParaRPr lang="fr-FR" dirty="0"/>
+          </a:p>
+        </p:txBody>
+      </p:sp>
+      <p:pic>
+        <p:nvPicPr>
+          <p:cNvPr id="8" name="Espace réservé du contenu 7">
+            <a:extLst>
+              <a:ext uri="{FF2B5EF4-FFF2-40B4-BE49-F238E27FC236}">
+                <a16:creationId xmlns:a16="http://schemas.microsoft.com/office/drawing/2014/main" id="{D1D2937F-CDB0-4CB5-98A6-DB690606149C}"/>
+              </a:ext>
+            </a:extLst>
+          </p:cNvPr>
+          <p:cNvPicPr>
+            <a:picLocks noGrp="1" noChangeAspect="1"/>
+          </p:cNvPicPr>
+          <p:nvPr>
+            <p:ph idx="1"/>
+          </p:nvPr>
+        </p:nvPicPr>
+        <p:blipFill>
+          <a:blip r:embed="rId2">
+            <a:extLst>
+              <a:ext uri="{28A0092B-C50C-407E-A947-70E740481C1C}">
+                <a14:useLocalDpi xmlns:a14="http://schemas.microsoft.com/office/drawing/2010/main" val="0"/>
+              </a:ext>
+            </a:extLst>
+          </a:blip>
+          <a:srcRect/>
+          <a:stretch/>
+        </p:blipFill>
+        <p:spPr>
+          <a:xfrm>
+            <a:off x="5742432" y="328119"/>
+            <a:ext cx="5908463" cy="5970115"/>
+          </a:xfrm>
+        </p:spPr>
+      </p:pic>
+      <p:sp>
+        <p:nvSpPr>
+          <p:cNvPr id="4" name="Espace réservé du numéro de diapositive 3">
+            <a:extLst>
+              <a:ext uri="{FF2B5EF4-FFF2-40B4-BE49-F238E27FC236}">
+                <a16:creationId xmlns:a16="http://schemas.microsoft.com/office/drawing/2014/main" id="{D5B05B50-AF86-4A81-86B6-60C269DF0BB3}"/>
+              </a:ext>
+            </a:extLst>
+          </p:cNvPr>
+          <p:cNvSpPr>
+            <a:spLocks noGrp="1"/>
+          </p:cNvSpPr>
+          <p:nvPr>
+            <p:ph type="sldNum" sz="quarter" idx="12"/>
+          </p:nvPr>
+        </p:nvSpPr>
+        <p:spPr/>
+        <p:txBody>
+          <a:bodyPr/>
+          <a:lstStyle/>
+          <a:p>
+            <a:pPr marL="0" marR="0" lvl="0" indent="0" algn="r" defTabSz="914400" rtl="0" eaLnBrk="1" fontAlgn="auto" latinLnBrk="0" hangingPunct="1">
+              <a:lnSpc>
+                <a:spcPct val="100000"/>
+              </a:lnSpc>
+              <a:spcBef>
+                <a:spcPts val="0"/>
+              </a:spcBef>
+              <a:spcAft>
+                <a:spcPts val="0"/>
+              </a:spcAft>
+              <a:buClrTx/>
+              <a:buSzTx/>
+              <a:buFontTx/>
+              <a:buNone/>
+              <a:tabLst/>
+              <a:defRPr/>
+            </a:pPr>
+            <a:fld id="{6C97E930-14A5-472D-AD2C-D42CAE897216}" type="slidenum">
+              <a:rPr kumimoji="0" lang="fr-FR" sz="1200" b="0" i="0" u="none" strike="noStrike" kern="1200" cap="none" spc="0" normalizeH="0" baseline="0" noProof="0" smtClean="0">
+                <a:ln>
+                  <a:noFill/>
+                </a:ln>
+                <a:solidFill>
+                  <a:prstClr val="black">
+                    <a:tint val="75000"/>
+                  </a:prstClr>
+                </a:solidFill>
+                <a:effectLst/>
+                <a:uLnTx/>
+                <a:uFillTx/>
+                <a:latin typeface="Calibri" panose="020F0502020204030204"/>
+                <a:ea typeface="+mn-ea"/>
+                <a:cs typeface="+mn-cs"/>
+              </a:rPr>
+              <a:pPr marL="0" marR="0" lvl="0" indent="0" algn="r" defTabSz="914400" rtl="0" eaLnBrk="1" fontAlgn="auto" latinLnBrk="0" hangingPunct="1">
+                <a:lnSpc>
+                  <a:spcPct val="100000"/>
+                </a:lnSpc>
+                <a:spcBef>
+                  <a:spcPts val="0"/>
+                </a:spcBef>
+                <a:spcAft>
+                  <a:spcPts val="0"/>
+                </a:spcAft>
+                <a:buClrTx/>
+                <a:buSzTx/>
+                <a:buFontTx/>
+                <a:buNone/>
+                <a:tabLst/>
+                <a:defRPr/>
+              </a:pPr>
+              <a:t>9</a:t>
+            </a:fld>
+            <a:endParaRPr kumimoji="0" lang="fr-FR" sz="1200" b="0" i="0" u="none" strike="noStrike" kern="1200" cap="none" spc="0" normalizeH="0" baseline="0" noProof="0" dirty="0">
+              <a:ln>
+                <a:noFill/>
+              </a:ln>
+              <a:solidFill>
+                <a:prstClr val="black">
+                  <a:tint val="75000"/>
+                </a:prstClr>
+              </a:solidFill>
+              <a:effectLst/>
+              <a:uLnTx/>
+              <a:uFillTx/>
+              <a:latin typeface="Calibri" panose="020F0502020204030204"/>
+              <a:ea typeface="+mn-ea"/>
+              <a:cs typeface="+mn-cs"/>
+            </a:endParaRPr>
+          </a:p>
+        </p:txBody>
+      </p:sp>
+    </p:spTree>
+    <p:extLst>
+      <p:ext uri="{BB962C8B-B14F-4D97-AF65-F5344CB8AC3E}">
+        <p14:creationId xmlns:p14="http://schemas.microsoft.com/office/powerpoint/2010/main" val="537366184"/>
       </p:ext>
     </p:extLst>
   </p:cSld>

--- a/Presentation_olivier_MOREL.pptx
+++ b/Presentation_olivier_MOREL.pptx
@@ -217,7 +217,7 @@
           <a:p>
             <a:fld id="{E8FCC5B4-5461-4D35-B47E-4EAC3B164469}" type="datetimeFigureOut">
               <a:rPr lang="fr-FR" smtClean="0"/>
-              <a:t>01/03/2022</a:t>
+              <a:t>02/03/2022</a:t>
             </a:fld>
             <a:endParaRPr lang="fr-FR"/>
           </a:p>
@@ -631,7 +631,7 @@
           <a:p>
             <a:fld id="{09379764-3B01-489A-94E4-0B76841ABA47}" type="datetimeFigureOut">
               <a:rPr lang="fr-FR" smtClean="0"/>
-              <a:t>01/03/2022</a:t>
+              <a:t>02/03/2022</a:t>
             </a:fld>
             <a:endParaRPr lang="fr-FR"/>
           </a:p>
@@ -829,7 +829,7 @@
           <a:p>
             <a:fld id="{09379764-3B01-489A-94E4-0B76841ABA47}" type="datetimeFigureOut">
               <a:rPr lang="fr-FR" smtClean="0"/>
-              <a:t>01/03/2022</a:t>
+              <a:t>02/03/2022</a:t>
             </a:fld>
             <a:endParaRPr lang="fr-FR"/>
           </a:p>
@@ -1037,7 +1037,7 @@
           <a:p>
             <a:fld id="{09379764-3B01-489A-94E4-0B76841ABA47}" type="datetimeFigureOut">
               <a:rPr lang="fr-FR" smtClean="0"/>
-              <a:t>01/03/2022</a:t>
+              <a:t>02/03/2022</a:t>
             </a:fld>
             <a:endParaRPr lang="fr-FR"/>
           </a:p>
@@ -1235,7 +1235,7 @@
           <a:p>
             <a:fld id="{09379764-3B01-489A-94E4-0B76841ABA47}" type="datetimeFigureOut">
               <a:rPr lang="fr-FR" smtClean="0"/>
-              <a:t>01/03/2022</a:t>
+              <a:t>02/03/2022</a:t>
             </a:fld>
             <a:endParaRPr lang="fr-FR"/>
           </a:p>
@@ -1511,7 +1511,7 @@
           <a:p>
             <a:fld id="{09379764-3B01-489A-94E4-0B76841ABA47}" type="datetimeFigureOut">
               <a:rPr lang="fr-FR" smtClean="0"/>
-              <a:t>01/03/2022</a:t>
+              <a:t>02/03/2022</a:t>
             </a:fld>
             <a:endParaRPr lang="fr-FR"/>
           </a:p>
@@ -1776,7 +1776,7 @@
           <a:p>
             <a:fld id="{09379764-3B01-489A-94E4-0B76841ABA47}" type="datetimeFigureOut">
               <a:rPr lang="fr-FR" smtClean="0"/>
-              <a:t>01/03/2022</a:t>
+              <a:t>02/03/2022</a:t>
             </a:fld>
             <a:endParaRPr lang="fr-FR"/>
           </a:p>
@@ -2188,7 +2188,7 @@
           <a:p>
             <a:fld id="{09379764-3B01-489A-94E4-0B76841ABA47}" type="datetimeFigureOut">
               <a:rPr lang="fr-FR" smtClean="0"/>
-              <a:t>01/03/2022</a:t>
+              <a:t>02/03/2022</a:t>
             </a:fld>
             <a:endParaRPr lang="fr-FR"/>
           </a:p>
@@ -2329,7 +2329,7 @@
           <a:p>
             <a:fld id="{09379764-3B01-489A-94E4-0B76841ABA47}" type="datetimeFigureOut">
               <a:rPr lang="fr-FR" smtClean="0"/>
-              <a:t>01/03/2022</a:t>
+              <a:t>02/03/2022</a:t>
             </a:fld>
             <a:endParaRPr lang="fr-FR"/>
           </a:p>
@@ -2442,7 +2442,7 @@
           <a:p>
             <a:fld id="{09379764-3B01-489A-94E4-0B76841ABA47}" type="datetimeFigureOut">
               <a:rPr lang="fr-FR" smtClean="0"/>
-              <a:t>01/03/2022</a:t>
+              <a:t>02/03/2022</a:t>
             </a:fld>
             <a:endParaRPr lang="fr-FR"/>
           </a:p>
@@ -2753,7 +2753,7 @@
           <a:p>
             <a:fld id="{09379764-3B01-489A-94E4-0B76841ABA47}" type="datetimeFigureOut">
               <a:rPr lang="fr-FR" smtClean="0"/>
-              <a:t>01/03/2022</a:t>
+              <a:t>02/03/2022</a:t>
             </a:fld>
             <a:endParaRPr lang="fr-FR"/>
           </a:p>
@@ -3041,7 +3041,7 @@
           <a:p>
             <a:fld id="{09379764-3B01-489A-94E4-0B76841ABA47}" type="datetimeFigureOut">
               <a:rPr lang="fr-FR" smtClean="0"/>
-              <a:t>01/03/2022</a:t>
+              <a:t>02/03/2022</a:t>
             </a:fld>
             <a:endParaRPr lang="fr-FR"/>
           </a:p>
@@ -3282,7 +3282,7 @@
           <a:p>
             <a:fld id="{09379764-3B01-489A-94E4-0B76841ABA47}" type="datetimeFigureOut">
               <a:rPr lang="fr-FR" smtClean="0"/>
-              <a:t>01/03/2022</a:t>
+              <a:t>02/03/2022</a:t>
             </a:fld>
             <a:endParaRPr lang="fr-FR"/>
           </a:p>
@@ -4617,7 +4617,7 @@
           <p:nvPr/>
         </p:nvPicPr>
         <p:blipFill>
-          <a:blip r:embed="rId3">
+          <a:blip r:embed="rId2">
             <a:extLst>
               <a:ext uri="{28A0092B-C50C-407E-A947-70E740481C1C}">
                 <a14:useLocalDpi xmlns:a14="http://schemas.microsoft.com/office/drawing/2010/main" val="0"/>
@@ -4633,6 +4633,53 @@
           <a:xfrm>
             <a:off x="2403158" y="2558446"/>
             <a:ext cx="1345881" cy="1415257"/>
+          </a:xfrm>
+          <a:prstGeom prst="rect">
+            <a:avLst/>
+          </a:prstGeom>
+          <a:noFill/>
+          <a:extLst>
+            <a:ext uri="{909E8E84-426E-40DD-AFC4-6F175D3DCCD1}">
+              <a14:hiddenFill xmlns:a14="http://schemas.microsoft.com/office/drawing/2010/main">
+                <a:solidFill>
+                  <a:srgbClr val="FFFFFF"/>
+                </a:solidFill>
+              </a14:hiddenFill>
+            </a:ext>
+          </a:extLst>
+        </p:spPr>
+      </p:pic>
+      <p:pic>
+        <p:nvPicPr>
+          <p:cNvPr id="2049" name="Image 2">
+            <a:extLst>
+              <a:ext uri="{FF2B5EF4-FFF2-40B4-BE49-F238E27FC236}">
+                <a16:creationId xmlns:a16="http://schemas.microsoft.com/office/drawing/2014/main" id="{CEB33A30-30FB-4ACA-A651-F0AF8B95C1D9}"/>
+              </a:ext>
+            </a:extLst>
+          </p:cNvPr>
+          <p:cNvPicPr>
+            <a:picLocks noChangeAspect="1" noChangeArrowheads="1"/>
+          </p:cNvPicPr>
+          <p:nvPr/>
+        </p:nvPicPr>
+        <p:blipFill>
+          <a:blip r:embed="rId2">
+            <a:extLst>
+              <a:ext uri="{28A0092B-C50C-407E-A947-70E740481C1C}">
+                <a14:useLocalDpi xmlns:a14="http://schemas.microsoft.com/office/drawing/2010/main" val="0"/>
+              </a:ext>
+            </a:extLst>
+          </a:blip>
+          <a:srcRect/>
+          <a:stretch>
+            <a:fillRect/>
+          </a:stretch>
+        </p:blipFill>
+        <p:spPr bwMode="auto">
+          <a:xfrm>
+            <a:off x="0" y="0"/>
+            <a:ext cx="923925" cy="971550"/>
           </a:xfrm>
           <a:prstGeom prst="rect">
             <a:avLst/>
@@ -5939,7 +5986,7 @@
           <p:nvPr/>
         </p:nvPicPr>
         <p:blipFill>
-          <a:blip r:embed="rId3">
+          <a:blip r:embed="rId2">
             <a:extLst>
               <a:ext uri="{28A0092B-C50C-407E-A947-70E740481C1C}">
                 <a14:useLocalDpi xmlns:a14="http://schemas.microsoft.com/office/drawing/2010/main" val="0"/>

--- a/Presentation_olivier_MOREL.pptx
+++ b/Presentation_olivier_MOREL.pptx
@@ -5,30 +5,33 @@
     <p:sldMasterId id="2147483648" r:id="rId1"/>
   </p:sldMasterIdLst>
   <p:notesMasterIdLst>
-    <p:notesMasterId r:id="rId23"/>
+    <p:notesMasterId r:id="rId26"/>
   </p:notesMasterIdLst>
   <p:sldIdLst>
     <p:sldId id="256" r:id="rId2"/>
     <p:sldId id="257" r:id="rId3"/>
-    <p:sldId id="258" r:id="rId4"/>
-    <p:sldId id="260" r:id="rId5"/>
-    <p:sldId id="261" r:id="rId6"/>
-    <p:sldId id="263" r:id="rId7"/>
-    <p:sldId id="264" r:id="rId8"/>
-    <p:sldId id="265" r:id="rId9"/>
-    <p:sldId id="266" r:id="rId10"/>
-    <p:sldId id="269" r:id="rId11"/>
-    <p:sldId id="267" r:id="rId12"/>
-    <p:sldId id="268" r:id="rId13"/>
-    <p:sldId id="270" r:id="rId14"/>
-    <p:sldId id="271" r:id="rId15"/>
-    <p:sldId id="272" r:id="rId16"/>
-    <p:sldId id="274" r:id="rId17"/>
-    <p:sldId id="273" r:id="rId18"/>
-    <p:sldId id="275" r:id="rId19"/>
-    <p:sldId id="276" r:id="rId20"/>
-    <p:sldId id="278" r:id="rId21"/>
-    <p:sldId id="279" r:id="rId22"/>
+    <p:sldId id="280" r:id="rId4"/>
+    <p:sldId id="281" r:id="rId5"/>
+    <p:sldId id="282" r:id="rId6"/>
+    <p:sldId id="258" r:id="rId7"/>
+    <p:sldId id="260" r:id="rId8"/>
+    <p:sldId id="261" r:id="rId9"/>
+    <p:sldId id="263" r:id="rId10"/>
+    <p:sldId id="264" r:id="rId11"/>
+    <p:sldId id="265" r:id="rId12"/>
+    <p:sldId id="266" r:id="rId13"/>
+    <p:sldId id="269" r:id="rId14"/>
+    <p:sldId id="267" r:id="rId15"/>
+    <p:sldId id="268" r:id="rId16"/>
+    <p:sldId id="270" r:id="rId17"/>
+    <p:sldId id="271" r:id="rId18"/>
+    <p:sldId id="272" r:id="rId19"/>
+    <p:sldId id="274" r:id="rId20"/>
+    <p:sldId id="273" r:id="rId21"/>
+    <p:sldId id="275" r:id="rId22"/>
+    <p:sldId id="276" r:id="rId23"/>
+    <p:sldId id="278" r:id="rId24"/>
+    <p:sldId id="279" r:id="rId25"/>
   </p:sldIdLst>
   <p:sldSz cx="12192000" cy="6858000"/>
   <p:notesSz cx="6858000" cy="9144000"/>
@@ -3833,6 +3836,660 @@
           <p:cNvPr id="2" name="Titre 1">
             <a:extLst>
               <a:ext uri="{FF2B5EF4-FFF2-40B4-BE49-F238E27FC236}">
+                <a16:creationId xmlns:a16="http://schemas.microsoft.com/office/drawing/2014/main" id="{B9A3F10B-8919-47CE-AD73-FC939BEB0801}"/>
+              </a:ext>
+            </a:extLst>
+          </p:cNvPr>
+          <p:cNvSpPr>
+            <a:spLocks noGrp="1"/>
+          </p:cNvSpPr>
+          <p:nvPr>
+            <p:ph type="title"/>
+          </p:nvPr>
+        </p:nvSpPr>
+        <p:spPr>
+          <a:xfrm>
+            <a:off x="158931" y="399141"/>
+            <a:ext cx="4906845" cy="5991225"/>
+          </a:xfrm>
+        </p:spPr>
+        <p:txBody>
+          <a:bodyPr/>
+          <a:lstStyle/>
+          <a:p>
+            <a:r>
+              <a:rPr lang="fr-FR" dirty="0"/>
+              <a:t>Puis itération pour affiner les cas d’utilisations en contextes délimités (</a:t>
+            </a:r>
+            <a:r>
+              <a:rPr lang="fr-FR" dirty="0" err="1"/>
+              <a:t>Bounded</a:t>
+            </a:r>
+            <a:r>
+              <a:rPr lang="fr-FR" dirty="0"/>
+              <a:t> </a:t>
+            </a:r>
+            <a:r>
+              <a:rPr lang="fr-FR" dirty="0" err="1"/>
+              <a:t>Contexts</a:t>
+            </a:r>
+            <a:r>
+              <a:rPr lang="fr-FR" dirty="0"/>
+              <a:t>) : Gérer utilisateurs</a:t>
+            </a:r>
+            <a:br>
+              <a:rPr lang="fr-FR" sz="1800" b="1" dirty="0">
+                <a:solidFill>
+                  <a:srgbClr val="00B050"/>
+                </a:solidFill>
+                <a:effectLst/>
+                <a:latin typeface="Roboto" panose="02000000000000000000" pitchFamily="2" charset="0"/>
+                <a:ea typeface="Roboto" panose="02000000000000000000" pitchFamily="2" charset="0"/>
+                <a:cs typeface="Roboto" panose="02000000000000000000" pitchFamily="2" charset="0"/>
+              </a:rPr>
+            </a:br>
+            <a:endParaRPr lang="fr-FR" dirty="0"/>
+          </a:p>
+        </p:txBody>
+      </p:sp>
+      <p:pic>
+        <p:nvPicPr>
+          <p:cNvPr id="8" name="Espace réservé du contenu 7">
+            <a:extLst>
+              <a:ext uri="{FF2B5EF4-FFF2-40B4-BE49-F238E27FC236}">
+                <a16:creationId xmlns:a16="http://schemas.microsoft.com/office/drawing/2014/main" id="{D1D2937F-CDB0-4CB5-98A6-DB690606149C}"/>
+              </a:ext>
+            </a:extLst>
+          </p:cNvPr>
+          <p:cNvPicPr>
+            <a:picLocks noGrp="1" noChangeAspect="1"/>
+          </p:cNvPicPr>
+          <p:nvPr>
+            <p:ph idx="1"/>
+          </p:nvPr>
+        </p:nvPicPr>
+        <p:blipFill>
+          <a:blip r:embed="rId2">
+            <a:extLst>
+              <a:ext uri="{28A0092B-C50C-407E-A947-70E740481C1C}">
+                <a14:useLocalDpi xmlns:a14="http://schemas.microsoft.com/office/drawing/2010/main" val="0"/>
+              </a:ext>
+            </a:extLst>
+          </a:blip>
+          <a:srcRect/>
+          <a:stretch/>
+        </p:blipFill>
+        <p:spPr>
+          <a:xfrm>
+            <a:off x="5486401" y="235987"/>
+            <a:ext cx="6409944" cy="6154380"/>
+          </a:xfrm>
+        </p:spPr>
+      </p:pic>
+      <p:sp>
+        <p:nvSpPr>
+          <p:cNvPr id="4" name="Espace réservé du numéro de diapositive 3">
+            <a:extLst>
+              <a:ext uri="{FF2B5EF4-FFF2-40B4-BE49-F238E27FC236}">
+                <a16:creationId xmlns:a16="http://schemas.microsoft.com/office/drawing/2014/main" id="{D5B05B50-AF86-4A81-86B6-60C269DF0BB3}"/>
+              </a:ext>
+            </a:extLst>
+          </p:cNvPr>
+          <p:cNvSpPr>
+            <a:spLocks noGrp="1"/>
+          </p:cNvSpPr>
+          <p:nvPr>
+            <p:ph type="sldNum" sz="quarter" idx="12"/>
+          </p:nvPr>
+        </p:nvSpPr>
+        <p:spPr/>
+        <p:txBody>
+          <a:bodyPr/>
+          <a:lstStyle/>
+          <a:p>
+            <a:pPr marL="0" marR="0" lvl="0" indent="0" algn="r" defTabSz="914400" rtl="0" eaLnBrk="1" fontAlgn="auto" latinLnBrk="0" hangingPunct="1">
+              <a:lnSpc>
+                <a:spcPct val="100000"/>
+              </a:lnSpc>
+              <a:spcBef>
+                <a:spcPts val="0"/>
+              </a:spcBef>
+              <a:spcAft>
+                <a:spcPts val="0"/>
+              </a:spcAft>
+              <a:buClrTx/>
+              <a:buSzTx/>
+              <a:buFontTx/>
+              <a:buNone/>
+              <a:tabLst/>
+              <a:defRPr/>
+            </a:pPr>
+            <a:fld id="{6C97E930-14A5-472D-AD2C-D42CAE897216}" type="slidenum">
+              <a:rPr kumimoji="0" lang="fr-FR" sz="1200" b="0" i="0" u="none" strike="noStrike" kern="1200" cap="none" spc="0" normalizeH="0" baseline="0" noProof="0" smtClean="0">
+                <a:ln>
+                  <a:noFill/>
+                </a:ln>
+                <a:solidFill>
+                  <a:prstClr val="black">
+                    <a:tint val="75000"/>
+                  </a:prstClr>
+                </a:solidFill>
+                <a:effectLst/>
+                <a:uLnTx/>
+                <a:uFillTx/>
+                <a:latin typeface="Calibri" panose="020F0502020204030204"/>
+                <a:ea typeface="+mn-ea"/>
+                <a:cs typeface="+mn-cs"/>
+              </a:rPr>
+              <a:pPr marL="0" marR="0" lvl="0" indent="0" algn="r" defTabSz="914400" rtl="0" eaLnBrk="1" fontAlgn="auto" latinLnBrk="0" hangingPunct="1">
+                <a:lnSpc>
+                  <a:spcPct val="100000"/>
+                </a:lnSpc>
+                <a:spcBef>
+                  <a:spcPts val="0"/>
+                </a:spcBef>
+                <a:spcAft>
+                  <a:spcPts val="0"/>
+                </a:spcAft>
+                <a:buClrTx/>
+                <a:buSzTx/>
+                <a:buFontTx/>
+                <a:buNone/>
+                <a:tabLst/>
+                <a:defRPr/>
+              </a:pPr>
+              <a:t>10</a:t>
+            </a:fld>
+            <a:endParaRPr kumimoji="0" lang="fr-FR" sz="1200" b="0" i="0" u="none" strike="noStrike" kern="1200" cap="none" spc="0" normalizeH="0" baseline="0" noProof="0" dirty="0">
+              <a:ln>
+                <a:noFill/>
+              </a:ln>
+              <a:solidFill>
+                <a:prstClr val="black">
+                  <a:tint val="75000"/>
+                </a:prstClr>
+              </a:solidFill>
+              <a:effectLst/>
+              <a:uLnTx/>
+              <a:uFillTx/>
+              <a:latin typeface="Calibri" panose="020F0502020204030204"/>
+              <a:ea typeface="+mn-ea"/>
+              <a:cs typeface="+mn-cs"/>
+            </a:endParaRPr>
+          </a:p>
+        </p:txBody>
+      </p:sp>
+    </p:spTree>
+    <p:extLst>
+      <p:ext uri="{BB962C8B-B14F-4D97-AF65-F5344CB8AC3E}">
+        <p14:creationId xmlns:p14="http://schemas.microsoft.com/office/powerpoint/2010/main" val="2740144960"/>
+      </p:ext>
+    </p:extLst>
+  </p:cSld>
+  <p:clrMapOvr>
+    <a:masterClrMapping/>
+  </p:clrMapOvr>
+</p:sld>
+</file>
+
+<file path=ppt/slides/slide11.xml><?xml version="1.0" encoding="utf-8"?>
+<p:sld xmlns:a="http://schemas.openxmlformats.org/drawingml/2006/main" xmlns:r="http://schemas.openxmlformats.org/officeDocument/2006/relationships" xmlns:p="http://schemas.openxmlformats.org/presentationml/2006/main">
+  <p:cSld>
+    <p:spTree>
+      <p:nvGrpSpPr>
+        <p:cNvPr id="1" name=""/>
+        <p:cNvGrpSpPr/>
+        <p:nvPr/>
+      </p:nvGrpSpPr>
+      <p:grpSpPr>
+        <a:xfrm>
+          <a:off x="0" y="0"/>
+          <a:ext cx="0" cy="0"/>
+          <a:chOff x="0" y="0"/>
+          <a:chExt cx="0" cy="0"/>
+        </a:xfrm>
+      </p:grpSpPr>
+      <p:sp>
+        <p:nvSpPr>
+          <p:cNvPr id="2" name="Titre 1">
+            <a:extLst>
+              <a:ext uri="{FF2B5EF4-FFF2-40B4-BE49-F238E27FC236}">
+                <a16:creationId xmlns:a16="http://schemas.microsoft.com/office/drawing/2014/main" id="{B9A3F10B-8919-47CE-AD73-FC939BEB0801}"/>
+              </a:ext>
+            </a:extLst>
+          </p:cNvPr>
+          <p:cNvSpPr>
+            <a:spLocks noGrp="1"/>
+          </p:cNvSpPr>
+          <p:nvPr>
+            <p:ph type="title"/>
+          </p:nvPr>
+        </p:nvSpPr>
+        <p:spPr>
+          <a:xfrm>
+            <a:off x="158931" y="399141"/>
+            <a:ext cx="4925133" cy="5991225"/>
+          </a:xfrm>
+        </p:spPr>
+        <p:txBody>
+          <a:bodyPr/>
+          <a:lstStyle/>
+          <a:p>
+            <a:r>
+              <a:rPr lang="fr-FR" dirty="0"/>
+              <a:t>Puis itération pour affiner les cas d’utilisations en contextes délimités (</a:t>
+            </a:r>
+            <a:r>
+              <a:rPr lang="fr-FR" dirty="0" err="1"/>
+              <a:t>Bounded</a:t>
+            </a:r>
+            <a:r>
+              <a:rPr lang="fr-FR" dirty="0"/>
+              <a:t> </a:t>
+            </a:r>
+            <a:r>
+              <a:rPr lang="fr-FR" dirty="0" err="1"/>
+              <a:t>Contexts</a:t>
+            </a:r>
+            <a:r>
+              <a:rPr lang="fr-FR" dirty="0"/>
+              <a:t>) : Gérer un contrat</a:t>
+            </a:r>
+            <a:br>
+              <a:rPr lang="fr-FR" sz="1800" b="1" dirty="0">
+                <a:solidFill>
+                  <a:srgbClr val="00B050"/>
+                </a:solidFill>
+                <a:effectLst/>
+                <a:latin typeface="Roboto" panose="02000000000000000000" pitchFamily="2" charset="0"/>
+                <a:ea typeface="Roboto" panose="02000000000000000000" pitchFamily="2" charset="0"/>
+                <a:cs typeface="Roboto" panose="02000000000000000000" pitchFamily="2" charset="0"/>
+              </a:rPr>
+            </a:br>
+            <a:endParaRPr lang="fr-FR" dirty="0"/>
+          </a:p>
+        </p:txBody>
+      </p:sp>
+      <p:pic>
+        <p:nvPicPr>
+          <p:cNvPr id="8" name="Espace réservé du contenu 7">
+            <a:extLst>
+              <a:ext uri="{FF2B5EF4-FFF2-40B4-BE49-F238E27FC236}">
+                <a16:creationId xmlns:a16="http://schemas.microsoft.com/office/drawing/2014/main" id="{D1D2937F-CDB0-4CB5-98A6-DB690606149C}"/>
+              </a:ext>
+            </a:extLst>
+          </p:cNvPr>
+          <p:cNvPicPr>
+            <a:picLocks noGrp="1" noChangeAspect="1"/>
+          </p:cNvPicPr>
+          <p:nvPr>
+            <p:ph idx="1"/>
+          </p:nvPr>
+        </p:nvPicPr>
+        <p:blipFill>
+          <a:blip r:embed="rId2">
+            <a:extLst>
+              <a:ext uri="{28A0092B-C50C-407E-A947-70E740481C1C}">
+                <a14:useLocalDpi xmlns:a14="http://schemas.microsoft.com/office/drawing/2010/main" val="0"/>
+              </a:ext>
+            </a:extLst>
+          </a:blip>
+          <a:srcRect/>
+          <a:stretch/>
+        </p:blipFill>
+        <p:spPr>
+          <a:xfrm>
+            <a:off x="5294377" y="328119"/>
+            <a:ext cx="6601968" cy="5970115"/>
+          </a:xfrm>
+        </p:spPr>
+      </p:pic>
+      <p:sp>
+        <p:nvSpPr>
+          <p:cNvPr id="4" name="Espace réservé du numéro de diapositive 3">
+            <a:extLst>
+              <a:ext uri="{FF2B5EF4-FFF2-40B4-BE49-F238E27FC236}">
+                <a16:creationId xmlns:a16="http://schemas.microsoft.com/office/drawing/2014/main" id="{D5B05B50-AF86-4A81-86B6-60C269DF0BB3}"/>
+              </a:ext>
+            </a:extLst>
+          </p:cNvPr>
+          <p:cNvSpPr>
+            <a:spLocks noGrp="1"/>
+          </p:cNvSpPr>
+          <p:nvPr>
+            <p:ph type="sldNum" sz="quarter" idx="12"/>
+          </p:nvPr>
+        </p:nvSpPr>
+        <p:spPr/>
+        <p:txBody>
+          <a:bodyPr/>
+          <a:lstStyle/>
+          <a:p>
+            <a:pPr marL="0" marR="0" lvl="0" indent="0" algn="r" defTabSz="914400" rtl="0" eaLnBrk="1" fontAlgn="auto" latinLnBrk="0" hangingPunct="1">
+              <a:lnSpc>
+                <a:spcPct val="100000"/>
+              </a:lnSpc>
+              <a:spcBef>
+                <a:spcPts val="0"/>
+              </a:spcBef>
+              <a:spcAft>
+                <a:spcPts val="0"/>
+              </a:spcAft>
+              <a:buClrTx/>
+              <a:buSzTx/>
+              <a:buFontTx/>
+              <a:buNone/>
+              <a:tabLst/>
+              <a:defRPr/>
+            </a:pPr>
+            <a:fld id="{6C97E930-14A5-472D-AD2C-D42CAE897216}" type="slidenum">
+              <a:rPr kumimoji="0" lang="fr-FR" sz="1200" b="0" i="0" u="none" strike="noStrike" kern="1200" cap="none" spc="0" normalizeH="0" baseline="0" noProof="0" smtClean="0">
+                <a:ln>
+                  <a:noFill/>
+                </a:ln>
+                <a:solidFill>
+                  <a:prstClr val="black">
+                    <a:tint val="75000"/>
+                  </a:prstClr>
+                </a:solidFill>
+                <a:effectLst/>
+                <a:uLnTx/>
+                <a:uFillTx/>
+                <a:latin typeface="Calibri" panose="020F0502020204030204"/>
+                <a:ea typeface="+mn-ea"/>
+                <a:cs typeface="+mn-cs"/>
+              </a:rPr>
+              <a:pPr marL="0" marR="0" lvl="0" indent="0" algn="r" defTabSz="914400" rtl="0" eaLnBrk="1" fontAlgn="auto" latinLnBrk="0" hangingPunct="1">
+                <a:lnSpc>
+                  <a:spcPct val="100000"/>
+                </a:lnSpc>
+                <a:spcBef>
+                  <a:spcPts val="0"/>
+                </a:spcBef>
+                <a:spcAft>
+                  <a:spcPts val="0"/>
+                </a:spcAft>
+                <a:buClrTx/>
+                <a:buSzTx/>
+                <a:buFontTx/>
+                <a:buNone/>
+                <a:tabLst/>
+                <a:defRPr/>
+              </a:pPr>
+              <a:t>11</a:t>
+            </a:fld>
+            <a:endParaRPr kumimoji="0" lang="fr-FR" sz="1200" b="0" i="0" u="none" strike="noStrike" kern="1200" cap="none" spc="0" normalizeH="0" baseline="0" noProof="0" dirty="0">
+              <a:ln>
+                <a:noFill/>
+              </a:ln>
+              <a:solidFill>
+                <a:prstClr val="black">
+                  <a:tint val="75000"/>
+                </a:prstClr>
+              </a:solidFill>
+              <a:effectLst/>
+              <a:uLnTx/>
+              <a:uFillTx/>
+              <a:latin typeface="Calibri" panose="020F0502020204030204"/>
+              <a:ea typeface="+mn-ea"/>
+              <a:cs typeface="+mn-cs"/>
+            </a:endParaRPr>
+          </a:p>
+        </p:txBody>
+      </p:sp>
+    </p:spTree>
+    <p:extLst>
+      <p:ext uri="{BB962C8B-B14F-4D97-AF65-F5344CB8AC3E}">
+        <p14:creationId xmlns:p14="http://schemas.microsoft.com/office/powerpoint/2010/main" val="2446936134"/>
+      </p:ext>
+    </p:extLst>
+  </p:cSld>
+  <p:clrMapOvr>
+    <a:masterClrMapping/>
+  </p:clrMapOvr>
+</p:sld>
+</file>
+
+<file path=ppt/slides/slide12.xml><?xml version="1.0" encoding="utf-8"?>
+<p:sld xmlns:a="http://schemas.openxmlformats.org/drawingml/2006/main" xmlns:r="http://schemas.openxmlformats.org/officeDocument/2006/relationships" xmlns:p="http://schemas.openxmlformats.org/presentationml/2006/main">
+  <p:cSld>
+    <p:spTree>
+      <p:nvGrpSpPr>
+        <p:cNvPr id="1" name=""/>
+        <p:cNvGrpSpPr/>
+        <p:nvPr/>
+      </p:nvGrpSpPr>
+      <p:grpSpPr>
+        <a:xfrm>
+          <a:off x="0" y="0"/>
+          <a:ext cx="0" cy="0"/>
+          <a:chOff x="0" y="0"/>
+          <a:chExt cx="0" cy="0"/>
+        </a:xfrm>
+      </p:grpSpPr>
+      <p:sp>
+        <p:nvSpPr>
+          <p:cNvPr id="2" name="Titre 1">
+            <a:extLst>
+              <a:ext uri="{FF2B5EF4-FFF2-40B4-BE49-F238E27FC236}">
+                <a16:creationId xmlns:a16="http://schemas.microsoft.com/office/drawing/2014/main" id="{B9A3F10B-8919-47CE-AD73-FC939BEB0801}"/>
+              </a:ext>
+            </a:extLst>
+          </p:cNvPr>
+          <p:cNvSpPr>
+            <a:spLocks noGrp="1"/>
+          </p:cNvSpPr>
+          <p:nvPr>
+            <p:ph type="title"/>
+          </p:nvPr>
+        </p:nvSpPr>
+        <p:spPr>
+          <a:xfrm>
+            <a:off x="158931" y="399141"/>
+            <a:ext cx="4934277" cy="5991225"/>
+          </a:xfrm>
+        </p:spPr>
+        <p:txBody>
+          <a:bodyPr/>
+          <a:lstStyle/>
+          <a:p>
+            <a:r>
+              <a:rPr lang="fr-FR" dirty="0"/>
+              <a:t>Puis itération pour affiner les cas d’utilisations en contextes délimités (</a:t>
+            </a:r>
+            <a:r>
+              <a:rPr lang="fr-FR" dirty="0" err="1"/>
+              <a:t>Bounded</a:t>
+            </a:r>
+            <a:r>
+              <a:rPr lang="fr-FR" dirty="0"/>
+              <a:t> </a:t>
+            </a:r>
+            <a:r>
+              <a:rPr lang="fr-FR" dirty="0" err="1"/>
+              <a:t>Contexts</a:t>
+            </a:r>
+            <a:r>
+              <a:rPr lang="fr-FR" dirty="0"/>
+              <a:t>) : Gérer une session</a:t>
+            </a:r>
+            <a:br>
+              <a:rPr lang="fr-FR" sz="1800" b="1" dirty="0">
+                <a:solidFill>
+                  <a:srgbClr val="00B050"/>
+                </a:solidFill>
+                <a:effectLst/>
+                <a:latin typeface="Roboto" panose="02000000000000000000" pitchFamily="2" charset="0"/>
+                <a:ea typeface="Roboto" panose="02000000000000000000" pitchFamily="2" charset="0"/>
+                <a:cs typeface="Roboto" panose="02000000000000000000" pitchFamily="2" charset="0"/>
+              </a:rPr>
+            </a:br>
+            <a:endParaRPr lang="fr-FR" dirty="0"/>
+          </a:p>
+        </p:txBody>
+      </p:sp>
+      <p:pic>
+        <p:nvPicPr>
+          <p:cNvPr id="8" name="Espace réservé du contenu 7">
+            <a:extLst>
+              <a:ext uri="{FF2B5EF4-FFF2-40B4-BE49-F238E27FC236}">
+                <a16:creationId xmlns:a16="http://schemas.microsoft.com/office/drawing/2014/main" id="{D1D2937F-CDB0-4CB5-98A6-DB690606149C}"/>
+              </a:ext>
+            </a:extLst>
+          </p:cNvPr>
+          <p:cNvPicPr>
+            <a:picLocks noGrp="1" noChangeAspect="1"/>
+          </p:cNvPicPr>
+          <p:nvPr>
+            <p:ph idx="1"/>
+          </p:nvPr>
+        </p:nvPicPr>
+        <p:blipFill>
+          <a:blip r:embed="rId2">
+            <a:extLst>
+              <a:ext uri="{28A0092B-C50C-407E-A947-70E740481C1C}">
+                <a14:useLocalDpi xmlns:a14="http://schemas.microsoft.com/office/drawing/2010/main" val="0"/>
+              </a:ext>
+            </a:extLst>
+          </a:blip>
+          <a:srcRect/>
+          <a:stretch/>
+        </p:blipFill>
+        <p:spPr>
+          <a:xfrm>
+            <a:off x="5742432" y="328119"/>
+            <a:ext cx="5908463" cy="5970115"/>
+          </a:xfrm>
+        </p:spPr>
+      </p:pic>
+      <p:sp>
+        <p:nvSpPr>
+          <p:cNvPr id="4" name="Espace réservé du numéro de diapositive 3">
+            <a:extLst>
+              <a:ext uri="{FF2B5EF4-FFF2-40B4-BE49-F238E27FC236}">
+                <a16:creationId xmlns:a16="http://schemas.microsoft.com/office/drawing/2014/main" id="{D5B05B50-AF86-4A81-86B6-60C269DF0BB3}"/>
+              </a:ext>
+            </a:extLst>
+          </p:cNvPr>
+          <p:cNvSpPr>
+            <a:spLocks noGrp="1"/>
+          </p:cNvSpPr>
+          <p:nvPr>
+            <p:ph type="sldNum" sz="quarter" idx="12"/>
+          </p:nvPr>
+        </p:nvSpPr>
+        <p:spPr/>
+        <p:txBody>
+          <a:bodyPr/>
+          <a:lstStyle/>
+          <a:p>
+            <a:pPr marL="0" marR="0" lvl="0" indent="0" algn="r" defTabSz="914400" rtl="0" eaLnBrk="1" fontAlgn="auto" latinLnBrk="0" hangingPunct="1">
+              <a:lnSpc>
+                <a:spcPct val="100000"/>
+              </a:lnSpc>
+              <a:spcBef>
+                <a:spcPts val="0"/>
+              </a:spcBef>
+              <a:spcAft>
+                <a:spcPts val="0"/>
+              </a:spcAft>
+              <a:buClrTx/>
+              <a:buSzTx/>
+              <a:buFontTx/>
+              <a:buNone/>
+              <a:tabLst/>
+              <a:defRPr/>
+            </a:pPr>
+            <a:fld id="{6C97E930-14A5-472D-AD2C-D42CAE897216}" type="slidenum">
+              <a:rPr kumimoji="0" lang="fr-FR" sz="1200" b="0" i="0" u="none" strike="noStrike" kern="1200" cap="none" spc="0" normalizeH="0" baseline="0" noProof="0" smtClean="0">
+                <a:ln>
+                  <a:noFill/>
+                </a:ln>
+                <a:solidFill>
+                  <a:prstClr val="black">
+                    <a:tint val="75000"/>
+                  </a:prstClr>
+                </a:solidFill>
+                <a:effectLst/>
+                <a:uLnTx/>
+                <a:uFillTx/>
+                <a:latin typeface="Calibri" panose="020F0502020204030204"/>
+                <a:ea typeface="+mn-ea"/>
+                <a:cs typeface="+mn-cs"/>
+              </a:rPr>
+              <a:pPr marL="0" marR="0" lvl="0" indent="0" algn="r" defTabSz="914400" rtl="0" eaLnBrk="1" fontAlgn="auto" latinLnBrk="0" hangingPunct="1">
+                <a:lnSpc>
+                  <a:spcPct val="100000"/>
+                </a:lnSpc>
+                <a:spcBef>
+                  <a:spcPts val="0"/>
+                </a:spcBef>
+                <a:spcAft>
+                  <a:spcPts val="0"/>
+                </a:spcAft>
+                <a:buClrTx/>
+                <a:buSzTx/>
+                <a:buFontTx/>
+                <a:buNone/>
+                <a:tabLst/>
+                <a:defRPr/>
+              </a:pPr>
+              <a:t>12</a:t>
+            </a:fld>
+            <a:endParaRPr kumimoji="0" lang="fr-FR" sz="1200" b="0" i="0" u="none" strike="noStrike" kern="1200" cap="none" spc="0" normalizeH="0" baseline="0" noProof="0" dirty="0">
+              <a:ln>
+                <a:noFill/>
+              </a:ln>
+              <a:solidFill>
+                <a:prstClr val="black">
+                  <a:tint val="75000"/>
+                </a:prstClr>
+              </a:solidFill>
+              <a:effectLst/>
+              <a:uLnTx/>
+              <a:uFillTx/>
+              <a:latin typeface="Calibri" panose="020F0502020204030204"/>
+              <a:ea typeface="+mn-ea"/>
+              <a:cs typeface="+mn-cs"/>
+            </a:endParaRPr>
+          </a:p>
+        </p:txBody>
+      </p:sp>
+    </p:spTree>
+    <p:extLst>
+      <p:ext uri="{BB962C8B-B14F-4D97-AF65-F5344CB8AC3E}">
+        <p14:creationId xmlns:p14="http://schemas.microsoft.com/office/powerpoint/2010/main" val="537366184"/>
+      </p:ext>
+    </p:extLst>
+  </p:cSld>
+  <p:clrMapOvr>
+    <a:masterClrMapping/>
+  </p:clrMapOvr>
+</p:sld>
+</file>
+
+<file path=ppt/slides/slide13.xml><?xml version="1.0" encoding="utf-8"?>
+<p:sld xmlns:a="http://schemas.openxmlformats.org/drawingml/2006/main" xmlns:r="http://schemas.openxmlformats.org/officeDocument/2006/relationships" xmlns:p="http://schemas.openxmlformats.org/presentationml/2006/main">
+  <p:cSld>
+    <p:spTree>
+      <p:nvGrpSpPr>
+        <p:cNvPr id="1" name=""/>
+        <p:cNvGrpSpPr/>
+        <p:nvPr/>
+      </p:nvGrpSpPr>
+      <p:grpSpPr>
+        <a:xfrm>
+          <a:off x="0" y="0"/>
+          <a:ext cx="0" cy="0"/>
+          <a:chOff x="0" y="0"/>
+          <a:chExt cx="0" cy="0"/>
+        </a:xfrm>
+      </p:grpSpPr>
+      <p:sp>
+        <p:nvSpPr>
+          <p:cNvPr id="2" name="Titre 1">
+            <a:extLst>
+              <a:ext uri="{FF2B5EF4-FFF2-40B4-BE49-F238E27FC236}">
                 <a16:creationId xmlns:a16="http://schemas.microsoft.com/office/drawing/2014/main" id="{C802F121-8612-44AB-B0BC-C8164A3F0A0E}"/>
               </a:ext>
             </a:extLst>
@@ -3924,7 +4581,7 @@
           <a:p>
             <a:fld id="{6C97E930-14A5-472D-AD2C-D42CAE897216}" type="slidenum">
               <a:rPr lang="fr-FR" smtClean="0"/>
-              <a:t>10</a:t>
+              <a:t>13</a:t>
             </a:fld>
             <a:endParaRPr lang="fr-FR" dirty="0"/>
           </a:p>
@@ -4709,7 +5366,7 @@
 </p:sld>
 </file>
 
-<file path=ppt/slides/slide11.xml><?xml version="1.0" encoding="utf-8"?>
+<file path=ppt/slides/slide14.xml><?xml version="1.0" encoding="utf-8"?>
 <p:sld xmlns:a="http://schemas.openxmlformats.org/drawingml/2006/main" xmlns:r="http://schemas.openxmlformats.org/officeDocument/2006/relationships" xmlns:p="http://schemas.openxmlformats.org/presentationml/2006/main">
   <p:cSld>
     <p:spTree>
@@ -4844,7 +5501,7 @@
           <a:p>
             <a:fld id="{6C97E930-14A5-472D-AD2C-D42CAE897216}" type="slidenum">
               <a:rPr lang="fr-FR" smtClean="0"/>
-              <a:t>11</a:t>
+              <a:t>14</a:t>
             </a:fld>
             <a:endParaRPr lang="fr-FR" dirty="0"/>
           </a:p>
@@ -4863,7 +5520,7 @@
 </p:sld>
 </file>
 
-<file path=ppt/slides/slide12.xml><?xml version="1.0" encoding="utf-8"?>
+<file path=ppt/slides/slide15.xml><?xml version="1.0" encoding="utf-8"?>
 <p:sld xmlns:a="http://schemas.openxmlformats.org/drawingml/2006/main" xmlns:r="http://schemas.openxmlformats.org/officeDocument/2006/relationships" xmlns:p="http://schemas.openxmlformats.org/presentationml/2006/main">
   <p:cSld>
     <p:spTree>
@@ -4949,7 +5606,7 @@
           <a:p>
             <a:fld id="{6C97E930-14A5-472D-AD2C-D42CAE897216}" type="slidenum">
               <a:rPr lang="fr-FR" smtClean="0"/>
-              <a:t>12</a:t>
+              <a:t>15</a:t>
             </a:fld>
             <a:endParaRPr lang="fr-FR" dirty="0"/>
           </a:p>
@@ -6020,506 +6677,6 @@
 </p:sld>
 </file>
 
-<file path=ppt/slides/slide13.xml><?xml version="1.0" encoding="utf-8"?>
-<p:sld xmlns:a="http://schemas.openxmlformats.org/drawingml/2006/main" xmlns:r="http://schemas.openxmlformats.org/officeDocument/2006/relationships" xmlns:p="http://schemas.openxmlformats.org/presentationml/2006/main">
-  <p:cSld>
-    <p:spTree>
-      <p:nvGrpSpPr>
-        <p:cNvPr id="1" name=""/>
-        <p:cNvGrpSpPr/>
-        <p:nvPr/>
-      </p:nvGrpSpPr>
-      <p:grpSpPr>
-        <a:xfrm>
-          <a:off x="0" y="0"/>
-          <a:ext cx="0" cy="0"/>
-          <a:chOff x="0" y="0"/>
-          <a:chExt cx="0" cy="0"/>
-        </a:xfrm>
-      </p:grpSpPr>
-      <p:sp>
-        <p:nvSpPr>
-          <p:cNvPr id="2" name="Titre 1">
-            <a:extLst>
-              <a:ext uri="{FF2B5EF4-FFF2-40B4-BE49-F238E27FC236}">
-                <a16:creationId xmlns:a16="http://schemas.microsoft.com/office/drawing/2014/main" id="{54EB4B87-E26F-454A-B17F-B291D8D83EAA}"/>
-              </a:ext>
-            </a:extLst>
-          </p:cNvPr>
-          <p:cNvSpPr>
-            <a:spLocks noGrp="1"/>
-          </p:cNvSpPr>
-          <p:nvPr>
-            <p:ph type="title"/>
-          </p:nvPr>
-        </p:nvSpPr>
-        <p:spPr/>
-        <p:txBody>
-          <a:bodyPr/>
-          <a:lstStyle/>
-          <a:p>
-            <a:r>
-              <a:rPr lang="fr-FR" dirty="0"/>
-              <a:t>Diagramme de classe</a:t>
-            </a:r>
-          </a:p>
-        </p:txBody>
-      </p:sp>
-      <p:pic>
-        <p:nvPicPr>
-          <p:cNvPr id="6" name="Espace réservé du contenu 5">
-            <a:extLst>
-              <a:ext uri="{FF2B5EF4-FFF2-40B4-BE49-F238E27FC236}">
-                <a16:creationId xmlns:a16="http://schemas.microsoft.com/office/drawing/2014/main" id="{92D99ADB-1102-4F77-9DE2-2E47D248818F}"/>
-              </a:ext>
-            </a:extLst>
-          </p:cNvPr>
-          <p:cNvPicPr>
-            <a:picLocks noGrp="1" noChangeAspect="1"/>
-          </p:cNvPicPr>
-          <p:nvPr>
-            <p:ph idx="1"/>
-          </p:nvPr>
-        </p:nvPicPr>
-        <p:blipFill>
-          <a:blip r:embed="rId2">
-            <a:extLst>
-              <a:ext uri="{28A0092B-C50C-407E-A947-70E740481C1C}">
-                <a14:useLocalDpi xmlns:a14="http://schemas.microsoft.com/office/drawing/2010/main" val="0"/>
-              </a:ext>
-            </a:extLst>
-          </a:blip>
-          <a:stretch>
-            <a:fillRect/>
-          </a:stretch>
-        </p:blipFill>
-        <p:spPr>
-          <a:xfrm>
-            <a:off x="2112264" y="1507808"/>
-            <a:ext cx="8055864" cy="4985067"/>
-          </a:xfrm>
-        </p:spPr>
-      </p:pic>
-      <p:sp>
-        <p:nvSpPr>
-          <p:cNvPr id="4" name="Espace réservé du numéro de diapositive 3">
-            <a:extLst>
-              <a:ext uri="{FF2B5EF4-FFF2-40B4-BE49-F238E27FC236}">
-                <a16:creationId xmlns:a16="http://schemas.microsoft.com/office/drawing/2014/main" id="{D7259164-A350-40CE-851D-7CCAFE2C6AA7}"/>
-              </a:ext>
-            </a:extLst>
-          </p:cNvPr>
-          <p:cNvSpPr>
-            <a:spLocks noGrp="1"/>
-          </p:cNvSpPr>
-          <p:nvPr>
-            <p:ph type="sldNum" sz="quarter" idx="12"/>
-          </p:nvPr>
-        </p:nvSpPr>
-        <p:spPr/>
-        <p:txBody>
-          <a:bodyPr/>
-          <a:lstStyle/>
-          <a:p>
-            <a:fld id="{6C97E930-14A5-472D-AD2C-D42CAE897216}" type="slidenum">
-              <a:rPr lang="fr-FR" smtClean="0"/>
-              <a:t>13</a:t>
-            </a:fld>
-            <a:endParaRPr lang="fr-FR" dirty="0"/>
-          </a:p>
-        </p:txBody>
-      </p:sp>
-    </p:spTree>
-    <p:extLst>
-      <p:ext uri="{BB962C8B-B14F-4D97-AF65-F5344CB8AC3E}">
-        <p14:creationId xmlns:p14="http://schemas.microsoft.com/office/powerpoint/2010/main" val="1185949033"/>
-      </p:ext>
-    </p:extLst>
-  </p:cSld>
-  <p:clrMapOvr>
-    <a:masterClrMapping/>
-  </p:clrMapOvr>
-</p:sld>
-</file>
-
-<file path=ppt/slides/slide14.xml><?xml version="1.0" encoding="utf-8"?>
-<p:sld xmlns:a="http://schemas.openxmlformats.org/drawingml/2006/main" xmlns:r="http://schemas.openxmlformats.org/officeDocument/2006/relationships" xmlns:p="http://schemas.openxmlformats.org/presentationml/2006/main">
-  <p:cSld>
-    <p:spTree>
-      <p:nvGrpSpPr>
-        <p:cNvPr id="1" name=""/>
-        <p:cNvGrpSpPr/>
-        <p:nvPr/>
-      </p:nvGrpSpPr>
-      <p:grpSpPr>
-        <a:xfrm>
-          <a:off x="0" y="0"/>
-          <a:ext cx="0" cy="0"/>
-          <a:chOff x="0" y="0"/>
-          <a:chExt cx="0" cy="0"/>
-        </a:xfrm>
-      </p:grpSpPr>
-      <p:sp>
-        <p:nvSpPr>
-          <p:cNvPr id="2" name="Titre 1">
-            <a:extLst>
-              <a:ext uri="{FF2B5EF4-FFF2-40B4-BE49-F238E27FC236}">
-                <a16:creationId xmlns:a16="http://schemas.microsoft.com/office/drawing/2014/main" id="{978C5A02-96E4-4281-95FF-A838C387F030}"/>
-              </a:ext>
-            </a:extLst>
-          </p:cNvPr>
-          <p:cNvSpPr>
-            <a:spLocks noGrp="1"/>
-          </p:cNvSpPr>
-          <p:nvPr>
-            <p:ph type="title"/>
-          </p:nvPr>
-        </p:nvSpPr>
-        <p:spPr/>
-        <p:txBody>
-          <a:bodyPr/>
-          <a:lstStyle/>
-          <a:p>
-            <a:r>
-              <a:rPr lang="fr-FR" dirty="0"/>
-              <a:t>Diagramme de conception technique (MPD)</a:t>
-            </a:r>
-          </a:p>
-        </p:txBody>
-      </p:sp>
-      <p:pic>
-        <p:nvPicPr>
-          <p:cNvPr id="6" name="Espace réservé du contenu 5">
-            <a:extLst>
-              <a:ext uri="{FF2B5EF4-FFF2-40B4-BE49-F238E27FC236}">
-                <a16:creationId xmlns:a16="http://schemas.microsoft.com/office/drawing/2014/main" id="{07A8CA1C-7B51-409B-BB4B-9BB6DA6AF1CA}"/>
-              </a:ext>
-            </a:extLst>
-          </p:cNvPr>
-          <p:cNvPicPr>
-            <a:picLocks noGrp="1" noChangeAspect="1"/>
-          </p:cNvPicPr>
-          <p:nvPr>
-            <p:ph idx="1"/>
-          </p:nvPr>
-        </p:nvPicPr>
-        <p:blipFill>
-          <a:blip r:embed="rId2">
-            <a:extLst>
-              <a:ext uri="{28A0092B-C50C-407E-A947-70E740481C1C}">
-                <a14:useLocalDpi xmlns:a14="http://schemas.microsoft.com/office/drawing/2010/main" val="0"/>
-              </a:ext>
-            </a:extLst>
-          </a:blip>
-          <a:stretch>
-            <a:fillRect/>
-          </a:stretch>
-        </p:blipFill>
-        <p:spPr>
-          <a:xfrm>
-            <a:off x="2231136" y="1404597"/>
-            <a:ext cx="7479792" cy="5384446"/>
-          </a:xfrm>
-        </p:spPr>
-      </p:pic>
-      <p:sp>
-        <p:nvSpPr>
-          <p:cNvPr id="4" name="Espace réservé du numéro de diapositive 3">
-            <a:extLst>
-              <a:ext uri="{FF2B5EF4-FFF2-40B4-BE49-F238E27FC236}">
-                <a16:creationId xmlns:a16="http://schemas.microsoft.com/office/drawing/2014/main" id="{24C262FB-A42B-4A48-A45F-03D31C6695FD}"/>
-              </a:ext>
-            </a:extLst>
-          </p:cNvPr>
-          <p:cNvSpPr>
-            <a:spLocks noGrp="1"/>
-          </p:cNvSpPr>
-          <p:nvPr>
-            <p:ph type="sldNum" sz="quarter" idx="12"/>
-          </p:nvPr>
-        </p:nvSpPr>
-        <p:spPr/>
-        <p:txBody>
-          <a:bodyPr/>
-          <a:lstStyle/>
-          <a:p>
-            <a:fld id="{6C97E930-14A5-472D-AD2C-D42CAE897216}" type="slidenum">
-              <a:rPr lang="fr-FR" smtClean="0"/>
-              <a:t>14</a:t>
-            </a:fld>
-            <a:endParaRPr lang="fr-FR" dirty="0"/>
-          </a:p>
-        </p:txBody>
-      </p:sp>
-    </p:spTree>
-    <p:extLst>
-      <p:ext uri="{BB962C8B-B14F-4D97-AF65-F5344CB8AC3E}">
-        <p14:creationId xmlns:p14="http://schemas.microsoft.com/office/powerpoint/2010/main" val="1610879653"/>
-      </p:ext>
-    </p:extLst>
-  </p:cSld>
-  <p:clrMapOvr>
-    <a:masterClrMapping/>
-  </p:clrMapOvr>
-</p:sld>
-</file>
-
-<file path=ppt/slides/slide15.xml><?xml version="1.0" encoding="utf-8"?>
-<p:sld xmlns:a="http://schemas.openxmlformats.org/drawingml/2006/main" xmlns:r="http://schemas.openxmlformats.org/officeDocument/2006/relationships" xmlns:p="http://schemas.openxmlformats.org/presentationml/2006/main">
-  <p:cSld>
-    <p:spTree>
-      <p:nvGrpSpPr>
-        <p:cNvPr id="1" name=""/>
-        <p:cNvGrpSpPr/>
-        <p:nvPr/>
-      </p:nvGrpSpPr>
-      <p:grpSpPr>
-        <a:xfrm>
-          <a:off x="0" y="0"/>
-          <a:ext cx="0" cy="0"/>
-          <a:chOff x="0" y="0"/>
-          <a:chExt cx="0" cy="0"/>
-        </a:xfrm>
-      </p:grpSpPr>
-      <p:sp>
-        <p:nvSpPr>
-          <p:cNvPr id="2" name="Titre 1">
-            <a:extLst>
-              <a:ext uri="{FF2B5EF4-FFF2-40B4-BE49-F238E27FC236}">
-                <a16:creationId xmlns:a16="http://schemas.microsoft.com/office/drawing/2014/main" id="{D862A29C-E707-4B6A-B558-5CA046DE435B}"/>
-              </a:ext>
-            </a:extLst>
-          </p:cNvPr>
-          <p:cNvSpPr>
-            <a:spLocks noGrp="1"/>
-          </p:cNvSpPr>
-          <p:nvPr>
-            <p:ph type="title"/>
-          </p:nvPr>
-        </p:nvSpPr>
-        <p:spPr/>
-        <p:txBody>
-          <a:bodyPr/>
-          <a:lstStyle/>
-          <a:p>
-            <a:r>
-              <a:rPr lang="fr-FR" dirty="0"/>
-              <a:t>Glossaire</a:t>
-            </a:r>
-          </a:p>
-        </p:txBody>
-      </p:sp>
-      <p:sp>
-        <p:nvSpPr>
-          <p:cNvPr id="3" name="Espace réservé du contenu 2">
-            <a:extLst>
-              <a:ext uri="{FF2B5EF4-FFF2-40B4-BE49-F238E27FC236}">
-                <a16:creationId xmlns:a16="http://schemas.microsoft.com/office/drawing/2014/main" id="{CBC7D355-1833-4BA7-B7E8-FA2326870CE6}"/>
-              </a:ext>
-            </a:extLst>
-          </p:cNvPr>
-          <p:cNvSpPr>
-            <a:spLocks noGrp="1"/>
-          </p:cNvSpPr>
-          <p:nvPr>
-            <p:ph idx="1"/>
-          </p:nvPr>
-        </p:nvSpPr>
-        <p:spPr/>
-        <p:txBody>
-          <a:bodyPr>
-            <a:normAutofit lnSpcReduction="10000"/>
-          </a:bodyPr>
-          <a:lstStyle/>
-          <a:p>
-            <a:r>
-              <a:rPr lang="fr-FR" dirty="0">
-                <a:latin typeface="Roboto" panose="02000000000000000000" pitchFamily="2" charset="0"/>
-                <a:ea typeface="Roboto" panose="02000000000000000000" pitchFamily="2" charset="0"/>
-              </a:rPr>
-              <a:t>Pour s’approprier le langage du domaine (</a:t>
-            </a:r>
-            <a:r>
-              <a:rPr lang="fr-FR" dirty="0" err="1">
-                <a:latin typeface="Roboto" panose="02000000000000000000" pitchFamily="2" charset="0"/>
-                <a:ea typeface="Roboto" panose="02000000000000000000" pitchFamily="2" charset="0"/>
-              </a:rPr>
-              <a:t>ubiquitous</a:t>
-            </a:r>
-            <a:r>
-              <a:rPr lang="fr-FR" dirty="0">
-                <a:latin typeface="Roboto" panose="02000000000000000000" pitchFamily="2" charset="0"/>
-                <a:ea typeface="Roboto" panose="02000000000000000000" pitchFamily="2" charset="0"/>
-              </a:rPr>
-              <a:t> </a:t>
-            </a:r>
-            <a:r>
-              <a:rPr lang="fr-FR" dirty="0" err="1">
-                <a:latin typeface="Roboto" panose="02000000000000000000" pitchFamily="2" charset="0"/>
-                <a:ea typeface="Roboto" panose="02000000000000000000" pitchFamily="2" charset="0"/>
-              </a:rPr>
-              <a:t>language</a:t>
-            </a:r>
-            <a:r>
-              <a:rPr lang="fr-FR" dirty="0">
-                <a:latin typeface="Roboto" panose="02000000000000000000" pitchFamily="2" charset="0"/>
-                <a:ea typeface="Roboto" panose="02000000000000000000" pitchFamily="2" charset="0"/>
-              </a:rPr>
-              <a:t> = langage omniprésent) et avoir la même signification des principaux termes pour tous.</a:t>
-            </a:r>
-          </a:p>
-          <a:p>
-            <a:pPr>
-              <a:lnSpc>
-                <a:spcPct val="115000"/>
-              </a:lnSpc>
-              <a:spcAft>
-                <a:spcPts val="300"/>
-              </a:spcAft>
-              <a:tabLst>
-                <a:tab pos="900430" algn="l"/>
-              </a:tabLst>
-            </a:pPr>
-            <a:r>
-              <a:rPr lang="fr-FR" sz="2800" b="1" dirty="0">
-                <a:effectLst/>
-                <a:latin typeface="Roboto" panose="02000000000000000000" pitchFamily="2" charset="0"/>
-                <a:ea typeface="Roboto" panose="02000000000000000000" pitchFamily="2" charset="0"/>
-                <a:cs typeface="Roboto" panose="02000000000000000000" pitchFamily="2" charset="0"/>
-              </a:rPr>
-              <a:t>Inscrit : </a:t>
-            </a:r>
-            <a:r>
-              <a:rPr lang="fr-FR" sz="2800" dirty="0">
-                <a:effectLst/>
-                <a:latin typeface="Roboto" panose="02000000000000000000" pitchFamily="2" charset="0"/>
-                <a:ea typeface="Roboto" panose="02000000000000000000" pitchFamily="2" charset="0"/>
-                <a:cs typeface="Roboto" panose="02000000000000000000" pitchFamily="2" charset="0"/>
-              </a:rPr>
-              <a:t>personne de l’entreprise qui s’est inscrite avec un rôle</a:t>
-            </a:r>
-          </a:p>
-          <a:p>
-            <a:pPr marL="0" indent="0">
-              <a:lnSpc>
-                <a:spcPct val="115000"/>
-              </a:lnSpc>
-            </a:pPr>
-            <a:r>
-              <a:rPr lang="fr-FR" sz="2800" b="1" dirty="0">
-                <a:effectLst/>
-                <a:latin typeface="Roboto" panose="02000000000000000000" pitchFamily="2" charset="0"/>
-                <a:ea typeface="Roboto" panose="02000000000000000000" pitchFamily="2" charset="0"/>
-                <a:cs typeface="Roboto" panose="02000000000000000000" pitchFamily="2" charset="0"/>
-              </a:rPr>
-              <a:t> S’inscrire :</a:t>
-            </a:r>
-            <a:r>
-              <a:rPr lang="fr-FR" b="1" dirty="0">
-                <a:latin typeface="Roboto" panose="02000000000000000000" pitchFamily="2" charset="0"/>
-                <a:ea typeface="Roboto" panose="02000000000000000000" pitchFamily="2" charset="0"/>
-                <a:cs typeface="Roboto" panose="02000000000000000000" pitchFamily="2" charset="0"/>
-              </a:rPr>
-              <a:t> </a:t>
-            </a:r>
-            <a:r>
-              <a:rPr lang="fr-FR" sz="2800" dirty="0">
-                <a:effectLst/>
-                <a:latin typeface="Roboto" panose="02000000000000000000" pitchFamily="2" charset="0"/>
-                <a:ea typeface="Roboto" panose="02000000000000000000" pitchFamily="2" charset="0"/>
-                <a:cs typeface="Roboto" panose="02000000000000000000" pitchFamily="2" charset="0"/>
-              </a:rPr>
-              <a:t>le salarié enregistre, valide ses identifiants et doit choisir un rôle (Mentor, Mentoré ou Admin).</a:t>
-            </a:r>
-          </a:p>
-          <a:p>
-            <a:pPr>
-              <a:lnSpc>
-                <a:spcPct val="115000"/>
-              </a:lnSpc>
-              <a:spcAft>
-                <a:spcPts val="300"/>
-              </a:spcAft>
-            </a:pPr>
-            <a:r>
-              <a:rPr lang="fr-FR" dirty="0"/>
-              <a:t> </a:t>
-            </a:r>
-            <a:r>
-              <a:rPr lang="fr-FR" sz="2800" b="1" dirty="0" err="1">
-                <a:effectLst/>
-                <a:latin typeface="Roboto" panose="02000000000000000000" pitchFamily="2" charset="0"/>
-                <a:ea typeface="Roboto" panose="02000000000000000000" pitchFamily="2" charset="0"/>
-                <a:cs typeface="Roboto" panose="02000000000000000000" pitchFamily="2" charset="0"/>
-              </a:rPr>
-              <a:t>Role</a:t>
-            </a:r>
-            <a:r>
-              <a:rPr lang="fr-FR" sz="2800" b="1" dirty="0">
-                <a:effectLst/>
-                <a:latin typeface="Roboto" panose="02000000000000000000" pitchFamily="2" charset="0"/>
-                <a:ea typeface="Roboto" panose="02000000000000000000" pitchFamily="2" charset="0"/>
-                <a:cs typeface="Roboto" panose="02000000000000000000" pitchFamily="2" charset="0"/>
-              </a:rPr>
-              <a:t> : </a:t>
-            </a:r>
-            <a:r>
-              <a:rPr lang="fr-FR" sz="2800" dirty="0">
-                <a:effectLst/>
-                <a:latin typeface="Roboto" panose="02000000000000000000" pitchFamily="2" charset="0"/>
-                <a:ea typeface="Roboto" panose="02000000000000000000" pitchFamily="2" charset="0"/>
-                <a:cs typeface="Roboto" panose="02000000000000000000" pitchFamily="2" charset="0"/>
-              </a:rPr>
-              <a:t>entité des rôles : toutes combinaisons avec au moins un des trois et au maximum trois rôles (Mentor, Mentoré, Admin/Comptable).</a:t>
-            </a:r>
-          </a:p>
-          <a:p>
-            <a:endParaRPr lang="fr-FR" dirty="0"/>
-          </a:p>
-        </p:txBody>
-      </p:sp>
-      <p:sp>
-        <p:nvSpPr>
-          <p:cNvPr id="4" name="Espace réservé du numéro de diapositive 3">
-            <a:extLst>
-              <a:ext uri="{FF2B5EF4-FFF2-40B4-BE49-F238E27FC236}">
-                <a16:creationId xmlns:a16="http://schemas.microsoft.com/office/drawing/2014/main" id="{BE6FBE1D-E9EA-4F8A-882B-4F7CEC399C9D}"/>
-              </a:ext>
-            </a:extLst>
-          </p:cNvPr>
-          <p:cNvSpPr>
-            <a:spLocks noGrp="1"/>
-          </p:cNvSpPr>
-          <p:nvPr>
-            <p:ph type="sldNum" sz="quarter" idx="12"/>
-          </p:nvPr>
-        </p:nvSpPr>
-        <p:spPr/>
-        <p:txBody>
-          <a:bodyPr/>
-          <a:lstStyle/>
-          <a:p>
-            <a:fld id="{6C97E930-14A5-472D-AD2C-D42CAE897216}" type="slidenum">
-              <a:rPr lang="fr-FR" smtClean="0"/>
-              <a:t>15</a:t>
-            </a:fld>
-            <a:endParaRPr lang="fr-FR" dirty="0"/>
-          </a:p>
-        </p:txBody>
-      </p:sp>
-    </p:spTree>
-    <p:extLst>
-      <p:ext uri="{BB962C8B-B14F-4D97-AF65-F5344CB8AC3E}">
-        <p14:creationId xmlns:p14="http://schemas.microsoft.com/office/powerpoint/2010/main" val="57337304"/>
-      </p:ext>
-    </p:extLst>
-  </p:cSld>
-  <p:clrMapOvr>
-    <a:masterClrMapping/>
-  </p:clrMapOvr>
-</p:sld>
-</file>
-
 <file path=ppt/slides/slide16.xml><?xml version="1.0" encoding="utf-8"?>
 <p:sld xmlns:a="http://schemas.openxmlformats.org/drawingml/2006/main" xmlns:r="http://schemas.openxmlformats.org/officeDocument/2006/relationships" xmlns:p="http://schemas.openxmlformats.org/presentationml/2006/main">
   <p:cSld>
@@ -6542,7 +6699,7 @@
           <p:cNvPr id="2" name="Titre 1">
             <a:extLst>
               <a:ext uri="{FF2B5EF4-FFF2-40B4-BE49-F238E27FC236}">
-                <a16:creationId xmlns:a16="http://schemas.microsoft.com/office/drawing/2014/main" id="{34BDA870-3C37-46C3-BCA5-DD49AACD7179}"/>
+                <a16:creationId xmlns:a16="http://schemas.microsoft.com/office/drawing/2014/main" id="{54EB4B87-E26F-454A-B17F-B291D8D83EAA}"/>
               </a:ext>
             </a:extLst>
           </p:cNvPr>
@@ -6560,63 +6717,52 @@
           <a:p>
             <a:r>
               <a:rPr lang="fr-FR" dirty="0"/>
-              <a:t>Spécifications techniques</a:t>
-            </a:r>
-          </a:p>
-        </p:txBody>
-      </p:sp>
-      <p:sp>
-        <p:nvSpPr>
-          <p:cNvPr id="3" name="Espace réservé du contenu 2">
-            <a:extLst>
-              <a:ext uri="{FF2B5EF4-FFF2-40B4-BE49-F238E27FC236}">
-                <a16:creationId xmlns:a16="http://schemas.microsoft.com/office/drawing/2014/main" id="{BEB39A2C-473D-42C3-ABD2-D2B88A79CA38}"/>
-              </a:ext>
-            </a:extLst>
-          </p:cNvPr>
-          <p:cNvSpPr>
-            <a:spLocks noGrp="1"/>
-          </p:cNvSpPr>
+              <a:t>Diagramme de classe</a:t>
+            </a:r>
+          </a:p>
+        </p:txBody>
+      </p:sp>
+      <p:pic>
+        <p:nvPicPr>
+          <p:cNvPr id="6" name="Espace réservé du contenu 5">
+            <a:extLst>
+              <a:ext uri="{FF2B5EF4-FFF2-40B4-BE49-F238E27FC236}">
+                <a16:creationId xmlns:a16="http://schemas.microsoft.com/office/drawing/2014/main" id="{92D99ADB-1102-4F77-9DE2-2E47D248818F}"/>
+              </a:ext>
+            </a:extLst>
+          </p:cNvPr>
+          <p:cNvPicPr>
+            <a:picLocks noGrp="1" noChangeAspect="1"/>
+          </p:cNvPicPr>
           <p:nvPr>
             <p:ph idx="1"/>
           </p:nvPr>
-        </p:nvSpPr>
-        <p:spPr/>
-        <p:txBody>
-          <a:bodyPr/>
-          <a:lstStyle/>
-          <a:p>
-            <a:r>
-              <a:rPr lang="fr-FR" dirty="0"/>
-              <a:t>Un langage de programmation orienté objet permet l’abstraction des entités et tables d’association en objets.</a:t>
-            </a:r>
-          </a:p>
-          <a:p>
-            <a:r>
-              <a:rPr lang="fr-FR" dirty="0"/>
-              <a:t>Chaque objet porte ses propres propriétés et ses propres opérations</a:t>
-            </a:r>
-          </a:p>
-          <a:p>
-            <a:r>
-              <a:rPr lang="fr-FR" dirty="0"/>
-              <a:t> Ce qui permet une programmation factorisée et selon un modèle (MVC).</a:t>
-            </a:r>
-          </a:p>
-          <a:p>
-            <a:r>
-              <a:rPr lang="fr-FR" dirty="0"/>
-              <a:t>De plus l’utilisation d’un Framework (Spring) permet de simplifier la définition et la construction de l’infrastructure de l’application dont les ORM, les web services et les API.</a:t>
-            </a:r>
-          </a:p>
-        </p:txBody>
-      </p:sp>
+        </p:nvPicPr>
+        <p:blipFill>
+          <a:blip r:embed="rId2">
+            <a:extLst>
+              <a:ext uri="{28A0092B-C50C-407E-A947-70E740481C1C}">
+                <a14:useLocalDpi xmlns:a14="http://schemas.microsoft.com/office/drawing/2010/main" val="0"/>
+              </a:ext>
+            </a:extLst>
+          </a:blip>
+          <a:stretch>
+            <a:fillRect/>
+          </a:stretch>
+        </p:blipFill>
+        <p:spPr>
+          <a:xfrm>
+            <a:off x="2112264" y="1507808"/>
+            <a:ext cx="8055864" cy="4985067"/>
+          </a:xfrm>
+        </p:spPr>
+      </p:pic>
       <p:sp>
         <p:nvSpPr>
           <p:cNvPr id="4" name="Espace réservé du numéro de diapositive 3">
             <a:extLst>
               <a:ext uri="{FF2B5EF4-FFF2-40B4-BE49-F238E27FC236}">
-                <a16:creationId xmlns:a16="http://schemas.microsoft.com/office/drawing/2014/main" id="{77E1248B-D19D-47BB-9442-3B03717D81D6}"/>
+                <a16:creationId xmlns:a16="http://schemas.microsoft.com/office/drawing/2014/main" id="{D7259164-A350-40CE-851D-7CCAFE2C6AA7}"/>
               </a:ext>
             </a:extLst>
           </p:cNvPr>
@@ -6643,7 +6789,7 @@
     </p:spTree>
     <p:extLst>
       <p:ext uri="{BB962C8B-B14F-4D97-AF65-F5344CB8AC3E}">
-        <p14:creationId xmlns:p14="http://schemas.microsoft.com/office/powerpoint/2010/main" val="1468148949"/>
+        <p14:creationId xmlns:p14="http://schemas.microsoft.com/office/powerpoint/2010/main" val="1185949033"/>
       </p:ext>
     </p:extLst>
   </p:cSld>
@@ -6675,7 +6821,7 @@
           <p:cNvPr id="2" name="Titre 1">
             <a:extLst>
               <a:ext uri="{FF2B5EF4-FFF2-40B4-BE49-F238E27FC236}">
-                <a16:creationId xmlns:a16="http://schemas.microsoft.com/office/drawing/2014/main" id="{21E31D0D-1B8C-4E39-852F-3549B5B84FF7}"/>
+                <a16:creationId xmlns:a16="http://schemas.microsoft.com/office/drawing/2014/main" id="{978C5A02-96E4-4281-95FF-A838C387F030}"/>
               </a:ext>
             </a:extLst>
           </p:cNvPr>
@@ -6693,121 +6839,79 @@
           <a:p>
             <a:r>
               <a:rPr lang="fr-FR" dirty="0"/>
-              <a:t>Wireframes (1/4)</a:t>
-            </a:r>
-          </a:p>
-        </p:txBody>
-      </p:sp>
-      <p:sp>
-        <p:nvSpPr>
-          <p:cNvPr id="3" name="Espace réservé du contenu 2">
-            <a:extLst>
-              <a:ext uri="{FF2B5EF4-FFF2-40B4-BE49-F238E27FC236}">
-                <a16:creationId xmlns:a16="http://schemas.microsoft.com/office/drawing/2014/main" id="{8199638B-E082-4BCF-A80C-B0496F34AF4B}"/>
-              </a:ext>
-            </a:extLst>
-          </p:cNvPr>
-          <p:cNvSpPr>
-            <a:spLocks noGrp="1"/>
-          </p:cNvSpPr>
-          <p:nvPr>
-            <p:ph idx="1"/>
-          </p:nvPr>
-        </p:nvSpPr>
-        <p:spPr>
-          <a:xfrm>
-            <a:off x="838200" y="1825625"/>
-            <a:ext cx="4386943" cy="4351338"/>
-          </a:xfrm>
-        </p:spPr>
-        <p:txBody>
-          <a:bodyPr>
-            <a:normAutofit/>
-          </a:bodyPr>
-          <a:lstStyle/>
-          <a:p>
-            <a:pPr marL="0" indent="0">
-              <a:buNone/>
-            </a:pPr>
-            <a:r>
-              <a:rPr lang="fr-FR" sz="2600" b="1" dirty="0"/>
-              <a:t>S'authentifier</a:t>
-            </a:r>
-          </a:p>
-          <a:p>
-            <a:pPr marL="0" indent="0">
-              <a:buNone/>
-            </a:pPr>
-            <a:endParaRPr lang="fr-FR" dirty="0"/>
-          </a:p>
-          <a:p>
-            <a:endParaRPr lang="fr-FR" dirty="0"/>
-          </a:p>
-        </p:txBody>
-      </p:sp>
-      <p:sp>
-        <p:nvSpPr>
-          <p:cNvPr id="4" name="Espace réservé du numéro de diapositive 3">
-            <a:extLst>
-              <a:ext uri="{FF2B5EF4-FFF2-40B4-BE49-F238E27FC236}">
-                <a16:creationId xmlns:a16="http://schemas.microsoft.com/office/drawing/2014/main" id="{DEAA08C5-EED3-4EFD-9808-CD3F0B1C71B8}"/>
-              </a:ext>
-            </a:extLst>
-          </p:cNvPr>
-          <p:cNvSpPr>
-            <a:spLocks noGrp="1"/>
-          </p:cNvSpPr>
-          <p:nvPr>
-            <p:ph type="sldNum" sz="quarter" idx="12"/>
-          </p:nvPr>
-        </p:nvSpPr>
-        <p:spPr/>
-        <p:txBody>
-          <a:bodyPr/>
-          <a:lstStyle/>
-          <a:p>
-            <a:fld id="{6C97E930-14A5-472D-AD2C-D42CAE897216}" type="slidenum">
-              <a:rPr lang="fr-FR" smtClean="0"/>
-              <a:t>17</a:t>
-            </a:fld>
-            <a:endParaRPr lang="fr-FR" dirty="0"/>
+              <a:t>Diagramme de conception technique (MPD)</a:t>
+            </a:r>
           </a:p>
         </p:txBody>
       </p:sp>
       <p:pic>
         <p:nvPicPr>
-          <p:cNvPr id="6" name="Image 5">
-            <a:extLst>
-              <a:ext uri="{FF2B5EF4-FFF2-40B4-BE49-F238E27FC236}">
-                <a16:creationId xmlns:a16="http://schemas.microsoft.com/office/drawing/2014/main" id="{EC48F2A6-65BF-4448-A5C2-A2D4134A96DB}"/>
+          <p:cNvPr id="6" name="Espace réservé du contenu 5">
+            <a:extLst>
+              <a:ext uri="{FF2B5EF4-FFF2-40B4-BE49-F238E27FC236}">
+                <a16:creationId xmlns:a16="http://schemas.microsoft.com/office/drawing/2014/main" id="{07A8CA1C-7B51-409B-BB4B-9BB6DA6AF1CA}"/>
               </a:ext>
             </a:extLst>
           </p:cNvPr>
           <p:cNvPicPr>
-            <a:picLocks noChangeAspect="1"/>
+            <a:picLocks noGrp="1" noChangeAspect="1"/>
           </p:cNvPicPr>
-          <p:nvPr/>
+          <p:nvPr>
+            <p:ph idx="1"/>
+          </p:nvPr>
         </p:nvPicPr>
         <p:blipFill>
-          <a:blip r:embed="rId2"/>
+          <a:blip r:embed="rId2">
+            <a:extLst>
+              <a:ext uri="{28A0092B-C50C-407E-A947-70E740481C1C}">
+                <a14:useLocalDpi xmlns:a14="http://schemas.microsoft.com/office/drawing/2010/main" val="0"/>
+              </a:ext>
+            </a:extLst>
+          </a:blip>
           <a:stretch>
             <a:fillRect/>
           </a:stretch>
         </p:blipFill>
         <p:spPr>
           <a:xfrm>
-            <a:off x="6966859" y="0"/>
-            <a:ext cx="3822700" cy="6667500"/>
+            <a:off x="2231136" y="1404597"/>
+            <a:ext cx="7479792" cy="5384446"/>
           </a:xfrm>
-          <a:prstGeom prst="rect">
-            <a:avLst/>
-          </a:prstGeom>
         </p:spPr>
       </p:pic>
+      <p:sp>
+        <p:nvSpPr>
+          <p:cNvPr id="4" name="Espace réservé du numéro de diapositive 3">
+            <a:extLst>
+              <a:ext uri="{FF2B5EF4-FFF2-40B4-BE49-F238E27FC236}">
+                <a16:creationId xmlns:a16="http://schemas.microsoft.com/office/drawing/2014/main" id="{24C262FB-A42B-4A48-A45F-03D31C6695FD}"/>
+              </a:ext>
+            </a:extLst>
+          </p:cNvPr>
+          <p:cNvSpPr>
+            <a:spLocks noGrp="1"/>
+          </p:cNvSpPr>
+          <p:nvPr>
+            <p:ph type="sldNum" sz="quarter" idx="12"/>
+          </p:nvPr>
+        </p:nvSpPr>
+        <p:spPr/>
+        <p:txBody>
+          <a:bodyPr/>
+          <a:lstStyle/>
+          <a:p>
+            <a:fld id="{6C97E930-14A5-472D-AD2C-D42CAE897216}" type="slidenum">
+              <a:rPr lang="fr-FR" smtClean="0"/>
+              <a:t>17</a:t>
+            </a:fld>
+            <a:endParaRPr lang="fr-FR" dirty="0"/>
+          </a:p>
+        </p:txBody>
+      </p:sp>
     </p:spTree>
     <p:extLst>
       <p:ext uri="{BB962C8B-B14F-4D97-AF65-F5344CB8AC3E}">
-        <p14:creationId xmlns:p14="http://schemas.microsoft.com/office/powerpoint/2010/main" val="3898753044"/>
+        <p14:creationId xmlns:p14="http://schemas.microsoft.com/office/powerpoint/2010/main" val="1610879653"/>
       </p:ext>
     </p:extLst>
   </p:cSld>
@@ -6839,7 +6943,7 @@
           <p:cNvPr id="2" name="Titre 1">
             <a:extLst>
               <a:ext uri="{FF2B5EF4-FFF2-40B4-BE49-F238E27FC236}">
-                <a16:creationId xmlns:a16="http://schemas.microsoft.com/office/drawing/2014/main" id="{21E31D0D-1B8C-4E39-852F-3549B5B84FF7}"/>
+                <a16:creationId xmlns:a16="http://schemas.microsoft.com/office/drawing/2014/main" id="{D862A29C-E707-4B6A-B558-5CA046DE435B}"/>
               </a:ext>
             </a:extLst>
           </p:cNvPr>
@@ -6857,7 +6961,7 @@
           <a:p>
             <a:r>
               <a:rPr lang="fr-FR" dirty="0"/>
-              <a:t>Wireframes (2/4)</a:t>
+              <a:t>Glossaire</a:t>
             </a:r>
           </a:p>
         </p:txBody>
@@ -6867,7 +6971,7 @@
           <p:cNvPr id="3" name="Espace réservé du contenu 2">
             <a:extLst>
               <a:ext uri="{FF2B5EF4-FFF2-40B4-BE49-F238E27FC236}">
-                <a16:creationId xmlns:a16="http://schemas.microsoft.com/office/drawing/2014/main" id="{8199638B-E082-4BCF-A80C-B0496F34AF4B}"/>
+                <a16:creationId xmlns:a16="http://schemas.microsoft.com/office/drawing/2014/main" id="{CBC7D355-1833-4BA7-B7E8-FA2326870CE6}"/>
               </a:ext>
             </a:extLst>
           </p:cNvPr>
@@ -6878,78 +6982,155 @@
             <p:ph idx="1"/>
           </p:nvPr>
         </p:nvSpPr>
-        <p:spPr>
-          <a:xfrm>
-            <a:off x="727788" y="1530220"/>
-            <a:ext cx="4653583" cy="4962655"/>
-          </a:xfrm>
-        </p:spPr>
+        <p:spPr/>
         <p:txBody>
           <a:bodyPr>
-            <a:normAutofit fontScale="40000" lnSpcReduction="20000"/>
+            <a:normAutofit lnSpcReduction="10000"/>
           </a:bodyPr>
           <a:lstStyle/>
           <a:p>
+            <a:r>
+              <a:rPr lang="fr-FR" dirty="0">
+                <a:latin typeface="Roboto" panose="02000000000000000000" pitchFamily="2" charset="0"/>
+                <a:ea typeface="Roboto" panose="02000000000000000000" pitchFamily="2" charset="0"/>
+              </a:rPr>
+              <a:t>Pour s’approprier le langage du domaine (</a:t>
+            </a:r>
+            <a:r>
+              <a:rPr lang="fr-FR" dirty="0" err="1">
+                <a:latin typeface="Roboto" panose="02000000000000000000" pitchFamily="2" charset="0"/>
+                <a:ea typeface="Roboto" panose="02000000000000000000" pitchFamily="2" charset="0"/>
+              </a:rPr>
+              <a:t>ubiquitous</a:t>
+            </a:r>
+            <a:r>
+              <a:rPr lang="fr-FR" dirty="0">
+                <a:latin typeface="Roboto" panose="02000000000000000000" pitchFamily="2" charset="0"/>
+                <a:ea typeface="Roboto" panose="02000000000000000000" pitchFamily="2" charset="0"/>
+              </a:rPr>
+              <a:t> </a:t>
+            </a:r>
+            <a:r>
+              <a:rPr lang="fr-FR" dirty="0" err="1">
+                <a:latin typeface="Roboto" panose="02000000000000000000" pitchFamily="2" charset="0"/>
+                <a:ea typeface="Roboto" panose="02000000000000000000" pitchFamily="2" charset="0"/>
+              </a:rPr>
+              <a:t>language</a:t>
+            </a:r>
+            <a:r>
+              <a:rPr lang="fr-FR" dirty="0">
+                <a:latin typeface="Roboto" panose="02000000000000000000" pitchFamily="2" charset="0"/>
+                <a:ea typeface="Roboto" panose="02000000000000000000" pitchFamily="2" charset="0"/>
+              </a:rPr>
+              <a:t> = langage omniprésent) et avoir la même signification des principaux termes pour tous.</a:t>
+            </a:r>
+          </a:p>
+          <a:p>
+            <a:pPr>
+              <a:lnSpc>
+                <a:spcPct val="115000"/>
+              </a:lnSpc>
+              <a:spcAft>
+                <a:spcPts val="300"/>
+              </a:spcAft>
+              <a:tabLst>
+                <a:tab pos="900430" algn="l"/>
+              </a:tabLst>
+            </a:pPr>
+            <a:r>
+              <a:rPr lang="fr-FR" sz="2800" b="1" dirty="0">
+                <a:effectLst/>
+                <a:latin typeface="Roboto" panose="02000000000000000000" pitchFamily="2" charset="0"/>
+                <a:ea typeface="Roboto" panose="02000000000000000000" pitchFamily="2" charset="0"/>
+                <a:cs typeface="Roboto" panose="02000000000000000000" pitchFamily="2" charset="0"/>
+              </a:rPr>
+              <a:t>Inscrit : </a:t>
+            </a:r>
+            <a:r>
+              <a:rPr lang="fr-FR" sz="2800" dirty="0">
+                <a:effectLst/>
+                <a:latin typeface="Roboto" panose="02000000000000000000" pitchFamily="2" charset="0"/>
+                <a:ea typeface="Roboto" panose="02000000000000000000" pitchFamily="2" charset="0"/>
+                <a:cs typeface="Roboto" panose="02000000000000000000" pitchFamily="2" charset="0"/>
+              </a:rPr>
+              <a:t>personne de l’entreprise qui s’est inscrite avec un rôle</a:t>
+            </a:r>
+          </a:p>
+          <a:p>
             <a:pPr marL="0" indent="0">
-              <a:buNone/>
+              <a:lnSpc>
+                <a:spcPct val="115000"/>
+              </a:lnSpc>
             </a:pPr>
             <a:r>
-              <a:rPr lang="fr-FR" sz="6000" b="1" dirty="0"/>
-              <a:t>Gérer les utilisateurs</a:t>
-            </a:r>
-          </a:p>
-          <a:p>
-            <a:pPr marL="0" indent="0">
-              <a:buNone/>
+              <a:rPr lang="fr-FR" sz="2800" b="1" dirty="0">
+                <a:effectLst/>
+                <a:latin typeface="Roboto" panose="02000000000000000000" pitchFamily="2" charset="0"/>
+                <a:ea typeface="Roboto" panose="02000000000000000000" pitchFamily="2" charset="0"/>
+                <a:cs typeface="Roboto" panose="02000000000000000000" pitchFamily="2" charset="0"/>
+              </a:rPr>
+              <a:t> S’inscrire :</a:t>
+            </a:r>
+            <a:r>
+              <a:rPr lang="fr-FR" b="1" dirty="0">
+                <a:latin typeface="Roboto" panose="02000000000000000000" pitchFamily="2" charset="0"/>
+                <a:ea typeface="Roboto" panose="02000000000000000000" pitchFamily="2" charset="0"/>
+                <a:cs typeface="Roboto" panose="02000000000000000000" pitchFamily="2" charset="0"/>
+              </a:rPr>
+              <a:t> </a:t>
+            </a:r>
+            <a:r>
+              <a:rPr lang="fr-FR" sz="2800" dirty="0">
+                <a:effectLst/>
+                <a:latin typeface="Roboto" panose="02000000000000000000" pitchFamily="2" charset="0"/>
+                <a:ea typeface="Roboto" panose="02000000000000000000" pitchFamily="2" charset="0"/>
+                <a:cs typeface="Roboto" panose="02000000000000000000" pitchFamily="2" charset="0"/>
+              </a:rPr>
+              <a:t>le salarié enregistre, valide ses identifiants et doit choisir un rôle (Mentor, Mentoré ou Admin).</a:t>
+            </a:r>
+          </a:p>
+          <a:p>
+            <a:pPr>
+              <a:lnSpc>
+                <a:spcPct val="115000"/>
+              </a:lnSpc>
+              <a:spcAft>
+                <a:spcPts val="300"/>
+              </a:spcAft>
             </a:pPr>
-            <a:endParaRPr lang="fr-FR" sz="6000" b="1" dirty="0"/>
-          </a:p>
-          <a:p>
-            <a:pPr marL="0" indent="0">
-              <a:buNone/>
-            </a:pPr>
-            <a:r>
-              <a:rPr lang="fr-FR" sz="6000" dirty="0"/>
-              <a:t>A gauche : inscrit sans rôle  d’admin</a:t>
-            </a:r>
-          </a:p>
-          <a:p>
-            <a:pPr marL="0" indent="0">
-              <a:buNone/>
-            </a:pPr>
-            <a:r>
-              <a:rPr lang="fr-FR" sz="6000" dirty="0"/>
-              <a:t>A droite : inscrit avec un rôle admin</a:t>
-            </a:r>
-          </a:p>
-          <a:p>
-            <a:pPr marL="0" indent="0">
-              <a:buNone/>
-            </a:pPr>
-            <a:r>
-              <a:rPr lang="fr-FR" sz="6000" dirty="0"/>
-              <a:t>Les onglets et les boutons ne sont affichés que selon les droits définis dans chaque rôle : par exemple un administrateur sans autre rôle n’aura d’affiché que les onglets « Modifier » et « Admin ».</a:t>
-            </a:r>
-          </a:p>
-          <a:p>
-            <a:pPr marL="0" indent="0">
-              <a:buNone/>
-            </a:pPr>
-            <a:r>
-              <a:rPr lang="fr-FR" sz="6000" dirty="0"/>
-              <a:t>Le comptable n’aura que l’onglet admin et le bouton « Consulter les sessions »</a:t>
-            </a:r>
-          </a:p>
-          <a:p>
-            <a:pPr marL="0" indent="0">
-              <a:buNone/>
-            </a:pPr>
-            <a:endParaRPr lang="fr-FR" sz="6000" dirty="0"/>
-          </a:p>
-          <a:p>
-            <a:pPr marL="0" indent="0">
-              <a:buNone/>
-            </a:pPr>
+            <a:r>
+              <a:rPr lang="fr-FR" dirty="0"/>
+              <a:t> </a:t>
+            </a:r>
+            <a:r>
+              <a:rPr lang="fr-FR" sz="2800" b="1" dirty="0" err="1">
+                <a:effectLst/>
+                <a:latin typeface="Roboto" panose="02000000000000000000" pitchFamily="2" charset="0"/>
+                <a:ea typeface="Roboto" panose="02000000000000000000" pitchFamily="2" charset="0"/>
+                <a:cs typeface="Roboto" panose="02000000000000000000" pitchFamily="2" charset="0"/>
+              </a:rPr>
+              <a:t>Role</a:t>
+            </a:r>
+            <a:r>
+              <a:rPr lang="fr-FR" sz="2800" b="1" dirty="0">
+                <a:effectLst/>
+                <a:latin typeface="Roboto" panose="02000000000000000000" pitchFamily="2" charset="0"/>
+                <a:ea typeface="Roboto" panose="02000000000000000000" pitchFamily="2" charset="0"/>
+                <a:cs typeface="Roboto" panose="02000000000000000000" pitchFamily="2" charset="0"/>
+              </a:rPr>
+              <a:t> : </a:t>
+            </a:r>
+            <a:r>
+              <a:rPr lang="fr-FR" sz="2800" dirty="0">
+                <a:effectLst/>
+                <a:latin typeface="Roboto" panose="02000000000000000000" pitchFamily="2" charset="0"/>
+                <a:ea typeface="Roboto" panose="02000000000000000000" pitchFamily="2" charset="0"/>
+                <a:cs typeface="Roboto" panose="02000000000000000000" pitchFamily="2" charset="0"/>
+              </a:rPr>
+              <a:t>entité des rôles : toutes combinaisons avec au moins un des trois et au maximum trois rôles (Mentor, Mentoré, Admin/Comptable).</a:t>
+            </a:r>
+          </a:p>
+          <a:p>
             <a:endParaRPr lang="fr-FR" dirty="0"/>
           </a:p>
         </p:txBody>
@@ -6959,7 +7140,7 @@
           <p:cNvPr id="4" name="Espace réservé du numéro de diapositive 3">
             <a:extLst>
               <a:ext uri="{FF2B5EF4-FFF2-40B4-BE49-F238E27FC236}">
-                <a16:creationId xmlns:a16="http://schemas.microsoft.com/office/drawing/2014/main" id="{DEAA08C5-EED3-4EFD-9808-CD3F0B1C71B8}"/>
+                <a16:creationId xmlns:a16="http://schemas.microsoft.com/office/drawing/2014/main" id="{BE6FBE1D-E9EA-4F8A-882B-4F7CEC399C9D}"/>
               </a:ext>
             </a:extLst>
           </p:cNvPr>
@@ -6983,40 +7164,10 @@
           </a:p>
         </p:txBody>
       </p:sp>
-      <p:pic>
-        <p:nvPicPr>
-          <p:cNvPr id="5" name="Image 4">
-            <a:extLst>
-              <a:ext uri="{FF2B5EF4-FFF2-40B4-BE49-F238E27FC236}">
-                <a16:creationId xmlns:a16="http://schemas.microsoft.com/office/drawing/2014/main" id="{CCB67107-9EE0-44F6-988E-6D628DDA278E}"/>
-              </a:ext>
-            </a:extLst>
-          </p:cNvPr>
-          <p:cNvPicPr>
-            <a:picLocks noChangeAspect="1"/>
-          </p:cNvPicPr>
-          <p:nvPr/>
-        </p:nvPicPr>
-        <p:blipFill>
-          <a:blip r:embed="rId2"/>
-          <a:stretch>
-            <a:fillRect/>
-          </a:stretch>
-        </p:blipFill>
-        <p:spPr>
-          <a:xfrm>
-            <a:off x="5381371" y="735807"/>
-            <a:ext cx="6299835" cy="5530850"/>
-          </a:xfrm>
-          <a:prstGeom prst="rect">
-            <a:avLst/>
-          </a:prstGeom>
-        </p:spPr>
-      </p:pic>
     </p:spTree>
     <p:extLst>
       <p:ext uri="{BB962C8B-B14F-4D97-AF65-F5344CB8AC3E}">
-        <p14:creationId xmlns:p14="http://schemas.microsoft.com/office/powerpoint/2010/main" val="12701885"/>
+        <p14:creationId xmlns:p14="http://schemas.microsoft.com/office/powerpoint/2010/main" val="57337304"/>
       </p:ext>
     </p:extLst>
   </p:cSld>
@@ -7048,7 +7199,7 @@
           <p:cNvPr id="2" name="Titre 1">
             <a:extLst>
               <a:ext uri="{FF2B5EF4-FFF2-40B4-BE49-F238E27FC236}">
-                <a16:creationId xmlns:a16="http://schemas.microsoft.com/office/drawing/2014/main" id="{21E31D0D-1B8C-4E39-852F-3549B5B84FF7}"/>
+                <a16:creationId xmlns:a16="http://schemas.microsoft.com/office/drawing/2014/main" id="{34BDA870-3C37-46C3-BCA5-DD49AACD7179}"/>
               </a:ext>
             </a:extLst>
           </p:cNvPr>
@@ -7066,7 +7217,7 @@
           <a:p>
             <a:r>
               <a:rPr lang="fr-FR" dirty="0"/>
-              <a:t>Wireframes (3/4)</a:t>
+              <a:t>Spécifications techniques</a:t>
             </a:r>
           </a:p>
         </p:txBody>
@@ -7076,7 +7227,7 @@
           <p:cNvPr id="3" name="Espace réservé du contenu 2">
             <a:extLst>
               <a:ext uri="{FF2B5EF4-FFF2-40B4-BE49-F238E27FC236}">
-                <a16:creationId xmlns:a16="http://schemas.microsoft.com/office/drawing/2014/main" id="{8199638B-E082-4BCF-A80C-B0496F34AF4B}"/>
+                <a16:creationId xmlns:a16="http://schemas.microsoft.com/office/drawing/2014/main" id="{BEB39A2C-473D-42C3-ABD2-D2B88A79CA38}"/>
               </a:ext>
             </a:extLst>
           </p:cNvPr>
@@ -7087,51 +7238,32 @@
             <p:ph idx="1"/>
           </p:nvPr>
         </p:nvSpPr>
-        <p:spPr>
-          <a:xfrm>
-            <a:off x="838200" y="1825625"/>
-            <a:ext cx="6122437" cy="4351338"/>
-          </a:xfrm>
-        </p:spPr>
-        <p:txBody>
-          <a:bodyPr>
-            <a:normAutofit fontScale="92500" lnSpcReduction="10000"/>
-          </a:bodyPr>
-          <a:lstStyle/>
-          <a:p>
-            <a:pPr marL="0" indent="0">
-              <a:buNone/>
-            </a:pPr>
-            <a:r>
-              <a:rPr lang="fr-FR" b="1" dirty="0"/>
-              <a:t>Gérer un contrat</a:t>
-            </a:r>
-          </a:p>
-          <a:p>
-            <a:pPr marL="0" indent="0">
-              <a:buNone/>
-            </a:pPr>
+        <p:spPr/>
+        <p:txBody>
+          <a:bodyPr/>
+          <a:lstStyle/>
+          <a:p>
             <a:r>
               <a:rPr lang="fr-FR" dirty="0"/>
-              <a:t>Les listes déroulantes « Contrats à remplir » et « Contrats à signer » ne seront affichés que s’il y a lieu de compléter ou signer un contrat.</a:t>
-            </a:r>
-          </a:p>
-          <a:p>
-            <a:pPr marL="0" indent="0">
-              <a:buNone/>
-            </a:pPr>
+              <a:t>Un langage de programmation orienté objet permet l’abstraction des entités et tables d’association en objets.</a:t>
+            </a:r>
+          </a:p>
+          <a:p>
             <a:r>
               <a:rPr lang="fr-FR" dirty="0"/>
-              <a:t>Le fait de choisir de remplir ou de signer un contrat affiche un formulaire proposant le cas d’usage de refuser le contrat.</a:t>
-            </a:r>
-          </a:p>
-          <a:p>
-            <a:pPr marL="0" indent="0">
-              <a:buNone/>
-            </a:pPr>
+              <a:t>Chaque objet porte ses propres propriétés et ses propres opérations</a:t>
+            </a:r>
+          </a:p>
+          <a:p>
             <a:r>
               <a:rPr lang="fr-FR" dirty="0"/>
-              <a:t>Choisir un contrat en cours affiche un formulaire proposant les cas d’usage de demande de suspension ou d’annulation.</a:t>
+              <a:t> Ce qui permet une programmation factorisée et selon un modèle (MVC).</a:t>
+            </a:r>
+          </a:p>
+          <a:p>
+            <a:r>
+              <a:rPr lang="fr-FR" dirty="0"/>
+              <a:t>De plus l’utilisation d’un Framework (Spring) permet de simplifier la définition et la construction de l’infrastructure de l’application dont les ORM, les web services et les API.</a:t>
             </a:r>
           </a:p>
         </p:txBody>
@@ -7141,7 +7273,7 @@
           <p:cNvPr id="4" name="Espace réservé du numéro de diapositive 3">
             <a:extLst>
               <a:ext uri="{FF2B5EF4-FFF2-40B4-BE49-F238E27FC236}">
-                <a16:creationId xmlns:a16="http://schemas.microsoft.com/office/drawing/2014/main" id="{DEAA08C5-EED3-4EFD-9808-CD3F0B1C71B8}"/>
+                <a16:creationId xmlns:a16="http://schemas.microsoft.com/office/drawing/2014/main" id="{77E1248B-D19D-47BB-9442-3B03717D81D6}"/>
               </a:ext>
             </a:extLst>
           </p:cNvPr>
@@ -7165,40 +7297,10 @@
           </a:p>
         </p:txBody>
       </p:sp>
-      <p:pic>
-        <p:nvPicPr>
-          <p:cNvPr id="6" name="Image 5">
-            <a:extLst>
-              <a:ext uri="{FF2B5EF4-FFF2-40B4-BE49-F238E27FC236}">
-                <a16:creationId xmlns:a16="http://schemas.microsoft.com/office/drawing/2014/main" id="{596E9D5A-BD91-43A8-92A6-7811118B06B4}"/>
-              </a:ext>
-            </a:extLst>
-          </p:cNvPr>
-          <p:cNvPicPr>
-            <a:picLocks noChangeAspect="1"/>
-          </p:cNvPicPr>
-          <p:nvPr/>
-        </p:nvPicPr>
-        <p:blipFill>
-          <a:blip r:embed="rId2"/>
-          <a:stretch>
-            <a:fillRect/>
-          </a:stretch>
-        </p:blipFill>
-        <p:spPr>
-          <a:xfrm>
-            <a:off x="7046906" y="0"/>
-            <a:ext cx="3920490" cy="6838950"/>
-          </a:xfrm>
-          <a:prstGeom prst="rect">
-            <a:avLst/>
-          </a:prstGeom>
-        </p:spPr>
-      </p:pic>
     </p:spTree>
     <p:extLst>
       <p:ext uri="{BB962C8B-B14F-4D97-AF65-F5344CB8AC3E}">
-        <p14:creationId xmlns:p14="http://schemas.microsoft.com/office/powerpoint/2010/main" val="3484842030"/>
+        <p14:creationId xmlns:p14="http://schemas.microsoft.com/office/powerpoint/2010/main" val="1468148949"/>
       </p:ext>
     </p:extLst>
   </p:cSld>
@@ -7379,6 +7481,561 @@
           <a:p>
             <a:r>
               <a:rPr lang="fr-FR" dirty="0"/>
+              <a:t>Wireframes (1/4)</a:t>
+            </a:r>
+          </a:p>
+        </p:txBody>
+      </p:sp>
+      <p:sp>
+        <p:nvSpPr>
+          <p:cNvPr id="3" name="Espace réservé du contenu 2">
+            <a:extLst>
+              <a:ext uri="{FF2B5EF4-FFF2-40B4-BE49-F238E27FC236}">
+                <a16:creationId xmlns:a16="http://schemas.microsoft.com/office/drawing/2014/main" id="{8199638B-E082-4BCF-A80C-B0496F34AF4B}"/>
+              </a:ext>
+            </a:extLst>
+          </p:cNvPr>
+          <p:cNvSpPr>
+            <a:spLocks noGrp="1"/>
+          </p:cNvSpPr>
+          <p:nvPr>
+            <p:ph idx="1"/>
+          </p:nvPr>
+        </p:nvSpPr>
+        <p:spPr>
+          <a:xfrm>
+            <a:off x="838200" y="1825625"/>
+            <a:ext cx="4386943" cy="4351338"/>
+          </a:xfrm>
+        </p:spPr>
+        <p:txBody>
+          <a:bodyPr>
+            <a:normAutofit/>
+          </a:bodyPr>
+          <a:lstStyle/>
+          <a:p>
+            <a:pPr marL="0" indent="0">
+              <a:buNone/>
+            </a:pPr>
+            <a:r>
+              <a:rPr lang="fr-FR" sz="2600" b="1" dirty="0"/>
+              <a:t>S'authentifier</a:t>
+            </a:r>
+          </a:p>
+          <a:p>
+            <a:pPr marL="0" indent="0">
+              <a:buNone/>
+            </a:pPr>
+            <a:endParaRPr lang="fr-FR" dirty="0"/>
+          </a:p>
+          <a:p>
+            <a:endParaRPr lang="fr-FR" dirty="0"/>
+          </a:p>
+        </p:txBody>
+      </p:sp>
+      <p:sp>
+        <p:nvSpPr>
+          <p:cNvPr id="4" name="Espace réservé du numéro de diapositive 3">
+            <a:extLst>
+              <a:ext uri="{FF2B5EF4-FFF2-40B4-BE49-F238E27FC236}">
+                <a16:creationId xmlns:a16="http://schemas.microsoft.com/office/drawing/2014/main" id="{DEAA08C5-EED3-4EFD-9808-CD3F0B1C71B8}"/>
+              </a:ext>
+            </a:extLst>
+          </p:cNvPr>
+          <p:cNvSpPr>
+            <a:spLocks noGrp="1"/>
+          </p:cNvSpPr>
+          <p:nvPr>
+            <p:ph type="sldNum" sz="quarter" idx="12"/>
+          </p:nvPr>
+        </p:nvSpPr>
+        <p:spPr/>
+        <p:txBody>
+          <a:bodyPr/>
+          <a:lstStyle/>
+          <a:p>
+            <a:fld id="{6C97E930-14A5-472D-AD2C-D42CAE897216}" type="slidenum">
+              <a:rPr lang="fr-FR" smtClean="0"/>
+              <a:t>20</a:t>
+            </a:fld>
+            <a:endParaRPr lang="fr-FR" dirty="0"/>
+          </a:p>
+        </p:txBody>
+      </p:sp>
+      <p:pic>
+        <p:nvPicPr>
+          <p:cNvPr id="6" name="Image 5">
+            <a:extLst>
+              <a:ext uri="{FF2B5EF4-FFF2-40B4-BE49-F238E27FC236}">
+                <a16:creationId xmlns:a16="http://schemas.microsoft.com/office/drawing/2014/main" id="{EC48F2A6-65BF-4448-A5C2-A2D4134A96DB}"/>
+              </a:ext>
+            </a:extLst>
+          </p:cNvPr>
+          <p:cNvPicPr>
+            <a:picLocks noChangeAspect="1"/>
+          </p:cNvPicPr>
+          <p:nvPr/>
+        </p:nvPicPr>
+        <p:blipFill>
+          <a:blip r:embed="rId2"/>
+          <a:stretch>
+            <a:fillRect/>
+          </a:stretch>
+        </p:blipFill>
+        <p:spPr>
+          <a:xfrm>
+            <a:off x="6966859" y="0"/>
+            <a:ext cx="3822700" cy="6667500"/>
+          </a:xfrm>
+          <a:prstGeom prst="rect">
+            <a:avLst/>
+          </a:prstGeom>
+        </p:spPr>
+      </p:pic>
+    </p:spTree>
+    <p:extLst>
+      <p:ext uri="{BB962C8B-B14F-4D97-AF65-F5344CB8AC3E}">
+        <p14:creationId xmlns:p14="http://schemas.microsoft.com/office/powerpoint/2010/main" val="3898753044"/>
+      </p:ext>
+    </p:extLst>
+  </p:cSld>
+  <p:clrMapOvr>
+    <a:masterClrMapping/>
+  </p:clrMapOvr>
+</p:sld>
+</file>
+
+<file path=ppt/slides/slide21.xml><?xml version="1.0" encoding="utf-8"?>
+<p:sld xmlns:a="http://schemas.openxmlformats.org/drawingml/2006/main" xmlns:r="http://schemas.openxmlformats.org/officeDocument/2006/relationships" xmlns:p="http://schemas.openxmlformats.org/presentationml/2006/main">
+  <p:cSld>
+    <p:spTree>
+      <p:nvGrpSpPr>
+        <p:cNvPr id="1" name=""/>
+        <p:cNvGrpSpPr/>
+        <p:nvPr/>
+      </p:nvGrpSpPr>
+      <p:grpSpPr>
+        <a:xfrm>
+          <a:off x="0" y="0"/>
+          <a:ext cx="0" cy="0"/>
+          <a:chOff x="0" y="0"/>
+          <a:chExt cx="0" cy="0"/>
+        </a:xfrm>
+      </p:grpSpPr>
+      <p:sp>
+        <p:nvSpPr>
+          <p:cNvPr id="2" name="Titre 1">
+            <a:extLst>
+              <a:ext uri="{FF2B5EF4-FFF2-40B4-BE49-F238E27FC236}">
+                <a16:creationId xmlns:a16="http://schemas.microsoft.com/office/drawing/2014/main" id="{21E31D0D-1B8C-4E39-852F-3549B5B84FF7}"/>
+              </a:ext>
+            </a:extLst>
+          </p:cNvPr>
+          <p:cNvSpPr>
+            <a:spLocks noGrp="1"/>
+          </p:cNvSpPr>
+          <p:nvPr>
+            <p:ph type="title"/>
+          </p:nvPr>
+        </p:nvSpPr>
+        <p:spPr/>
+        <p:txBody>
+          <a:bodyPr/>
+          <a:lstStyle/>
+          <a:p>
+            <a:r>
+              <a:rPr lang="fr-FR" dirty="0"/>
+              <a:t>Wireframes (2/4)</a:t>
+            </a:r>
+          </a:p>
+        </p:txBody>
+      </p:sp>
+      <p:sp>
+        <p:nvSpPr>
+          <p:cNvPr id="3" name="Espace réservé du contenu 2">
+            <a:extLst>
+              <a:ext uri="{FF2B5EF4-FFF2-40B4-BE49-F238E27FC236}">
+                <a16:creationId xmlns:a16="http://schemas.microsoft.com/office/drawing/2014/main" id="{8199638B-E082-4BCF-A80C-B0496F34AF4B}"/>
+              </a:ext>
+            </a:extLst>
+          </p:cNvPr>
+          <p:cNvSpPr>
+            <a:spLocks noGrp="1"/>
+          </p:cNvSpPr>
+          <p:nvPr>
+            <p:ph idx="1"/>
+          </p:nvPr>
+        </p:nvSpPr>
+        <p:spPr>
+          <a:xfrm>
+            <a:off x="727788" y="1530220"/>
+            <a:ext cx="4653583" cy="4962655"/>
+          </a:xfrm>
+        </p:spPr>
+        <p:txBody>
+          <a:bodyPr>
+            <a:normAutofit fontScale="40000" lnSpcReduction="20000"/>
+          </a:bodyPr>
+          <a:lstStyle/>
+          <a:p>
+            <a:pPr marL="0" indent="0">
+              <a:buNone/>
+            </a:pPr>
+            <a:r>
+              <a:rPr lang="fr-FR" sz="6000" b="1" dirty="0"/>
+              <a:t>Gérer les utilisateurs</a:t>
+            </a:r>
+          </a:p>
+          <a:p>
+            <a:pPr marL="0" indent="0">
+              <a:buNone/>
+            </a:pPr>
+            <a:endParaRPr lang="fr-FR" sz="6000" b="1" dirty="0"/>
+          </a:p>
+          <a:p>
+            <a:pPr marL="0" indent="0">
+              <a:buNone/>
+            </a:pPr>
+            <a:r>
+              <a:rPr lang="fr-FR" sz="6000" dirty="0"/>
+              <a:t>A gauche : inscrit sans rôle  d’admin</a:t>
+            </a:r>
+          </a:p>
+          <a:p>
+            <a:pPr marL="0" indent="0">
+              <a:buNone/>
+            </a:pPr>
+            <a:r>
+              <a:rPr lang="fr-FR" sz="6000" dirty="0"/>
+              <a:t>A droite : inscrit avec un rôle admin</a:t>
+            </a:r>
+          </a:p>
+          <a:p>
+            <a:pPr marL="0" indent="0">
+              <a:buNone/>
+            </a:pPr>
+            <a:r>
+              <a:rPr lang="fr-FR" sz="6000" dirty="0"/>
+              <a:t>Les onglets et les boutons ne sont affichés que selon les droits définis dans chaque rôle : par exemple un administrateur sans autre rôle n’aura d’affiché que les onglets « Modifier » et « Admin ».</a:t>
+            </a:r>
+          </a:p>
+          <a:p>
+            <a:pPr marL="0" indent="0">
+              <a:buNone/>
+            </a:pPr>
+            <a:r>
+              <a:rPr lang="fr-FR" sz="6000" dirty="0"/>
+              <a:t>Le comptable n’aura que l’onglet admin et le bouton « Consulter les sessions »</a:t>
+            </a:r>
+          </a:p>
+          <a:p>
+            <a:pPr marL="0" indent="0">
+              <a:buNone/>
+            </a:pPr>
+            <a:endParaRPr lang="fr-FR" sz="6000" dirty="0"/>
+          </a:p>
+          <a:p>
+            <a:pPr marL="0" indent="0">
+              <a:buNone/>
+            </a:pPr>
+            <a:endParaRPr lang="fr-FR" dirty="0"/>
+          </a:p>
+        </p:txBody>
+      </p:sp>
+      <p:sp>
+        <p:nvSpPr>
+          <p:cNvPr id="4" name="Espace réservé du numéro de diapositive 3">
+            <a:extLst>
+              <a:ext uri="{FF2B5EF4-FFF2-40B4-BE49-F238E27FC236}">
+                <a16:creationId xmlns:a16="http://schemas.microsoft.com/office/drawing/2014/main" id="{DEAA08C5-EED3-4EFD-9808-CD3F0B1C71B8}"/>
+              </a:ext>
+            </a:extLst>
+          </p:cNvPr>
+          <p:cNvSpPr>
+            <a:spLocks noGrp="1"/>
+          </p:cNvSpPr>
+          <p:nvPr>
+            <p:ph type="sldNum" sz="quarter" idx="12"/>
+          </p:nvPr>
+        </p:nvSpPr>
+        <p:spPr/>
+        <p:txBody>
+          <a:bodyPr/>
+          <a:lstStyle/>
+          <a:p>
+            <a:fld id="{6C97E930-14A5-472D-AD2C-D42CAE897216}" type="slidenum">
+              <a:rPr lang="fr-FR" smtClean="0"/>
+              <a:t>21</a:t>
+            </a:fld>
+            <a:endParaRPr lang="fr-FR" dirty="0"/>
+          </a:p>
+        </p:txBody>
+      </p:sp>
+      <p:pic>
+        <p:nvPicPr>
+          <p:cNvPr id="5" name="Image 4">
+            <a:extLst>
+              <a:ext uri="{FF2B5EF4-FFF2-40B4-BE49-F238E27FC236}">
+                <a16:creationId xmlns:a16="http://schemas.microsoft.com/office/drawing/2014/main" id="{CCB67107-9EE0-44F6-988E-6D628DDA278E}"/>
+              </a:ext>
+            </a:extLst>
+          </p:cNvPr>
+          <p:cNvPicPr>
+            <a:picLocks noChangeAspect="1"/>
+          </p:cNvPicPr>
+          <p:nvPr/>
+        </p:nvPicPr>
+        <p:blipFill>
+          <a:blip r:embed="rId2"/>
+          <a:stretch>
+            <a:fillRect/>
+          </a:stretch>
+        </p:blipFill>
+        <p:spPr>
+          <a:xfrm>
+            <a:off x="5381371" y="735807"/>
+            <a:ext cx="6299835" cy="5530850"/>
+          </a:xfrm>
+          <a:prstGeom prst="rect">
+            <a:avLst/>
+          </a:prstGeom>
+        </p:spPr>
+      </p:pic>
+    </p:spTree>
+    <p:extLst>
+      <p:ext uri="{BB962C8B-B14F-4D97-AF65-F5344CB8AC3E}">
+        <p14:creationId xmlns:p14="http://schemas.microsoft.com/office/powerpoint/2010/main" val="12701885"/>
+      </p:ext>
+    </p:extLst>
+  </p:cSld>
+  <p:clrMapOvr>
+    <a:masterClrMapping/>
+  </p:clrMapOvr>
+</p:sld>
+</file>
+
+<file path=ppt/slides/slide22.xml><?xml version="1.0" encoding="utf-8"?>
+<p:sld xmlns:a="http://schemas.openxmlformats.org/drawingml/2006/main" xmlns:r="http://schemas.openxmlformats.org/officeDocument/2006/relationships" xmlns:p="http://schemas.openxmlformats.org/presentationml/2006/main">
+  <p:cSld>
+    <p:spTree>
+      <p:nvGrpSpPr>
+        <p:cNvPr id="1" name=""/>
+        <p:cNvGrpSpPr/>
+        <p:nvPr/>
+      </p:nvGrpSpPr>
+      <p:grpSpPr>
+        <a:xfrm>
+          <a:off x="0" y="0"/>
+          <a:ext cx="0" cy="0"/>
+          <a:chOff x="0" y="0"/>
+          <a:chExt cx="0" cy="0"/>
+        </a:xfrm>
+      </p:grpSpPr>
+      <p:sp>
+        <p:nvSpPr>
+          <p:cNvPr id="2" name="Titre 1">
+            <a:extLst>
+              <a:ext uri="{FF2B5EF4-FFF2-40B4-BE49-F238E27FC236}">
+                <a16:creationId xmlns:a16="http://schemas.microsoft.com/office/drawing/2014/main" id="{21E31D0D-1B8C-4E39-852F-3549B5B84FF7}"/>
+              </a:ext>
+            </a:extLst>
+          </p:cNvPr>
+          <p:cNvSpPr>
+            <a:spLocks noGrp="1"/>
+          </p:cNvSpPr>
+          <p:nvPr>
+            <p:ph type="title"/>
+          </p:nvPr>
+        </p:nvSpPr>
+        <p:spPr/>
+        <p:txBody>
+          <a:bodyPr/>
+          <a:lstStyle/>
+          <a:p>
+            <a:r>
+              <a:rPr lang="fr-FR" dirty="0"/>
+              <a:t>Wireframes (3/4)</a:t>
+            </a:r>
+          </a:p>
+        </p:txBody>
+      </p:sp>
+      <p:sp>
+        <p:nvSpPr>
+          <p:cNvPr id="3" name="Espace réservé du contenu 2">
+            <a:extLst>
+              <a:ext uri="{FF2B5EF4-FFF2-40B4-BE49-F238E27FC236}">
+                <a16:creationId xmlns:a16="http://schemas.microsoft.com/office/drawing/2014/main" id="{8199638B-E082-4BCF-A80C-B0496F34AF4B}"/>
+              </a:ext>
+            </a:extLst>
+          </p:cNvPr>
+          <p:cNvSpPr>
+            <a:spLocks noGrp="1"/>
+          </p:cNvSpPr>
+          <p:nvPr>
+            <p:ph idx="1"/>
+          </p:nvPr>
+        </p:nvSpPr>
+        <p:spPr>
+          <a:xfrm>
+            <a:off x="838200" y="1825625"/>
+            <a:ext cx="6122437" cy="4351338"/>
+          </a:xfrm>
+        </p:spPr>
+        <p:txBody>
+          <a:bodyPr>
+            <a:normAutofit fontScale="92500" lnSpcReduction="10000"/>
+          </a:bodyPr>
+          <a:lstStyle/>
+          <a:p>
+            <a:pPr marL="0" indent="0">
+              <a:buNone/>
+            </a:pPr>
+            <a:r>
+              <a:rPr lang="fr-FR" b="1" dirty="0"/>
+              <a:t>Gérer un contrat</a:t>
+            </a:r>
+          </a:p>
+          <a:p>
+            <a:pPr marL="0" indent="0">
+              <a:buNone/>
+            </a:pPr>
+            <a:r>
+              <a:rPr lang="fr-FR" dirty="0"/>
+              <a:t>Les listes déroulantes « Contrats à remplir » et « Contrats à signer » ne seront affichés que s’il y a lieu de compléter ou signer un contrat.</a:t>
+            </a:r>
+          </a:p>
+          <a:p>
+            <a:pPr marL="0" indent="0">
+              <a:buNone/>
+            </a:pPr>
+            <a:r>
+              <a:rPr lang="fr-FR" dirty="0"/>
+              <a:t>Le fait de choisir de remplir ou de signer un contrat affiche un formulaire proposant le cas d’usage de refuser le contrat.</a:t>
+            </a:r>
+          </a:p>
+          <a:p>
+            <a:pPr marL="0" indent="0">
+              <a:buNone/>
+            </a:pPr>
+            <a:r>
+              <a:rPr lang="fr-FR" dirty="0"/>
+              <a:t>Choisir un contrat en cours affiche un formulaire proposant les cas d’usage de demande de suspension ou d’annulation.</a:t>
+            </a:r>
+          </a:p>
+        </p:txBody>
+      </p:sp>
+      <p:sp>
+        <p:nvSpPr>
+          <p:cNvPr id="4" name="Espace réservé du numéro de diapositive 3">
+            <a:extLst>
+              <a:ext uri="{FF2B5EF4-FFF2-40B4-BE49-F238E27FC236}">
+                <a16:creationId xmlns:a16="http://schemas.microsoft.com/office/drawing/2014/main" id="{DEAA08C5-EED3-4EFD-9808-CD3F0B1C71B8}"/>
+              </a:ext>
+            </a:extLst>
+          </p:cNvPr>
+          <p:cNvSpPr>
+            <a:spLocks noGrp="1"/>
+          </p:cNvSpPr>
+          <p:nvPr>
+            <p:ph type="sldNum" sz="quarter" idx="12"/>
+          </p:nvPr>
+        </p:nvSpPr>
+        <p:spPr/>
+        <p:txBody>
+          <a:bodyPr/>
+          <a:lstStyle/>
+          <a:p>
+            <a:fld id="{6C97E930-14A5-472D-AD2C-D42CAE897216}" type="slidenum">
+              <a:rPr lang="fr-FR" smtClean="0"/>
+              <a:t>22</a:t>
+            </a:fld>
+            <a:endParaRPr lang="fr-FR" dirty="0"/>
+          </a:p>
+        </p:txBody>
+      </p:sp>
+      <p:pic>
+        <p:nvPicPr>
+          <p:cNvPr id="6" name="Image 5">
+            <a:extLst>
+              <a:ext uri="{FF2B5EF4-FFF2-40B4-BE49-F238E27FC236}">
+                <a16:creationId xmlns:a16="http://schemas.microsoft.com/office/drawing/2014/main" id="{596E9D5A-BD91-43A8-92A6-7811118B06B4}"/>
+              </a:ext>
+            </a:extLst>
+          </p:cNvPr>
+          <p:cNvPicPr>
+            <a:picLocks noChangeAspect="1"/>
+          </p:cNvPicPr>
+          <p:nvPr/>
+        </p:nvPicPr>
+        <p:blipFill>
+          <a:blip r:embed="rId2"/>
+          <a:stretch>
+            <a:fillRect/>
+          </a:stretch>
+        </p:blipFill>
+        <p:spPr>
+          <a:xfrm>
+            <a:off x="7046906" y="0"/>
+            <a:ext cx="3920490" cy="6838950"/>
+          </a:xfrm>
+          <a:prstGeom prst="rect">
+            <a:avLst/>
+          </a:prstGeom>
+        </p:spPr>
+      </p:pic>
+    </p:spTree>
+    <p:extLst>
+      <p:ext uri="{BB962C8B-B14F-4D97-AF65-F5344CB8AC3E}">
+        <p14:creationId xmlns:p14="http://schemas.microsoft.com/office/powerpoint/2010/main" val="3484842030"/>
+      </p:ext>
+    </p:extLst>
+  </p:cSld>
+  <p:clrMapOvr>
+    <a:masterClrMapping/>
+  </p:clrMapOvr>
+</p:sld>
+</file>
+
+<file path=ppt/slides/slide23.xml><?xml version="1.0" encoding="utf-8"?>
+<p:sld xmlns:a="http://schemas.openxmlformats.org/drawingml/2006/main" xmlns:r="http://schemas.openxmlformats.org/officeDocument/2006/relationships" xmlns:p="http://schemas.openxmlformats.org/presentationml/2006/main">
+  <p:cSld>
+    <p:spTree>
+      <p:nvGrpSpPr>
+        <p:cNvPr id="1" name=""/>
+        <p:cNvGrpSpPr/>
+        <p:nvPr/>
+      </p:nvGrpSpPr>
+      <p:grpSpPr>
+        <a:xfrm>
+          <a:off x="0" y="0"/>
+          <a:ext cx="0" cy="0"/>
+          <a:chOff x="0" y="0"/>
+          <a:chExt cx="0" cy="0"/>
+        </a:xfrm>
+      </p:grpSpPr>
+      <p:sp>
+        <p:nvSpPr>
+          <p:cNvPr id="2" name="Titre 1">
+            <a:extLst>
+              <a:ext uri="{FF2B5EF4-FFF2-40B4-BE49-F238E27FC236}">
+                <a16:creationId xmlns:a16="http://schemas.microsoft.com/office/drawing/2014/main" id="{21E31D0D-1B8C-4E39-852F-3549B5B84FF7}"/>
+              </a:ext>
+            </a:extLst>
+          </p:cNvPr>
+          <p:cNvSpPr>
+            <a:spLocks noGrp="1"/>
+          </p:cNvSpPr>
+          <p:nvPr>
+            <p:ph type="title"/>
+          </p:nvPr>
+        </p:nvSpPr>
+        <p:spPr/>
+        <p:txBody>
+          <a:bodyPr/>
+          <a:lstStyle/>
+          <a:p>
+            <a:r>
+              <a:rPr lang="fr-FR" dirty="0"/>
               <a:t>Wireframes (4/4)</a:t>
             </a:r>
           </a:p>
@@ -7545,7 +8202,7 @@
           <a:p>
             <a:fld id="{6C97E930-14A5-472D-AD2C-D42CAE897216}" type="slidenum">
               <a:rPr lang="fr-FR" smtClean="0"/>
-              <a:t>20</a:t>
+              <a:t>23</a:t>
             </a:fld>
             <a:endParaRPr lang="fr-FR" dirty="0"/>
           </a:p>
@@ -7594,7 +8251,7 @@
 </p:sld>
 </file>
 
-<file path=ppt/slides/slide21.xml><?xml version="1.0" encoding="utf-8"?>
+<file path=ppt/slides/slide24.xml><?xml version="1.0" encoding="utf-8"?>
 <p:sld xmlns:a="http://schemas.openxmlformats.org/drawingml/2006/main" xmlns:r="http://schemas.openxmlformats.org/officeDocument/2006/relationships" xmlns:p="http://schemas.openxmlformats.org/presentationml/2006/main">
   <p:cSld>
     <p:spTree>
@@ -7751,7 +8408,7 @@
           <a:p>
             <a:fld id="{6C97E930-14A5-472D-AD2C-D42CAE897216}" type="slidenum">
               <a:rPr lang="fr-FR" smtClean="0"/>
-              <a:t>21</a:t>
+              <a:t>24</a:t>
             </a:fld>
             <a:endParaRPr lang="fr-FR" dirty="0"/>
           </a:p>
@@ -7792,7 +8449,7 @@
           <p:cNvPr id="2" name="Titre 1">
             <a:extLst>
               <a:ext uri="{FF2B5EF4-FFF2-40B4-BE49-F238E27FC236}">
-                <a16:creationId xmlns:a16="http://schemas.microsoft.com/office/drawing/2014/main" id="{829EB31C-1681-440B-A4EB-A3FEC391AB36}"/>
+                <a16:creationId xmlns:a16="http://schemas.microsoft.com/office/drawing/2014/main" id="{48FCBD86-A222-4483-A3D1-0C0CCDB945BD}"/>
               </a:ext>
             </a:extLst>
           </p:cNvPr>
@@ -7810,7 +8467,7 @@
           <a:p>
             <a:r>
               <a:rPr lang="fr-FR" dirty="0"/>
-              <a:t>Analyser et interpréter ce que le client dit</a:t>
+              <a:t>A quoi sert le produit ?</a:t>
             </a:r>
           </a:p>
         </p:txBody>
@@ -7820,7 +8477,7 @@
           <p:cNvPr id="3" name="Espace réservé du contenu 2">
             <a:extLst>
               <a:ext uri="{FF2B5EF4-FFF2-40B4-BE49-F238E27FC236}">
-                <a16:creationId xmlns:a16="http://schemas.microsoft.com/office/drawing/2014/main" id="{95221F84-088F-41DD-BB91-A9766FFCE020}"/>
+                <a16:creationId xmlns:a16="http://schemas.microsoft.com/office/drawing/2014/main" id="{11F48C98-7880-4A9F-AC1E-44ECBE1E6BF1}"/>
               </a:ext>
             </a:extLst>
           </p:cNvPr>
@@ -7838,23 +8495,8 @@
           <a:p>
             <a:r>
               <a:rPr lang="fr-FR" dirty="0"/>
-              <a:t>Lecture des documents pour trouver les réponse au Quoi ? Pour qui ? Et Pourquoi ?</a:t>
-            </a:r>
-          </a:p>
-          <a:p>
-            <a:endParaRPr lang="fr-FR" dirty="0"/>
-          </a:p>
-          <a:p>
-            <a:r>
-              <a:rPr lang="fr-FR" dirty="0"/>
-              <a:t>Remplissage de fiches dont le modèle est :</a:t>
-            </a:r>
-          </a:p>
-          <a:p>
-            <a:endParaRPr lang="fr-FR" dirty="0"/>
-          </a:p>
-          <a:p>
-            <a:endParaRPr lang="fr-FR" dirty="0"/>
+              <a:t>L’application propose une solution numérique afin de faciliter, d’encourager et de suivre le programme de mentorat.</a:t>
+            </a:r>
           </a:p>
         </p:txBody>
       </p:sp>
@@ -7863,7 +8505,7 @@
           <p:cNvPr id="4" name="Espace réservé du numéro de diapositive 3">
             <a:extLst>
               <a:ext uri="{FF2B5EF4-FFF2-40B4-BE49-F238E27FC236}">
-                <a16:creationId xmlns:a16="http://schemas.microsoft.com/office/drawing/2014/main" id="{250280D3-5E29-4E4F-AD4F-28CA384FFAF5}"/>
+                <a16:creationId xmlns:a16="http://schemas.microsoft.com/office/drawing/2014/main" id="{7D3669CF-D644-4DEF-9108-B07E79082BCF}"/>
               </a:ext>
             </a:extLst>
           </p:cNvPr>
@@ -7882,6 +8524,453 @@
             <a:fld id="{6C97E930-14A5-472D-AD2C-D42CAE897216}" type="slidenum">
               <a:rPr lang="fr-FR" smtClean="0"/>
               <a:t>3</a:t>
+            </a:fld>
+            <a:endParaRPr lang="fr-FR" dirty="0"/>
+          </a:p>
+        </p:txBody>
+      </p:sp>
+    </p:spTree>
+    <p:extLst>
+      <p:ext uri="{BB962C8B-B14F-4D97-AF65-F5344CB8AC3E}">
+        <p14:creationId xmlns:p14="http://schemas.microsoft.com/office/powerpoint/2010/main" val="331212564"/>
+      </p:ext>
+    </p:extLst>
+  </p:cSld>
+  <p:clrMapOvr>
+    <a:masterClrMapping/>
+  </p:clrMapOvr>
+</p:sld>
+</file>
+
+<file path=ppt/slides/slide4.xml><?xml version="1.0" encoding="utf-8"?>
+<p:sld xmlns:a="http://schemas.openxmlformats.org/drawingml/2006/main" xmlns:r="http://schemas.openxmlformats.org/officeDocument/2006/relationships" xmlns:p="http://schemas.openxmlformats.org/presentationml/2006/main">
+  <p:cSld>
+    <p:spTree>
+      <p:nvGrpSpPr>
+        <p:cNvPr id="1" name=""/>
+        <p:cNvGrpSpPr/>
+        <p:nvPr/>
+      </p:nvGrpSpPr>
+      <p:grpSpPr>
+        <a:xfrm>
+          <a:off x="0" y="0"/>
+          <a:ext cx="0" cy="0"/>
+          <a:chOff x="0" y="0"/>
+          <a:chExt cx="0" cy="0"/>
+        </a:xfrm>
+      </p:grpSpPr>
+      <p:sp>
+        <p:nvSpPr>
+          <p:cNvPr id="2" name="Titre 1">
+            <a:extLst>
+              <a:ext uri="{FF2B5EF4-FFF2-40B4-BE49-F238E27FC236}">
+                <a16:creationId xmlns:a16="http://schemas.microsoft.com/office/drawing/2014/main" id="{48FCBD86-A222-4483-A3D1-0C0CCDB945BD}"/>
+              </a:ext>
+            </a:extLst>
+          </p:cNvPr>
+          <p:cNvSpPr>
+            <a:spLocks noGrp="1"/>
+          </p:cNvSpPr>
+          <p:nvPr>
+            <p:ph type="title"/>
+          </p:nvPr>
+        </p:nvSpPr>
+        <p:spPr/>
+        <p:txBody>
+          <a:bodyPr/>
+          <a:lstStyle/>
+          <a:p>
+            <a:r>
+              <a:rPr lang="fr-FR" dirty="0"/>
+              <a:t>Pour qui est le produit ?</a:t>
+            </a:r>
+          </a:p>
+        </p:txBody>
+      </p:sp>
+      <p:sp>
+        <p:nvSpPr>
+          <p:cNvPr id="3" name="Espace réservé du contenu 2">
+            <a:extLst>
+              <a:ext uri="{FF2B5EF4-FFF2-40B4-BE49-F238E27FC236}">
+                <a16:creationId xmlns:a16="http://schemas.microsoft.com/office/drawing/2014/main" id="{11F48C98-7880-4A9F-AC1E-44ECBE1E6BF1}"/>
+              </a:ext>
+            </a:extLst>
+          </p:cNvPr>
+          <p:cNvSpPr>
+            <a:spLocks noGrp="1"/>
+          </p:cNvSpPr>
+          <p:nvPr>
+            <p:ph idx="1"/>
+          </p:nvPr>
+        </p:nvSpPr>
+        <p:spPr/>
+        <p:txBody>
+          <a:bodyPr/>
+          <a:lstStyle/>
+          <a:p>
+            <a:r>
+              <a:rPr lang="fr-FR" dirty="0"/>
+              <a:t>Dans un premier temps : le personnel salarié et leurs réseaux.</a:t>
+            </a:r>
+          </a:p>
+          <a:p>
+            <a:r>
+              <a:rPr lang="fr-FR" dirty="0"/>
+              <a:t>Le succès permettra d’envisager la création d’un projet commercial plus large avec vente de packages aux startups sans ressource pour leur mentorat.</a:t>
+            </a:r>
+          </a:p>
+          <a:p>
+            <a:r>
+              <a:rPr lang="fr-FR" dirty="0"/>
+              <a:t>Et aussi proposer une solution informatique à https://www.1jeune1solution.gouv.fr/mentorat</a:t>
+            </a:r>
+          </a:p>
+          <a:p>
+            <a:r>
+              <a:rPr lang="fr-FR" dirty="0"/>
+              <a:t>En effet les deux plateforme existantes sont </a:t>
+            </a:r>
+            <a:r>
+              <a:rPr lang="fr-FR" dirty="0" err="1"/>
+              <a:t>chronus</a:t>
+            </a:r>
+            <a:r>
+              <a:rPr lang="fr-FR" dirty="0"/>
+              <a:t> (USA) et </a:t>
+            </a:r>
+            <a:r>
+              <a:rPr lang="fr-FR" dirty="0" err="1"/>
+              <a:t>unibly</a:t>
+            </a:r>
+            <a:r>
+              <a:rPr lang="fr-FR" dirty="0"/>
+              <a:t> (Singapore).</a:t>
+            </a:r>
+          </a:p>
+        </p:txBody>
+      </p:sp>
+      <p:sp>
+        <p:nvSpPr>
+          <p:cNvPr id="4" name="Espace réservé du numéro de diapositive 3">
+            <a:extLst>
+              <a:ext uri="{FF2B5EF4-FFF2-40B4-BE49-F238E27FC236}">
+                <a16:creationId xmlns:a16="http://schemas.microsoft.com/office/drawing/2014/main" id="{7D3669CF-D644-4DEF-9108-B07E79082BCF}"/>
+              </a:ext>
+            </a:extLst>
+          </p:cNvPr>
+          <p:cNvSpPr>
+            <a:spLocks noGrp="1"/>
+          </p:cNvSpPr>
+          <p:nvPr>
+            <p:ph type="sldNum" sz="quarter" idx="12"/>
+          </p:nvPr>
+        </p:nvSpPr>
+        <p:spPr/>
+        <p:txBody>
+          <a:bodyPr/>
+          <a:lstStyle/>
+          <a:p>
+            <a:fld id="{6C97E930-14A5-472D-AD2C-D42CAE897216}" type="slidenum">
+              <a:rPr lang="fr-FR" smtClean="0"/>
+              <a:t>4</a:t>
+            </a:fld>
+            <a:endParaRPr lang="fr-FR" dirty="0"/>
+          </a:p>
+        </p:txBody>
+      </p:sp>
+    </p:spTree>
+    <p:extLst>
+      <p:ext uri="{BB962C8B-B14F-4D97-AF65-F5344CB8AC3E}">
+        <p14:creationId xmlns:p14="http://schemas.microsoft.com/office/powerpoint/2010/main" val="1916570922"/>
+      </p:ext>
+    </p:extLst>
+  </p:cSld>
+  <p:clrMapOvr>
+    <a:masterClrMapping/>
+  </p:clrMapOvr>
+</p:sld>
+</file>
+
+<file path=ppt/slides/slide5.xml><?xml version="1.0" encoding="utf-8"?>
+<p:sld xmlns:a="http://schemas.openxmlformats.org/drawingml/2006/main" xmlns:r="http://schemas.openxmlformats.org/officeDocument/2006/relationships" xmlns:p="http://schemas.openxmlformats.org/presentationml/2006/main">
+  <p:cSld>
+    <p:spTree>
+      <p:nvGrpSpPr>
+        <p:cNvPr id="1" name=""/>
+        <p:cNvGrpSpPr/>
+        <p:nvPr/>
+      </p:nvGrpSpPr>
+      <p:grpSpPr>
+        <a:xfrm>
+          <a:off x="0" y="0"/>
+          <a:ext cx="0" cy="0"/>
+          <a:chOff x="0" y="0"/>
+          <a:chExt cx="0" cy="0"/>
+        </a:xfrm>
+      </p:grpSpPr>
+      <p:sp>
+        <p:nvSpPr>
+          <p:cNvPr id="2" name="Titre 1">
+            <a:extLst>
+              <a:ext uri="{FF2B5EF4-FFF2-40B4-BE49-F238E27FC236}">
+                <a16:creationId xmlns:a16="http://schemas.microsoft.com/office/drawing/2014/main" id="{48FCBD86-A222-4483-A3D1-0C0CCDB945BD}"/>
+              </a:ext>
+            </a:extLst>
+          </p:cNvPr>
+          <p:cNvSpPr>
+            <a:spLocks noGrp="1"/>
+          </p:cNvSpPr>
+          <p:nvPr>
+            <p:ph type="title"/>
+          </p:nvPr>
+        </p:nvSpPr>
+        <p:spPr/>
+        <p:txBody>
+          <a:bodyPr>
+            <a:normAutofit/>
+          </a:bodyPr>
+          <a:lstStyle/>
+          <a:p>
+            <a:r>
+              <a:rPr lang="fr-FR" dirty="0">
+                <a:solidFill>
+                  <a:srgbClr val="000000"/>
+                </a:solidFill>
+                <a:latin typeface="Montserrat" panose="00000500000000000000" pitchFamily="2" charset="0"/>
+              </a:rPr>
+              <a:t>C</a:t>
+            </a:r>
+            <a:r>
+              <a:rPr lang="fr-FR" b="0" i="0" dirty="0">
+                <a:solidFill>
+                  <a:srgbClr val="000000"/>
+                </a:solidFill>
+                <a:effectLst/>
+                <a:latin typeface="Montserrat" panose="00000500000000000000" pitchFamily="2" charset="0"/>
+              </a:rPr>
+              <a:t>omment vous mesurez la réussite du produit ?</a:t>
+            </a:r>
+            <a:endParaRPr lang="fr-FR" dirty="0"/>
+          </a:p>
+        </p:txBody>
+      </p:sp>
+      <p:sp>
+        <p:nvSpPr>
+          <p:cNvPr id="3" name="Espace réservé du contenu 2">
+            <a:extLst>
+              <a:ext uri="{FF2B5EF4-FFF2-40B4-BE49-F238E27FC236}">
+                <a16:creationId xmlns:a16="http://schemas.microsoft.com/office/drawing/2014/main" id="{11F48C98-7880-4A9F-AC1E-44ECBE1E6BF1}"/>
+              </a:ext>
+            </a:extLst>
+          </p:cNvPr>
+          <p:cNvSpPr>
+            <a:spLocks noGrp="1"/>
+          </p:cNvSpPr>
+          <p:nvPr>
+            <p:ph idx="1"/>
+          </p:nvPr>
+        </p:nvSpPr>
+        <p:spPr/>
+        <p:txBody>
+          <a:bodyPr/>
+          <a:lstStyle/>
+          <a:p>
+            <a:r>
+              <a:rPr lang="fr-FR" dirty="0"/>
+              <a:t>Métriques du projet : </a:t>
+            </a:r>
+          </a:p>
+          <a:p>
+            <a:pPr lvl="1">
+              <a:buFont typeface="Courier New" panose="02070309020205020404" pitchFamily="49" charset="0"/>
+              <a:buChar char="o"/>
+            </a:pPr>
+            <a:r>
+              <a:rPr lang="fr-FR" dirty="0"/>
+              <a:t>Sur la fréquence d’inscription dont l’unité de temps reste à déterminer</a:t>
+            </a:r>
+          </a:p>
+          <a:p>
+            <a:pPr lvl="1">
+              <a:buFont typeface="Courier New" panose="02070309020205020404" pitchFamily="49" charset="0"/>
+              <a:buChar char="o"/>
+            </a:pPr>
+            <a:r>
+              <a:rPr lang="fr-FR" dirty="0"/>
+              <a:t>Sur la rétention d’utilisateur (moyenne de durée d’inscription dont la période reste à déterminer)</a:t>
+            </a:r>
+          </a:p>
+          <a:p>
+            <a:pPr marL="457200" lvl="1" indent="0">
+              <a:buNone/>
+            </a:pPr>
+            <a:endParaRPr lang="fr-FR" dirty="0"/>
+          </a:p>
+          <a:p>
+            <a:r>
+              <a:rPr lang="fr-FR" dirty="0"/>
+              <a:t>Evaluer les plus-values du programme du mentorat sur la collaboration au travail (recueil des sentiments : meilleure confiance dans ses compétences, gain en efficacité de travail, …).</a:t>
+            </a:r>
+          </a:p>
+          <a:p>
+            <a:endParaRPr lang="fr-FR" dirty="0"/>
+          </a:p>
+        </p:txBody>
+      </p:sp>
+      <p:sp>
+        <p:nvSpPr>
+          <p:cNvPr id="4" name="Espace réservé du numéro de diapositive 3">
+            <a:extLst>
+              <a:ext uri="{FF2B5EF4-FFF2-40B4-BE49-F238E27FC236}">
+                <a16:creationId xmlns:a16="http://schemas.microsoft.com/office/drawing/2014/main" id="{7D3669CF-D644-4DEF-9108-B07E79082BCF}"/>
+              </a:ext>
+            </a:extLst>
+          </p:cNvPr>
+          <p:cNvSpPr>
+            <a:spLocks noGrp="1"/>
+          </p:cNvSpPr>
+          <p:nvPr>
+            <p:ph type="sldNum" sz="quarter" idx="12"/>
+          </p:nvPr>
+        </p:nvSpPr>
+        <p:spPr/>
+        <p:txBody>
+          <a:bodyPr/>
+          <a:lstStyle/>
+          <a:p>
+            <a:fld id="{6C97E930-14A5-472D-AD2C-D42CAE897216}" type="slidenum">
+              <a:rPr lang="fr-FR" smtClean="0"/>
+              <a:t>5</a:t>
+            </a:fld>
+            <a:endParaRPr lang="fr-FR" dirty="0"/>
+          </a:p>
+        </p:txBody>
+      </p:sp>
+    </p:spTree>
+    <p:extLst>
+      <p:ext uri="{BB962C8B-B14F-4D97-AF65-F5344CB8AC3E}">
+        <p14:creationId xmlns:p14="http://schemas.microsoft.com/office/powerpoint/2010/main" val="2084408742"/>
+      </p:ext>
+    </p:extLst>
+  </p:cSld>
+  <p:clrMapOvr>
+    <a:masterClrMapping/>
+  </p:clrMapOvr>
+</p:sld>
+</file>
+
+<file path=ppt/slides/slide6.xml><?xml version="1.0" encoding="utf-8"?>
+<p:sld xmlns:a="http://schemas.openxmlformats.org/drawingml/2006/main" xmlns:r="http://schemas.openxmlformats.org/officeDocument/2006/relationships" xmlns:p="http://schemas.openxmlformats.org/presentationml/2006/main">
+  <p:cSld>
+    <p:spTree>
+      <p:nvGrpSpPr>
+        <p:cNvPr id="1" name=""/>
+        <p:cNvGrpSpPr/>
+        <p:nvPr/>
+      </p:nvGrpSpPr>
+      <p:grpSpPr>
+        <a:xfrm>
+          <a:off x="0" y="0"/>
+          <a:ext cx="0" cy="0"/>
+          <a:chOff x="0" y="0"/>
+          <a:chExt cx="0" cy="0"/>
+        </a:xfrm>
+      </p:grpSpPr>
+      <p:sp>
+        <p:nvSpPr>
+          <p:cNvPr id="2" name="Titre 1">
+            <a:extLst>
+              <a:ext uri="{FF2B5EF4-FFF2-40B4-BE49-F238E27FC236}">
+                <a16:creationId xmlns:a16="http://schemas.microsoft.com/office/drawing/2014/main" id="{829EB31C-1681-440B-A4EB-A3FEC391AB36}"/>
+              </a:ext>
+            </a:extLst>
+          </p:cNvPr>
+          <p:cNvSpPr>
+            <a:spLocks noGrp="1"/>
+          </p:cNvSpPr>
+          <p:nvPr>
+            <p:ph type="title"/>
+          </p:nvPr>
+        </p:nvSpPr>
+        <p:spPr/>
+        <p:txBody>
+          <a:bodyPr/>
+          <a:lstStyle/>
+          <a:p>
+            <a:r>
+              <a:rPr lang="fr-FR" dirty="0"/>
+              <a:t>Analyser et interpréter ce que le client dit</a:t>
+            </a:r>
+          </a:p>
+        </p:txBody>
+      </p:sp>
+      <p:sp>
+        <p:nvSpPr>
+          <p:cNvPr id="3" name="Espace réservé du contenu 2">
+            <a:extLst>
+              <a:ext uri="{FF2B5EF4-FFF2-40B4-BE49-F238E27FC236}">
+                <a16:creationId xmlns:a16="http://schemas.microsoft.com/office/drawing/2014/main" id="{95221F84-088F-41DD-BB91-A9766FFCE020}"/>
+              </a:ext>
+            </a:extLst>
+          </p:cNvPr>
+          <p:cNvSpPr>
+            <a:spLocks noGrp="1"/>
+          </p:cNvSpPr>
+          <p:nvPr>
+            <p:ph idx="1"/>
+          </p:nvPr>
+        </p:nvSpPr>
+        <p:spPr/>
+        <p:txBody>
+          <a:bodyPr/>
+          <a:lstStyle/>
+          <a:p>
+            <a:r>
+              <a:rPr lang="fr-FR" dirty="0"/>
+              <a:t>Lecture des documents pour trouver les réponse au Quoi ? Pour qui ? Et Pourquoi ?</a:t>
+            </a:r>
+          </a:p>
+          <a:p>
+            <a:endParaRPr lang="fr-FR" dirty="0"/>
+          </a:p>
+          <a:p>
+            <a:r>
+              <a:rPr lang="fr-FR" dirty="0"/>
+              <a:t>Remplissage de fiches dont le modèle est :</a:t>
+            </a:r>
+          </a:p>
+          <a:p>
+            <a:endParaRPr lang="fr-FR" dirty="0"/>
+          </a:p>
+          <a:p>
+            <a:endParaRPr lang="fr-FR" dirty="0"/>
+          </a:p>
+        </p:txBody>
+      </p:sp>
+      <p:sp>
+        <p:nvSpPr>
+          <p:cNvPr id="4" name="Espace réservé du numéro de diapositive 3">
+            <a:extLst>
+              <a:ext uri="{FF2B5EF4-FFF2-40B4-BE49-F238E27FC236}">
+                <a16:creationId xmlns:a16="http://schemas.microsoft.com/office/drawing/2014/main" id="{250280D3-5E29-4E4F-AD4F-28CA384FFAF5}"/>
+              </a:ext>
+            </a:extLst>
+          </p:cNvPr>
+          <p:cNvSpPr>
+            <a:spLocks noGrp="1"/>
+          </p:cNvSpPr>
+          <p:nvPr>
+            <p:ph type="sldNum" sz="quarter" idx="12"/>
+          </p:nvPr>
+        </p:nvSpPr>
+        <p:spPr/>
+        <p:txBody>
+          <a:bodyPr/>
+          <a:lstStyle/>
+          <a:p>
+            <a:fld id="{6C97E930-14A5-472D-AD2C-D42CAE897216}" type="slidenum">
+              <a:rPr lang="fr-FR" smtClean="0"/>
+              <a:t>6</a:t>
             </a:fld>
             <a:endParaRPr lang="fr-FR" dirty="0"/>
           </a:p>
@@ -8116,7 +9205,7 @@
 </p:sld>
 </file>
 
-<file path=ppt/slides/slide4.xml><?xml version="1.0" encoding="utf-8"?>
+<file path=ppt/slides/slide7.xml><?xml version="1.0" encoding="utf-8"?>
 <p:sld xmlns:a="http://schemas.openxmlformats.org/drawingml/2006/main" xmlns:r="http://schemas.openxmlformats.org/officeDocument/2006/relationships" xmlns:p="http://schemas.openxmlformats.org/presentationml/2006/main">
   <p:cSld>
     <p:spTree>
@@ -8199,7 +9288,7 @@
           <a:p>
             <a:fld id="{6C97E930-14A5-472D-AD2C-D42CAE897216}" type="slidenum">
               <a:rPr lang="fr-FR" smtClean="0"/>
-              <a:t>4</a:t>
+              <a:t>7</a:t>
             </a:fld>
             <a:endParaRPr lang="fr-FR" dirty="0"/>
           </a:p>
@@ -8254,573 +9343,6 @@
 </p:sld>
 </file>
 
-<file path=ppt/slides/slide5.xml><?xml version="1.0" encoding="utf-8"?>
-<p:sld xmlns:a="http://schemas.openxmlformats.org/drawingml/2006/main" xmlns:r="http://schemas.openxmlformats.org/officeDocument/2006/relationships" xmlns:p="http://schemas.openxmlformats.org/presentationml/2006/main">
-  <p:cSld>
-    <p:spTree>
-      <p:nvGrpSpPr>
-        <p:cNvPr id="1" name=""/>
-        <p:cNvGrpSpPr/>
-        <p:nvPr/>
-      </p:nvGrpSpPr>
-      <p:grpSpPr>
-        <a:xfrm>
-          <a:off x="0" y="0"/>
-          <a:ext cx="0" cy="0"/>
-          <a:chOff x="0" y="0"/>
-          <a:chExt cx="0" cy="0"/>
-        </a:xfrm>
-      </p:grpSpPr>
-      <p:sp>
-        <p:nvSpPr>
-          <p:cNvPr id="2" name="Titre 1">
-            <a:extLst>
-              <a:ext uri="{FF2B5EF4-FFF2-40B4-BE49-F238E27FC236}">
-                <a16:creationId xmlns:a16="http://schemas.microsoft.com/office/drawing/2014/main" id="{B9A3F10B-8919-47CE-AD73-FC939BEB0801}"/>
-              </a:ext>
-            </a:extLst>
-          </p:cNvPr>
-          <p:cNvSpPr>
-            <a:spLocks noGrp="1"/>
-          </p:cNvSpPr>
-          <p:nvPr>
-            <p:ph type="title"/>
-          </p:nvPr>
-        </p:nvSpPr>
-        <p:spPr>
-          <a:xfrm>
-            <a:off x="158931" y="399141"/>
-            <a:ext cx="4811391" cy="5991225"/>
-          </a:xfrm>
-        </p:spPr>
-        <p:txBody>
-          <a:bodyPr/>
-          <a:lstStyle/>
-          <a:p>
-            <a:r>
-              <a:rPr lang="fr-FR" dirty="0"/>
-              <a:t>Diagramme des cas d’utilisation à partir de l’Event </a:t>
-            </a:r>
-            <a:r>
-              <a:rPr lang="fr-FR" dirty="0" err="1"/>
-              <a:t>Storming</a:t>
-            </a:r>
-            <a:endParaRPr lang="fr-FR" dirty="0"/>
-          </a:p>
-        </p:txBody>
-      </p:sp>
-      <p:pic>
-        <p:nvPicPr>
-          <p:cNvPr id="8" name="Espace réservé du contenu 7">
-            <a:extLst>
-              <a:ext uri="{FF2B5EF4-FFF2-40B4-BE49-F238E27FC236}">
-                <a16:creationId xmlns:a16="http://schemas.microsoft.com/office/drawing/2014/main" id="{D1D2937F-CDB0-4CB5-98A6-DB690606149C}"/>
-              </a:ext>
-            </a:extLst>
-          </p:cNvPr>
-          <p:cNvPicPr>
-            <a:picLocks noGrp="1" noChangeAspect="1"/>
-          </p:cNvPicPr>
-          <p:nvPr>
-            <p:ph idx="1"/>
-          </p:nvPr>
-        </p:nvPicPr>
-        <p:blipFill>
-          <a:blip r:embed="rId2">
-            <a:extLst>
-              <a:ext uri="{28A0092B-C50C-407E-A947-70E740481C1C}">
-                <a14:useLocalDpi xmlns:a14="http://schemas.microsoft.com/office/drawing/2010/main" val="0"/>
-              </a:ext>
-            </a:extLst>
-          </a:blip>
-          <a:srcRect/>
-          <a:stretch/>
-        </p:blipFill>
-        <p:spPr>
-          <a:xfrm>
-            <a:off x="5964860" y="532401"/>
-            <a:ext cx="5021821" cy="5724707"/>
-          </a:xfrm>
-        </p:spPr>
-      </p:pic>
-      <p:sp>
-        <p:nvSpPr>
-          <p:cNvPr id="4" name="Espace réservé du numéro de diapositive 3">
-            <a:extLst>
-              <a:ext uri="{FF2B5EF4-FFF2-40B4-BE49-F238E27FC236}">
-                <a16:creationId xmlns:a16="http://schemas.microsoft.com/office/drawing/2014/main" id="{D5B05B50-AF86-4A81-86B6-60C269DF0BB3}"/>
-              </a:ext>
-            </a:extLst>
-          </p:cNvPr>
-          <p:cNvSpPr>
-            <a:spLocks noGrp="1"/>
-          </p:cNvSpPr>
-          <p:nvPr>
-            <p:ph type="sldNum" sz="quarter" idx="12"/>
-          </p:nvPr>
-        </p:nvSpPr>
-        <p:spPr/>
-        <p:txBody>
-          <a:bodyPr/>
-          <a:lstStyle/>
-          <a:p>
-            <a:fld id="{6C97E930-14A5-472D-AD2C-D42CAE897216}" type="slidenum">
-              <a:rPr lang="fr-FR" smtClean="0"/>
-              <a:t>5</a:t>
-            </a:fld>
-            <a:endParaRPr lang="fr-FR" dirty="0"/>
-          </a:p>
-        </p:txBody>
-      </p:sp>
-    </p:spTree>
-    <p:extLst>
-      <p:ext uri="{BB962C8B-B14F-4D97-AF65-F5344CB8AC3E}">
-        <p14:creationId xmlns:p14="http://schemas.microsoft.com/office/powerpoint/2010/main" val="2222453712"/>
-      </p:ext>
-    </p:extLst>
-  </p:cSld>
-  <p:clrMapOvr>
-    <a:masterClrMapping/>
-  </p:clrMapOvr>
-</p:sld>
-</file>
-
-<file path=ppt/slides/slide6.xml><?xml version="1.0" encoding="utf-8"?>
-<p:sld xmlns:a="http://schemas.openxmlformats.org/drawingml/2006/main" xmlns:r="http://schemas.openxmlformats.org/officeDocument/2006/relationships" xmlns:p="http://schemas.openxmlformats.org/presentationml/2006/main">
-  <p:cSld>
-    <p:spTree>
-      <p:nvGrpSpPr>
-        <p:cNvPr id="1" name=""/>
-        <p:cNvGrpSpPr/>
-        <p:nvPr/>
-      </p:nvGrpSpPr>
-      <p:grpSpPr>
-        <a:xfrm>
-          <a:off x="0" y="0"/>
-          <a:ext cx="0" cy="0"/>
-          <a:chOff x="0" y="0"/>
-          <a:chExt cx="0" cy="0"/>
-        </a:xfrm>
-      </p:grpSpPr>
-      <p:sp>
-        <p:nvSpPr>
-          <p:cNvPr id="2" name="Titre 1">
-            <a:extLst>
-              <a:ext uri="{FF2B5EF4-FFF2-40B4-BE49-F238E27FC236}">
-                <a16:creationId xmlns:a16="http://schemas.microsoft.com/office/drawing/2014/main" id="{B9A3F10B-8919-47CE-AD73-FC939BEB0801}"/>
-              </a:ext>
-            </a:extLst>
-          </p:cNvPr>
-          <p:cNvSpPr>
-            <a:spLocks noGrp="1"/>
-          </p:cNvSpPr>
-          <p:nvPr>
-            <p:ph type="title"/>
-          </p:nvPr>
-        </p:nvSpPr>
-        <p:spPr>
-          <a:xfrm>
-            <a:off x="158931" y="399141"/>
-            <a:ext cx="4906845" cy="5991225"/>
-          </a:xfrm>
-        </p:spPr>
-        <p:txBody>
-          <a:bodyPr/>
-          <a:lstStyle/>
-          <a:p>
-            <a:r>
-              <a:rPr lang="fr-FR" dirty="0"/>
-              <a:t>Puis itération pour affiner les cas d’utilisations en contextes délimités (</a:t>
-            </a:r>
-            <a:r>
-              <a:rPr lang="fr-FR" dirty="0" err="1"/>
-              <a:t>Bounded</a:t>
-            </a:r>
-            <a:r>
-              <a:rPr lang="fr-FR" dirty="0"/>
-              <a:t> </a:t>
-            </a:r>
-            <a:r>
-              <a:rPr lang="fr-FR" dirty="0" err="1"/>
-              <a:t>Contexts</a:t>
-            </a:r>
-            <a:r>
-              <a:rPr lang="fr-FR" dirty="0"/>
-              <a:t>) : S’authentifier</a:t>
-            </a:r>
-            <a:br>
-              <a:rPr lang="fr-FR" sz="1800" b="1" dirty="0">
-                <a:solidFill>
-                  <a:srgbClr val="00B050"/>
-                </a:solidFill>
-                <a:effectLst/>
-                <a:latin typeface="Roboto" panose="02000000000000000000" pitchFamily="2" charset="0"/>
-                <a:ea typeface="Roboto" panose="02000000000000000000" pitchFamily="2" charset="0"/>
-                <a:cs typeface="Roboto" panose="02000000000000000000" pitchFamily="2" charset="0"/>
-              </a:rPr>
-            </a:br>
-            <a:endParaRPr lang="fr-FR" dirty="0"/>
-          </a:p>
-        </p:txBody>
-      </p:sp>
-      <p:pic>
-        <p:nvPicPr>
-          <p:cNvPr id="8" name="Espace réservé du contenu 7">
-            <a:extLst>
-              <a:ext uri="{FF2B5EF4-FFF2-40B4-BE49-F238E27FC236}">
-                <a16:creationId xmlns:a16="http://schemas.microsoft.com/office/drawing/2014/main" id="{D1D2937F-CDB0-4CB5-98A6-DB690606149C}"/>
-              </a:ext>
-            </a:extLst>
-          </p:cNvPr>
-          <p:cNvPicPr>
-            <a:picLocks noGrp="1" noChangeAspect="1"/>
-          </p:cNvPicPr>
-          <p:nvPr>
-            <p:ph idx="1"/>
-          </p:nvPr>
-        </p:nvPicPr>
-        <p:blipFill>
-          <a:blip r:embed="rId2">
-            <a:extLst>
-              <a:ext uri="{28A0092B-C50C-407E-A947-70E740481C1C}">
-                <a14:useLocalDpi xmlns:a14="http://schemas.microsoft.com/office/drawing/2010/main" val="0"/>
-              </a:ext>
-            </a:extLst>
-          </a:blip>
-          <a:srcRect/>
-          <a:stretch/>
-        </p:blipFill>
-        <p:spPr>
-          <a:xfrm>
-            <a:off x="5166360" y="235986"/>
-            <a:ext cx="6364224" cy="6074529"/>
-          </a:xfrm>
-        </p:spPr>
-      </p:pic>
-      <p:sp>
-        <p:nvSpPr>
-          <p:cNvPr id="4" name="Espace réservé du numéro de diapositive 3">
-            <a:extLst>
-              <a:ext uri="{FF2B5EF4-FFF2-40B4-BE49-F238E27FC236}">
-                <a16:creationId xmlns:a16="http://schemas.microsoft.com/office/drawing/2014/main" id="{D5B05B50-AF86-4A81-86B6-60C269DF0BB3}"/>
-              </a:ext>
-            </a:extLst>
-          </p:cNvPr>
-          <p:cNvSpPr>
-            <a:spLocks noGrp="1"/>
-          </p:cNvSpPr>
-          <p:nvPr>
-            <p:ph type="sldNum" sz="quarter" idx="12"/>
-          </p:nvPr>
-        </p:nvSpPr>
-        <p:spPr/>
-        <p:txBody>
-          <a:bodyPr/>
-          <a:lstStyle/>
-          <a:p>
-            <a:pPr marL="0" marR="0" lvl="0" indent="0" algn="r" defTabSz="914400" rtl="0" eaLnBrk="1" fontAlgn="auto" latinLnBrk="0" hangingPunct="1">
-              <a:lnSpc>
-                <a:spcPct val="100000"/>
-              </a:lnSpc>
-              <a:spcBef>
-                <a:spcPts val="0"/>
-              </a:spcBef>
-              <a:spcAft>
-                <a:spcPts val="0"/>
-              </a:spcAft>
-              <a:buClrTx/>
-              <a:buSzTx/>
-              <a:buFontTx/>
-              <a:buNone/>
-              <a:tabLst/>
-              <a:defRPr/>
-            </a:pPr>
-            <a:fld id="{6C97E930-14A5-472D-AD2C-D42CAE897216}" type="slidenum">
-              <a:rPr kumimoji="0" lang="fr-FR" sz="1200" b="0" i="0" u="none" strike="noStrike" kern="1200" cap="none" spc="0" normalizeH="0" baseline="0" noProof="0" smtClean="0">
-                <a:ln>
-                  <a:noFill/>
-                </a:ln>
-                <a:solidFill>
-                  <a:prstClr val="black">
-                    <a:tint val="75000"/>
-                  </a:prstClr>
-                </a:solidFill>
-                <a:effectLst/>
-                <a:uLnTx/>
-                <a:uFillTx/>
-                <a:latin typeface="Calibri" panose="020F0502020204030204"/>
-                <a:ea typeface="+mn-ea"/>
-                <a:cs typeface="+mn-cs"/>
-              </a:rPr>
-              <a:pPr marL="0" marR="0" lvl="0" indent="0" algn="r" defTabSz="914400" rtl="0" eaLnBrk="1" fontAlgn="auto" latinLnBrk="0" hangingPunct="1">
-                <a:lnSpc>
-                  <a:spcPct val="100000"/>
-                </a:lnSpc>
-                <a:spcBef>
-                  <a:spcPts val="0"/>
-                </a:spcBef>
-                <a:spcAft>
-                  <a:spcPts val="0"/>
-                </a:spcAft>
-                <a:buClrTx/>
-                <a:buSzTx/>
-                <a:buFontTx/>
-                <a:buNone/>
-                <a:tabLst/>
-                <a:defRPr/>
-              </a:pPr>
-              <a:t>6</a:t>
-            </a:fld>
-            <a:endParaRPr kumimoji="0" lang="fr-FR" sz="1200" b="0" i="0" u="none" strike="noStrike" kern="1200" cap="none" spc="0" normalizeH="0" baseline="0" noProof="0" dirty="0">
-              <a:ln>
-                <a:noFill/>
-              </a:ln>
-              <a:solidFill>
-                <a:prstClr val="black">
-                  <a:tint val="75000"/>
-                </a:prstClr>
-              </a:solidFill>
-              <a:effectLst/>
-              <a:uLnTx/>
-              <a:uFillTx/>
-              <a:latin typeface="Calibri" panose="020F0502020204030204"/>
-              <a:ea typeface="+mn-ea"/>
-              <a:cs typeface="+mn-cs"/>
-            </a:endParaRPr>
-          </a:p>
-        </p:txBody>
-      </p:sp>
-    </p:spTree>
-    <p:extLst>
-      <p:ext uri="{BB962C8B-B14F-4D97-AF65-F5344CB8AC3E}">
-        <p14:creationId xmlns:p14="http://schemas.microsoft.com/office/powerpoint/2010/main" val="552484896"/>
-      </p:ext>
-    </p:extLst>
-  </p:cSld>
-  <p:clrMapOvr>
-    <a:masterClrMapping/>
-  </p:clrMapOvr>
-</p:sld>
-</file>
-
-<file path=ppt/slides/slide7.xml><?xml version="1.0" encoding="utf-8"?>
-<p:sld xmlns:a="http://schemas.openxmlformats.org/drawingml/2006/main" xmlns:r="http://schemas.openxmlformats.org/officeDocument/2006/relationships" xmlns:p="http://schemas.openxmlformats.org/presentationml/2006/main">
-  <p:cSld>
-    <p:spTree>
-      <p:nvGrpSpPr>
-        <p:cNvPr id="1" name=""/>
-        <p:cNvGrpSpPr/>
-        <p:nvPr/>
-      </p:nvGrpSpPr>
-      <p:grpSpPr>
-        <a:xfrm>
-          <a:off x="0" y="0"/>
-          <a:ext cx="0" cy="0"/>
-          <a:chOff x="0" y="0"/>
-          <a:chExt cx="0" cy="0"/>
-        </a:xfrm>
-      </p:grpSpPr>
-      <p:sp>
-        <p:nvSpPr>
-          <p:cNvPr id="2" name="Titre 1">
-            <a:extLst>
-              <a:ext uri="{FF2B5EF4-FFF2-40B4-BE49-F238E27FC236}">
-                <a16:creationId xmlns:a16="http://schemas.microsoft.com/office/drawing/2014/main" id="{B9A3F10B-8919-47CE-AD73-FC939BEB0801}"/>
-              </a:ext>
-            </a:extLst>
-          </p:cNvPr>
-          <p:cNvSpPr>
-            <a:spLocks noGrp="1"/>
-          </p:cNvSpPr>
-          <p:nvPr>
-            <p:ph type="title"/>
-          </p:nvPr>
-        </p:nvSpPr>
-        <p:spPr>
-          <a:xfrm>
-            <a:off x="158931" y="399141"/>
-            <a:ext cx="4906845" cy="5991225"/>
-          </a:xfrm>
-        </p:spPr>
-        <p:txBody>
-          <a:bodyPr/>
-          <a:lstStyle/>
-          <a:p>
-            <a:r>
-              <a:rPr lang="fr-FR" dirty="0"/>
-              <a:t>Puis itération pour affiner les cas d’utilisations en contextes délimités (</a:t>
-            </a:r>
-            <a:r>
-              <a:rPr lang="fr-FR" dirty="0" err="1"/>
-              <a:t>Bounded</a:t>
-            </a:r>
-            <a:r>
-              <a:rPr lang="fr-FR" dirty="0"/>
-              <a:t> </a:t>
-            </a:r>
-            <a:r>
-              <a:rPr lang="fr-FR" dirty="0" err="1"/>
-              <a:t>Contexts</a:t>
-            </a:r>
-            <a:r>
-              <a:rPr lang="fr-FR" dirty="0"/>
-              <a:t>) : Gérer utilisateurs</a:t>
-            </a:r>
-            <a:br>
-              <a:rPr lang="fr-FR" sz="1800" b="1" dirty="0">
-                <a:solidFill>
-                  <a:srgbClr val="00B050"/>
-                </a:solidFill>
-                <a:effectLst/>
-                <a:latin typeface="Roboto" panose="02000000000000000000" pitchFamily="2" charset="0"/>
-                <a:ea typeface="Roboto" panose="02000000000000000000" pitchFamily="2" charset="0"/>
-                <a:cs typeface="Roboto" panose="02000000000000000000" pitchFamily="2" charset="0"/>
-              </a:rPr>
-            </a:br>
-            <a:endParaRPr lang="fr-FR" dirty="0"/>
-          </a:p>
-        </p:txBody>
-      </p:sp>
-      <p:pic>
-        <p:nvPicPr>
-          <p:cNvPr id="8" name="Espace réservé du contenu 7">
-            <a:extLst>
-              <a:ext uri="{FF2B5EF4-FFF2-40B4-BE49-F238E27FC236}">
-                <a16:creationId xmlns:a16="http://schemas.microsoft.com/office/drawing/2014/main" id="{D1D2937F-CDB0-4CB5-98A6-DB690606149C}"/>
-              </a:ext>
-            </a:extLst>
-          </p:cNvPr>
-          <p:cNvPicPr>
-            <a:picLocks noGrp="1" noChangeAspect="1"/>
-          </p:cNvPicPr>
-          <p:nvPr>
-            <p:ph idx="1"/>
-          </p:nvPr>
-        </p:nvPicPr>
-        <p:blipFill>
-          <a:blip r:embed="rId2">
-            <a:extLst>
-              <a:ext uri="{28A0092B-C50C-407E-A947-70E740481C1C}">
-                <a14:useLocalDpi xmlns:a14="http://schemas.microsoft.com/office/drawing/2010/main" val="0"/>
-              </a:ext>
-            </a:extLst>
-          </a:blip>
-          <a:srcRect/>
-          <a:stretch/>
-        </p:blipFill>
-        <p:spPr>
-          <a:xfrm>
-            <a:off x="5486401" y="235987"/>
-            <a:ext cx="6409944" cy="6154380"/>
-          </a:xfrm>
-        </p:spPr>
-      </p:pic>
-      <p:sp>
-        <p:nvSpPr>
-          <p:cNvPr id="4" name="Espace réservé du numéro de diapositive 3">
-            <a:extLst>
-              <a:ext uri="{FF2B5EF4-FFF2-40B4-BE49-F238E27FC236}">
-                <a16:creationId xmlns:a16="http://schemas.microsoft.com/office/drawing/2014/main" id="{D5B05B50-AF86-4A81-86B6-60C269DF0BB3}"/>
-              </a:ext>
-            </a:extLst>
-          </p:cNvPr>
-          <p:cNvSpPr>
-            <a:spLocks noGrp="1"/>
-          </p:cNvSpPr>
-          <p:nvPr>
-            <p:ph type="sldNum" sz="quarter" idx="12"/>
-          </p:nvPr>
-        </p:nvSpPr>
-        <p:spPr/>
-        <p:txBody>
-          <a:bodyPr/>
-          <a:lstStyle/>
-          <a:p>
-            <a:pPr marL="0" marR="0" lvl="0" indent="0" algn="r" defTabSz="914400" rtl="0" eaLnBrk="1" fontAlgn="auto" latinLnBrk="0" hangingPunct="1">
-              <a:lnSpc>
-                <a:spcPct val="100000"/>
-              </a:lnSpc>
-              <a:spcBef>
-                <a:spcPts val="0"/>
-              </a:spcBef>
-              <a:spcAft>
-                <a:spcPts val="0"/>
-              </a:spcAft>
-              <a:buClrTx/>
-              <a:buSzTx/>
-              <a:buFontTx/>
-              <a:buNone/>
-              <a:tabLst/>
-              <a:defRPr/>
-            </a:pPr>
-            <a:fld id="{6C97E930-14A5-472D-AD2C-D42CAE897216}" type="slidenum">
-              <a:rPr kumimoji="0" lang="fr-FR" sz="1200" b="0" i="0" u="none" strike="noStrike" kern="1200" cap="none" spc="0" normalizeH="0" baseline="0" noProof="0" smtClean="0">
-                <a:ln>
-                  <a:noFill/>
-                </a:ln>
-                <a:solidFill>
-                  <a:prstClr val="black">
-                    <a:tint val="75000"/>
-                  </a:prstClr>
-                </a:solidFill>
-                <a:effectLst/>
-                <a:uLnTx/>
-                <a:uFillTx/>
-                <a:latin typeface="Calibri" panose="020F0502020204030204"/>
-                <a:ea typeface="+mn-ea"/>
-                <a:cs typeface="+mn-cs"/>
-              </a:rPr>
-              <a:pPr marL="0" marR="0" lvl="0" indent="0" algn="r" defTabSz="914400" rtl="0" eaLnBrk="1" fontAlgn="auto" latinLnBrk="0" hangingPunct="1">
-                <a:lnSpc>
-                  <a:spcPct val="100000"/>
-                </a:lnSpc>
-                <a:spcBef>
-                  <a:spcPts val="0"/>
-                </a:spcBef>
-                <a:spcAft>
-                  <a:spcPts val="0"/>
-                </a:spcAft>
-                <a:buClrTx/>
-                <a:buSzTx/>
-                <a:buFontTx/>
-                <a:buNone/>
-                <a:tabLst/>
-                <a:defRPr/>
-              </a:pPr>
-              <a:t>7</a:t>
-            </a:fld>
-            <a:endParaRPr kumimoji="0" lang="fr-FR" sz="1200" b="0" i="0" u="none" strike="noStrike" kern="1200" cap="none" spc="0" normalizeH="0" baseline="0" noProof="0" dirty="0">
-              <a:ln>
-                <a:noFill/>
-              </a:ln>
-              <a:solidFill>
-                <a:prstClr val="black">
-                  <a:tint val="75000"/>
-                </a:prstClr>
-              </a:solidFill>
-              <a:effectLst/>
-              <a:uLnTx/>
-              <a:uFillTx/>
-              <a:latin typeface="Calibri" panose="020F0502020204030204"/>
-              <a:ea typeface="+mn-ea"/>
-              <a:cs typeface="+mn-cs"/>
-            </a:endParaRPr>
-          </a:p>
-        </p:txBody>
-      </p:sp>
-    </p:spTree>
-    <p:extLst>
-      <p:ext uri="{BB962C8B-B14F-4D97-AF65-F5344CB8AC3E}">
-        <p14:creationId xmlns:p14="http://schemas.microsoft.com/office/powerpoint/2010/main" val="2740144960"/>
-      </p:ext>
-    </p:extLst>
-  </p:cSld>
-  <p:clrMapOvr>
-    <a:masterClrMapping/>
-  </p:clrMapOvr>
-</p:sld>
-</file>
-
 <file path=ppt/slides/slide8.xml><?xml version="1.0" encoding="utf-8"?>
 <p:sld xmlns:a="http://schemas.openxmlformats.org/drawingml/2006/main" xmlns:r="http://schemas.openxmlformats.org/officeDocument/2006/relationships" xmlns:p="http://schemas.openxmlformats.org/presentationml/2006/main">
   <p:cSld>
@@ -8857,7 +9379,7 @@
         <p:spPr>
           <a:xfrm>
             <a:off x="158931" y="399141"/>
-            <a:ext cx="4925133" cy="5991225"/>
+            <a:ext cx="4811391" cy="5991225"/>
           </a:xfrm>
         </p:spPr>
         <p:txBody>
@@ -8866,35 +9388,12 @@
           <a:p>
             <a:r>
               <a:rPr lang="fr-FR" dirty="0"/>
-              <a:t>Puis itération pour affiner les cas d’utilisations en contextes délimités (</a:t>
+              <a:t>Diagramme des cas d’utilisation à partir de l’Event </a:t>
             </a:r>
             <a:r>
               <a:rPr lang="fr-FR" dirty="0" err="1"/>
-              <a:t>Bounded</a:t>
-            </a:r>
-            <a:r>
-              <a:rPr lang="fr-FR" dirty="0"/>
-              <a:t> </a:t>
-            </a:r>
-            <a:r>
-              <a:rPr lang="fr-FR" dirty="0" err="1"/>
-              <a:t>Contexts</a:t>
-            </a:r>
-            <a:r>
-              <a:rPr lang="fr-FR" dirty="0"/>
-              <a:t>) : Gérer un contrat</a:t>
-            </a:r>
-            <a:br>
-              <a:rPr lang="fr-FR" sz="1800" b="1" dirty="0">
-                <a:solidFill>
-                  <a:srgbClr val="00B050"/>
-                </a:solidFill>
-                <a:effectLst/>
-                <a:latin typeface="Roboto" panose="02000000000000000000" pitchFamily="2" charset="0"/>
-                <a:ea typeface="Roboto" panose="02000000000000000000" pitchFamily="2" charset="0"/>
-                <a:cs typeface="Roboto" panose="02000000000000000000" pitchFamily="2" charset="0"/>
-              </a:rPr>
-            </a:br>
+              <a:t>Storming</a:t>
+            </a:r>
             <a:endParaRPr lang="fr-FR" dirty="0"/>
           </a:p>
         </p:txBody>
@@ -8928,8 +9427,8 @@
         </p:blipFill>
         <p:spPr>
           <a:xfrm>
-            <a:off x="5294377" y="328119"/>
-            <a:ext cx="6601968" cy="5970115"/>
+            <a:off x="5964860" y="532401"/>
+            <a:ext cx="5021821" cy="5724707"/>
           </a:xfrm>
         </p:spPr>
       </p:pic>
@@ -8954,82 +9453,18 @@
           <a:bodyPr/>
           <a:lstStyle/>
           <a:p>
-            <a:pPr marL="0" marR="0" lvl="0" indent="0" algn="r" defTabSz="914400" rtl="0" eaLnBrk="1" fontAlgn="auto" latinLnBrk="0" hangingPunct="1">
-              <a:lnSpc>
-                <a:spcPct val="100000"/>
-              </a:lnSpc>
-              <a:spcBef>
-                <a:spcPts val="0"/>
-              </a:spcBef>
-              <a:spcAft>
-                <a:spcPts val="0"/>
-              </a:spcAft>
-              <a:buClrTx/>
-              <a:buSzTx/>
-              <a:buFontTx/>
-              <a:buNone/>
-              <a:tabLst/>
-              <a:defRPr/>
-            </a:pPr>
             <a:fld id="{6C97E930-14A5-472D-AD2C-D42CAE897216}" type="slidenum">
-              <a:rPr kumimoji="0" lang="fr-FR" sz="1200" b="0" i="0" u="none" strike="noStrike" kern="1200" cap="none" spc="0" normalizeH="0" baseline="0" noProof="0" smtClean="0">
-                <a:ln>
-                  <a:noFill/>
-                </a:ln>
-                <a:solidFill>
-                  <a:prstClr val="black">
-                    <a:tint val="75000"/>
-                  </a:prstClr>
-                </a:solidFill>
-                <a:effectLst/>
-                <a:uLnTx/>
-                <a:uFillTx/>
-                <a:latin typeface="Calibri" panose="020F0502020204030204"/>
-                <a:ea typeface="+mn-ea"/>
-                <a:cs typeface="+mn-cs"/>
-              </a:rPr>
-              <a:pPr marL="0" marR="0" lvl="0" indent="0" algn="r" defTabSz="914400" rtl="0" eaLnBrk="1" fontAlgn="auto" latinLnBrk="0" hangingPunct="1">
-                <a:lnSpc>
-                  <a:spcPct val="100000"/>
-                </a:lnSpc>
-                <a:spcBef>
-                  <a:spcPts val="0"/>
-                </a:spcBef>
-                <a:spcAft>
-                  <a:spcPts val="0"/>
-                </a:spcAft>
-                <a:buClrTx/>
-                <a:buSzTx/>
-                <a:buFontTx/>
-                <a:buNone/>
-                <a:tabLst/>
-                <a:defRPr/>
-              </a:pPr>
+              <a:rPr lang="fr-FR" smtClean="0"/>
               <a:t>8</a:t>
             </a:fld>
-            <a:endParaRPr kumimoji="0" lang="fr-FR" sz="1200" b="0" i="0" u="none" strike="noStrike" kern="1200" cap="none" spc="0" normalizeH="0" baseline="0" noProof="0" dirty="0">
-              <a:ln>
-                <a:noFill/>
-              </a:ln>
-              <a:solidFill>
-                <a:prstClr val="black">
-                  <a:tint val="75000"/>
-                </a:prstClr>
-              </a:solidFill>
-              <a:effectLst/>
-              <a:uLnTx/>
-              <a:uFillTx/>
-              <a:latin typeface="Calibri" panose="020F0502020204030204"/>
-              <a:ea typeface="+mn-ea"/>
-              <a:cs typeface="+mn-cs"/>
-            </a:endParaRPr>
+            <a:endParaRPr lang="fr-FR" dirty="0"/>
           </a:p>
         </p:txBody>
       </p:sp>
     </p:spTree>
     <p:extLst>
       <p:ext uri="{BB962C8B-B14F-4D97-AF65-F5344CB8AC3E}">
-        <p14:creationId xmlns:p14="http://schemas.microsoft.com/office/powerpoint/2010/main" val="2446936134"/>
+        <p14:creationId xmlns:p14="http://schemas.microsoft.com/office/powerpoint/2010/main" val="2222453712"/>
       </p:ext>
     </p:extLst>
   </p:cSld>
@@ -9075,7 +9510,7 @@
         <p:spPr>
           <a:xfrm>
             <a:off x="158931" y="399141"/>
-            <a:ext cx="4934277" cy="5991225"/>
+            <a:ext cx="4906845" cy="5991225"/>
           </a:xfrm>
         </p:spPr>
         <p:txBody>
@@ -9100,7 +9535,7 @@
             </a:r>
             <a:r>
               <a:rPr lang="fr-FR" dirty="0"/>
-              <a:t>) : Gérer une session</a:t>
+              <a:t>) : S’authentifier</a:t>
             </a:r>
             <a:br>
               <a:rPr lang="fr-FR" sz="1800" b="1" dirty="0">
@@ -9146,8 +9581,8 @@
         </p:blipFill>
         <p:spPr>
           <a:xfrm>
-            <a:off x="5742432" y="328119"/>
-            <a:ext cx="5908463" cy="5970115"/>
+            <a:off x="5166360" y="235986"/>
+            <a:ext cx="6364224" cy="6074529"/>
           </a:xfrm>
         </p:spPr>
       </p:pic>
@@ -9247,7 +9682,7 @@
     </p:spTree>
     <p:extLst>
       <p:ext uri="{BB962C8B-B14F-4D97-AF65-F5344CB8AC3E}">
-        <p14:creationId xmlns:p14="http://schemas.microsoft.com/office/powerpoint/2010/main" val="537366184"/>
+        <p14:creationId xmlns:p14="http://schemas.microsoft.com/office/powerpoint/2010/main" val="552484896"/>
       </p:ext>
     </p:extLst>
   </p:cSld>
